--- a/ExpAnalyzer/DataSheets/ExpAnalyzer_仕様書.pptx
+++ b/ExpAnalyzer/DataSheets/ExpAnalyzer_仕様書.pptx
@@ -5,13 +5,12 @@
     <p:sldMasterId id="2147483651" r:id="rId1"/>
   </p:sldMasterIdLst>
   <p:notesMasterIdLst>
-    <p:notesMasterId r:id="rId6"/>
+    <p:notesMasterId r:id="rId5"/>
   </p:notesMasterIdLst>
   <p:sldIdLst>
     <p:sldId id="256" r:id="rId2"/>
     <p:sldId id="257" r:id="rId3"/>
     <p:sldId id="259" r:id="rId4"/>
-    <p:sldId id="258" r:id="rId5"/>
   </p:sldIdLst>
   <p:sldSz cx="12192000" cy="6858000"/>
   <p:notesSz cx="6858000" cy="9144000"/>
@@ -211,7 +210,7 @@
           <a:p>
             <a:fld id="{EC3ECA90-77F6-4BB8-838E-193460CA105B}" type="datetimeFigureOut">
               <a:rPr kumimoji="1" lang="ja-JP" altLang="en-US" smtClean="0"/>
-              <a:t>2023/8/28</a:t>
+              <a:t>2023/8/31</a:t>
             </a:fld>
             <a:endParaRPr kumimoji="1" lang="ja-JP" altLang="en-US"/>
           </a:p>
@@ -952,7 +951,7 @@
           <a:p>
             <a:fld id="{907C6EF5-DE51-4EDB-A1DF-9C3BABF24F6A}" type="datetimeFigureOut">
               <a:rPr kumimoji="1" lang="ja-JP" altLang="en-US" smtClean="0"/>
-              <a:t>2023/8/28</a:t>
+              <a:t>2023/8/31</a:t>
             </a:fld>
             <a:endParaRPr kumimoji="1" lang="ja-JP" altLang="en-US"/>
           </a:p>
@@ -1240,7 +1239,7 @@
           <a:p>
             <a:fld id="{907C6EF5-DE51-4EDB-A1DF-9C3BABF24F6A}" type="datetimeFigureOut">
               <a:rPr kumimoji="1" lang="ja-JP" altLang="en-US" smtClean="0"/>
-              <a:t>2023/8/28</a:t>
+              <a:t>2023/8/31</a:t>
             </a:fld>
             <a:endParaRPr kumimoji="1" lang="ja-JP" altLang="en-US"/>
           </a:p>
@@ -1470,7 +1469,7 @@
           <a:p>
             <a:fld id="{907C6EF5-DE51-4EDB-A1DF-9C3BABF24F6A}" type="datetimeFigureOut">
               <a:rPr kumimoji="1" lang="ja-JP" altLang="en-US" smtClean="0"/>
-              <a:t>2023/8/28</a:t>
+              <a:t>2023/8/31</a:t>
             </a:fld>
             <a:endParaRPr kumimoji="1" lang="ja-JP" altLang="en-US"/>
           </a:p>
@@ -1710,7 +1709,7 @@
           <a:p>
             <a:fld id="{907C6EF5-DE51-4EDB-A1DF-9C3BABF24F6A}" type="datetimeFigureOut">
               <a:rPr kumimoji="1" lang="ja-JP" altLang="en-US" smtClean="0"/>
-              <a:t>2023/8/28</a:t>
+              <a:t>2023/8/31</a:t>
             </a:fld>
             <a:endParaRPr kumimoji="1" lang="ja-JP" altLang="en-US"/>
           </a:p>
@@ -2042,7 +2041,7 @@
           <a:p>
             <a:fld id="{907C6EF5-DE51-4EDB-A1DF-9C3BABF24F6A}" type="datetimeFigureOut">
               <a:rPr kumimoji="1" lang="ja-JP" altLang="en-US" smtClean="0"/>
-              <a:t>2023/8/28</a:t>
+              <a:t>2023/8/31</a:t>
             </a:fld>
             <a:endParaRPr kumimoji="1" lang="ja-JP" altLang="en-US"/>
           </a:p>
@@ -2272,7 +2271,7 @@
           <a:p>
             <a:fld id="{907C6EF5-DE51-4EDB-A1DF-9C3BABF24F6A}" type="datetimeFigureOut">
               <a:rPr kumimoji="1" lang="ja-JP" altLang="en-US" smtClean="0"/>
-              <a:t>2023/8/28</a:t>
+              <a:t>2023/8/31</a:t>
             </a:fld>
             <a:endParaRPr kumimoji="1" lang="ja-JP" altLang="en-US"/>
           </a:p>
@@ -2547,7 +2546,7 @@
           <a:p>
             <a:fld id="{907C6EF5-DE51-4EDB-A1DF-9C3BABF24F6A}" type="datetimeFigureOut">
               <a:rPr kumimoji="1" lang="ja-JP" altLang="en-US" smtClean="0"/>
-              <a:t>2023/8/28</a:t>
+              <a:t>2023/8/31</a:t>
             </a:fld>
             <a:endParaRPr kumimoji="1" lang="ja-JP" altLang="en-US"/>
           </a:p>
@@ -2876,7 +2875,7 @@
           <a:p>
             <a:fld id="{907C6EF5-DE51-4EDB-A1DF-9C3BABF24F6A}" type="datetimeFigureOut">
               <a:rPr kumimoji="1" lang="ja-JP" altLang="en-US" smtClean="0"/>
-              <a:t>2023/8/28</a:t>
+              <a:t>2023/8/31</a:t>
             </a:fld>
             <a:endParaRPr kumimoji="1" lang="ja-JP" altLang="en-US"/>
           </a:p>
@@ -3352,7 +3351,7 @@
           <a:p>
             <a:fld id="{907C6EF5-DE51-4EDB-A1DF-9C3BABF24F6A}" type="datetimeFigureOut">
               <a:rPr kumimoji="1" lang="ja-JP" altLang="en-US" smtClean="0"/>
-              <a:t>2023/8/28</a:t>
+              <a:t>2023/8/31</a:t>
             </a:fld>
             <a:endParaRPr kumimoji="1" lang="ja-JP" altLang="en-US"/>
           </a:p>
@@ -3493,7 +3492,7 @@
           <a:p>
             <a:fld id="{907C6EF5-DE51-4EDB-A1DF-9C3BABF24F6A}" type="datetimeFigureOut">
               <a:rPr kumimoji="1" lang="ja-JP" altLang="en-US" smtClean="0"/>
-              <a:t>2023/8/28</a:t>
+              <a:t>2023/8/31</a:t>
             </a:fld>
             <a:endParaRPr kumimoji="1" lang="ja-JP" altLang="en-US"/>
           </a:p>
@@ -3606,7 +3605,7 @@
           <a:p>
             <a:fld id="{907C6EF5-DE51-4EDB-A1DF-9C3BABF24F6A}" type="datetimeFigureOut">
               <a:rPr kumimoji="1" lang="ja-JP" altLang="en-US" smtClean="0"/>
-              <a:t>2023/8/28</a:t>
+              <a:t>2023/8/31</a:t>
             </a:fld>
             <a:endParaRPr kumimoji="1" lang="ja-JP" altLang="en-US"/>
           </a:p>
@@ -3879,7 +3878,7 @@
           <a:p>
             <a:fld id="{907C6EF5-DE51-4EDB-A1DF-9C3BABF24F6A}" type="datetimeFigureOut">
               <a:rPr kumimoji="1" lang="ja-JP" altLang="en-US" smtClean="0"/>
-              <a:t>2023/8/28</a:t>
+              <a:t>2023/8/31</a:t>
             </a:fld>
             <a:endParaRPr kumimoji="1" lang="ja-JP" altLang="en-US"/>
           </a:p>
@@ -4439,79 +4438,7 @@
         </p:nvSpPr>
         <p:spPr>
           <a:xfrm>
-            <a:off x="137940" y="108000"/>
-            <a:ext cx="1368263" cy="504000"/>
-          </a:xfrm>
-          <a:prstGeom prst="homePlate">
-            <a:avLst/>
-          </a:prstGeom>
-          <a:solidFill>
-            <a:srgbClr val="C00000"/>
-          </a:solidFill>
-          <a:ln w="38100" cap="flat" cmpd="sng">
-            <a:solidFill>
-              <a:schemeClr val="bg2"/>
-            </a:solidFill>
-            <a:miter lim="800000"/>
-          </a:ln>
-          <a:effectLst>
-            <a:outerShdw blurRad="50800" dist="38100" dir="2700000" algn="tl" rotWithShape="0">
-              <a:prstClr val="black">
-                <a:alpha val="40000"/>
-              </a:prstClr>
-            </a:outerShdw>
-          </a:effectLst>
-        </p:spPr>
-        <p:style>
-          <a:lnRef idx="2">
-            <a:schemeClr val="accent1">
-              <a:shade val="50000"/>
-            </a:schemeClr>
-          </a:lnRef>
-          <a:fillRef idx="1">
-            <a:schemeClr val="accent1"/>
-          </a:fillRef>
-          <a:effectRef idx="0">
-            <a:schemeClr val="accent1"/>
-          </a:effectRef>
-          <a:fontRef idx="minor">
-            <a:schemeClr val="lt1"/>
-          </a:fontRef>
-        </p:style>
-        <p:txBody>
-          <a:bodyPr rtlCol="0" anchor="ctr"/>
-          <a:lstStyle/>
-          <a:p>
-            <a:pPr algn="ctr"/>
-            <a:r>
-              <a:rPr lang="ja-JP" altLang="en-US" sz="1400" dirty="0">
-                <a:latin typeface="HGPｺﾞｼｯｸE" panose="020B0900000000000000" pitchFamily="50" charset="-128"/>
-                <a:ea typeface="HGPｺﾞｼｯｸE" panose="020B0900000000000000" pitchFamily="50" charset="-128"/>
-              </a:rPr>
-              <a:t>要件定義</a:t>
-            </a:r>
-            <a:endParaRPr kumimoji="1" lang="ja-JP" altLang="en-US" sz="1400" dirty="0">
-              <a:latin typeface="HGPｺﾞｼｯｸE" panose="020B0900000000000000" pitchFamily="50" charset="-128"/>
-              <a:ea typeface="HGPｺﾞｼｯｸE" panose="020B0900000000000000" pitchFamily="50" charset="-128"/>
-            </a:endParaRPr>
-          </a:p>
-        </p:txBody>
-      </p:sp>
-      <p:sp>
-        <p:nvSpPr>
-          <p:cNvPr id="3" name="矢印: 五方向 2">
-            <a:extLst>
-              <a:ext uri="{FF2B5EF4-FFF2-40B4-BE49-F238E27FC236}">
-                <a16:creationId xmlns:a16="http://schemas.microsoft.com/office/drawing/2014/main" id="{68697A94-ADDD-8BCE-4A36-A680ED0129AE}"/>
-              </a:ext>
-            </a:extLst>
-          </p:cNvPr>
-          <p:cNvSpPr/>
-          <p:nvPr/>
-        </p:nvSpPr>
-        <p:spPr>
-          <a:xfrm>
-            <a:off x="2998860" y="108000"/>
+            <a:off x="1503576" y="79303"/>
             <a:ext cx="1368263" cy="504000"/>
           </a:xfrm>
           <a:prstGeom prst="homePlate">
@@ -4556,21 +4483,25 @@
           <a:p>
             <a:pPr algn="ctr"/>
             <a:r>
-              <a:rPr kumimoji="1" lang="ja-JP" altLang="en-US" sz="1400" dirty="0">
+              <a:rPr lang="ja-JP" altLang="en-US" sz="1400" dirty="0">
                 <a:latin typeface="HGPｺﾞｼｯｸE" panose="020B0900000000000000" pitchFamily="50" charset="-128"/>
                 <a:ea typeface="HGPｺﾞｼｯｸE" panose="020B0900000000000000" pitchFamily="50" charset="-128"/>
               </a:rPr>
-              <a:t>遷移図</a:t>
-            </a:r>
-          </a:p>
-        </p:txBody>
-      </p:sp>
-      <p:sp>
-        <p:nvSpPr>
-          <p:cNvPr id="4" name="矢印: 五方向 3">
-            <a:extLst>
-              <a:ext uri="{FF2B5EF4-FFF2-40B4-BE49-F238E27FC236}">
-                <a16:creationId xmlns:a16="http://schemas.microsoft.com/office/drawing/2014/main" id="{59FD3A16-09CB-C1F0-43E7-A5CDEDD6598D}"/>
+              <a:t>要件定義</a:t>
+            </a:r>
+            <a:endParaRPr kumimoji="1" lang="ja-JP" altLang="en-US" sz="1400" dirty="0">
+              <a:latin typeface="HGPｺﾞｼｯｸE" panose="020B0900000000000000" pitchFamily="50" charset="-128"/>
+              <a:ea typeface="HGPｺﾞｼｯｸE" panose="020B0900000000000000" pitchFamily="50" charset="-128"/>
+            </a:endParaRPr>
+          </a:p>
+        </p:txBody>
+      </p:sp>
+      <p:sp>
+        <p:nvSpPr>
+          <p:cNvPr id="3" name="矢印: 五方向 2">
+            <a:extLst>
+              <a:ext uri="{FF2B5EF4-FFF2-40B4-BE49-F238E27FC236}">
+                <a16:creationId xmlns:a16="http://schemas.microsoft.com/office/drawing/2014/main" id="{68697A94-ADDD-8BCE-4A36-A680ED0129AE}"/>
               </a:ext>
             </a:extLst>
           </p:cNvPr>
@@ -4579,7 +4510,7 @@
         </p:nvSpPr>
         <p:spPr>
           <a:xfrm>
-            <a:off x="4429320" y="108000"/>
+            <a:off x="4364496" y="79303"/>
             <a:ext cx="1368263" cy="504000"/>
           </a:xfrm>
           <a:prstGeom prst="homePlate">
@@ -4635,10 +4566,10 @@
       </p:sp>
       <p:sp>
         <p:nvSpPr>
-          <p:cNvPr id="5" name="矢印: 五方向 4">
-            <a:extLst>
-              <a:ext uri="{FF2B5EF4-FFF2-40B4-BE49-F238E27FC236}">
-                <a16:creationId xmlns:a16="http://schemas.microsoft.com/office/drawing/2014/main" id="{C02A1793-1E33-17CF-5BE2-33ADDF6B7244}"/>
+          <p:cNvPr id="4" name="矢印: 五方向 3">
+            <a:extLst>
+              <a:ext uri="{FF2B5EF4-FFF2-40B4-BE49-F238E27FC236}">
+                <a16:creationId xmlns:a16="http://schemas.microsoft.com/office/drawing/2014/main" id="{59FD3A16-09CB-C1F0-43E7-A5CDEDD6598D}"/>
               </a:ext>
             </a:extLst>
           </p:cNvPr>
@@ -4647,7 +4578,7 @@
         </p:nvSpPr>
         <p:spPr>
           <a:xfrm>
-            <a:off x="5859780" y="108000"/>
+            <a:off x="5794956" y="79303"/>
             <a:ext cx="1368263" cy="504000"/>
           </a:xfrm>
           <a:prstGeom prst="homePlate">
@@ -4703,10 +4634,10 @@
       </p:sp>
       <p:sp>
         <p:nvSpPr>
-          <p:cNvPr id="6" name="矢印: 五方向 5">
-            <a:extLst>
-              <a:ext uri="{FF2B5EF4-FFF2-40B4-BE49-F238E27FC236}">
-                <a16:creationId xmlns:a16="http://schemas.microsoft.com/office/drawing/2014/main" id="{18D771F0-1AA3-A0FC-8098-CD3B04F5B416}"/>
+          <p:cNvPr id="5" name="矢印: 五方向 4">
+            <a:extLst>
+              <a:ext uri="{FF2B5EF4-FFF2-40B4-BE49-F238E27FC236}">
+                <a16:creationId xmlns:a16="http://schemas.microsoft.com/office/drawing/2014/main" id="{C02A1793-1E33-17CF-5BE2-33ADDF6B7244}"/>
               </a:ext>
             </a:extLst>
           </p:cNvPr>
@@ -4715,7 +4646,7 @@
         </p:nvSpPr>
         <p:spPr>
           <a:xfrm>
-            <a:off x="7290240" y="108000"/>
+            <a:off x="7225416" y="79303"/>
             <a:ext cx="1368263" cy="504000"/>
           </a:xfrm>
           <a:prstGeom prst="homePlate">
@@ -4760,21 +4691,25 @@
           <a:p>
             <a:pPr algn="ctr"/>
             <a:r>
-              <a:rPr kumimoji="1" lang="ja-JP" altLang="en-US" sz="1400" dirty="0">
+              <a:rPr lang="ja-JP" altLang="en-US" sz="1400" dirty="0">
                 <a:latin typeface="HGPｺﾞｼｯｸE" panose="020B0900000000000000" pitchFamily="50" charset="-128"/>
                 <a:ea typeface="HGPｺﾞｼｯｸE" panose="020B0900000000000000" pitchFamily="50" charset="-128"/>
               </a:rPr>
-              <a:t>動作検証</a:t>
-            </a:r>
-          </a:p>
-        </p:txBody>
-      </p:sp>
-      <p:sp>
-        <p:nvSpPr>
-          <p:cNvPr id="7" name="矢印: 五方向 6">
-            <a:extLst>
-              <a:ext uri="{FF2B5EF4-FFF2-40B4-BE49-F238E27FC236}">
-                <a16:creationId xmlns:a16="http://schemas.microsoft.com/office/drawing/2014/main" id="{8CF697AE-6DDD-5A6E-37E2-F82DB71AD85C}"/>
+              <a:t>コーディング</a:t>
+            </a:r>
+            <a:endParaRPr lang="en-US" altLang="ja-JP" sz="1400" dirty="0">
+              <a:latin typeface="HGPｺﾞｼｯｸE" panose="020B0900000000000000" pitchFamily="50" charset="-128"/>
+              <a:ea typeface="HGPｺﾞｼｯｸE" panose="020B0900000000000000" pitchFamily="50" charset="-128"/>
+            </a:endParaRPr>
+          </a:p>
+        </p:txBody>
+      </p:sp>
+      <p:sp>
+        <p:nvSpPr>
+          <p:cNvPr id="6" name="矢印: 五方向 5">
+            <a:extLst>
+              <a:ext uri="{FF2B5EF4-FFF2-40B4-BE49-F238E27FC236}">
+                <a16:creationId xmlns:a16="http://schemas.microsoft.com/office/drawing/2014/main" id="{18D771F0-1AA3-A0FC-8098-CD3B04F5B416}"/>
               </a:ext>
             </a:extLst>
           </p:cNvPr>
@@ -4783,7 +4718,7 @@
         </p:nvSpPr>
         <p:spPr>
           <a:xfrm>
-            <a:off x="1568400" y="108000"/>
+            <a:off x="8655876" y="79303"/>
             <a:ext cx="1368263" cy="504000"/>
           </a:xfrm>
           <a:prstGeom prst="homePlate">
@@ -4832,7 +4767,89 @@
                 <a:latin typeface="HGPｺﾞｼｯｸE" panose="020B0900000000000000" pitchFamily="50" charset="-128"/>
                 <a:ea typeface="HGPｺﾞｼｯｸE" panose="020B0900000000000000" pitchFamily="50" charset="-128"/>
               </a:rPr>
-              <a:t>機能概要</a:t>
+              <a:t>動作検証</a:t>
+            </a:r>
+          </a:p>
+        </p:txBody>
+      </p:sp>
+      <p:sp>
+        <p:nvSpPr>
+          <p:cNvPr id="7" name="矢印: 五方向 6">
+            <a:extLst>
+              <a:ext uri="{FF2B5EF4-FFF2-40B4-BE49-F238E27FC236}">
+                <a16:creationId xmlns:a16="http://schemas.microsoft.com/office/drawing/2014/main" id="{8CF697AE-6DDD-5A6E-37E2-F82DB71AD85C}"/>
+              </a:ext>
+            </a:extLst>
+          </p:cNvPr>
+          <p:cNvSpPr/>
+          <p:nvPr/>
+        </p:nvSpPr>
+        <p:spPr>
+          <a:xfrm>
+            <a:off x="2934036" y="79303"/>
+            <a:ext cx="1368263" cy="504000"/>
+          </a:xfrm>
+          <a:prstGeom prst="homePlate">
+            <a:avLst/>
+          </a:prstGeom>
+          <a:solidFill>
+            <a:srgbClr val="002060"/>
+          </a:solidFill>
+          <a:ln w="38100" cap="flat" cmpd="sng">
+            <a:solidFill>
+              <a:schemeClr val="bg2"/>
+            </a:solidFill>
+            <a:miter lim="800000"/>
+          </a:ln>
+          <a:effectLst>
+            <a:outerShdw blurRad="50800" dist="38100" dir="2700000" algn="tl" rotWithShape="0">
+              <a:prstClr val="black">
+                <a:alpha val="40000"/>
+              </a:prstClr>
+            </a:outerShdw>
+          </a:effectLst>
+        </p:spPr>
+        <p:style>
+          <a:lnRef idx="2">
+            <a:schemeClr val="accent1">
+              <a:shade val="50000"/>
+            </a:schemeClr>
+          </a:lnRef>
+          <a:fillRef idx="1">
+            <a:schemeClr val="accent1"/>
+          </a:fillRef>
+          <a:effectRef idx="0">
+            <a:schemeClr val="accent1"/>
+          </a:effectRef>
+          <a:fontRef idx="minor">
+            <a:schemeClr val="lt1"/>
+          </a:fontRef>
+        </p:style>
+        <p:txBody>
+          <a:bodyPr rtlCol="0" anchor="ctr"/>
+          <a:lstStyle/>
+          <a:p>
+            <a:pPr algn="ctr"/>
+            <a:r>
+              <a:rPr kumimoji="1" lang="ja-JP" altLang="en-US" sz="1400" dirty="0">
+                <a:latin typeface="HGPｺﾞｼｯｸE" panose="020B0900000000000000" pitchFamily="50" charset="-128"/>
+                <a:ea typeface="HGPｺﾞｼｯｸE" panose="020B0900000000000000" pitchFamily="50" charset="-128"/>
+              </a:rPr>
+              <a:t>システム</a:t>
+            </a:r>
+            <a:endParaRPr kumimoji="1" lang="en-US" altLang="ja-JP" sz="1400" dirty="0">
+              <a:latin typeface="HGPｺﾞｼｯｸE" panose="020B0900000000000000" pitchFamily="50" charset="-128"/>
+              <a:ea typeface="HGPｺﾞｼｯｸE" panose="020B0900000000000000" pitchFamily="50" charset="-128"/>
+            </a:endParaRPr>
+          </a:p>
+          <a:p>
+            <a:pPr algn="ctr"/>
+            <a:r>
+              <a:rPr kumimoji="1" lang="ja-JP" altLang="en-US" sz="1400" dirty="0">
+                <a:latin typeface="HGPｺﾞｼｯｸE" panose="020B0900000000000000" pitchFamily="50" charset="-128"/>
+                <a:ea typeface="HGPｺﾞｼｯｸE" panose="020B0900000000000000" pitchFamily="50" charset="-128"/>
+              </a:rPr>
+              <a:t>構造設計</a:t>
             </a:r>
           </a:p>
         </p:txBody>
@@ -4871,7 +4888,7 @@
                 <a:latin typeface="HGPｺﾞｼｯｸE" panose="020B0900000000000000" pitchFamily="50" charset="-128"/>
                 <a:ea typeface="HGPｺﾞｼｯｸE" panose="020B0900000000000000" pitchFamily="50" charset="-128"/>
               </a:rPr>
-              <a:t>2023/8/28</a:t>
+              <a:t>2023/8/31</a:t>
             </a:fld>
             <a:endParaRPr kumimoji="1" lang="ja-JP" altLang="en-US" dirty="0">
               <a:solidFill>
@@ -5147,7 +5164,7 @@
         </p:nvSpPr>
         <p:spPr>
           <a:xfrm>
-            <a:off x="238187" y="836712"/>
+            <a:off x="137940" y="715778"/>
             <a:ext cx="3841587" cy="276999"/>
           </a:xfrm>
           <a:prstGeom prst="rect">
@@ -5183,8 +5200,8 @@
         </p:nvSpPr>
         <p:spPr>
           <a:xfrm>
-            <a:off x="479376" y="1083275"/>
-            <a:ext cx="3841587" cy="1754326"/>
+            <a:off x="263353" y="980728"/>
+            <a:ext cx="2592288" cy="1754326"/>
           </a:xfrm>
           <a:prstGeom prst="rect">
             <a:avLst/>
@@ -5286,6 +5303,74 @@
               <a:t>ProbVarHit</a:t>
             </a:r>
             <a:endParaRPr lang="en-US" altLang="ja-JP" sz="1200" dirty="0"/>
+          </a:p>
+        </p:txBody>
+      </p:sp>
+      <p:sp>
+        <p:nvSpPr>
+          <p:cNvPr id="8" name="矢印: 五方向 7">
+            <a:extLst>
+              <a:ext uri="{FF2B5EF4-FFF2-40B4-BE49-F238E27FC236}">
+                <a16:creationId xmlns:a16="http://schemas.microsoft.com/office/drawing/2014/main" id="{8F554631-7D6F-03A7-303D-39C01365BDD7}"/>
+              </a:ext>
+            </a:extLst>
+          </p:cNvPr>
+          <p:cNvSpPr/>
+          <p:nvPr/>
+        </p:nvSpPr>
+        <p:spPr>
+          <a:xfrm>
+            <a:off x="73116" y="79303"/>
+            <a:ext cx="1368263" cy="504000"/>
+          </a:xfrm>
+          <a:prstGeom prst="homePlate">
+            <a:avLst/>
+          </a:prstGeom>
+          <a:solidFill>
+            <a:srgbClr val="C00000"/>
+          </a:solidFill>
+          <a:ln w="38100" cap="flat" cmpd="sng">
+            <a:solidFill>
+              <a:schemeClr val="bg2"/>
+            </a:solidFill>
+            <a:miter lim="800000"/>
+          </a:ln>
+          <a:effectLst>
+            <a:outerShdw blurRad="50800" dist="38100" dir="2700000" algn="tl" rotWithShape="0">
+              <a:prstClr val="black">
+                <a:alpha val="40000"/>
+              </a:prstClr>
+            </a:outerShdw>
+          </a:effectLst>
+        </p:spPr>
+        <p:style>
+          <a:lnRef idx="2">
+            <a:schemeClr val="accent1">
+              <a:shade val="50000"/>
+            </a:schemeClr>
+          </a:lnRef>
+          <a:fillRef idx="1">
+            <a:schemeClr val="accent1"/>
+          </a:fillRef>
+          <a:effectRef idx="0">
+            <a:schemeClr val="accent1"/>
+          </a:effectRef>
+          <a:fontRef idx="minor">
+            <a:schemeClr val="lt1"/>
+          </a:fontRef>
+        </p:style>
+        <p:txBody>
+          <a:bodyPr rtlCol="0" anchor="ctr"/>
+          <a:lstStyle/>
+          <a:p>
+            <a:pPr algn="ctr"/>
+            <a:r>
+              <a:rPr kumimoji="1" lang="ja-JP" altLang="en-US" sz="1400" dirty="0">
+                <a:latin typeface="HGPｺﾞｼｯｸE" panose="020B0900000000000000" pitchFamily="50" charset="-128"/>
+                <a:ea typeface="HGPｺﾞｼｯｸE" panose="020B0900000000000000" pitchFamily="50" charset="-128"/>
+              </a:rPr>
+              <a:t>調査</a:t>
+            </a:r>
           </a:p>
         </p:txBody>
       </p:sp>
@@ -5333,8 +5418,8 @@
         </p:nvSpPr>
         <p:spPr>
           <a:xfrm>
-            <a:off x="663500" y="1628759"/>
-            <a:ext cx="5720532" cy="3921571"/>
+            <a:off x="137940" y="1052736"/>
+            <a:ext cx="6522033" cy="5127716"/>
           </a:xfrm>
           <a:prstGeom prst="rect">
             <a:avLst/>
@@ -5374,428 +5459,6 @@
       </p:sp>
       <p:sp>
         <p:nvSpPr>
-          <p:cNvPr id="2" name="矢印: 五方向 1">
-            <a:extLst>
-              <a:ext uri="{FF2B5EF4-FFF2-40B4-BE49-F238E27FC236}">
-                <a16:creationId xmlns:a16="http://schemas.microsoft.com/office/drawing/2014/main" id="{7A569949-0836-C648-6D8D-7229956038F5}"/>
-              </a:ext>
-            </a:extLst>
-          </p:cNvPr>
-          <p:cNvSpPr/>
-          <p:nvPr/>
-        </p:nvSpPr>
-        <p:spPr>
-          <a:xfrm>
-            <a:off x="137940" y="108000"/>
-            <a:ext cx="1368263" cy="504000"/>
-          </a:xfrm>
-          <a:prstGeom prst="homePlate">
-            <a:avLst/>
-          </a:prstGeom>
-          <a:solidFill>
-            <a:srgbClr val="002060"/>
-          </a:solidFill>
-          <a:ln w="38100" cap="flat" cmpd="sng">
-            <a:solidFill>
-              <a:schemeClr val="bg2"/>
-            </a:solidFill>
-            <a:miter lim="800000"/>
-          </a:ln>
-          <a:effectLst>
-            <a:outerShdw blurRad="50800" dist="38100" dir="2700000" algn="tl" rotWithShape="0">
-              <a:prstClr val="black">
-                <a:alpha val="40000"/>
-              </a:prstClr>
-            </a:outerShdw>
-          </a:effectLst>
-        </p:spPr>
-        <p:style>
-          <a:lnRef idx="2">
-            <a:schemeClr val="accent1">
-              <a:shade val="50000"/>
-            </a:schemeClr>
-          </a:lnRef>
-          <a:fillRef idx="1">
-            <a:schemeClr val="accent1"/>
-          </a:fillRef>
-          <a:effectRef idx="0">
-            <a:schemeClr val="accent1"/>
-          </a:effectRef>
-          <a:fontRef idx="minor">
-            <a:schemeClr val="lt1"/>
-          </a:fontRef>
-        </p:style>
-        <p:txBody>
-          <a:bodyPr rtlCol="0" anchor="ctr"/>
-          <a:lstStyle/>
-          <a:p>
-            <a:pPr algn="ctr"/>
-            <a:r>
-              <a:rPr kumimoji="1" lang="ja-JP" altLang="en-US" sz="1400" dirty="0">
-                <a:latin typeface="HGPｺﾞｼｯｸE" panose="020B0900000000000000" pitchFamily="50" charset="-128"/>
-                <a:ea typeface="HGPｺﾞｼｯｸE" panose="020B0900000000000000" pitchFamily="50" charset="-128"/>
-              </a:rPr>
-              <a:t>システム</a:t>
-            </a:r>
-            <a:endParaRPr kumimoji="1" lang="en-US" altLang="ja-JP" sz="1400" dirty="0">
-              <a:latin typeface="HGPｺﾞｼｯｸE" panose="020B0900000000000000" pitchFamily="50" charset="-128"/>
-              <a:ea typeface="HGPｺﾞｼｯｸE" panose="020B0900000000000000" pitchFamily="50" charset="-128"/>
-            </a:endParaRPr>
-          </a:p>
-          <a:p>
-            <a:pPr algn="ctr"/>
-            <a:r>
-              <a:rPr kumimoji="1" lang="ja-JP" altLang="en-US" sz="1400" dirty="0">
-                <a:latin typeface="HGPｺﾞｼｯｸE" panose="020B0900000000000000" pitchFamily="50" charset="-128"/>
-                <a:ea typeface="HGPｺﾞｼｯｸE" panose="020B0900000000000000" pitchFamily="50" charset="-128"/>
-              </a:rPr>
-              <a:t>構成図</a:t>
-            </a:r>
-          </a:p>
-        </p:txBody>
-      </p:sp>
-      <p:sp>
-        <p:nvSpPr>
-          <p:cNvPr id="3" name="矢印: 五方向 2">
-            <a:extLst>
-              <a:ext uri="{FF2B5EF4-FFF2-40B4-BE49-F238E27FC236}">
-                <a16:creationId xmlns:a16="http://schemas.microsoft.com/office/drawing/2014/main" id="{68697A94-ADDD-8BCE-4A36-A680ED0129AE}"/>
-              </a:ext>
-            </a:extLst>
-          </p:cNvPr>
-          <p:cNvSpPr/>
-          <p:nvPr/>
-        </p:nvSpPr>
-        <p:spPr>
-          <a:xfrm>
-            <a:off x="2998860" y="108000"/>
-            <a:ext cx="1368263" cy="504000"/>
-          </a:xfrm>
-          <a:prstGeom prst="homePlate">
-            <a:avLst/>
-          </a:prstGeom>
-          <a:solidFill>
-            <a:srgbClr val="002060"/>
-          </a:solidFill>
-          <a:ln w="38100" cap="flat" cmpd="sng">
-            <a:solidFill>
-              <a:schemeClr val="bg2"/>
-            </a:solidFill>
-            <a:miter lim="800000"/>
-          </a:ln>
-          <a:effectLst>
-            <a:outerShdw blurRad="50800" dist="38100" dir="2700000" algn="tl" rotWithShape="0">
-              <a:prstClr val="black">
-                <a:alpha val="40000"/>
-              </a:prstClr>
-            </a:outerShdw>
-          </a:effectLst>
-        </p:spPr>
-        <p:style>
-          <a:lnRef idx="2">
-            <a:schemeClr val="accent1">
-              <a:shade val="50000"/>
-            </a:schemeClr>
-          </a:lnRef>
-          <a:fillRef idx="1">
-            <a:schemeClr val="accent1"/>
-          </a:fillRef>
-          <a:effectRef idx="0">
-            <a:schemeClr val="accent1"/>
-          </a:effectRef>
-          <a:fontRef idx="minor">
-            <a:schemeClr val="lt1"/>
-          </a:fontRef>
-        </p:style>
-        <p:txBody>
-          <a:bodyPr rtlCol="0" anchor="ctr"/>
-          <a:lstStyle/>
-          <a:p>
-            <a:pPr algn="ctr"/>
-            <a:r>
-              <a:rPr kumimoji="1" lang="ja-JP" altLang="en-US" sz="1400" dirty="0">
-                <a:latin typeface="HGPｺﾞｼｯｸE" panose="020B0900000000000000" pitchFamily="50" charset="-128"/>
-                <a:ea typeface="HGPｺﾞｼｯｸE" panose="020B0900000000000000" pitchFamily="50" charset="-128"/>
-              </a:rPr>
-              <a:t>遷移図</a:t>
-            </a:r>
-          </a:p>
-        </p:txBody>
-      </p:sp>
-      <p:sp>
-        <p:nvSpPr>
-          <p:cNvPr id="4" name="矢印: 五方向 3">
-            <a:extLst>
-              <a:ext uri="{FF2B5EF4-FFF2-40B4-BE49-F238E27FC236}">
-                <a16:creationId xmlns:a16="http://schemas.microsoft.com/office/drawing/2014/main" id="{59FD3A16-09CB-C1F0-43E7-A5CDEDD6598D}"/>
-              </a:ext>
-            </a:extLst>
-          </p:cNvPr>
-          <p:cNvSpPr/>
-          <p:nvPr/>
-        </p:nvSpPr>
-        <p:spPr>
-          <a:xfrm>
-            <a:off x="4429320" y="108000"/>
-            <a:ext cx="1368263" cy="504000"/>
-          </a:xfrm>
-          <a:prstGeom prst="homePlate">
-            <a:avLst/>
-          </a:prstGeom>
-          <a:solidFill>
-            <a:srgbClr val="FF0000"/>
-          </a:solidFill>
-          <a:ln w="38100" cap="flat" cmpd="sng">
-            <a:solidFill>
-              <a:schemeClr val="bg2"/>
-            </a:solidFill>
-            <a:miter lim="800000"/>
-          </a:ln>
-          <a:effectLst>
-            <a:outerShdw blurRad="50800" dist="38100" dir="2700000" algn="tl" rotWithShape="0">
-              <a:prstClr val="black">
-                <a:alpha val="40000"/>
-              </a:prstClr>
-            </a:outerShdw>
-          </a:effectLst>
-        </p:spPr>
-        <p:style>
-          <a:lnRef idx="2">
-            <a:schemeClr val="accent1">
-              <a:shade val="50000"/>
-            </a:schemeClr>
-          </a:lnRef>
-          <a:fillRef idx="1">
-            <a:schemeClr val="accent1"/>
-          </a:fillRef>
-          <a:effectRef idx="0">
-            <a:schemeClr val="accent1"/>
-          </a:effectRef>
-          <a:fontRef idx="minor">
-            <a:schemeClr val="lt1"/>
-          </a:fontRef>
-        </p:style>
-        <p:txBody>
-          <a:bodyPr rtlCol="0" anchor="ctr"/>
-          <a:lstStyle/>
-          <a:p>
-            <a:pPr algn="ctr"/>
-            <a:r>
-              <a:rPr kumimoji="1" lang="ja-JP" altLang="en-US" sz="1400" dirty="0">
-                <a:latin typeface="HGPｺﾞｼｯｸE" panose="020B0900000000000000" pitchFamily="50" charset="-128"/>
-                <a:ea typeface="HGPｺﾞｼｯｸE" panose="020B0900000000000000" pitchFamily="50" charset="-128"/>
-              </a:rPr>
-              <a:t>基本設計</a:t>
-            </a:r>
-          </a:p>
-        </p:txBody>
-      </p:sp>
-      <p:sp>
-        <p:nvSpPr>
-          <p:cNvPr id="5" name="矢印: 五方向 4">
-            <a:extLst>
-              <a:ext uri="{FF2B5EF4-FFF2-40B4-BE49-F238E27FC236}">
-                <a16:creationId xmlns:a16="http://schemas.microsoft.com/office/drawing/2014/main" id="{C02A1793-1E33-17CF-5BE2-33ADDF6B7244}"/>
-              </a:ext>
-            </a:extLst>
-          </p:cNvPr>
-          <p:cNvSpPr/>
-          <p:nvPr/>
-        </p:nvSpPr>
-        <p:spPr>
-          <a:xfrm>
-            <a:off x="5859780" y="108000"/>
-            <a:ext cx="1368263" cy="504000"/>
-          </a:xfrm>
-          <a:prstGeom prst="homePlate">
-            <a:avLst/>
-          </a:prstGeom>
-          <a:solidFill>
-            <a:srgbClr val="002060"/>
-          </a:solidFill>
-          <a:ln w="38100" cap="flat" cmpd="sng">
-            <a:solidFill>
-              <a:schemeClr val="bg2"/>
-            </a:solidFill>
-            <a:miter lim="800000"/>
-          </a:ln>
-          <a:effectLst>
-            <a:outerShdw blurRad="50800" dist="38100" dir="2700000" algn="tl" rotWithShape="0">
-              <a:prstClr val="black">
-                <a:alpha val="40000"/>
-              </a:prstClr>
-            </a:outerShdw>
-          </a:effectLst>
-        </p:spPr>
-        <p:style>
-          <a:lnRef idx="2">
-            <a:schemeClr val="accent1">
-              <a:shade val="50000"/>
-            </a:schemeClr>
-          </a:lnRef>
-          <a:fillRef idx="1">
-            <a:schemeClr val="accent1"/>
-          </a:fillRef>
-          <a:effectRef idx="0">
-            <a:schemeClr val="accent1"/>
-          </a:effectRef>
-          <a:fontRef idx="minor">
-            <a:schemeClr val="lt1"/>
-          </a:fontRef>
-        </p:style>
-        <p:txBody>
-          <a:bodyPr rtlCol="0" anchor="ctr"/>
-          <a:lstStyle/>
-          <a:p>
-            <a:pPr algn="ctr"/>
-            <a:r>
-              <a:rPr kumimoji="1" lang="ja-JP" altLang="en-US" sz="1400" dirty="0">
-                <a:latin typeface="HGPｺﾞｼｯｸE" panose="020B0900000000000000" pitchFamily="50" charset="-128"/>
-                <a:ea typeface="HGPｺﾞｼｯｸE" panose="020B0900000000000000" pitchFamily="50" charset="-128"/>
-              </a:rPr>
-              <a:t>詳細設計</a:t>
-            </a:r>
-          </a:p>
-        </p:txBody>
-      </p:sp>
-      <p:sp>
-        <p:nvSpPr>
-          <p:cNvPr id="6" name="矢印: 五方向 5">
-            <a:extLst>
-              <a:ext uri="{FF2B5EF4-FFF2-40B4-BE49-F238E27FC236}">
-                <a16:creationId xmlns:a16="http://schemas.microsoft.com/office/drawing/2014/main" id="{18D771F0-1AA3-A0FC-8098-CD3B04F5B416}"/>
-              </a:ext>
-            </a:extLst>
-          </p:cNvPr>
-          <p:cNvSpPr/>
-          <p:nvPr/>
-        </p:nvSpPr>
-        <p:spPr>
-          <a:xfrm>
-            <a:off x="7290240" y="108000"/>
-            <a:ext cx="1368263" cy="504000"/>
-          </a:xfrm>
-          <a:prstGeom prst="homePlate">
-            <a:avLst/>
-          </a:prstGeom>
-          <a:solidFill>
-            <a:srgbClr val="002060"/>
-          </a:solidFill>
-          <a:ln w="38100" cap="flat" cmpd="sng">
-            <a:solidFill>
-              <a:schemeClr val="bg2"/>
-            </a:solidFill>
-            <a:miter lim="800000"/>
-          </a:ln>
-          <a:effectLst>
-            <a:outerShdw blurRad="50800" dist="38100" dir="2700000" algn="tl" rotWithShape="0">
-              <a:prstClr val="black">
-                <a:alpha val="40000"/>
-              </a:prstClr>
-            </a:outerShdw>
-          </a:effectLst>
-        </p:spPr>
-        <p:style>
-          <a:lnRef idx="2">
-            <a:schemeClr val="accent1">
-              <a:shade val="50000"/>
-            </a:schemeClr>
-          </a:lnRef>
-          <a:fillRef idx="1">
-            <a:schemeClr val="accent1"/>
-          </a:fillRef>
-          <a:effectRef idx="0">
-            <a:schemeClr val="accent1"/>
-          </a:effectRef>
-          <a:fontRef idx="minor">
-            <a:schemeClr val="lt1"/>
-          </a:fontRef>
-        </p:style>
-        <p:txBody>
-          <a:bodyPr rtlCol="0" anchor="ctr"/>
-          <a:lstStyle/>
-          <a:p>
-            <a:pPr algn="ctr"/>
-            <a:r>
-              <a:rPr kumimoji="1" lang="ja-JP" altLang="en-US" sz="1400" dirty="0">
-                <a:latin typeface="HGPｺﾞｼｯｸE" panose="020B0900000000000000" pitchFamily="50" charset="-128"/>
-                <a:ea typeface="HGPｺﾞｼｯｸE" panose="020B0900000000000000" pitchFamily="50" charset="-128"/>
-              </a:rPr>
-              <a:t>動作検証</a:t>
-            </a:r>
-          </a:p>
-        </p:txBody>
-      </p:sp>
-      <p:sp>
-        <p:nvSpPr>
-          <p:cNvPr id="7" name="矢印: 五方向 6">
-            <a:extLst>
-              <a:ext uri="{FF2B5EF4-FFF2-40B4-BE49-F238E27FC236}">
-                <a16:creationId xmlns:a16="http://schemas.microsoft.com/office/drawing/2014/main" id="{8CF697AE-6DDD-5A6E-37E2-F82DB71AD85C}"/>
-              </a:ext>
-            </a:extLst>
-          </p:cNvPr>
-          <p:cNvSpPr/>
-          <p:nvPr/>
-        </p:nvSpPr>
-        <p:spPr>
-          <a:xfrm>
-            <a:off x="1568400" y="108000"/>
-            <a:ext cx="1368263" cy="504000"/>
-          </a:xfrm>
-          <a:prstGeom prst="homePlate">
-            <a:avLst/>
-          </a:prstGeom>
-          <a:solidFill>
-            <a:srgbClr val="002060"/>
-          </a:solidFill>
-          <a:ln w="38100" cap="flat" cmpd="sng">
-            <a:solidFill>
-              <a:schemeClr val="bg2"/>
-            </a:solidFill>
-            <a:miter lim="800000"/>
-          </a:ln>
-          <a:effectLst>
-            <a:outerShdw blurRad="50800" dist="38100" dir="2700000" algn="tl" rotWithShape="0">
-              <a:prstClr val="black">
-                <a:alpha val="40000"/>
-              </a:prstClr>
-            </a:outerShdw>
-          </a:effectLst>
-        </p:spPr>
-        <p:style>
-          <a:lnRef idx="2">
-            <a:schemeClr val="accent1">
-              <a:shade val="50000"/>
-            </a:schemeClr>
-          </a:lnRef>
-          <a:fillRef idx="1">
-            <a:schemeClr val="accent1"/>
-          </a:fillRef>
-          <a:effectRef idx="0">
-            <a:schemeClr val="accent1"/>
-          </a:effectRef>
-          <a:fontRef idx="minor">
-            <a:schemeClr val="lt1"/>
-          </a:fontRef>
-        </p:style>
-        <p:txBody>
-          <a:bodyPr rtlCol="0" anchor="ctr"/>
-          <a:lstStyle/>
-          <a:p>
-            <a:pPr algn="ctr"/>
-            <a:r>
-              <a:rPr kumimoji="1" lang="ja-JP" altLang="en-US" sz="1400" dirty="0">
-                <a:latin typeface="HGPｺﾞｼｯｸE" panose="020B0900000000000000" pitchFamily="50" charset="-128"/>
-                <a:ea typeface="HGPｺﾞｼｯｸE" panose="020B0900000000000000" pitchFamily="50" charset="-128"/>
-              </a:rPr>
-              <a:t>機能概要</a:t>
-            </a:r>
-          </a:p>
-        </p:txBody>
-      </p:sp>
-      <p:sp>
-        <p:nvSpPr>
           <p:cNvPr id="16" name="日付プレースホルダー 15">
             <a:extLst>
               <a:ext uri="{FF2B5EF4-FFF2-40B4-BE49-F238E27FC236}">
@@ -5828,7 +5491,7 @@
                 <a:latin typeface="HGPｺﾞｼｯｸE" panose="020B0900000000000000" pitchFamily="50" charset="-128"/>
                 <a:ea typeface="HGPｺﾞｼｯｸE" panose="020B0900000000000000" pitchFamily="50" charset="-128"/>
               </a:rPr>
-              <a:t>2023/8/28</a:t>
+              <a:t>2023/8/31</a:t>
             </a:fld>
             <a:endParaRPr kumimoji="1" lang="ja-JP" altLang="en-US" dirty="0">
               <a:solidFill>
@@ -6104,7 +5767,7 @@
         </p:nvSpPr>
         <p:spPr>
           <a:xfrm>
-            <a:off x="335360" y="1136520"/>
+            <a:off x="611300" y="1985103"/>
             <a:ext cx="1080000" cy="360000"/>
           </a:xfrm>
           <a:prstGeom prst="cube">
@@ -6133,10 +5796,9 @@
           <a:p>
             <a:pPr algn="ctr"/>
             <a:r>
-              <a:rPr lang="ja-JP" altLang="en-US" sz="1200" dirty="0"/>
-              <a:t>店舗</a:t>
-            </a:r>
-            <a:endParaRPr kumimoji="1" lang="ja-JP" altLang="en-US" sz="1200" dirty="0"/>
+              <a:rPr kumimoji="1" lang="ja-JP" altLang="en-US" sz="1200" dirty="0"/>
+              <a:t>機種データ</a:t>
+            </a:r>
           </a:p>
         </p:txBody>
       </p:sp>
@@ -6154,8 +5816,8 @@
         </p:nvSpPr>
         <p:spPr>
           <a:xfrm>
-            <a:off x="238187" y="836712"/>
-            <a:ext cx="3841587" cy="276999"/>
+            <a:off x="108857" y="736984"/>
+            <a:ext cx="2242751" cy="276999"/>
           </a:xfrm>
           <a:prstGeom prst="rect">
             <a:avLst/>
@@ -6169,41 +5831,10 @@
           <a:lstStyle/>
           <a:p>
             <a:r>
-              <a:rPr lang="ja-JP" altLang="en-US" sz="1200" b="1" dirty="0"/>
-              <a:t>■</a:t>
-            </a:r>
-            <a:r>
               <a:rPr kumimoji="1" lang="ja-JP" altLang="en-US" sz="1200" b="1" dirty="0"/>
-              <a:t>台データ</a:t>
-            </a:r>
-            <a:r>
-              <a:rPr kumimoji="1" lang="en-US" altLang="ja-JP" sz="1200" b="1" dirty="0"/>
-              <a:t>(</a:t>
-            </a:r>
-            <a:r>
-              <a:rPr kumimoji="1" lang="ja-JP" altLang="en-US" sz="1200" b="1" dirty="0"/>
-              <a:t>解析用</a:t>
-            </a:r>
-            <a:r>
-              <a:rPr kumimoji="1" lang="en-US" altLang="ja-JP" sz="1200" b="1" dirty="0"/>
-              <a:t>)</a:t>
-            </a:r>
-            <a:r>
-              <a:rPr kumimoji="1" lang="ja-JP" altLang="en-US" sz="1200" b="1" dirty="0"/>
-              <a:t>取得</a:t>
-            </a:r>
-            <a:r>
-              <a:rPr kumimoji="1" lang="en-US" altLang="ja-JP" sz="1200" b="1" dirty="0"/>
-              <a:t>	</a:t>
-            </a:r>
-            <a:r>
-              <a:rPr kumimoji="1" lang="en-US" altLang="ja-JP" sz="1200" dirty="0"/>
-              <a:t>※</a:t>
-            </a:r>
-            <a:r>
-              <a:rPr kumimoji="1" lang="ja-JP" altLang="en-US" sz="1200" dirty="0"/>
-              <a:t>マルハンデータから取得</a:t>
-            </a:r>
+              <a:t>■ツリー構成</a:t>
+            </a:r>
+            <a:endParaRPr kumimoji="1" lang="ja-JP" altLang="en-US" sz="1200" dirty="0"/>
           </a:p>
         </p:txBody>
       </p:sp>
@@ -6224,8 +5855,8 @@
         </p:nvCxnSpPr>
         <p:spPr>
           <a:xfrm>
-            <a:off x="830360" y="1496520"/>
-            <a:ext cx="0" cy="3528432"/>
+            <a:off x="1106300" y="2345103"/>
+            <a:ext cx="2028" cy="1129736"/>
           </a:xfrm>
           <a:prstGeom prst="line">
             <a:avLst/>
@@ -6268,7 +5899,7 @@
         </p:nvCxnSpPr>
         <p:spPr>
           <a:xfrm>
-            <a:off x="829112" y="2734711"/>
+            <a:off x="1105052" y="3474839"/>
             <a:ext cx="495001" cy="0"/>
           </a:xfrm>
           <a:prstGeom prst="line">
@@ -6309,7 +5940,7 @@
         </p:nvSpPr>
         <p:spPr>
           <a:xfrm>
-            <a:off x="1323227" y="2111577"/>
+            <a:off x="1599167" y="2851705"/>
             <a:ext cx="1079993" cy="254505"/>
           </a:xfrm>
           <a:prstGeom prst="rect">
@@ -6367,7 +5998,7 @@
         </p:nvSpPr>
         <p:spPr>
           <a:xfrm>
-            <a:off x="1324113" y="2509711"/>
+            <a:off x="1600053" y="3249839"/>
             <a:ext cx="1080000" cy="360000"/>
           </a:xfrm>
           <a:prstGeom prst="cube">
@@ -6397,7 +6028,7 @@
             <a:pPr algn="ctr"/>
             <a:r>
               <a:rPr lang="ja-JP" altLang="en-US" sz="1200" dirty="0"/>
-              <a:t>台リスト</a:t>
+              <a:t>台データ</a:t>
             </a:r>
             <a:endParaRPr kumimoji="1" lang="ja-JP" altLang="en-US" sz="1200" dirty="0"/>
           </a:p>
@@ -6419,9 +6050,9 @@
           <p:nvPr/>
         </p:nvCxnSpPr>
         <p:spPr>
-          <a:xfrm flipV="1">
-            <a:off x="828219" y="2238830"/>
-            <a:ext cx="495008" cy="3642"/>
+          <a:xfrm>
+            <a:off x="1104159" y="2978958"/>
+            <a:ext cx="495008" cy="0"/>
           </a:xfrm>
           <a:prstGeom prst="line">
             <a:avLst/>
@@ -6464,7 +6095,7 @@
         </p:nvCxnSpPr>
         <p:spPr>
           <a:xfrm>
-            <a:off x="1819113" y="2869711"/>
+            <a:off x="2095053" y="3609839"/>
             <a:ext cx="0" cy="742721"/>
           </a:xfrm>
           <a:prstGeom prst="line">
@@ -6505,7 +6136,7 @@
         </p:nvSpPr>
         <p:spPr>
           <a:xfrm>
-            <a:off x="2314114" y="3003422"/>
+            <a:off x="2590054" y="3743550"/>
             <a:ext cx="1079993" cy="254505"/>
           </a:xfrm>
           <a:prstGeom prst="rect">
@@ -6566,7 +6197,7 @@
         </p:nvCxnSpPr>
         <p:spPr>
           <a:xfrm>
-            <a:off x="1818149" y="3130675"/>
+            <a:off x="2094089" y="3870803"/>
             <a:ext cx="495965" cy="0"/>
           </a:xfrm>
           <a:prstGeom prst="line">
@@ -6607,7 +6238,7 @@
         </p:nvSpPr>
         <p:spPr>
           <a:xfrm>
-            <a:off x="2314113" y="3387432"/>
+            <a:off x="2590053" y="4127560"/>
             <a:ext cx="1368251" cy="360000"/>
           </a:xfrm>
           <a:prstGeom prst="cube">
@@ -6659,7 +6290,7 @@
         </p:nvCxnSpPr>
         <p:spPr>
           <a:xfrm>
-            <a:off x="1818149" y="3612432"/>
+            <a:off x="2094089" y="4352560"/>
             <a:ext cx="495964" cy="0"/>
           </a:xfrm>
           <a:prstGeom prst="line">
@@ -6700,7 +6331,7 @@
         </p:nvSpPr>
         <p:spPr>
           <a:xfrm>
-            <a:off x="3349024" y="3876935"/>
+            <a:off x="3624964" y="4617063"/>
             <a:ext cx="1079993" cy="254505"/>
           </a:xfrm>
           <a:prstGeom prst="rect">
@@ -6761,7 +6392,7 @@
         </p:nvCxnSpPr>
         <p:spPr>
           <a:xfrm>
-            <a:off x="2953239" y="3747432"/>
+            <a:off x="3229179" y="4487560"/>
             <a:ext cx="0" cy="742743"/>
           </a:xfrm>
           <a:prstGeom prst="line">
@@ -6805,7 +6436,7 @@
         </p:nvCxnSpPr>
         <p:spPr>
           <a:xfrm>
-            <a:off x="2953239" y="4004187"/>
+            <a:off x="3229179" y="4744315"/>
             <a:ext cx="395785" cy="1"/>
           </a:xfrm>
           <a:prstGeom prst="line">
@@ -6846,7 +6477,7 @@
         </p:nvSpPr>
         <p:spPr>
           <a:xfrm>
-            <a:off x="3345073" y="4265175"/>
+            <a:off x="3621013" y="5005303"/>
             <a:ext cx="1080000" cy="360000"/>
           </a:xfrm>
           <a:prstGeom prst="cube">
@@ -6899,7 +6530,7 @@
         </p:nvCxnSpPr>
         <p:spPr>
           <a:xfrm>
-            <a:off x="2953239" y="4490175"/>
+            <a:off x="3229179" y="5230303"/>
             <a:ext cx="391834" cy="0"/>
           </a:xfrm>
           <a:prstGeom prst="line">
@@ -6942,7 +6573,7 @@
         </p:nvCxnSpPr>
         <p:spPr>
           <a:xfrm>
-            <a:off x="3865249" y="4625175"/>
+            <a:off x="4141189" y="5365303"/>
             <a:ext cx="0" cy="606592"/>
           </a:xfrm>
           <a:prstGeom prst="line">
@@ -6985,7 +6616,7 @@
         </p:nvCxnSpPr>
         <p:spPr>
           <a:xfrm>
-            <a:off x="3865249" y="4841115"/>
+            <a:off x="4141189" y="5581243"/>
             <a:ext cx="395785" cy="1"/>
           </a:xfrm>
           <a:prstGeom prst="line">
@@ -7026,7 +6657,7 @@
         </p:nvSpPr>
         <p:spPr>
           <a:xfrm>
-            <a:off x="4261034" y="4713862"/>
+            <a:off x="4536974" y="5453990"/>
             <a:ext cx="1079993" cy="254505"/>
           </a:xfrm>
           <a:prstGeom prst="rect">
@@ -7089,7 +6720,7 @@
         </p:nvSpPr>
         <p:spPr>
           <a:xfrm>
-            <a:off x="4261034" y="5104515"/>
+            <a:off x="4536974" y="5844643"/>
             <a:ext cx="1404414" cy="254505"/>
           </a:xfrm>
           <a:prstGeom prst="rect">
@@ -7155,7 +6786,7 @@
         </p:nvCxnSpPr>
         <p:spPr>
           <a:xfrm>
-            <a:off x="3865249" y="5231767"/>
+            <a:off x="4141189" y="5971895"/>
             <a:ext cx="395785" cy="1"/>
           </a:xfrm>
           <a:prstGeom prst="line">
@@ -7182,50 +6813,6 @@
           </a:fontRef>
         </p:style>
       </p:cxnSp>
-      <p:cxnSp>
-        <p:nvCxnSpPr>
-          <p:cNvPr id="76" name="直線コネクタ 75">
-            <a:extLst>
-              <a:ext uri="{FF2B5EF4-FFF2-40B4-BE49-F238E27FC236}">
-                <a16:creationId xmlns:a16="http://schemas.microsoft.com/office/drawing/2014/main" id="{E9B684DA-B124-DA79-0984-22AAE98AD9C8}"/>
-              </a:ext>
-            </a:extLst>
-          </p:cNvPr>
-          <p:cNvCxnSpPr>
-            <a:cxnSpLocks/>
-          </p:cNvCxnSpPr>
-          <p:nvPr/>
-        </p:nvCxnSpPr>
-        <p:spPr>
-          <a:xfrm>
-            <a:off x="828219" y="5096837"/>
-            <a:ext cx="0" cy="360040"/>
-          </a:xfrm>
-          <a:prstGeom prst="line">
-            <a:avLst/>
-          </a:prstGeom>
-          <a:ln w="19050">
-            <a:solidFill>
-              <a:schemeClr val="tx1"/>
-            </a:solidFill>
-            <a:prstDash val="dash"/>
-          </a:ln>
-        </p:spPr>
-        <p:style>
-          <a:lnRef idx="1">
-            <a:schemeClr val="accent1"/>
-          </a:lnRef>
-          <a:fillRef idx="0">
-            <a:schemeClr val="accent1"/>
-          </a:fillRef>
-          <a:effectRef idx="0">
-            <a:schemeClr val="accent1"/>
-          </a:effectRef>
-          <a:fontRef idx="minor">
-            <a:schemeClr val="tx1"/>
-          </a:fontRef>
-        </p:style>
-      </p:cxnSp>
       <p:sp>
         <p:nvSpPr>
           <p:cNvPr id="85" name="テキスト ボックス 84">
@@ -7240,8 +6827,8 @@
         </p:nvSpPr>
         <p:spPr>
           <a:xfrm>
-            <a:off x="4160047" y="1351760"/>
-            <a:ext cx="2255333" cy="276999"/>
+            <a:off x="5533136" y="1069798"/>
+            <a:ext cx="1126837" cy="276999"/>
           </a:xfrm>
           <a:prstGeom prst="rect">
             <a:avLst/>
@@ -7256,11 +6843,7 @@
           <a:p>
             <a:r>
               <a:rPr lang="ja-JP" altLang="en-US" sz="1200" dirty="0"/>
-              <a:t>クラスで定義  </a:t>
-            </a:r>
-            <a:r>
-              <a:rPr lang="en-US" altLang="ja-JP" sz="1200" b="1" dirty="0"/>
-              <a:t>ClassUnitData</a:t>
+              <a:t>クラスで定義</a:t>
             </a:r>
             <a:endParaRPr kumimoji="1" lang="ja-JP" altLang="en-US" sz="1200" b="1" dirty="0"/>
           </a:p>
@@ -7280,7 +6863,7 @@
         </p:nvSpPr>
         <p:spPr>
           <a:xfrm>
-            <a:off x="2403220" y="2544882"/>
+            <a:off x="2679160" y="3285010"/>
             <a:ext cx="1277815" cy="276999"/>
           </a:xfrm>
           <a:prstGeom prst="rect">
@@ -7296,7 +6879,7 @@
           <a:p>
             <a:r>
               <a:rPr lang="en-US" altLang="ja-JP" sz="1200" b="1" dirty="0"/>
-              <a:t>ClassUnitList</a:t>
+              <a:t>ClassUnitData</a:t>
             </a:r>
             <a:endParaRPr kumimoji="1" lang="ja-JP" altLang="en-US" sz="1200" b="1" dirty="0"/>
           </a:p>
@@ -7316,7 +6899,7 @@
         </p:nvSpPr>
         <p:spPr>
           <a:xfrm>
-            <a:off x="3674480" y="3419936"/>
+            <a:off x="3950420" y="4160064"/>
             <a:ext cx="1368249" cy="276999"/>
           </a:xfrm>
           <a:prstGeom prst="rect">
@@ -7352,7 +6935,7 @@
         </p:nvSpPr>
         <p:spPr>
           <a:xfrm>
-            <a:off x="4392574" y="4306608"/>
+            <a:off x="4668514" y="5046736"/>
             <a:ext cx="1476480" cy="276999"/>
           </a:xfrm>
           <a:prstGeom prst="rect">
@@ -7388,7 +6971,7 @@
         </p:nvSpPr>
         <p:spPr>
           <a:xfrm>
-            <a:off x="1323227" y="1742916"/>
+            <a:off x="1599167" y="2483044"/>
             <a:ext cx="1079993" cy="254505"/>
           </a:xfrm>
           <a:prstGeom prst="rect">
@@ -7449,8 +7032,8 @@
         </p:nvCxnSpPr>
         <p:spPr>
           <a:xfrm flipV="1">
-            <a:off x="828219" y="1870169"/>
-            <a:ext cx="495008" cy="3642"/>
+            <a:off x="1104159" y="2610297"/>
+            <a:ext cx="495008" cy="135"/>
           </a:xfrm>
           <a:prstGeom prst="line">
             <a:avLst/>
@@ -7490,7 +7073,7 @@
         </p:nvSpPr>
         <p:spPr>
           <a:xfrm>
-            <a:off x="2396666" y="1760505"/>
+            <a:off x="2672606" y="2500633"/>
             <a:ext cx="948407" cy="230832"/>
           </a:xfrm>
           <a:prstGeom prst="rect">
@@ -7526,7 +7109,7 @@
         </p:nvSpPr>
         <p:spPr>
           <a:xfrm>
-            <a:off x="2403220" y="2119240"/>
+            <a:off x="2679160" y="2859368"/>
             <a:ext cx="948407" cy="230832"/>
           </a:xfrm>
           <a:prstGeom prst="rect">
@@ -7562,7 +7145,7 @@
         </p:nvSpPr>
         <p:spPr>
           <a:xfrm>
-            <a:off x="3394107" y="3011301"/>
+            <a:off x="3670047" y="3751429"/>
             <a:ext cx="685668" cy="230832"/>
           </a:xfrm>
           <a:prstGeom prst="rect">
@@ -7598,7 +7181,7 @@
         </p:nvSpPr>
         <p:spPr>
           <a:xfrm>
-            <a:off x="4445146" y="3892286"/>
+            <a:off x="4721086" y="4632414"/>
             <a:ext cx="714750" cy="230832"/>
           </a:xfrm>
           <a:prstGeom prst="rect">
@@ -7634,7 +7217,7 @@
         </p:nvSpPr>
         <p:spPr>
           <a:xfrm>
-            <a:off x="5341026" y="4725698"/>
+            <a:off x="5616966" y="5465826"/>
             <a:ext cx="898975" cy="230832"/>
           </a:xfrm>
           <a:prstGeom prst="rect">
@@ -7670,7 +7253,7 @@
         </p:nvSpPr>
         <p:spPr>
           <a:xfrm>
-            <a:off x="5665449" y="5113825"/>
+            <a:off x="5941389" y="5853953"/>
             <a:ext cx="718584" cy="230832"/>
           </a:xfrm>
           <a:prstGeom prst="rect">
@@ -7865,13 +7448,14 @@
           </p:cNvPr>
           <p:cNvCxnSpPr>
             <a:cxnSpLocks/>
+            <a:endCxn id="21" idx="3"/>
           </p:cNvCxnSpPr>
           <p:nvPr/>
         </p:nvCxnSpPr>
         <p:spPr>
-          <a:xfrm flipH="1">
-            <a:off x="3257133" y="1879051"/>
-            <a:ext cx="3670949" cy="3135"/>
+          <a:xfrm flipH="1" flipV="1">
+            <a:off x="3141092" y="2158455"/>
+            <a:ext cx="3790850" cy="3187"/>
           </a:xfrm>
           <a:prstGeom prst="straightConnector1">
             <a:avLst/>
@@ -7962,18 +7546,19 @@
           </p:cNvPr>
           <p:cNvCxnSpPr>
             <a:cxnSpLocks/>
+            <a:stCxn id="105" idx="1"/>
             <a:endCxn id="86" idx="3"/>
           </p:cNvCxnSpPr>
           <p:nvPr/>
         </p:nvCxnSpPr>
         <p:spPr>
           <a:xfrm rot="10800000">
-            <a:off x="3681036" y="2683383"/>
-            <a:ext cx="3196751" cy="1581795"/>
+            <a:off x="3956976" y="3423510"/>
+            <a:ext cx="2922057" cy="1237846"/>
           </a:xfrm>
           <a:prstGeom prst="bentConnector3">
             <a:avLst>
-              <a:gd name="adj1" fmla="val 24528"/>
+              <a:gd name="adj1" fmla="val 32118"/>
             </a:avLst>
           </a:prstGeom>
           <a:ln w="28575">
@@ -7998,42 +7583,12 @@
           </a:fontRef>
         </p:style>
       </p:cxnSp>
-    </p:spTree>
-    <p:extLst>
-      <p:ext uri="{BB962C8B-B14F-4D97-AF65-F5344CB8AC3E}">
-        <p14:creationId xmlns:p14="http://schemas.microsoft.com/office/powerpoint/2010/main" val="2976829595"/>
-      </p:ext>
-    </p:extLst>
-  </p:cSld>
-  <p:clrMapOvr>
-    <a:masterClrMapping/>
-  </p:clrMapOvr>
-</p:sld>
-</file>
-
-<file path=ppt/slides/slide4.xml><?xml version="1.0" encoding="utf-8"?>
-<p:sld xmlns:a="http://schemas.openxmlformats.org/drawingml/2006/main" xmlns:r="http://schemas.openxmlformats.org/officeDocument/2006/relationships" xmlns:p="http://schemas.openxmlformats.org/presentationml/2006/main">
-  <p:cSld>
-    <p:spTree>
-      <p:nvGrpSpPr>
-        <p:cNvPr id="1" name=""/>
-        <p:cNvGrpSpPr/>
-        <p:nvPr/>
-      </p:nvGrpSpPr>
-      <p:grpSpPr>
-        <a:xfrm>
-          <a:off x="0" y="0"/>
-          <a:ext cx="0" cy="0"/>
-          <a:chOff x="0" y="0"/>
-          <a:chExt cx="0" cy="0"/>
-        </a:xfrm>
-      </p:grpSpPr>
-      <p:sp>
-        <p:nvSpPr>
-          <p:cNvPr id="2" name="矢印: 五方向 1">
-            <a:extLst>
-              <a:ext uri="{FF2B5EF4-FFF2-40B4-BE49-F238E27FC236}">
-                <a16:creationId xmlns:a16="http://schemas.microsoft.com/office/drawing/2014/main" id="{7A569949-0836-C648-6D8D-7229956038F5}"/>
+      <p:sp>
+        <p:nvSpPr>
+          <p:cNvPr id="20" name="直方体 19">
+            <a:extLst>
+              <a:ext uri="{FF2B5EF4-FFF2-40B4-BE49-F238E27FC236}">
+                <a16:creationId xmlns:a16="http://schemas.microsoft.com/office/drawing/2014/main" id="{01C8CD0A-D1E4-E051-1D2D-8E06CADBE715}"/>
               </a:ext>
             </a:extLst>
           </p:cNvPr>
@@ -8042,7 +7597,782 @@
         </p:nvSpPr>
         <p:spPr>
           <a:xfrm>
-            <a:off x="137940" y="108000"/>
+            <a:off x="212114" y="1146118"/>
+            <a:ext cx="1243923" cy="360000"/>
+          </a:xfrm>
+          <a:prstGeom prst="cube">
+            <a:avLst/>
+          </a:prstGeom>
+        </p:spPr>
+        <p:style>
+          <a:lnRef idx="2">
+            <a:schemeClr val="accent3">
+              <a:shade val="15000"/>
+            </a:schemeClr>
+          </a:lnRef>
+          <a:fillRef idx="1">
+            <a:schemeClr val="accent3"/>
+          </a:fillRef>
+          <a:effectRef idx="0">
+            <a:schemeClr val="accent3"/>
+          </a:effectRef>
+          <a:fontRef idx="minor">
+            <a:schemeClr val="lt1"/>
+          </a:fontRef>
+        </p:style>
+        <p:txBody>
+          <a:bodyPr rtlCol="0" anchor="ctr"/>
+          <a:lstStyle/>
+          <a:p>
+            <a:pPr algn="ctr"/>
+            <a:r>
+              <a:rPr kumimoji="1" lang="ja-JP" altLang="en-US" sz="1200" dirty="0"/>
+              <a:t>ホールデータ</a:t>
+            </a:r>
+          </a:p>
+        </p:txBody>
+      </p:sp>
+      <p:sp>
+        <p:nvSpPr>
+          <p:cNvPr id="21" name="テキスト ボックス 20">
+            <a:extLst>
+              <a:ext uri="{FF2B5EF4-FFF2-40B4-BE49-F238E27FC236}">
+                <a16:creationId xmlns:a16="http://schemas.microsoft.com/office/drawing/2014/main" id="{500062F5-A4F0-5E7C-263D-C2AB94A2ADC9}"/>
+              </a:ext>
+            </a:extLst>
+          </p:cNvPr>
+          <p:cNvSpPr txBox="1"/>
+          <p:nvPr/>
+        </p:nvSpPr>
+        <p:spPr>
+          <a:xfrm>
+            <a:off x="1678938" y="2019955"/>
+            <a:ext cx="1462154" cy="276999"/>
+          </a:xfrm>
+          <a:prstGeom prst="rect">
+            <a:avLst/>
+          </a:prstGeom>
+          <a:noFill/>
+        </p:spPr>
+        <p:txBody>
+          <a:bodyPr wrap="square" rtlCol="0">
+            <a:spAutoFit/>
+          </a:bodyPr>
+          <a:lstStyle/>
+          <a:p>
+            <a:r>
+              <a:rPr lang="en-US" altLang="ja-JP" sz="1200" b="1" dirty="0"/>
+              <a:t>ClassModelData</a:t>
+            </a:r>
+            <a:endParaRPr kumimoji="1" lang="ja-JP" altLang="en-US" sz="1200" b="1" dirty="0"/>
+          </a:p>
+        </p:txBody>
+      </p:sp>
+      <p:sp>
+        <p:nvSpPr>
+          <p:cNvPr id="28" name="正方形/長方形 27">
+            <a:extLst>
+              <a:ext uri="{FF2B5EF4-FFF2-40B4-BE49-F238E27FC236}">
+                <a16:creationId xmlns:a16="http://schemas.microsoft.com/office/drawing/2014/main" id="{639F0ABA-A439-CFCF-F8F3-271DA8918FD6}"/>
+              </a:ext>
+            </a:extLst>
+          </p:cNvPr>
+          <p:cNvSpPr/>
+          <p:nvPr/>
+        </p:nvSpPr>
+        <p:spPr>
+          <a:xfrm>
+            <a:off x="608272" y="1618164"/>
+            <a:ext cx="1243923" cy="254505"/>
+          </a:xfrm>
+          <a:prstGeom prst="rect">
+            <a:avLst/>
+          </a:prstGeom>
+          <a:solidFill>
+            <a:schemeClr val="bg1">
+              <a:lumMod val="95000"/>
+            </a:schemeClr>
+          </a:solidFill>
+        </p:spPr>
+        <p:style>
+          <a:lnRef idx="2">
+            <a:schemeClr val="accent1">
+              <a:shade val="15000"/>
+            </a:schemeClr>
+          </a:lnRef>
+          <a:fillRef idx="1">
+            <a:schemeClr val="accent1"/>
+          </a:fillRef>
+          <a:effectRef idx="0">
+            <a:schemeClr val="accent1"/>
+          </a:effectRef>
+          <a:fontRef idx="minor">
+            <a:schemeClr val="lt1"/>
+          </a:fontRef>
+        </p:style>
+        <p:txBody>
+          <a:bodyPr rtlCol="0" anchor="ctr"/>
+          <a:lstStyle/>
+          <a:p>
+            <a:pPr algn="ctr"/>
+            <a:r>
+              <a:rPr lang="ja-JP" altLang="en-US" sz="1200" dirty="0">
+                <a:solidFill>
+                  <a:schemeClr val="tx1"/>
+                </a:solidFill>
+              </a:rPr>
+              <a:t>ホール</a:t>
+            </a:r>
+            <a:r>
+              <a:rPr lang="en-US" altLang="ja-JP" sz="1200" dirty="0">
+                <a:solidFill>
+                  <a:schemeClr val="tx1"/>
+                </a:solidFill>
+              </a:rPr>
+              <a:t>(</a:t>
+            </a:r>
+            <a:r>
+              <a:rPr lang="ja-JP" altLang="en-US" sz="1200" dirty="0">
+                <a:solidFill>
+                  <a:schemeClr val="tx1"/>
+                </a:solidFill>
+              </a:rPr>
+              <a:t>店舗</a:t>
+            </a:r>
+            <a:r>
+              <a:rPr lang="en-US" altLang="ja-JP" sz="1200" dirty="0">
+                <a:solidFill>
+                  <a:schemeClr val="tx1"/>
+                </a:solidFill>
+              </a:rPr>
+              <a:t>)</a:t>
+            </a:r>
+            <a:r>
+              <a:rPr lang="ja-JP" altLang="en-US" sz="1200" dirty="0">
+                <a:solidFill>
+                  <a:schemeClr val="tx1"/>
+                </a:solidFill>
+              </a:rPr>
+              <a:t>名</a:t>
+            </a:r>
+            <a:endParaRPr kumimoji="1" lang="ja-JP" altLang="en-US" sz="1200" dirty="0">
+              <a:solidFill>
+                <a:schemeClr val="tx1"/>
+              </a:solidFill>
+            </a:endParaRPr>
+          </a:p>
+        </p:txBody>
+      </p:sp>
+      <p:cxnSp>
+        <p:nvCxnSpPr>
+          <p:cNvPr id="29" name="直線コネクタ 28">
+            <a:extLst>
+              <a:ext uri="{FF2B5EF4-FFF2-40B4-BE49-F238E27FC236}">
+                <a16:creationId xmlns:a16="http://schemas.microsoft.com/office/drawing/2014/main" id="{436D378C-222E-DB7A-11B6-7A08154AAAB2}"/>
+              </a:ext>
+            </a:extLst>
+          </p:cNvPr>
+          <p:cNvCxnSpPr>
+            <a:cxnSpLocks/>
+          </p:cNvCxnSpPr>
+          <p:nvPr/>
+        </p:nvCxnSpPr>
+        <p:spPr>
+          <a:xfrm>
+            <a:off x="366377" y="1506118"/>
+            <a:ext cx="0" cy="3990608"/>
+          </a:xfrm>
+          <a:prstGeom prst="line">
+            <a:avLst/>
+          </a:prstGeom>
+          <a:ln w="19050">
+            <a:solidFill>
+              <a:schemeClr val="tx1"/>
+            </a:solidFill>
+          </a:ln>
+        </p:spPr>
+        <p:style>
+          <a:lnRef idx="1">
+            <a:schemeClr val="accent1"/>
+          </a:lnRef>
+          <a:fillRef idx="0">
+            <a:schemeClr val="accent1"/>
+          </a:fillRef>
+          <a:effectRef idx="0">
+            <a:schemeClr val="accent1"/>
+          </a:effectRef>
+          <a:fontRef idx="minor">
+            <a:schemeClr val="tx1"/>
+          </a:fontRef>
+        </p:style>
+      </p:cxnSp>
+      <p:cxnSp>
+        <p:nvCxnSpPr>
+          <p:cNvPr id="32" name="直線コネクタ 31">
+            <a:extLst>
+              <a:ext uri="{FF2B5EF4-FFF2-40B4-BE49-F238E27FC236}">
+                <a16:creationId xmlns:a16="http://schemas.microsoft.com/office/drawing/2014/main" id="{D5957DFF-153A-085F-E81D-F5933FEDB83B}"/>
+              </a:ext>
+            </a:extLst>
+          </p:cNvPr>
+          <p:cNvCxnSpPr>
+            <a:cxnSpLocks/>
+            <a:endCxn id="28" idx="1"/>
+          </p:cNvCxnSpPr>
+          <p:nvPr/>
+        </p:nvCxnSpPr>
+        <p:spPr>
+          <a:xfrm>
+            <a:off x="363349" y="1745417"/>
+            <a:ext cx="244923" cy="0"/>
+          </a:xfrm>
+          <a:prstGeom prst="line">
+            <a:avLst/>
+          </a:prstGeom>
+          <a:ln w="19050">
+            <a:solidFill>
+              <a:schemeClr val="tx1"/>
+            </a:solidFill>
+          </a:ln>
+        </p:spPr>
+        <p:style>
+          <a:lnRef idx="1">
+            <a:schemeClr val="accent1"/>
+          </a:lnRef>
+          <a:fillRef idx="0">
+            <a:schemeClr val="accent1"/>
+          </a:fillRef>
+          <a:effectRef idx="0">
+            <a:schemeClr val="accent1"/>
+          </a:effectRef>
+          <a:fontRef idx="minor">
+            <a:schemeClr val="tx1"/>
+          </a:fontRef>
+        </p:style>
+      </p:cxnSp>
+      <p:cxnSp>
+        <p:nvCxnSpPr>
+          <p:cNvPr id="36" name="直線コネクタ 35">
+            <a:extLst>
+              <a:ext uri="{FF2B5EF4-FFF2-40B4-BE49-F238E27FC236}">
+                <a16:creationId xmlns:a16="http://schemas.microsoft.com/office/drawing/2014/main" id="{FD7FF683-7D16-61CF-CD54-85A8F9DB7D1E}"/>
+              </a:ext>
+            </a:extLst>
+          </p:cNvPr>
+          <p:cNvCxnSpPr>
+            <a:cxnSpLocks/>
+            <a:endCxn id="8" idx="2"/>
+          </p:cNvCxnSpPr>
+          <p:nvPr/>
+        </p:nvCxnSpPr>
+        <p:spPr>
+          <a:xfrm>
+            <a:off x="366377" y="2210103"/>
+            <a:ext cx="244923" cy="0"/>
+          </a:xfrm>
+          <a:prstGeom prst="line">
+            <a:avLst/>
+          </a:prstGeom>
+          <a:ln w="19050">
+            <a:solidFill>
+              <a:schemeClr val="tx1"/>
+            </a:solidFill>
+          </a:ln>
+        </p:spPr>
+        <p:style>
+          <a:lnRef idx="1">
+            <a:schemeClr val="accent1"/>
+          </a:lnRef>
+          <a:fillRef idx="0">
+            <a:schemeClr val="accent1"/>
+          </a:fillRef>
+          <a:effectRef idx="0">
+            <a:schemeClr val="accent1"/>
+          </a:effectRef>
+          <a:fontRef idx="minor">
+            <a:schemeClr val="tx1"/>
+          </a:fontRef>
+        </p:style>
+      </p:cxnSp>
+      <p:sp>
+        <p:nvSpPr>
+          <p:cNvPr id="39" name="テキスト ボックス 38">
+            <a:extLst>
+              <a:ext uri="{FF2B5EF4-FFF2-40B4-BE49-F238E27FC236}">
+                <a16:creationId xmlns:a16="http://schemas.microsoft.com/office/drawing/2014/main" id="{2C3A837C-8683-5928-F43F-A67A9F372C17}"/>
+              </a:ext>
+            </a:extLst>
+          </p:cNvPr>
+          <p:cNvSpPr txBox="1"/>
+          <p:nvPr/>
+        </p:nvSpPr>
+        <p:spPr>
+          <a:xfrm>
+            <a:off x="1852195" y="1637272"/>
+            <a:ext cx="718369" cy="230832"/>
+          </a:xfrm>
+          <a:prstGeom prst="rect">
+            <a:avLst/>
+          </a:prstGeom>
+          <a:noFill/>
+        </p:spPr>
+        <p:txBody>
+          <a:bodyPr wrap="square" rtlCol="0">
+            <a:spAutoFit/>
+          </a:bodyPr>
+          <a:lstStyle/>
+          <a:p>
+            <a:r>
+              <a:rPr kumimoji="1" lang="en-US" altLang="ja-JP" sz="900" dirty="0"/>
+              <a:t>HallName</a:t>
+            </a:r>
+            <a:endParaRPr kumimoji="1" lang="ja-JP" altLang="en-US" sz="900" dirty="0"/>
+          </a:p>
+        </p:txBody>
+      </p:sp>
+      <p:sp>
+        <p:nvSpPr>
+          <p:cNvPr id="112" name="テキスト ボックス 111">
+            <a:extLst>
+              <a:ext uri="{FF2B5EF4-FFF2-40B4-BE49-F238E27FC236}">
+                <a16:creationId xmlns:a16="http://schemas.microsoft.com/office/drawing/2014/main" id="{1D2A2485-BFDA-1769-E17C-A3B21324BAE9}"/>
+              </a:ext>
+            </a:extLst>
+          </p:cNvPr>
+          <p:cNvSpPr txBox="1"/>
+          <p:nvPr/>
+        </p:nvSpPr>
+        <p:spPr>
+          <a:xfrm>
+            <a:off x="1456037" y="1187434"/>
+            <a:ext cx="1462154" cy="276999"/>
+          </a:xfrm>
+          <a:prstGeom prst="rect">
+            <a:avLst/>
+          </a:prstGeom>
+          <a:noFill/>
+        </p:spPr>
+        <p:txBody>
+          <a:bodyPr wrap="square" rtlCol="0">
+            <a:spAutoFit/>
+          </a:bodyPr>
+          <a:lstStyle/>
+          <a:p>
+            <a:r>
+              <a:rPr lang="en-US" altLang="ja-JP" sz="1200" b="1" dirty="0"/>
+              <a:t>ClassHallData</a:t>
+            </a:r>
+            <a:endParaRPr kumimoji="1" lang="ja-JP" altLang="en-US" sz="1200" b="1" dirty="0"/>
+          </a:p>
+        </p:txBody>
+      </p:sp>
+      <p:cxnSp>
+        <p:nvCxnSpPr>
+          <p:cNvPr id="113" name="直線コネクタ 112">
+            <a:extLst>
+              <a:ext uri="{FF2B5EF4-FFF2-40B4-BE49-F238E27FC236}">
+                <a16:creationId xmlns:a16="http://schemas.microsoft.com/office/drawing/2014/main" id="{81B57237-D446-9ACC-7CC8-70762970F3D4}"/>
+              </a:ext>
+            </a:extLst>
+          </p:cNvPr>
+          <p:cNvCxnSpPr>
+            <a:cxnSpLocks/>
+          </p:cNvCxnSpPr>
+          <p:nvPr/>
+        </p:nvCxnSpPr>
+        <p:spPr>
+          <a:xfrm>
+            <a:off x="368577" y="5488693"/>
+            <a:ext cx="0" cy="643823"/>
+          </a:xfrm>
+          <a:prstGeom prst="line">
+            <a:avLst/>
+          </a:prstGeom>
+          <a:ln w="19050">
+            <a:solidFill>
+              <a:schemeClr val="tx1"/>
+            </a:solidFill>
+            <a:prstDash val="dash"/>
+          </a:ln>
+        </p:spPr>
+        <p:style>
+          <a:lnRef idx="1">
+            <a:schemeClr val="accent1"/>
+          </a:lnRef>
+          <a:fillRef idx="0">
+            <a:schemeClr val="accent1"/>
+          </a:fillRef>
+          <a:effectRef idx="0">
+            <a:schemeClr val="accent1"/>
+          </a:effectRef>
+          <a:fontRef idx="minor">
+            <a:schemeClr val="tx1"/>
+          </a:fontRef>
+        </p:style>
+      </p:cxnSp>
+      <p:sp>
+        <p:nvSpPr>
+          <p:cNvPr id="125" name="矢印: 五方向 124">
+            <a:extLst>
+              <a:ext uri="{FF2B5EF4-FFF2-40B4-BE49-F238E27FC236}">
+                <a16:creationId xmlns:a16="http://schemas.microsoft.com/office/drawing/2014/main" id="{1D7F4988-55BE-2D4A-0ADC-1DA1508160BD}"/>
+              </a:ext>
+            </a:extLst>
+          </p:cNvPr>
+          <p:cNvSpPr/>
+          <p:nvPr/>
+        </p:nvSpPr>
+        <p:spPr>
+          <a:xfrm>
+            <a:off x="1503576" y="79303"/>
+            <a:ext cx="1368263" cy="504000"/>
+          </a:xfrm>
+          <a:prstGeom prst="homePlate">
+            <a:avLst/>
+          </a:prstGeom>
+          <a:solidFill>
+            <a:srgbClr val="002060"/>
+          </a:solidFill>
+          <a:ln w="38100" cap="flat" cmpd="sng">
+            <a:solidFill>
+              <a:schemeClr val="bg2"/>
+            </a:solidFill>
+            <a:miter lim="800000"/>
+          </a:ln>
+          <a:effectLst>
+            <a:outerShdw blurRad="50800" dist="38100" dir="2700000" algn="tl" rotWithShape="0">
+              <a:prstClr val="black">
+                <a:alpha val="40000"/>
+              </a:prstClr>
+            </a:outerShdw>
+          </a:effectLst>
+        </p:spPr>
+        <p:style>
+          <a:lnRef idx="2">
+            <a:schemeClr val="accent1">
+              <a:shade val="50000"/>
+            </a:schemeClr>
+          </a:lnRef>
+          <a:fillRef idx="1">
+            <a:schemeClr val="accent1"/>
+          </a:fillRef>
+          <a:effectRef idx="0">
+            <a:schemeClr val="accent1"/>
+          </a:effectRef>
+          <a:fontRef idx="minor">
+            <a:schemeClr val="lt1"/>
+          </a:fontRef>
+        </p:style>
+        <p:txBody>
+          <a:bodyPr rtlCol="0" anchor="ctr"/>
+          <a:lstStyle/>
+          <a:p>
+            <a:pPr algn="ctr"/>
+            <a:r>
+              <a:rPr lang="ja-JP" altLang="en-US" sz="1400" dirty="0">
+                <a:latin typeface="HGPｺﾞｼｯｸE" panose="020B0900000000000000" pitchFamily="50" charset="-128"/>
+                <a:ea typeface="HGPｺﾞｼｯｸE" panose="020B0900000000000000" pitchFamily="50" charset="-128"/>
+              </a:rPr>
+              <a:t>要件定義</a:t>
+            </a:r>
+            <a:endParaRPr kumimoji="1" lang="ja-JP" altLang="en-US" sz="1400" dirty="0">
+              <a:latin typeface="HGPｺﾞｼｯｸE" panose="020B0900000000000000" pitchFamily="50" charset="-128"/>
+              <a:ea typeface="HGPｺﾞｼｯｸE" panose="020B0900000000000000" pitchFamily="50" charset="-128"/>
+            </a:endParaRPr>
+          </a:p>
+        </p:txBody>
+      </p:sp>
+      <p:sp>
+        <p:nvSpPr>
+          <p:cNvPr id="126" name="矢印: 五方向 125">
+            <a:extLst>
+              <a:ext uri="{FF2B5EF4-FFF2-40B4-BE49-F238E27FC236}">
+                <a16:creationId xmlns:a16="http://schemas.microsoft.com/office/drawing/2014/main" id="{AA4728F0-5047-14F4-3D78-61CACA8DC2EB}"/>
+              </a:ext>
+            </a:extLst>
+          </p:cNvPr>
+          <p:cNvSpPr/>
+          <p:nvPr/>
+        </p:nvSpPr>
+        <p:spPr>
+          <a:xfrm>
+            <a:off x="4364496" y="79303"/>
+            <a:ext cx="1368263" cy="504000"/>
+          </a:xfrm>
+          <a:prstGeom prst="homePlate">
+            <a:avLst/>
+          </a:prstGeom>
+          <a:solidFill>
+            <a:srgbClr val="002060"/>
+          </a:solidFill>
+          <a:ln w="38100" cap="flat" cmpd="sng">
+            <a:solidFill>
+              <a:schemeClr val="bg2"/>
+            </a:solidFill>
+            <a:miter lim="800000"/>
+          </a:ln>
+          <a:effectLst>
+            <a:outerShdw blurRad="50800" dist="38100" dir="2700000" algn="tl" rotWithShape="0">
+              <a:prstClr val="black">
+                <a:alpha val="40000"/>
+              </a:prstClr>
+            </a:outerShdw>
+          </a:effectLst>
+        </p:spPr>
+        <p:style>
+          <a:lnRef idx="2">
+            <a:schemeClr val="accent1">
+              <a:shade val="50000"/>
+            </a:schemeClr>
+          </a:lnRef>
+          <a:fillRef idx="1">
+            <a:schemeClr val="accent1"/>
+          </a:fillRef>
+          <a:effectRef idx="0">
+            <a:schemeClr val="accent1"/>
+          </a:effectRef>
+          <a:fontRef idx="minor">
+            <a:schemeClr val="lt1"/>
+          </a:fontRef>
+        </p:style>
+        <p:txBody>
+          <a:bodyPr rtlCol="0" anchor="ctr"/>
+          <a:lstStyle/>
+          <a:p>
+            <a:pPr algn="ctr"/>
+            <a:r>
+              <a:rPr kumimoji="1" lang="ja-JP" altLang="en-US" sz="1400" dirty="0">
+                <a:latin typeface="HGPｺﾞｼｯｸE" panose="020B0900000000000000" pitchFamily="50" charset="-128"/>
+                <a:ea typeface="HGPｺﾞｼｯｸE" panose="020B0900000000000000" pitchFamily="50" charset="-128"/>
+              </a:rPr>
+              <a:t>基本設計</a:t>
+            </a:r>
+          </a:p>
+        </p:txBody>
+      </p:sp>
+      <p:sp>
+        <p:nvSpPr>
+          <p:cNvPr id="127" name="矢印: 五方向 126">
+            <a:extLst>
+              <a:ext uri="{FF2B5EF4-FFF2-40B4-BE49-F238E27FC236}">
+                <a16:creationId xmlns:a16="http://schemas.microsoft.com/office/drawing/2014/main" id="{27950F61-1C3F-67A2-2037-FC2EAB45844F}"/>
+              </a:ext>
+            </a:extLst>
+          </p:cNvPr>
+          <p:cNvSpPr/>
+          <p:nvPr/>
+        </p:nvSpPr>
+        <p:spPr>
+          <a:xfrm>
+            <a:off x="5794956" y="79303"/>
+            <a:ext cx="1368263" cy="504000"/>
+          </a:xfrm>
+          <a:prstGeom prst="homePlate">
+            <a:avLst/>
+          </a:prstGeom>
+          <a:solidFill>
+            <a:srgbClr val="002060"/>
+          </a:solidFill>
+          <a:ln w="38100" cap="flat" cmpd="sng">
+            <a:solidFill>
+              <a:schemeClr val="bg2"/>
+            </a:solidFill>
+            <a:miter lim="800000"/>
+          </a:ln>
+          <a:effectLst>
+            <a:outerShdw blurRad="50800" dist="38100" dir="2700000" algn="tl" rotWithShape="0">
+              <a:prstClr val="black">
+                <a:alpha val="40000"/>
+              </a:prstClr>
+            </a:outerShdw>
+          </a:effectLst>
+        </p:spPr>
+        <p:style>
+          <a:lnRef idx="2">
+            <a:schemeClr val="accent1">
+              <a:shade val="50000"/>
+            </a:schemeClr>
+          </a:lnRef>
+          <a:fillRef idx="1">
+            <a:schemeClr val="accent1"/>
+          </a:fillRef>
+          <a:effectRef idx="0">
+            <a:schemeClr val="accent1"/>
+          </a:effectRef>
+          <a:fontRef idx="minor">
+            <a:schemeClr val="lt1"/>
+          </a:fontRef>
+        </p:style>
+        <p:txBody>
+          <a:bodyPr rtlCol="0" anchor="ctr"/>
+          <a:lstStyle/>
+          <a:p>
+            <a:pPr algn="ctr"/>
+            <a:r>
+              <a:rPr kumimoji="1" lang="ja-JP" altLang="en-US" sz="1400" dirty="0">
+                <a:latin typeface="HGPｺﾞｼｯｸE" panose="020B0900000000000000" pitchFamily="50" charset="-128"/>
+                <a:ea typeface="HGPｺﾞｼｯｸE" panose="020B0900000000000000" pitchFamily="50" charset="-128"/>
+              </a:rPr>
+              <a:t>詳細設計</a:t>
+            </a:r>
+          </a:p>
+        </p:txBody>
+      </p:sp>
+      <p:sp>
+        <p:nvSpPr>
+          <p:cNvPr id="128" name="矢印: 五方向 127">
+            <a:extLst>
+              <a:ext uri="{FF2B5EF4-FFF2-40B4-BE49-F238E27FC236}">
+                <a16:creationId xmlns:a16="http://schemas.microsoft.com/office/drawing/2014/main" id="{9534480C-0070-D58D-431D-505A2E026C87}"/>
+              </a:ext>
+            </a:extLst>
+          </p:cNvPr>
+          <p:cNvSpPr/>
+          <p:nvPr/>
+        </p:nvSpPr>
+        <p:spPr>
+          <a:xfrm>
+            <a:off x="7225416" y="79303"/>
+            <a:ext cx="1368263" cy="504000"/>
+          </a:xfrm>
+          <a:prstGeom prst="homePlate">
+            <a:avLst/>
+          </a:prstGeom>
+          <a:solidFill>
+            <a:srgbClr val="002060"/>
+          </a:solidFill>
+          <a:ln w="38100" cap="flat" cmpd="sng">
+            <a:solidFill>
+              <a:schemeClr val="bg2"/>
+            </a:solidFill>
+            <a:miter lim="800000"/>
+          </a:ln>
+          <a:effectLst>
+            <a:outerShdw blurRad="50800" dist="38100" dir="2700000" algn="tl" rotWithShape="0">
+              <a:prstClr val="black">
+                <a:alpha val="40000"/>
+              </a:prstClr>
+            </a:outerShdw>
+          </a:effectLst>
+        </p:spPr>
+        <p:style>
+          <a:lnRef idx="2">
+            <a:schemeClr val="accent1">
+              <a:shade val="50000"/>
+            </a:schemeClr>
+          </a:lnRef>
+          <a:fillRef idx="1">
+            <a:schemeClr val="accent1"/>
+          </a:fillRef>
+          <a:effectRef idx="0">
+            <a:schemeClr val="accent1"/>
+          </a:effectRef>
+          <a:fontRef idx="minor">
+            <a:schemeClr val="lt1"/>
+          </a:fontRef>
+        </p:style>
+        <p:txBody>
+          <a:bodyPr rtlCol="0" anchor="ctr"/>
+          <a:lstStyle/>
+          <a:p>
+            <a:pPr algn="ctr"/>
+            <a:r>
+              <a:rPr lang="ja-JP" altLang="en-US" sz="1400" dirty="0">
+                <a:latin typeface="HGPｺﾞｼｯｸE" panose="020B0900000000000000" pitchFamily="50" charset="-128"/>
+                <a:ea typeface="HGPｺﾞｼｯｸE" panose="020B0900000000000000" pitchFamily="50" charset="-128"/>
+              </a:rPr>
+              <a:t>コーディング</a:t>
+            </a:r>
+            <a:endParaRPr lang="en-US" altLang="ja-JP" sz="1400" dirty="0">
+              <a:latin typeface="HGPｺﾞｼｯｸE" panose="020B0900000000000000" pitchFamily="50" charset="-128"/>
+              <a:ea typeface="HGPｺﾞｼｯｸE" panose="020B0900000000000000" pitchFamily="50" charset="-128"/>
+            </a:endParaRPr>
+          </a:p>
+        </p:txBody>
+      </p:sp>
+      <p:sp>
+        <p:nvSpPr>
+          <p:cNvPr id="129" name="矢印: 五方向 128">
+            <a:extLst>
+              <a:ext uri="{FF2B5EF4-FFF2-40B4-BE49-F238E27FC236}">
+                <a16:creationId xmlns:a16="http://schemas.microsoft.com/office/drawing/2014/main" id="{9C6865D5-417B-A881-80D2-D400091EC885}"/>
+              </a:ext>
+            </a:extLst>
+          </p:cNvPr>
+          <p:cNvSpPr/>
+          <p:nvPr/>
+        </p:nvSpPr>
+        <p:spPr>
+          <a:xfrm>
+            <a:off x="8655876" y="79303"/>
+            <a:ext cx="1368263" cy="504000"/>
+          </a:xfrm>
+          <a:prstGeom prst="homePlate">
+            <a:avLst/>
+          </a:prstGeom>
+          <a:solidFill>
+            <a:srgbClr val="002060"/>
+          </a:solidFill>
+          <a:ln w="38100" cap="flat" cmpd="sng">
+            <a:solidFill>
+              <a:schemeClr val="bg2"/>
+            </a:solidFill>
+            <a:miter lim="800000"/>
+          </a:ln>
+          <a:effectLst>
+            <a:outerShdw blurRad="50800" dist="38100" dir="2700000" algn="tl" rotWithShape="0">
+              <a:prstClr val="black">
+                <a:alpha val="40000"/>
+              </a:prstClr>
+            </a:outerShdw>
+          </a:effectLst>
+        </p:spPr>
+        <p:style>
+          <a:lnRef idx="2">
+            <a:schemeClr val="accent1">
+              <a:shade val="50000"/>
+            </a:schemeClr>
+          </a:lnRef>
+          <a:fillRef idx="1">
+            <a:schemeClr val="accent1"/>
+          </a:fillRef>
+          <a:effectRef idx="0">
+            <a:schemeClr val="accent1"/>
+          </a:effectRef>
+          <a:fontRef idx="minor">
+            <a:schemeClr val="lt1"/>
+          </a:fontRef>
+        </p:style>
+        <p:txBody>
+          <a:bodyPr rtlCol="0" anchor="ctr"/>
+          <a:lstStyle/>
+          <a:p>
+            <a:pPr algn="ctr"/>
+            <a:r>
+              <a:rPr kumimoji="1" lang="ja-JP" altLang="en-US" sz="1400" dirty="0">
+                <a:latin typeface="HGPｺﾞｼｯｸE" panose="020B0900000000000000" pitchFamily="50" charset="-128"/>
+                <a:ea typeface="HGPｺﾞｼｯｸE" panose="020B0900000000000000" pitchFamily="50" charset="-128"/>
+              </a:rPr>
+              <a:t>動作検証</a:t>
+            </a:r>
+          </a:p>
+        </p:txBody>
+      </p:sp>
+      <p:sp>
+        <p:nvSpPr>
+          <p:cNvPr id="130" name="矢印: 五方向 129">
+            <a:extLst>
+              <a:ext uri="{FF2B5EF4-FFF2-40B4-BE49-F238E27FC236}">
+                <a16:creationId xmlns:a16="http://schemas.microsoft.com/office/drawing/2014/main" id="{37C31ADD-54B3-62BE-29B6-D11101E9A42E}"/>
+              </a:ext>
+            </a:extLst>
+          </p:cNvPr>
+          <p:cNvSpPr/>
+          <p:nvPr/>
+        </p:nvSpPr>
+        <p:spPr>
+          <a:xfrm>
+            <a:off x="2934036" y="79303"/>
             <a:ext cx="1368263" cy="504000"/>
           </a:xfrm>
           <a:prstGeom prst="homePlate">
@@ -8105,17 +8435,17 @@
                 <a:latin typeface="HGPｺﾞｼｯｸE" panose="020B0900000000000000" pitchFamily="50" charset="-128"/>
                 <a:ea typeface="HGPｺﾞｼｯｸE" panose="020B0900000000000000" pitchFamily="50" charset="-128"/>
               </a:rPr>
-              <a:t>構成図</a:t>
-            </a:r>
-          </a:p>
-        </p:txBody>
-      </p:sp>
-      <p:sp>
-        <p:nvSpPr>
-          <p:cNvPr id="3" name="矢印: 五方向 2">
-            <a:extLst>
-              <a:ext uri="{FF2B5EF4-FFF2-40B4-BE49-F238E27FC236}">
-                <a16:creationId xmlns:a16="http://schemas.microsoft.com/office/drawing/2014/main" id="{68697A94-ADDD-8BCE-4A36-A680ED0129AE}"/>
+              <a:t>構造設計</a:t>
+            </a:r>
+          </a:p>
+        </p:txBody>
+      </p:sp>
+      <p:sp>
+        <p:nvSpPr>
+          <p:cNvPr id="131" name="矢印: 五方向 130">
+            <a:extLst>
+              <a:ext uri="{FF2B5EF4-FFF2-40B4-BE49-F238E27FC236}">
+                <a16:creationId xmlns:a16="http://schemas.microsoft.com/office/drawing/2014/main" id="{8BE444B3-AD5B-A54A-F00D-95BBF0E965FC}"/>
               </a:ext>
             </a:extLst>
           </p:cNvPr>
@@ -8124,7 +8454,7 @@
         </p:nvSpPr>
         <p:spPr>
           <a:xfrm>
-            <a:off x="2998860" y="108000"/>
+            <a:off x="73116" y="79303"/>
             <a:ext cx="1368263" cy="504000"/>
           </a:xfrm>
           <a:prstGeom prst="homePlate">
@@ -8173,583 +8503,15 @@
                 <a:latin typeface="HGPｺﾞｼｯｸE" panose="020B0900000000000000" pitchFamily="50" charset="-128"/>
                 <a:ea typeface="HGPｺﾞｼｯｸE" panose="020B0900000000000000" pitchFamily="50" charset="-128"/>
               </a:rPr>
-              <a:t>遷移図</a:t>
-            </a:r>
-          </a:p>
-        </p:txBody>
-      </p:sp>
-      <p:sp>
-        <p:nvSpPr>
-          <p:cNvPr id="4" name="矢印: 五方向 3">
-            <a:extLst>
-              <a:ext uri="{FF2B5EF4-FFF2-40B4-BE49-F238E27FC236}">
-                <a16:creationId xmlns:a16="http://schemas.microsoft.com/office/drawing/2014/main" id="{59FD3A16-09CB-C1F0-43E7-A5CDEDD6598D}"/>
-              </a:ext>
-            </a:extLst>
-          </p:cNvPr>
-          <p:cNvSpPr/>
-          <p:nvPr/>
-        </p:nvSpPr>
-        <p:spPr>
-          <a:xfrm>
-            <a:off x="4429320" y="108000"/>
-            <a:ext cx="1368263" cy="504000"/>
-          </a:xfrm>
-          <a:prstGeom prst="homePlate">
-            <a:avLst/>
-          </a:prstGeom>
-          <a:solidFill>
-            <a:srgbClr val="002060"/>
-          </a:solidFill>
-          <a:ln w="38100" cap="flat" cmpd="sng">
-            <a:solidFill>
-              <a:schemeClr val="bg2"/>
-            </a:solidFill>
-            <a:miter lim="800000"/>
-          </a:ln>
-          <a:effectLst>
-            <a:outerShdw blurRad="50800" dist="38100" dir="2700000" algn="tl" rotWithShape="0">
-              <a:prstClr val="black">
-                <a:alpha val="40000"/>
-              </a:prstClr>
-            </a:outerShdw>
-          </a:effectLst>
-        </p:spPr>
-        <p:style>
-          <a:lnRef idx="2">
-            <a:schemeClr val="accent1">
-              <a:shade val="50000"/>
-            </a:schemeClr>
-          </a:lnRef>
-          <a:fillRef idx="1">
-            <a:schemeClr val="accent1"/>
-          </a:fillRef>
-          <a:effectRef idx="0">
-            <a:schemeClr val="accent1"/>
-          </a:effectRef>
-          <a:fontRef idx="minor">
-            <a:schemeClr val="lt1"/>
-          </a:fontRef>
-        </p:style>
-        <p:txBody>
-          <a:bodyPr rtlCol="0" anchor="ctr"/>
-          <a:lstStyle/>
-          <a:p>
-            <a:pPr algn="ctr"/>
-            <a:r>
-              <a:rPr kumimoji="1" lang="ja-JP" altLang="en-US" sz="1400" dirty="0">
-                <a:latin typeface="HGPｺﾞｼｯｸE" panose="020B0900000000000000" pitchFamily="50" charset="-128"/>
-                <a:ea typeface="HGPｺﾞｼｯｸE" panose="020B0900000000000000" pitchFamily="50" charset="-128"/>
-              </a:rPr>
-              <a:t>基本設計</a:t>
-            </a:r>
-          </a:p>
-        </p:txBody>
-      </p:sp>
-      <p:sp>
-        <p:nvSpPr>
-          <p:cNvPr id="5" name="矢印: 五方向 4">
-            <a:extLst>
-              <a:ext uri="{FF2B5EF4-FFF2-40B4-BE49-F238E27FC236}">
-                <a16:creationId xmlns:a16="http://schemas.microsoft.com/office/drawing/2014/main" id="{C02A1793-1E33-17CF-5BE2-33ADDF6B7244}"/>
-              </a:ext>
-            </a:extLst>
-          </p:cNvPr>
-          <p:cNvSpPr/>
-          <p:nvPr/>
-        </p:nvSpPr>
-        <p:spPr>
-          <a:xfrm>
-            <a:off x="5859780" y="108000"/>
-            <a:ext cx="1368263" cy="504000"/>
-          </a:xfrm>
-          <a:prstGeom prst="homePlate">
-            <a:avLst/>
-          </a:prstGeom>
-          <a:solidFill>
-            <a:srgbClr val="002060"/>
-          </a:solidFill>
-          <a:ln w="38100" cap="flat" cmpd="sng">
-            <a:solidFill>
-              <a:schemeClr val="bg2"/>
-            </a:solidFill>
-            <a:miter lim="800000"/>
-          </a:ln>
-          <a:effectLst>
-            <a:outerShdw blurRad="50800" dist="38100" dir="2700000" algn="tl" rotWithShape="0">
-              <a:prstClr val="black">
-                <a:alpha val="40000"/>
-              </a:prstClr>
-            </a:outerShdw>
-          </a:effectLst>
-        </p:spPr>
-        <p:style>
-          <a:lnRef idx="2">
-            <a:schemeClr val="accent1">
-              <a:shade val="50000"/>
-            </a:schemeClr>
-          </a:lnRef>
-          <a:fillRef idx="1">
-            <a:schemeClr val="accent1"/>
-          </a:fillRef>
-          <a:effectRef idx="0">
-            <a:schemeClr val="accent1"/>
-          </a:effectRef>
-          <a:fontRef idx="minor">
-            <a:schemeClr val="lt1"/>
-          </a:fontRef>
-        </p:style>
-        <p:txBody>
-          <a:bodyPr rtlCol="0" anchor="ctr"/>
-          <a:lstStyle/>
-          <a:p>
-            <a:pPr algn="ctr"/>
-            <a:r>
-              <a:rPr kumimoji="1" lang="ja-JP" altLang="en-US" sz="1400" dirty="0">
-                <a:latin typeface="HGPｺﾞｼｯｸE" panose="020B0900000000000000" pitchFamily="50" charset="-128"/>
-                <a:ea typeface="HGPｺﾞｼｯｸE" panose="020B0900000000000000" pitchFamily="50" charset="-128"/>
-              </a:rPr>
-              <a:t>詳細設計</a:t>
-            </a:r>
-          </a:p>
-        </p:txBody>
-      </p:sp>
-      <p:sp>
-        <p:nvSpPr>
-          <p:cNvPr id="6" name="矢印: 五方向 5">
-            <a:extLst>
-              <a:ext uri="{FF2B5EF4-FFF2-40B4-BE49-F238E27FC236}">
-                <a16:creationId xmlns:a16="http://schemas.microsoft.com/office/drawing/2014/main" id="{18D771F0-1AA3-A0FC-8098-CD3B04F5B416}"/>
-              </a:ext>
-            </a:extLst>
-          </p:cNvPr>
-          <p:cNvSpPr/>
-          <p:nvPr/>
-        </p:nvSpPr>
-        <p:spPr>
-          <a:xfrm>
-            <a:off x="7290240" y="108000"/>
-            <a:ext cx="1368263" cy="504000"/>
-          </a:xfrm>
-          <a:prstGeom prst="homePlate">
-            <a:avLst/>
-          </a:prstGeom>
-          <a:solidFill>
-            <a:srgbClr val="002060"/>
-          </a:solidFill>
-          <a:ln w="38100" cap="flat" cmpd="sng">
-            <a:solidFill>
-              <a:schemeClr val="bg2"/>
-            </a:solidFill>
-            <a:miter lim="800000"/>
-          </a:ln>
-          <a:effectLst>
-            <a:outerShdw blurRad="50800" dist="38100" dir="2700000" algn="tl" rotWithShape="0">
-              <a:prstClr val="black">
-                <a:alpha val="40000"/>
-              </a:prstClr>
-            </a:outerShdw>
-          </a:effectLst>
-        </p:spPr>
-        <p:style>
-          <a:lnRef idx="2">
-            <a:schemeClr val="accent1">
-              <a:shade val="50000"/>
-            </a:schemeClr>
-          </a:lnRef>
-          <a:fillRef idx="1">
-            <a:schemeClr val="accent1"/>
-          </a:fillRef>
-          <a:effectRef idx="0">
-            <a:schemeClr val="accent1"/>
-          </a:effectRef>
-          <a:fontRef idx="minor">
-            <a:schemeClr val="lt1"/>
-          </a:fontRef>
-        </p:style>
-        <p:txBody>
-          <a:bodyPr rtlCol="0" anchor="ctr"/>
-          <a:lstStyle/>
-          <a:p>
-            <a:pPr algn="ctr"/>
-            <a:r>
-              <a:rPr kumimoji="1" lang="ja-JP" altLang="en-US" sz="1400" dirty="0">
-                <a:latin typeface="HGPｺﾞｼｯｸE" panose="020B0900000000000000" pitchFamily="50" charset="-128"/>
-                <a:ea typeface="HGPｺﾞｼｯｸE" panose="020B0900000000000000" pitchFamily="50" charset="-128"/>
-              </a:rPr>
-              <a:t>動作検証</a:t>
-            </a:r>
-          </a:p>
-        </p:txBody>
-      </p:sp>
-      <p:sp>
-        <p:nvSpPr>
-          <p:cNvPr id="7" name="矢印: 五方向 6">
-            <a:extLst>
-              <a:ext uri="{FF2B5EF4-FFF2-40B4-BE49-F238E27FC236}">
-                <a16:creationId xmlns:a16="http://schemas.microsoft.com/office/drawing/2014/main" id="{8CF697AE-6DDD-5A6E-37E2-F82DB71AD85C}"/>
-              </a:ext>
-            </a:extLst>
-          </p:cNvPr>
-          <p:cNvSpPr/>
-          <p:nvPr/>
-        </p:nvSpPr>
-        <p:spPr>
-          <a:xfrm>
-            <a:off x="1568400" y="108000"/>
-            <a:ext cx="1368263" cy="504000"/>
-          </a:xfrm>
-          <a:prstGeom prst="homePlate">
-            <a:avLst/>
-          </a:prstGeom>
-          <a:solidFill>
-            <a:srgbClr val="002060"/>
-          </a:solidFill>
-          <a:ln w="38100" cap="flat" cmpd="sng">
-            <a:solidFill>
-              <a:schemeClr val="bg2"/>
-            </a:solidFill>
-            <a:miter lim="800000"/>
-          </a:ln>
-          <a:effectLst>
-            <a:outerShdw blurRad="50800" dist="38100" dir="2700000" algn="tl" rotWithShape="0">
-              <a:prstClr val="black">
-                <a:alpha val="40000"/>
-              </a:prstClr>
-            </a:outerShdw>
-          </a:effectLst>
-        </p:spPr>
-        <p:style>
-          <a:lnRef idx="2">
-            <a:schemeClr val="accent1">
-              <a:shade val="50000"/>
-            </a:schemeClr>
-          </a:lnRef>
-          <a:fillRef idx="1">
-            <a:schemeClr val="accent1"/>
-          </a:fillRef>
-          <a:effectRef idx="0">
-            <a:schemeClr val="accent1"/>
-          </a:effectRef>
-          <a:fontRef idx="minor">
-            <a:schemeClr val="lt1"/>
-          </a:fontRef>
-        </p:style>
-        <p:txBody>
-          <a:bodyPr rtlCol="0" anchor="ctr"/>
-          <a:lstStyle/>
-          <a:p>
-            <a:pPr algn="ctr"/>
-            <a:r>
-              <a:rPr kumimoji="1" lang="ja-JP" altLang="en-US" sz="1400" dirty="0">
-                <a:latin typeface="HGPｺﾞｼｯｸE" panose="020B0900000000000000" pitchFamily="50" charset="-128"/>
-                <a:ea typeface="HGPｺﾞｼｯｸE" panose="020B0900000000000000" pitchFamily="50" charset="-128"/>
-              </a:rPr>
-              <a:t>機能概要</a:t>
-            </a:r>
-          </a:p>
-        </p:txBody>
-      </p:sp>
-      <p:sp>
-        <p:nvSpPr>
-          <p:cNvPr id="16" name="日付プレースホルダー 15">
-            <a:extLst>
-              <a:ext uri="{FF2B5EF4-FFF2-40B4-BE49-F238E27FC236}">
-                <a16:creationId xmlns:a16="http://schemas.microsoft.com/office/drawing/2014/main" id="{9583F4B2-22AF-433F-0231-13589F025E1B}"/>
-              </a:ext>
-            </a:extLst>
-          </p:cNvPr>
-          <p:cNvSpPr>
-            <a:spLocks noGrp="1"/>
-          </p:cNvSpPr>
-          <p:nvPr>
-            <p:ph type="dt" sz="half" idx="4294967295"/>
-          </p:nvPr>
-        </p:nvSpPr>
-        <p:spPr>
-          <a:xfrm>
-            <a:off x="137940" y="6342379"/>
-            <a:ext cx="1368263" cy="365125"/>
-          </a:xfrm>
-        </p:spPr>
-        <p:txBody>
-          <a:bodyPr/>
-          <a:lstStyle/>
-          <a:p>
-            <a:fld id="{60FD98CF-18C6-4C92-8A16-AF221CEED19D}" type="datetime1">
-              <a:rPr kumimoji="1" lang="ja-JP" altLang="en-US" sz="1400" smtClean="0">
-                <a:solidFill>
-                  <a:schemeClr val="bg1"/>
-                </a:solidFill>
-                <a:latin typeface="HGPｺﾞｼｯｸE" panose="020B0900000000000000" pitchFamily="50" charset="-128"/>
-                <a:ea typeface="HGPｺﾞｼｯｸE" panose="020B0900000000000000" pitchFamily="50" charset="-128"/>
-              </a:rPr>
-              <a:t>2023/8/28</a:t>
-            </a:fld>
-            <a:endParaRPr kumimoji="1" lang="ja-JP" altLang="en-US" dirty="0">
-              <a:solidFill>
-                <a:schemeClr val="bg1"/>
-              </a:solidFill>
-              <a:latin typeface="HGPｺﾞｼｯｸE" panose="020B0900000000000000" pitchFamily="50" charset="-128"/>
-              <a:ea typeface="HGPｺﾞｼｯｸE" panose="020B0900000000000000" pitchFamily="50" charset="-128"/>
-            </a:endParaRPr>
-          </a:p>
-        </p:txBody>
-      </p:sp>
-      <p:sp>
-        <p:nvSpPr>
-          <p:cNvPr id="18" name="スライド番号プレースホルダー 17">
-            <a:extLst>
-              <a:ext uri="{FF2B5EF4-FFF2-40B4-BE49-F238E27FC236}">
-                <a16:creationId xmlns:a16="http://schemas.microsoft.com/office/drawing/2014/main" id="{0997EFDE-3DB3-96DB-1116-51929E03588F}"/>
-              </a:ext>
-            </a:extLst>
-          </p:cNvPr>
-          <p:cNvSpPr>
-            <a:spLocks noGrp="1"/>
-          </p:cNvSpPr>
-          <p:nvPr>
-            <p:ph type="sldNum" sz="quarter" idx="4294967295"/>
-          </p:nvPr>
-        </p:nvSpPr>
-        <p:spPr>
-          <a:xfrm>
-            <a:off x="11324557" y="6342378"/>
-            <a:ext cx="731520" cy="365125"/>
-          </a:xfrm>
-        </p:spPr>
-        <p:txBody>
-          <a:bodyPr/>
-          <a:lstStyle/>
-          <a:p>
-            <a:fld id="{CF8B7A00-5918-4660-AF02-51F63786AAF2}" type="slidenum">
-              <a:rPr kumimoji="1" lang="ja-JP" altLang="en-US" smtClean="0">
-                <a:solidFill>
-                  <a:schemeClr val="bg1"/>
-                </a:solidFill>
-                <a:latin typeface="HGPｺﾞｼｯｸE" panose="020B0900000000000000" pitchFamily="50" charset="-128"/>
-                <a:ea typeface="HGPｺﾞｼｯｸE" panose="020B0900000000000000" pitchFamily="50" charset="-128"/>
-              </a:rPr>
-              <a:t>4</a:t>
-            </a:fld>
-            <a:endParaRPr kumimoji="1" lang="ja-JP" altLang="en-US" dirty="0">
-              <a:solidFill>
-                <a:schemeClr val="bg1"/>
-              </a:solidFill>
-              <a:latin typeface="HGPｺﾞｼｯｸE" panose="020B0900000000000000" pitchFamily="50" charset="-128"/>
-              <a:ea typeface="HGPｺﾞｼｯｸE" panose="020B0900000000000000" pitchFamily="50" charset="-128"/>
-            </a:endParaRPr>
-          </a:p>
-        </p:txBody>
-      </p:sp>
-      <p:sp>
-        <p:nvSpPr>
-          <p:cNvPr id="19" name="スライド番号プレースホルダー 17">
-            <a:extLst>
-              <a:ext uri="{FF2B5EF4-FFF2-40B4-BE49-F238E27FC236}">
-                <a16:creationId xmlns:a16="http://schemas.microsoft.com/office/drawing/2014/main" id="{BD6D5BF1-CE81-6324-130C-8C569A2DECEC}"/>
-              </a:ext>
-            </a:extLst>
-          </p:cNvPr>
-          <p:cNvSpPr txBox="1">
-            <a:spLocks/>
-          </p:cNvSpPr>
-          <p:nvPr/>
-        </p:nvSpPr>
-        <p:spPr>
-          <a:xfrm>
-            <a:off x="1568400" y="6342378"/>
-            <a:ext cx="9693960" cy="365125"/>
-          </a:xfrm>
-          <a:prstGeom prst="rect">
-            <a:avLst/>
-          </a:prstGeom>
-        </p:spPr>
-        <p:txBody>
-          <a:bodyPr vert="horz" lIns="91440" tIns="45720" rIns="91440" bIns="45720" rtlCol="0" anchor="ctr"/>
-          <a:lstStyle>
-            <a:defPPr>
-              <a:defRPr lang="ja-JP"/>
-            </a:defPPr>
-            <a:lvl1pPr marL="0" algn="r" defTabSz="914400" rtl="0" eaLnBrk="1" latinLnBrk="0" hangingPunct="1">
-              <a:defRPr kumimoji="1" sz="1200" kern="1200">
-                <a:solidFill>
-                  <a:schemeClr val="tx1">
-                    <a:tint val="75000"/>
-                  </a:schemeClr>
-                </a:solidFill>
-                <a:latin typeface="+mn-lt"/>
-                <a:ea typeface="+mn-ea"/>
-                <a:cs typeface="+mn-cs"/>
-              </a:defRPr>
-            </a:lvl1pPr>
-            <a:lvl2pPr marL="457200" algn="l" defTabSz="914400" rtl="0" eaLnBrk="1" latinLnBrk="0" hangingPunct="1">
-              <a:defRPr kumimoji="1" sz="1800" kern="1200">
-                <a:solidFill>
-                  <a:schemeClr val="tx1"/>
-                </a:solidFill>
-                <a:latin typeface="+mn-lt"/>
-                <a:ea typeface="+mn-ea"/>
-                <a:cs typeface="+mn-cs"/>
-              </a:defRPr>
-            </a:lvl2pPr>
-            <a:lvl3pPr marL="914400" algn="l" defTabSz="914400" rtl="0" eaLnBrk="1" latinLnBrk="0" hangingPunct="1">
-              <a:defRPr kumimoji="1" sz="1800" kern="1200">
-                <a:solidFill>
-                  <a:schemeClr val="tx1"/>
-                </a:solidFill>
-                <a:latin typeface="+mn-lt"/>
-                <a:ea typeface="+mn-ea"/>
-                <a:cs typeface="+mn-cs"/>
-              </a:defRPr>
-            </a:lvl3pPr>
-            <a:lvl4pPr marL="1371600" algn="l" defTabSz="914400" rtl="0" eaLnBrk="1" latinLnBrk="0" hangingPunct="1">
-              <a:defRPr kumimoji="1" sz="1800" kern="1200">
-                <a:solidFill>
-                  <a:schemeClr val="tx1"/>
-                </a:solidFill>
-                <a:latin typeface="+mn-lt"/>
-                <a:ea typeface="+mn-ea"/>
-                <a:cs typeface="+mn-cs"/>
-              </a:defRPr>
-            </a:lvl4pPr>
-            <a:lvl5pPr marL="1828800" algn="l" defTabSz="914400" rtl="0" eaLnBrk="1" latinLnBrk="0" hangingPunct="1">
-              <a:defRPr kumimoji="1" sz="1800" kern="1200">
-                <a:solidFill>
-                  <a:schemeClr val="tx1"/>
-                </a:solidFill>
-                <a:latin typeface="+mn-lt"/>
-                <a:ea typeface="+mn-ea"/>
-                <a:cs typeface="+mn-cs"/>
-              </a:defRPr>
-            </a:lvl5pPr>
-            <a:lvl6pPr marL="2286000" algn="l" defTabSz="914400" rtl="0" eaLnBrk="1" latinLnBrk="0" hangingPunct="1">
-              <a:defRPr kumimoji="1" sz="1800" kern="1200">
-                <a:solidFill>
-                  <a:schemeClr val="tx1"/>
-                </a:solidFill>
-                <a:latin typeface="+mn-lt"/>
-                <a:ea typeface="+mn-ea"/>
-                <a:cs typeface="+mn-cs"/>
-              </a:defRPr>
-            </a:lvl6pPr>
-            <a:lvl7pPr marL="2743200" algn="l" defTabSz="914400" rtl="0" eaLnBrk="1" latinLnBrk="0" hangingPunct="1">
-              <a:defRPr kumimoji="1" sz="1800" kern="1200">
-                <a:solidFill>
-                  <a:schemeClr val="tx1"/>
-                </a:solidFill>
-                <a:latin typeface="+mn-lt"/>
-                <a:ea typeface="+mn-ea"/>
-                <a:cs typeface="+mn-cs"/>
-              </a:defRPr>
-            </a:lvl7pPr>
-            <a:lvl8pPr marL="3200400" algn="l" defTabSz="914400" rtl="0" eaLnBrk="1" latinLnBrk="0" hangingPunct="1">
-              <a:defRPr kumimoji="1" sz="1800" kern="1200">
-                <a:solidFill>
-                  <a:schemeClr val="tx1"/>
-                </a:solidFill>
-                <a:latin typeface="+mn-lt"/>
-                <a:ea typeface="+mn-ea"/>
-                <a:cs typeface="+mn-cs"/>
-              </a:defRPr>
-            </a:lvl8pPr>
-            <a:lvl9pPr marL="3657600" algn="l" defTabSz="914400" rtl="0" eaLnBrk="1" latinLnBrk="0" hangingPunct="1">
-              <a:defRPr kumimoji="1" sz="1800" kern="1200">
-                <a:solidFill>
-                  <a:schemeClr val="tx1"/>
-                </a:solidFill>
-                <a:latin typeface="+mn-lt"/>
-                <a:ea typeface="+mn-ea"/>
-                <a:cs typeface="+mn-cs"/>
-              </a:defRPr>
-            </a:lvl9pPr>
-          </a:lstStyle>
-          <a:p>
-            <a:pPr algn="l"/>
-            <a:r>
-              <a:rPr lang="en-US" altLang="ja-JP" sz="1400" dirty="0">
-                <a:solidFill>
-                  <a:schemeClr val="bg1"/>
-                </a:solidFill>
-                <a:latin typeface="HGPｺﾞｼｯｸE" panose="020B0900000000000000" pitchFamily="50" charset="-128"/>
-                <a:ea typeface="HGPｺﾞｼｯｸE" panose="020B0900000000000000" pitchFamily="50" charset="-128"/>
-              </a:rPr>
-              <a:t>Tool</a:t>
-            </a:r>
-            <a:r>
-              <a:rPr lang="ja-JP" altLang="en-US" sz="1400" dirty="0">
-                <a:solidFill>
-                  <a:schemeClr val="bg1"/>
-                </a:solidFill>
-                <a:latin typeface="HGPｺﾞｼｯｸE" panose="020B0900000000000000" pitchFamily="50" charset="-128"/>
-                <a:ea typeface="HGPｺﾞｼｯｸE" panose="020B0900000000000000" pitchFamily="50" charset="-128"/>
-              </a:rPr>
-              <a:t>：</a:t>
-            </a:r>
-            <a:r>
-              <a:rPr lang="en-US" altLang="ja-JP" sz="1400" dirty="0">
-                <a:solidFill>
-                  <a:schemeClr val="bg1"/>
-                </a:solidFill>
-                <a:latin typeface="HGPｺﾞｼｯｸE" panose="020B0900000000000000" pitchFamily="50" charset="-128"/>
-                <a:ea typeface="HGPｺﾞｼｯｸE" panose="020B0900000000000000" pitchFamily="50" charset="-128"/>
-              </a:rPr>
-              <a:t>ToolName</a:t>
-            </a:r>
-            <a:r>
-              <a:rPr lang="ja-JP" altLang="en-US" sz="1400" dirty="0">
-                <a:solidFill>
-                  <a:schemeClr val="bg1"/>
-                </a:solidFill>
-                <a:latin typeface="HGPｺﾞｼｯｸE" panose="020B0900000000000000" pitchFamily="50" charset="-128"/>
-                <a:ea typeface="HGPｺﾞｼｯｸE" panose="020B0900000000000000" pitchFamily="50" charset="-128"/>
-              </a:rPr>
-              <a:t>　　</a:t>
-            </a:r>
-            <a:r>
-              <a:rPr lang="en-US" altLang="ja-JP" sz="1400" dirty="0">
-                <a:solidFill>
-                  <a:schemeClr val="bg1"/>
-                </a:solidFill>
-                <a:latin typeface="HGPｺﾞｼｯｸE" panose="020B0900000000000000" pitchFamily="50" charset="-128"/>
-                <a:ea typeface="HGPｺﾞｼｯｸE" panose="020B0900000000000000" pitchFamily="50" charset="-128"/>
-              </a:rPr>
-              <a:t>Creater</a:t>
-            </a:r>
-            <a:r>
-              <a:rPr lang="ja-JP" altLang="en-US" sz="1400" dirty="0">
-                <a:solidFill>
-                  <a:schemeClr val="bg1"/>
-                </a:solidFill>
-                <a:latin typeface="HGPｺﾞｼｯｸE" panose="020B0900000000000000" pitchFamily="50" charset="-128"/>
-                <a:ea typeface="HGPｺﾞｼｯｸE" panose="020B0900000000000000" pitchFamily="50" charset="-128"/>
-              </a:rPr>
-              <a:t>：</a:t>
-            </a:r>
-            <a:r>
-              <a:rPr lang="en-US" altLang="ja-JP" sz="1400" dirty="0">
-                <a:solidFill>
-                  <a:schemeClr val="bg1"/>
-                </a:solidFill>
-                <a:latin typeface="HGPｺﾞｼｯｸE" panose="020B0900000000000000" pitchFamily="50" charset="-128"/>
-                <a:ea typeface="HGPｺﾞｼｯｸE" panose="020B0900000000000000" pitchFamily="50" charset="-128"/>
-              </a:rPr>
-              <a:t>Takehiro Somekawa</a:t>
-            </a:r>
-            <a:endParaRPr lang="ja-JP" altLang="en-US" sz="1400" dirty="0">
-              <a:solidFill>
-                <a:schemeClr val="bg1"/>
-              </a:solidFill>
-              <a:latin typeface="HGPｺﾞｼｯｸE" panose="020B0900000000000000" pitchFamily="50" charset="-128"/>
-              <a:ea typeface="HGPｺﾞｼｯｸE" panose="020B0900000000000000" pitchFamily="50" charset="-128"/>
-            </a:endParaRPr>
+              <a:t>調査</a:t>
+            </a:r>
           </a:p>
         </p:txBody>
       </p:sp>
     </p:spTree>
     <p:extLst>
       <p:ext uri="{BB962C8B-B14F-4D97-AF65-F5344CB8AC3E}">
-        <p14:creationId xmlns:p14="http://schemas.microsoft.com/office/powerpoint/2010/main" val="3110453911"/>
+        <p14:creationId xmlns:p14="http://schemas.microsoft.com/office/powerpoint/2010/main" val="2976829595"/>
       </p:ext>
     </p:extLst>
   </p:cSld>

--- a/ExpAnalyzer/DataSheets/ExpAnalyzer_仕様書.pptx
+++ b/ExpAnalyzer/DataSheets/ExpAnalyzer_仕様書.pptx
@@ -5,12 +5,13 @@
     <p:sldMasterId id="2147483651" r:id="rId1"/>
   </p:sldMasterIdLst>
   <p:notesMasterIdLst>
-    <p:notesMasterId r:id="rId5"/>
+    <p:notesMasterId r:id="rId6"/>
   </p:notesMasterIdLst>
   <p:sldIdLst>
     <p:sldId id="256" r:id="rId2"/>
     <p:sldId id="257" r:id="rId3"/>
-    <p:sldId id="259" r:id="rId4"/>
+    <p:sldId id="260" r:id="rId4"/>
+    <p:sldId id="259" r:id="rId5"/>
   </p:sldIdLst>
   <p:sldSz cx="12192000" cy="6858000"/>
   <p:notesSz cx="6858000" cy="9144000"/>
@@ -210,7 +211,7 @@
           <a:p>
             <a:fld id="{EC3ECA90-77F6-4BB8-838E-193460CA105B}" type="datetimeFigureOut">
               <a:rPr kumimoji="1" lang="ja-JP" altLang="en-US" smtClean="0"/>
-              <a:t>2023/8/31</a:t>
+              <a:t>2023/9/18</a:t>
             </a:fld>
             <a:endParaRPr kumimoji="1" lang="ja-JP" altLang="en-US"/>
           </a:p>
@@ -951,7 +952,7 @@
           <a:p>
             <a:fld id="{907C6EF5-DE51-4EDB-A1DF-9C3BABF24F6A}" type="datetimeFigureOut">
               <a:rPr kumimoji="1" lang="ja-JP" altLang="en-US" smtClean="0"/>
-              <a:t>2023/8/31</a:t>
+              <a:t>2023/9/18</a:t>
             </a:fld>
             <a:endParaRPr kumimoji="1" lang="ja-JP" altLang="en-US"/>
           </a:p>
@@ -1239,7 +1240,7 @@
           <a:p>
             <a:fld id="{907C6EF5-DE51-4EDB-A1DF-9C3BABF24F6A}" type="datetimeFigureOut">
               <a:rPr kumimoji="1" lang="ja-JP" altLang="en-US" smtClean="0"/>
-              <a:t>2023/8/31</a:t>
+              <a:t>2023/9/18</a:t>
             </a:fld>
             <a:endParaRPr kumimoji="1" lang="ja-JP" altLang="en-US"/>
           </a:p>
@@ -1469,7 +1470,7 @@
           <a:p>
             <a:fld id="{907C6EF5-DE51-4EDB-A1DF-9C3BABF24F6A}" type="datetimeFigureOut">
               <a:rPr kumimoji="1" lang="ja-JP" altLang="en-US" smtClean="0"/>
-              <a:t>2023/8/31</a:t>
+              <a:t>2023/9/18</a:t>
             </a:fld>
             <a:endParaRPr kumimoji="1" lang="ja-JP" altLang="en-US"/>
           </a:p>
@@ -1709,7 +1710,7 @@
           <a:p>
             <a:fld id="{907C6EF5-DE51-4EDB-A1DF-9C3BABF24F6A}" type="datetimeFigureOut">
               <a:rPr kumimoji="1" lang="ja-JP" altLang="en-US" smtClean="0"/>
-              <a:t>2023/8/31</a:t>
+              <a:t>2023/9/18</a:t>
             </a:fld>
             <a:endParaRPr kumimoji="1" lang="ja-JP" altLang="en-US"/>
           </a:p>
@@ -2041,7 +2042,7 @@
           <a:p>
             <a:fld id="{907C6EF5-DE51-4EDB-A1DF-9C3BABF24F6A}" type="datetimeFigureOut">
               <a:rPr kumimoji="1" lang="ja-JP" altLang="en-US" smtClean="0"/>
-              <a:t>2023/8/31</a:t>
+              <a:t>2023/9/18</a:t>
             </a:fld>
             <a:endParaRPr kumimoji="1" lang="ja-JP" altLang="en-US"/>
           </a:p>
@@ -2271,7 +2272,7 @@
           <a:p>
             <a:fld id="{907C6EF5-DE51-4EDB-A1DF-9C3BABF24F6A}" type="datetimeFigureOut">
               <a:rPr kumimoji="1" lang="ja-JP" altLang="en-US" smtClean="0"/>
-              <a:t>2023/8/31</a:t>
+              <a:t>2023/9/18</a:t>
             </a:fld>
             <a:endParaRPr kumimoji="1" lang="ja-JP" altLang="en-US"/>
           </a:p>
@@ -2546,7 +2547,7 @@
           <a:p>
             <a:fld id="{907C6EF5-DE51-4EDB-A1DF-9C3BABF24F6A}" type="datetimeFigureOut">
               <a:rPr kumimoji="1" lang="ja-JP" altLang="en-US" smtClean="0"/>
-              <a:t>2023/8/31</a:t>
+              <a:t>2023/9/18</a:t>
             </a:fld>
             <a:endParaRPr kumimoji="1" lang="ja-JP" altLang="en-US"/>
           </a:p>
@@ -2875,7 +2876,7 @@
           <a:p>
             <a:fld id="{907C6EF5-DE51-4EDB-A1DF-9C3BABF24F6A}" type="datetimeFigureOut">
               <a:rPr kumimoji="1" lang="ja-JP" altLang="en-US" smtClean="0"/>
-              <a:t>2023/8/31</a:t>
+              <a:t>2023/9/18</a:t>
             </a:fld>
             <a:endParaRPr kumimoji="1" lang="ja-JP" altLang="en-US"/>
           </a:p>
@@ -3351,7 +3352,7 @@
           <a:p>
             <a:fld id="{907C6EF5-DE51-4EDB-A1DF-9C3BABF24F6A}" type="datetimeFigureOut">
               <a:rPr kumimoji="1" lang="ja-JP" altLang="en-US" smtClean="0"/>
-              <a:t>2023/8/31</a:t>
+              <a:t>2023/9/18</a:t>
             </a:fld>
             <a:endParaRPr kumimoji="1" lang="ja-JP" altLang="en-US"/>
           </a:p>
@@ -3492,7 +3493,7 @@
           <a:p>
             <a:fld id="{907C6EF5-DE51-4EDB-A1DF-9C3BABF24F6A}" type="datetimeFigureOut">
               <a:rPr kumimoji="1" lang="ja-JP" altLang="en-US" smtClean="0"/>
-              <a:t>2023/8/31</a:t>
+              <a:t>2023/9/18</a:t>
             </a:fld>
             <a:endParaRPr kumimoji="1" lang="ja-JP" altLang="en-US"/>
           </a:p>
@@ -3605,7 +3606,7 @@
           <a:p>
             <a:fld id="{907C6EF5-DE51-4EDB-A1DF-9C3BABF24F6A}" type="datetimeFigureOut">
               <a:rPr kumimoji="1" lang="ja-JP" altLang="en-US" smtClean="0"/>
-              <a:t>2023/8/31</a:t>
+              <a:t>2023/9/18</a:t>
             </a:fld>
             <a:endParaRPr kumimoji="1" lang="ja-JP" altLang="en-US"/>
           </a:p>
@@ -3878,7 +3879,7 @@
           <a:p>
             <a:fld id="{907C6EF5-DE51-4EDB-A1DF-9C3BABF24F6A}" type="datetimeFigureOut">
               <a:rPr kumimoji="1" lang="ja-JP" altLang="en-US" smtClean="0"/>
-              <a:t>2023/8/31</a:t>
+              <a:t>2023/9/18</a:t>
             </a:fld>
             <a:endParaRPr kumimoji="1" lang="ja-JP" altLang="en-US"/>
           </a:p>
@@ -4327,7 +4328,7 @@
           <a:p>
             <a:pPr algn="ctr"/>
             <a:r>
-              <a:rPr lang="en-US" altLang="ja-JP" sz="3600" dirty="0" err="1">
+              <a:rPr lang="en-US" altLang="ja-JP" sz="3600" dirty="0">
                 <a:solidFill>
                   <a:schemeClr val="bg1"/>
                 </a:solidFill>
@@ -4336,13 +4337,6 @@
               </a:rPr>
               <a:t>ExpAnalyzer</a:t>
             </a:r>
-            <a:endParaRPr lang="en-US" altLang="ja-JP" sz="3600" dirty="0">
-              <a:solidFill>
-                <a:schemeClr val="bg1"/>
-              </a:solidFill>
-              <a:latin typeface="HGPｺﾞｼｯｸE" panose="020B0900000000000000" pitchFamily="50" charset="-128"/>
-              <a:ea typeface="HGPｺﾞｼｯｸE" panose="020B0900000000000000" pitchFamily="50" charset="-128"/>
-            </a:endParaRPr>
           </a:p>
           <a:p>
             <a:pPr algn="ctr"/>
@@ -4888,7 +4882,7 @@
                 <a:latin typeface="HGPｺﾞｼｯｸE" panose="020B0900000000000000" pitchFamily="50" charset="-128"/>
                 <a:ea typeface="HGPｺﾞｼｯｸE" panose="020B0900000000000000" pitchFamily="50" charset="-128"/>
               </a:rPr>
-              <a:t>2023/8/31</a:t>
+              <a:t>2023/9/18</a:t>
             </a:fld>
             <a:endParaRPr kumimoji="1" lang="ja-JP" altLang="en-US" dirty="0">
               <a:solidFill>
@@ -5098,7 +5092,7 @@
                 <a:latin typeface="HGPｺﾞｼｯｸE" panose="020B0900000000000000" pitchFamily="50" charset="-128"/>
                 <a:ea typeface="HGPｺﾞｼｯｸE" panose="020B0900000000000000" pitchFamily="50" charset="-128"/>
               </a:rPr>
-              <a:t>ToolName</a:t>
+              <a:t>ExpAnalyzer</a:t>
             </a:r>
             <a:r>
               <a:rPr lang="ja-JP" altLang="en-US" sz="1400" dirty="0">
@@ -5390,6 +5384,14 @@
 <file path=ppt/slides/slide3.xml><?xml version="1.0" encoding="utf-8"?>
 <p:sld xmlns:a="http://schemas.openxmlformats.org/drawingml/2006/main" xmlns:r="http://schemas.openxmlformats.org/officeDocument/2006/relationships" xmlns:p="http://schemas.openxmlformats.org/presentationml/2006/main">
   <p:cSld>
+    <p:bg>
+      <p:bgPr>
+        <a:solidFill>
+          <a:schemeClr val="bg1"/>
+        </a:solidFill>
+        <a:effectLst/>
+      </p:bgPr>
+    </p:bg>
     <p:spTree>
       <p:nvGrpSpPr>
         <p:cNvPr id="1" name=""/>
@@ -5406,10 +5408,10 @@
       </p:grpSpPr>
       <p:sp>
         <p:nvSpPr>
-          <p:cNvPr id="84" name="正方形/長方形 83">
-            <a:extLst>
-              <a:ext uri="{FF2B5EF4-FFF2-40B4-BE49-F238E27FC236}">
-                <a16:creationId xmlns:a16="http://schemas.microsoft.com/office/drawing/2014/main" id="{E2618CA8-D438-12E4-45DB-B039A2167899}"/>
+          <p:cNvPr id="2" name="矢印: 五方向 1">
+            <a:extLst>
+              <a:ext uri="{FF2B5EF4-FFF2-40B4-BE49-F238E27FC236}">
+                <a16:creationId xmlns:a16="http://schemas.microsoft.com/office/drawing/2014/main" id="{7A569949-0836-C648-6D8D-7229956038F5}"/>
               </a:ext>
             </a:extLst>
           </p:cNvPr>
@@ -5418,24 +5420,33 @@
         </p:nvSpPr>
         <p:spPr>
           <a:xfrm>
-            <a:off x="137940" y="1052736"/>
-            <a:ext cx="6522033" cy="5127716"/>
-          </a:xfrm>
-          <a:prstGeom prst="rect">
+            <a:off x="1503576" y="79303"/>
+            <a:ext cx="1368263" cy="504000"/>
+          </a:xfrm>
+          <a:prstGeom prst="homePlate">
             <a:avLst/>
           </a:prstGeom>
-          <a:noFill/>
-          <a:ln>
+          <a:solidFill>
+            <a:srgbClr val="002060"/>
+          </a:solidFill>
+          <a:ln w="38100" cap="flat" cmpd="sng">
             <a:solidFill>
-              <a:schemeClr val="tx1"/>
+              <a:schemeClr val="bg2"/>
             </a:solidFill>
-            <a:prstDash val="dash"/>
+            <a:miter lim="800000"/>
           </a:ln>
+          <a:effectLst>
+            <a:outerShdw blurRad="50800" dist="38100" dir="2700000" algn="tl" rotWithShape="0">
+              <a:prstClr val="black">
+                <a:alpha val="40000"/>
+              </a:prstClr>
+            </a:outerShdw>
+          </a:effectLst>
         </p:spPr>
         <p:style>
           <a:lnRef idx="2">
             <a:schemeClr val="accent1">
-              <a:shade val="15000"/>
+              <a:shade val="50000"/>
             </a:schemeClr>
           </a:lnRef>
           <a:fillRef idx="1">
@@ -5453,7 +5464,375 @@
           <a:lstStyle/>
           <a:p>
             <a:pPr algn="ctr"/>
-            <a:endParaRPr kumimoji="1" lang="ja-JP" altLang="en-US"/>
+            <a:r>
+              <a:rPr lang="ja-JP" altLang="en-US" sz="1400" dirty="0">
+                <a:latin typeface="HGPｺﾞｼｯｸE" panose="020B0900000000000000" pitchFamily="50" charset="-128"/>
+                <a:ea typeface="HGPｺﾞｼｯｸE" panose="020B0900000000000000" pitchFamily="50" charset="-128"/>
+              </a:rPr>
+              <a:t>要件定義</a:t>
+            </a:r>
+            <a:endParaRPr kumimoji="1" lang="ja-JP" altLang="en-US" sz="1400" dirty="0">
+              <a:latin typeface="HGPｺﾞｼｯｸE" panose="020B0900000000000000" pitchFamily="50" charset="-128"/>
+              <a:ea typeface="HGPｺﾞｼｯｸE" panose="020B0900000000000000" pitchFamily="50" charset="-128"/>
+            </a:endParaRPr>
+          </a:p>
+        </p:txBody>
+      </p:sp>
+      <p:sp>
+        <p:nvSpPr>
+          <p:cNvPr id="3" name="矢印: 五方向 2">
+            <a:extLst>
+              <a:ext uri="{FF2B5EF4-FFF2-40B4-BE49-F238E27FC236}">
+                <a16:creationId xmlns:a16="http://schemas.microsoft.com/office/drawing/2014/main" id="{68697A94-ADDD-8BCE-4A36-A680ED0129AE}"/>
+              </a:ext>
+            </a:extLst>
+          </p:cNvPr>
+          <p:cNvSpPr/>
+          <p:nvPr/>
+        </p:nvSpPr>
+        <p:spPr>
+          <a:xfrm>
+            <a:off x="4364496" y="79303"/>
+            <a:ext cx="1368263" cy="504000"/>
+          </a:xfrm>
+          <a:prstGeom prst="homePlate">
+            <a:avLst/>
+          </a:prstGeom>
+          <a:solidFill>
+            <a:srgbClr val="002060"/>
+          </a:solidFill>
+          <a:ln w="38100" cap="flat" cmpd="sng">
+            <a:solidFill>
+              <a:schemeClr val="bg2"/>
+            </a:solidFill>
+            <a:miter lim="800000"/>
+          </a:ln>
+          <a:effectLst>
+            <a:outerShdw blurRad="50800" dist="38100" dir="2700000" algn="tl" rotWithShape="0">
+              <a:prstClr val="black">
+                <a:alpha val="40000"/>
+              </a:prstClr>
+            </a:outerShdw>
+          </a:effectLst>
+        </p:spPr>
+        <p:style>
+          <a:lnRef idx="2">
+            <a:schemeClr val="accent1">
+              <a:shade val="50000"/>
+            </a:schemeClr>
+          </a:lnRef>
+          <a:fillRef idx="1">
+            <a:schemeClr val="accent1"/>
+          </a:fillRef>
+          <a:effectRef idx="0">
+            <a:schemeClr val="accent1"/>
+          </a:effectRef>
+          <a:fontRef idx="minor">
+            <a:schemeClr val="lt1"/>
+          </a:fontRef>
+        </p:style>
+        <p:txBody>
+          <a:bodyPr rtlCol="0" anchor="ctr"/>
+          <a:lstStyle/>
+          <a:p>
+            <a:pPr algn="ctr"/>
+            <a:r>
+              <a:rPr kumimoji="1" lang="ja-JP" altLang="en-US" sz="1400" dirty="0">
+                <a:latin typeface="HGPｺﾞｼｯｸE" panose="020B0900000000000000" pitchFamily="50" charset="-128"/>
+                <a:ea typeface="HGPｺﾞｼｯｸE" panose="020B0900000000000000" pitchFamily="50" charset="-128"/>
+              </a:rPr>
+              <a:t>基本設計</a:t>
+            </a:r>
+          </a:p>
+        </p:txBody>
+      </p:sp>
+      <p:sp>
+        <p:nvSpPr>
+          <p:cNvPr id="4" name="矢印: 五方向 3">
+            <a:extLst>
+              <a:ext uri="{FF2B5EF4-FFF2-40B4-BE49-F238E27FC236}">
+                <a16:creationId xmlns:a16="http://schemas.microsoft.com/office/drawing/2014/main" id="{59FD3A16-09CB-C1F0-43E7-A5CDEDD6598D}"/>
+              </a:ext>
+            </a:extLst>
+          </p:cNvPr>
+          <p:cNvSpPr/>
+          <p:nvPr/>
+        </p:nvSpPr>
+        <p:spPr>
+          <a:xfrm>
+            <a:off x="5794956" y="79303"/>
+            <a:ext cx="1368263" cy="504000"/>
+          </a:xfrm>
+          <a:prstGeom prst="homePlate">
+            <a:avLst/>
+          </a:prstGeom>
+          <a:solidFill>
+            <a:srgbClr val="002060"/>
+          </a:solidFill>
+          <a:ln w="38100" cap="flat" cmpd="sng">
+            <a:solidFill>
+              <a:schemeClr val="bg2"/>
+            </a:solidFill>
+            <a:miter lim="800000"/>
+          </a:ln>
+          <a:effectLst>
+            <a:outerShdw blurRad="50800" dist="38100" dir="2700000" algn="tl" rotWithShape="0">
+              <a:prstClr val="black">
+                <a:alpha val="40000"/>
+              </a:prstClr>
+            </a:outerShdw>
+          </a:effectLst>
+        </p:spPr>
+        <p:style>
+          <a:lnRef idx="2">
+            <a:schemeClr val="accent1">
+              <a:shade val="50000"/>
+            </a:schemeClr>
+          </a:lnRef>
+          <a:fillRef idx="1">
+            <a:schemeClr val="accent1"/>
+          </a:fillRef>
+          <a:effectRef idx="0">
+            <a:schemeClr val="accent1"/>
+          </a:effectRef>
+          <a:fontRef idx="minor">
+            <a:schemeClr val="lt1"/>
+          </a:fontRef>
+        </p:style>
+        <p:txBody>
+          <a:bodyPr rtlCol="0" anchor="ctr"/>
+          <a:lstStyle/>
+          <a:p>
+            <a:pPr algn="ctr"/>
+            <a:r>
+              <a:rPr kumimoji="1" lang="ja-JP" altLang="en-US" sz="1400" dirty="0">
+                <a:latin typeface="HGPｺﾞｼｯｸE" panose="020B0900000000000000" pitchFamily="50" charset="-128"/>
+                <a:ea typeface="HGPｺﾞｼｯｸE" panose="020B0900000000000000" pitchFamily="50" charset="-128"/>
+              </a:rPr>
+              <a:t>詳細設計</a:t>
+            </a:r>
+          </a:p>
+        </p:txBody>
+      </p:sp>
+      <p:sp>
+        <p:nvSpPr>
+          <p:cNvPr id="5" name="矢印: 五方向 4">
+            <a:extLst>
+              <a:ext uri="{FF2B5EF4-FFF2-40B4-BE49-F238E27FC236}">
+                <a16:creationId xmlns:a16="http://schemas.microsoft.com/office/drawing/2014/main" id="{C02A1793-1E33-17CF-5BE2-33ADDF6B7244}"/>
+              </a:ext>
+            </a:extLst>
+          </p:cNvPr>
+          <p:cNvSpPr/>
+          <p:nvPr/>
+        </p:nvSpPr>
+        <p:spPr>
+          <a:xfrm>
+            <a:off x="7225416" y="79303"/>
+            <a:ext cx="1368263" cy="504000"/>
+          </a:xfrm>
+          <a:prstGeom prst="homePlate">
+            <a:avLst/>
+          </a:prstGeom>
+          <a:solidFill>
+            <a:srgbClr val="002060"/>
+          </a:solidFill>
+          <a:ln w="38100" cap="flat" cmpd="sng">
+            <a:solidFill>
+              <a:schemeClr val="bg2"/>
+            </a:solidFill>
+            <a:miter lim="800000"/>
+          </a:ln>
+          <a:effectLst>
+            <a:outerShdw blurRad="50800" dist="38100" dir="2700000" algn="tl" rotWithShape="0">
+              <a:prstClr val="black">
+                <a:alpha val="40000"/>
+              </a:prstClr>
+            </a:outerShdw>
+          </a:effectLst>
+        </p:spPr>
+        <p:style>
+          <a:lnRef idx="2">
+            <a:schemeClr val="accent1">
+              <a:shade val="50000"/>
+            </a:schemeClr>
+          </a:lnRef>
+          <a:fillRef idx="1">
+            <a:schemeClr val="accent1"/>
+          </a:fillRef>
+          <a:effectRef idx="0">
+            <a:schemeClr val="accent1"/>
+          </a:effectRef>
+          <a:fontRef idx="minor">
+            <a:schemeClr val="lt1"/>
+          </a:fontRef>
+        </p:style>
+        <p:txBody>
+          <a:bodyPr rtlCol="0" anchor="ctr"/>
+          <a:lstStyle/>
+          <a:p>
+            <a:pPr algn="ctr"/>
+            <a:r>
+              <a:rPr lang="ja-JP" altLang="en-US" sz="1400" dirty="0">
+                <a:latin typeface="HGPｺﾞｼｯｸE" panose="020B0900000000000000" pitchFamily="50" charset="-128"/>
+                <a:ea typeface="HGPｺﾞｼｯｸE" panose="020B0900000000000000" pitchFamily="50" charset="-128"/>
+              </a:rPr>
+              <a:t>コーディング</a:t>
+            </a:r>
+            <a:endParaRPr lang="en-US" altLang="ja-JP" sz="1400" dirty="0">
+              <a:latin typeface="HGPｺﾞｼｯｸE" panose="020B0900000000000000" pitchFamily="50" charset="-128"/>
+              <a:ea typeface="HGPｺﾞｼｯｸE" panose="020B0900000000000000" pitchFamily="50" charset="-128"/>
+            </a:endParaRPr>
+          </a:p>
+        </p:txBody>
+      </p:sp>
+      <p:sp>
+        <p:nvSpPr>
+          <p:cNvPr id="6" name="矢印: 五方向 5">
+            <a:extLst>
+              <a:ext uri="{FF2B5EF4-FFF2-40B4-BE49-F238E27FC236}">
+                <a16:creationId xmlns:a16="http://schemas.microsoft.com/office/drawing/2014/main" id="{18D771F0-1AA3-A0FC-8098-CD3B04F5B416}"/>
+              </a:ext>
+            </a:extLst>
+          </p:cNvPr>
+          <p:cNvSpPr/>
+          <p:nvPr/>
+        </p:nvSpPr>
+        <p:spPr>
+          <a:xfrm>
+            <a:off x="8655876" y="79303"/>
+            <a:ext cx="1368263" cy="504000"/>
+          </a:xfrm>
+          <a:prstGeom prst="homePlate">
+            <a:avLst/>
+          </a:prstGeom>
+          <a:solidFill>
+            <a:srgbClr val="002060"/>
+          </a:solidFill>
+          <a:ln w="38100" cap="flat" cmpd="sng">
+            <a:solidFill>
+              <a:schemeClr val="bg2"/>
+            </a:solidFill>
+            <a:miter lim="800000"/>
+          </a:ln>
+          <a:effectLst>
+            <a:outerShdw blurRad="50800" dist="38100" dir="2700000" algn="tl" rotWithShape="0">
+              <a:prstClr val="black">
+                <a:alpha val="40000"/>
+              </a:prstClr>
+            </a:outerShdw>
+          </a:effectLst>
+        </p:spPr>
+        <p:style>
+          <a:lnRef idx="2">
+            <a:schemeClr val="accent1">
+              <a:shade val="50000"/>
+            </a:schemeClr>
+          </a:lnRef>
+          <a:fillRef idx="1">
+            <a:schemeClr val="accent1"/>
+          </a:fillRef>
+          <a:effectRef idx="0">
+            <a:schemeClr val="accent1"/>
+          </a:effectRef>
+          <a:fontRef idx="minor">
+            <a:schemeClr val="lt1"/>
+          </a:fontRef>
+        </p:style>
+        <p:txBody>
+          <a:bodyPr rtlCol="0" anchor="ctr"/>
+          <a:lstStyle/>
+          <a:p>
+            <a:pPr algn="ctr"/>
+            <a:r>
+              <a:rPr kumimoji="1" lang="ja-JP" altLang="en-US" sz="1400" dirty="0">
+                <a:latin typeface="HGPｺﾞｼｯｸE" panose="020B0900000000000000" pitchFamily="50" charset="-128"/>
+                <a:ea typeface="HGPｺﾞｼｯｸE" panose="020B0900000000000000" pitchFamily="50" charset="-128"/>
+              </a:rPr>
+              <a:t>動作検証</a:t>
+            </a:r>
+          </a:p>
+        </p:txBody>
+      </p:sp>
+      <p:sp>
+        <p:nvSpPr>
+          <p:cNvPr id="7" name="矢印: 五方向 6">
+            <a:extLst>
+              <a:ext uri="{FF2B5EF4-FFF2-40B4-BE49-F238E27FC236}">
+                <a16:creationId xmlns:a16="http://schemas.microsoft.com/office/drawing/2014/main" id="{8CF697AE-6DDD-5A6E-37E2-F82DB71AD85C}"/>
+              </a:ext>
+            </a:extLst>
+          </p:cNvPr>
+          <p:cNvSpPr/>
+          <p:nvPr/>
+        </p:nvSpPr>
+        <p:spPr>
+          <a:xfrm>
+            <a:off x="2934036" y="79303"/>
+            <a:ext cx="1368263" cy="504000"/>
+          </a:xfrm>
+          <a:prstGeom prst="homePlate">
+            <a:avLst/>
+          </a:prstGeom>
+          <a:solidFill>
+            <a:srgbClr val="002060"/>
+          </a:solidFill>
+          <a:ln w="38100" cap="flat" cmpd="sng">
+            <a:solidFill>
+              <a:schemeClr val="bg2"/>
+            </a:solidFill>
+            <a:miter lim="800000"/>
+          </a:ln>
+          <a:effectLst>
+            <a:outerShdw blurRad="50800" dist="38100" dir="2700000" algn="tl" rotWithShape="0">
+              <a:prstClr val="black">
+                <a:alpha val="40000"/>
+              </a:prstClr>
+            </a:outerShdw>
+          </a:effectLst>
+        </p:spPr>
+        <p:style>
+          <a:lnRef idx="2">
+            <a:schemeClr val="accent1">
+              <a:shade val="50000"/>
+            </a:schemeClr>
+          </a:lnRef>
+          <a:fillRef idx="1">
+            <a:schemeClr val="accent1"/>
+          </a:fillRef>
+          <a:effectRef idx="0">
+            <a:schemeClr val="accent1"/>
+          </a:effectRef>
+          <a:fontRef idx="minor">
+            <a:schemeClr val="lt1"/>
+          </a:fontRef>
+        </p:style>
+        <p:txBody>
+          <a:bodyPr rtlCol="0" anchor="ctr"/>
+          <a:lstStyle/>
+          <a:p>
+            <a:pPr algn="ctr"/>
+            <a:r>
+              <a:rPr kumimoji="1" lang="ja-JP" altLang="en-US" sz="1400" dirty="0">
+                <a:latin typeface="HGPｺﾞｼｯｸE" panose="020B0900000000000000" pitchFamily="50" charset="-128"/>
+                <a:ea typeface="HGPｺﾞｼｯｸE" panose="020B0900000000000000" pitchFamily="50" charset="-128"/>
+              </a:rPr>
+              <a:t>システム</a:t>
+            </a:r>
+            <a:endParaRPr kumimoji="1" lang="en-US" altLang="ja-JP" sz="1400" dirty="0">
+              <a:latin typeface="HGPｺﾞｼｯｸE" panose="020B0900000000000000" pitchFamily="50" charset="-128"/>
+              <a:ea typeface="HGPｺﾞｼｯｸE" panose="020B0900000000000000" pitchFamily="50" charset="-128"/>
+            </a:endParaRPr>
+          </a:p>
+          <a:p>
+            <a:pPr algn="ctr"/>
+            <a:r>
+              <a:rPr kumimoji="1" lang="ja-JP" altLang="en-US" sz="1400" dirty="0">
+                <a:latin typeface="HGPｺﾞｼｯｸE" panose="020B0900000000000000" pitchFamily="50" charset="-128"/>
+                <a:ea typeface="HGPｺﾞｼｯｸE" panose="020B0900000000000000" pitchFamily="50" charset="-128"/>
+              </a:rPr>
+              <a:t>構造設計</a:t>
+            </a:r>
           </a:p>
         </p:txBody>
       </p:sp>
@@ -5491,7 +5870,7 @@
                 <a:latin typeface="HGPｺﾞｼｯｸE" panose="020B0900000000000000" pitchFamily="50" charset="-128"/>
                 <a:ea typeface="HGPｺﾞｼｯｸE" panose="020B0900000000000000" pitchFamily="50" charset="-128"/>
               </a:rPr>
-              <a:t>2023/8/31</a:t>
+              <a:t>2023/9/18</a:t>
             </a:fld>
             <a:endParaRPr kumimoji="1" lang="ja-JP" altLang="en-US" dirty="0">
               <a:solidFill>
@@ -5701,7 +6080,636 @@
                 <a:latin typeface="HGPｺﾞｼｯｸE" panose="020B0900000000000000" pitchFamily="50" charset="-128"/>
                 <a:ea typeface="HGPｺﾞｼｯｸE" panose="020B0900000000000000" pitchFamily="50" charset="-128"/>
               </a:rPr>
-              <a:t>ToolName</a:t>
+              <a:t>ExpAnalyzer</a:t>
+            </a:r>
+            <a:r>
+              <a:rPr lang="ja-JP" altLang="en-US" sz="1400" dirty="0">
+                <a:solidFill>
+                  <a:schemeClr val="bg1"/>
+                </a:solidFill>
+                <a:latin typeface="HGPｺﾞｼｯｸE" panose="020B0900000000000000" pitchFamily="50" charset="-128"/>
+                <a:ea typeface="HGPｺﾞｼｯｸE" panose="020B0900000000000000" pitchFamily="50" charset="-128"/>
+              </a:rPr>
+              <a:t>　　</a:t>
+            </a:r>
+            <a:r>
+              <a:rPr lang="en-US" altLang="ja-JP" sz="1400" dirty="0">
+                <a:solidFill>
+                  <a:schemeClr val="bg1"/>
+                </a:solidFill>
+                <a:latin typeface="HGPｺﾞｼｯｸE" panose="020B0900000000000000" pitchFamily="50" charset="-128"/>
+                <a:ea typeface="HGPｺﾞｼｯｸE" panose="020B0900000000000000" pitchFamily="50" charset="-128"/>
+              </a:rPr>
+              <a:t>Creater</a:t>
+            </a:r>
+            <a:r>
+              <a:rPr lang="ja-JP" altLang="en-US" sz="1400" dirty="0">
+                <a:solidFill>
+                  <a:schemeClr val="bg1"/>
+                </a:solidFill>
+                <a:latin typeface="HGPｺﾞｼｯｸE" panose="020B0900000000000000" pitchFamily="50" charset="-128"/>
+                <a:ea typeface="HGPｺﾞｼｯｸE" panose="020B0900000000000000" pitchFamily="50" charset="-128"/>
+              </a:rPr>
+              <a:t>：</a:t>
+            </a:r>
+            <a:r>
+              <a:rPr lang="en-US" altLang="ja-JP" sz="1400" dirty="0">
+                <a:solidFill>
+                  <a:schemeClr val="bg1"/>
+                </a:solidFill>
+                <a:latin typeface="HGPｺﾞｼｯｸE" panose="020B0900000000000000" pitchFamily="50" charset="-128"/>
+                <a:ea typeface="HGPｺﾞｼｯｸE" panose="020B0900000000000000" pitchFamily="50" charset="-128"/>
+              </a:rPr>
+              <a:t>Takehiro Somekawa</a:t>
+            </a:r>
+            <a:endParaRPr lang="ja-JP" altLang="en-US" sz="1400" dirty="0">
+              <a:solidFill>
+                <a:schemeClr val="bg1"/>
+              </a:solidFill>
+              <a:latin typeface="HGPｺﾞｼｯｸE" panose="020B0900000000000000" pitchFamily="50" charset="-128"/>
+              <a:ea typeface="HGPｺﾞｼｯｸE" panose="020B0900000000000000" pitchFamily="50" charset="-128"/>
+            </a:endParaRPr>
+          </a:p>
+        </p:txBody>
+      </p:sp>
+      <p:sp>
+        <p:nvSpPr>
+          <p:cNvPr id="9" name="テキスト ボックス 8">
+            <a:extLst>
+              <a:ext uri="{FF2B5EF4-FFF2-40B4-BE49-F238E27FC236}">
+                <a16:creationId xmlns:a16="http://schemas.microsoft.com/office/drawing/2014/main" id="{40FA7545-A67D-BD70-0048-19B9FCFED697}"/>
+              </a:ext>
+            </a:extLst>
+          </p:cNvPr>
+          <p:cNvSpPr txBox="1"/>
+          <p:nvPr/>
+        </p:nvSpPr>
+        <p:spPr>
+          <a:xfrm>
+            <a:off x="137940" y="715778"/>
+            <a:ext cx="3841587" cy="276999"/>
+          </a:xfrm>
+          <a:prstGeom prst="rect">
+            <a:avLst/>
+          </a:prstGeom>
+          <a:noFill/>
+        </p:spPr>
+        <p:txBody>
+          <a:bodyPr wrap="square" rtlCol="0">
+            <a:spAutoFit/>
+          </a:bodyPr>
+          <a:lstStyle/>
+          <a:p>
+            <a:r>
+              <a:rPr lang="ja-JP" altLang="en-US" sz="1200" b="1" dirty="0"/>
+              <a:t>■追加ライブラリ</a:t>
+            </a:r>
+            <a:endParaRPr kumimoji="1" lang="ja-JP" altLang="en-US" sz="1200" dirty="0"/>
+          </a:p>
+        </p:txBody>
+      </p:sp>
+      <p:sp>
+        <p:nvSpPr>
+          <p:cNvPr id="12" name="テキスト ボックス 11">
+            <a:extLst>
+              <a:ext uri="{FF2B5EF4-FFF2-40B4-BE49-F238E27FC236}">
+                <a16:creationId xmlns:a16="http://schemas.microsoft.com/office/drawing/2014/main" id="{47635509-8D4C-B6F3-ED70-026BEE93B2B8}"/>
+              </a:ext>
+            </a:extLst>
+          </p:cNvPr>
+          <p:cNvSpPr txBox="1"/>
+          <p:nvPr/>
+        </p:nvSpPr>
+        <p:spPr>
+          <a:xfrm>
+            <a:off x="263352" y="980728"/>
+            <a:ext cx="10369151" cy="2308324"/>
+          </a:xfrm>
+          <a:prstGeom prst="rect">
+            <a:avLst/>
+          </a:prstGeom>
+          <a:noFill/>
+        </p:spPr>
+        <p:txBody>
+          <a:bodyPr wrap="square" rtlCol="0">
+            <a:spAutoFit/>
+          </a:bodyPr>
+          <a:lstStyle/>
+          <a:p>
+            <a:r>
+              <a:rPr lang="ja-JP" altLang="en-US" sz="1200" dirty="0"/>
+              <a:t>・</a:t>
+            </a:r>
+            <a:r>
+              <a:rPr lang="en-US" altLang="ja-JP" sz="1200" dirty="0"/>
+              <a:t>WinModuleLibrary.dll</a:t>
+            </a:r>
+          </a:p>
+          <a:p>
+            <a:r>
+              <a:rPr lang="ja-JP" altLang="en-US" sz="1200" dirty="0"/>
+              <a:t>　→</a:t>
+            </a:r>
+            <a:r>
+              <a:rPr lang="en-US" altLang="ja-JP" sz="1200" dirty="0"/>
+              <a:t> C:\Users\TakehiroSomekawa\source\repos\ExpAnalyzer\ExpAnalyzer\bin\Debug\WinModuleLibrary.dll</a:t>
+            </a:r>
+          </a:p>
+          <a:p>
+            <a:endParaRPr lang="en-US" altLang="ja-JP" sz="1200" dirty="0"/>
+          </a:p>
+          <a:p>
+            <a:r>
+              <a:rPr lang="en-US" altLang="ja-JP" sz="1200" dirty="0"/>
+              <a:t>&lt;</a:t>
+            </a:r>
+            <a:r>
+              <a:rPr lang="en-US" altLang="ja-JP" sz="1200" dirty="0" err="1"/>
+              <a:t>EPPlus</a:t>
+            </a:r>
+            <a:r>
+              <a:rPr lang="en-US" altLang="ja-JP" sz="1200" dirty="0"/>
+              <a:t>&gt;</a:t>
+            </a:r>
+          </a:p>
+          <a:p>
+            <a:r>
+              <a:rPr lang="ja-JP" altLang="en-US" sz="1200" dirty="0"/>
+              <a:t>・</a:t>
+            </a:r>
+            <a:r>
+              <a:rPr lang="en-US" altLang="ja-JP" sz="1200" dirty="0"/>
+              <a:t>EPPlus.dll</a:t>
+            </a:r>
+          </a:p>
+          <a:p>
+            <a:r>
+              <a:rPr lang="ja-JP" altLang="en-US" sz="1200" dirty="0"/>
+              <a:t>　→</a:t>
+            </a:r>
+            <a:r>
+              <a:rPr lang="en-US" altLang="ja-JP" sz="1200" dirty="0"/>
+              <a:t> C:\Users\TakehiroSomekawa\source\repos\ExpAnalyzer\ExpAnalyzer\bin\Debug\EPPlus.dll</a:t>
+            </a:r>
+          </a:p>
+          <a:p>
+            <a:r>
+              <a:rPr lang="ja-JP" altLang="en-US" sz="1200" dirty="0"/>
+              <a:t>・</a:t>
+            </a:r>
+            <a:r>
+              <a:rPr lang="en-US" altLang="ja-JP" sz="1200" dirty="0"/>
+              <a:t>EPPlus.Interfaces.dll</a:t>
+            </a:r>
+          </a:p>
+          <a:p>
+            <a:r>
+              <a:rPr lang="ja-JP" altLang="en-US" sz="1200" dirty="0"/>
+              <a:t>　→</a:t>
+            </a:r>
+            <a:r>
+              <a:rPr lang="en-US" altLang="ja-JP" sz="1200" dirty="0"/>
+              <a:t> C:\Users\TakehiroSomekawa\source\repos\ExpAnalyzer\ExpAnalyzer\bin\Debug\EPPlus.Interfaces.dll</a:t>
+            </a:r>
+          </a:p>
+          <a:p>
+            <a:r>
+              <a:rPr lang="ja-JP" altLang="en-US" sz="1200" dirty="0"/>
+              <a:t>・</a:t>
+            </a:r>
+            <a:r>
+              <a:rPr lang="en-US" altLang="ja-JP" sz="1200" dirty="0"/>
+              <a:t>EPPlus.System.Drawing.dll</a:t>
+            </a:r>
+          </a:p>
+          <a:p>
+            <a:r>
+              <a:rPr lang="ja-JP" altLang="en-US" sz="1200" dirty="0"/>
+              <a:t>　→</a:t>
+            </a:r>
+            <a:r>
+              <a:rPr lang="en-US" altLang="ja-JP" sz="1200" dirty="0"/>
+              <a:t> C:\Users\TakehiroSomekawa\source\repos\ExpAnalyzer\ExpAnalyzer\bin\Debug\EPPlus.System.Drawing.dll</a:t>
+            </a:r>
+          </a:p>
+          <a:p>
+            <a:r>
+              <a:rPr lang="ja-JP" altLang="en-US" sz="1200" dirty="0"/>
+              <a:t>・</a:t>
+            </a:r>
+            <a:r>
+              <a:rPr lang="en-US" altLang="ja-JP" sz="1200" dirty="0"/>
+              <a:t>Microsoft.IO.RecyclableMemoryStream.dll</a:t>
+            </a:r>
+          </a:p>
+          <a:p>
+            <a:r>
+              <a:rPr lang="ja-JP" altLang="en-US" sz="1200" dirty="0"/>
+              <a:t>　→</a:t>
+            </a:r>
+            <a:r>
+              <a:rPr lang="en-US" altLang="ja-JP" sz="1200" dirty="0"/>
+              <a:t> C:\Users\TakehiroSomekawa\source\repos\ExpAnalyzer\ExpAnalyzer\bin\Debug\Microsoft.IO.RecyclableMemoryStream.dll</a:t>
+            </a:r>
+          </a:p>
+        </p:txBody>
+      </p:sp>
+      <p:sp>
+        <p:nvSpPr>
+          <p:cNvPr id="8" name="矢印: 五方向 7">
+            <a:extLst>
+              <a:ext uri="{FF2B5EF4-FFF2-40B4-BE49-F238E27FC236}">
+                <a16:creationId xmlns:a16="http://schemas.microsoft.com/office/drawing/2014/main" id="{8F554631-7D6F-03A7-303D-39C01365BDD7}"/>
+              </a:ext>
+            </a:extLst>
+          </p:cNvPr>
+          <p:cNvSpPr/>
+          <p:nvPr/>
+        </p:nvSpPr>
+        <p:spPr>
+          <a:xfrm>
+            <a:off x="73116" y="79303"/>
+            <a:ext cx="1368263" cy="504000"/>
+          </a:xfrm>
+          <a:prstGeom prst="homePlate">
+            <a:avLst/>
+          </a:prstGeom>
+          <a:solidFill>
+            <a:srgbClr val="C00000"/>
+          </a:solidFill>
+          <a:ln w="38100" cap="flat" cmpd="sng">
+            <a:solidFill>
+              <a:schemeClr val="bg2"/>
+            </a:solidFill>
+            <a:miter lim="800000"/>
+          </a:ln>
+          <a:effectLst>
+            <a:outerShdw blurRad="50800" dist="38100" dir="2700000" algn="tl" rotWithShape="0">
+              <a:prstClr val="black">
+                <a:alpha val="40000"/>
+              </a:prstClr>
+            </a:outerShdw>
+          </a:effectLst>
+        </p:spPr>
+        <p:style>
+          <a:lnRef idx="2">
+            <a:schemeClr val="accent1">
+              <a:shade val="50000"/>
+            </a:schemeClr>
+          </a:lnRef>
+          <a:fillRef idx="1">
+            <a:schemeClr val="accent1"/>
+          </a:fillRef>
+          <a:effectRef idx="0">
+            <a:schemeClr val="accent1"/>
+          </a:effectRef>
+          <a:fontRef idx="minor">
+            <a:schemeClr val="lt1"/>
+          </a:fontRef>
+        </p:style>
+        <p:txBody>
+          <a:bodyPr rtlCol="0" anchor="ctr"/>
+          <a:lstStyle/>
+          <a:p>
+            <a:pPr algn="ctr"/>
+            <a:r>
+              <a:rPr kumimoji="1" lang="ja-JP" altLang="en-US" sz="1400" dirty="0">
+                <a:latin typeface="HGPｺﾞｼｯｸE" panose="020B0900000000000000" pitchFamily="50" charset="-128"/>
+                <a:ea typeface="HGPｺﾞｼｯｸE" panose="020B0900000000000000" pitchFamily="50" charset="-128"/>
+              </a:rPr>
+              <a:t>調査</a:t>
+            </a:r>
+          </a:p>
+        </p:txBody>
+      </p:sp>
+    </p:spTree>
+    <p:extLst>
+      <p:ext uri="{BB962C8B-B14F-4D97-AF65-F5344CB8AC3E}">
+        <p14:creationId xmlns:p14="http://schemas.microsoft.com/office/powerpoint/2010/main" val="371075037"/>
+      </p:ext>
+    </p:extLst>
+  </p:cSld>
+  <p:clrMapOvr>
+    <a:masterClrMapping/>
+  </p:clrMapOvr>
+</p:sld>
+</file>
+
+<file path=ppt/slides/slide4.xml><?xml version="1.0" encoding="utf-8"?>
+<p:sld xmlns:a="http://schemas.openxmlformats.org/drawingml/2006/main" xmlns:r="http://schemas.openxmlformats.org/officeDocument/2006/relationships" xmlns:p="http://schemas.openxmlformats.org/presentationml/2006/main">
+  <p:cSld>
+    <p:spTree>
+      <p:nvGrpSpPr>
+        <p:cNvPr id="1" name=""/>
+        <p:cNvGrpSpPr/>
+        <p:nvPr/>
+      </p:nvGrpSpPr>
+      <p:grpSpPr>
+        <a:xfrm>
+          <a:off x="0" y="0"/>
+          <a:ext cx="0" cy="0"/>
+          <a:chOff x="0" y="0"/>
+          <a:chExt cx="0" cy="0"/>
+        </a:xfrm>
+      </p:grpSpPr>
+      <p:sp>
+        <p:nvSpPr>
+          <p:cNvPr id="84" name="正方形/長方形 83">
+            <a:extLst>
+              <a:ext uri="{FF2B5EF4-FFF2-40B4-BE49-F238E27FC236}">
+                <a16:creationId xmlns:a16="http://schemas.microsoft.com/office/drawing/2014/main" id="{E2618CA8-D438-12E4-45DB-B039A2167899}"/>
+              </a:ext>
+            </a:extLst>
+          </p:cNvPr>
+          <p:cNvSpPr/>
+          <p:nvPr/>
+        </p:nvSpPr>
+        <p:spPr>
+          <a:xfrm>
+            <a:off x="137940" y="1052736"/>
+            <a:ext cx="6522033" cy="5127716"/>
+          </a:xfrm>
+          <a:prstGeom prst="rect">
+            <a:avLst/>
+          </a:prstGeom>
+          <a:noFill/>
+          <a:ln>
+            <a:solidFill>
+              <a:schemeClr val="tx1"/>
+            </a:solidFill>
+            <a:prstDash val="dash"/>
+          </a:ln>
+        </p:spPr>
+        <p:style>
+          <a:lnRef idx="2">
+            <a:schemeClr val="accent1">
+              <a:shade val="15000"/>
+            </a:schemeClr>
+          </a:lnRef>
+          <a:fillRef idx="1">
+            <a:schemeClr val="accent1"/>
+          </a:fillRef>
+          <a:effectRef idx="0">
+            <a:schemeClr val="accent1"/>
+          </a:effectRef>
+          <a:fontRef idx="minor">
+            <a:schemeClr val="lt1"/>
+          </a:fontRef>
+        </p:style>
+        <p:txBody>
+          <a:bodyPr rtlCol="0" anchor="ctr"/>
+          <a:lstStyle/>
+          <a:p>
+            <a:pPr algn="ctr"/>
+            <a:endParaRPr kumimoji="1" lang="ja-JP" altLang="en-US"/>
+          </a:p>
+        </p:txBody>
+      </p:sp>
+      <p:sp>
+        <p:nvSpPr>
+          <p:cNvPr id="16" name="日付プレースホルダー 15">
+            <a:extLst>
+              <a:ext uri="{FF2B5EF4-FFF2-40B4-BE49-F238E27FC236}">
+                <a16:creationId xmlns:a16="http://schemas.microsoft.com/office/drawing/2014/main" id="{9583F4B2-22AF-433F-0231-13589F025E1B}"/>
+              </a:ext>
+            </a:extLst>
+          </p:cNvPr>
+          <p:cNvSpPr>
+            <a:spLocks noGrp="1"/>
+          </p:cNvSpPr>
+          <p:nvPr>
+            <p:ph type="dt" sz="half" idx="4294967295"/>
+          </p:nvPr>
+        </p:nvSpPr>
+        <p:spPr>
+          <a:xfrm>
+            <a:off x="137940" y="6342379"/>
+            <a:ext cx="1368263" cy="365125"/>
+          </a:xfrm>
+        </p:spPr>
+        <p:txBody>
+          <a:bodyPr/>
+          <a:lstStyle/>
+          <a:p>
+            <a:fld id="{60FD98CF-18C6-4C92-8A16-AF221CEED19D}" type="datetime1">
+              <a:rPr kumimoji="1" lang="ja-JP" altLang="en-US" sz="1400" smtClean="0">
+                <a:solidFill>
+                  <a:schemeClr val="bg1"/>
+                </a:solidFill>
+                <a:latin typeface="HGPｺﾞｼｯｸE" panose="020B0900000000000000" pitchFamily="50" charset="-128"/>
+                <a:ea typeface="HGPｺﾞｼｯｸE" panose="020B0900000000000000" pitchFamily="50" charset="-128"/>
+              </a:rPr>
+              <a:t>2023/9/18</a:t>
+            </a:fld>
+            <a:endParaRPr kumimoji="1" lang="ja-JP" altLang="en-US" dirty="0">
+              <a:solidFill>
+                <a:schemeClr val="bg1"/>
+              </a:solidFill>
+              <a:latin typeface="HGPｺﾞｼｯｸE" panose="020B0900000000000000" pitchFamily="50" charset="-128"/>
+              <a:ea typeface="HGPｺﾞｼｯｸE" panose="020B0900000000000000" pitchFamily="50" charset="-128"/>
+            </a:endParaRPr>
+          </a:p>
+        </p:txBody>
+      </p:sp>
+      <p:sp>
+        <p:nvSpPr>
+          <p:cNvPr id="18" name="スライド番号プレースホルダー 17">
+            <a:extLst>
+              <a:ext uri="{FF2B5EF4-FFF2-40B4-BE49-F238E27FC236}">
+                <a16:creationId xmlns:a16="http://schemas.microsoft.com/office/drawing/2014/main" id="{0997EFDE-3DB3-96DB-1116-51929E03588F}"/>
+              </a:ext>
+            </a:extLst>
+          </p:cNvPr>
+          <p:cNvSpPr>
+            <a:spLocks noGrp="1"/>
+          </p:cNvSpPr>
+          <p:nvPr>
+            <p:ph type="sldNum" sz="quarter" idx="4294967295"/>
+          </p:nvPr>
+        </p:nvSpPr>
+        <p:spPr>
+          <a:xfrm>
+            <a:off x="11324557" y="6342378"/>
+            <a:ext cx="731520" cy="365125"/>
+          </a:xfrm>
+        </p:spPr>
+        <p:txBody>
+          <a:bodyPr/>
+          <a:lstStyle/>
+          <a:p>
+            <a:fld id="{CF8B7A00-5918-4660-AF02-51F63786AAF2}" type="slidenum">
+              <a:rPr kumimoji="1" lang="ja-JP" altLang="en-US" smtClean="0">
+                <a:solidFill>
+                  <a:schemeClr val="bg1"/>
+                </a:solidFill>
+                <a:latin typeface="HGPｺﾞｼｯｸE" panose="020B0900000000000000" pitchFamily="50" charset="-128"/>
+                <a:ea typeface="HGPｺﾞｼｯｸE" panose="020B0900000000000000" pitchFamily="50" charset="-128"/>
+              </a:rPr>
+              <a:t>4</a:t>
+            </a:fld>
+            <a:endParaRPr kumimoji="1" lang="ja-JP" altLang="en-US" dirty="0">
+              <a:solidFill>
+                <a:schemeClr val="bg1"/>
+              </a:solidFill>
+              <a:latin typeface="HGPｺﾞｼｯｸE" panose="020B0900000000000000" pitchFamily="50" charset="-128"/>
+              <a:ea typeface="HGPｺﾞｼｯｸE" panose="020B0900000000000000" pitchFamily="50" charset="-128"/>
+            </a:endParaRPr>
+          </a:p>
+        </p:txBody>
+      </p:sp>
+      <p:sp>
+        <p:nvSpPr>
+          <p:cNvPr id="19" name="スライド番号プレースホルダー 17">
+            <a:extLst>
+              <a:ext uri="{FF2B5EF4-FFF2-40B4-BE49-F238E27FC236}">
+                <a16:creationId xmlns:a16="http://schemas.microsoft.com/office/drawing/2014/main" id="{BD6D5BF1-CE81-6324-130C-8C569A2DECEC}"/>
+              </a:ext>
+            </a:extLst>
+          </p:cNvPr>
+          <p:cNvSpPr txBox="1">
+            <a:spLocks/>
+          </p:cNvSpPr>
+          <p:nvPr/>
+        </p:nvSpPr>
+        <p:spPr>
+          <a:xfrm>
+            <a:off x="1568400" y="6342378"/>
+            <a:ext cx="9693960" cy="365125"/>
+          </a:xfrm>
+          <a:prstGeom prst="rect">
+            <a:avLst/>
+          </a:prstGeom>
+        </p:spPr>
+        <p:txBody>
+          <a:bodyPr vert="horz" lIns="91440" tIns="45720" rIns="91440" bIns="45720" rtlCol="0" anchor="ctr"/>
+          <a:lstStyle>
+            <a:defPPr>
+              <a:defRPr lang="ja-JP"/>
+            </a:defPPr>
+            <a:lvl1pPr marL="0" algn="r" defTabSz="914400" rtl="0" eaLnBrk="1" latinLnBrk="0" hangingPunct="1">
+              <a:defRPr kumimoji="1" sz="1200" kern="1200">
+                <a:solidFill>
+                  <a:schemeClr val="tx1">
+                    <a:tint val="75000"/>
+                  </a:schemeClr>
+                </a:solidFill>
+                <a:latin typeface="+mn-lt"/>
+                <a:ea typeface="+mn-ea"/>
+                <a:cs typeface="+mn-cs"/>
+              </a:defRPr>
+            </a:lvl1pPr>
+            <a:lvl2pPr marL="457200" algn="l" defTabSz="914400" rtl="0" eaLnBrk="1" latinLnBrk="0" hangingPunct="1">
+              <a:defRPr kumimoji="1" sz="1800" kern="1200">
+                <a:solidFill>
+                  <a:schemeClr val="tx1"/>
+                </a:solidFill>
+                <a:latin typeface="+mn-lt"/>
+                <a:ea typeface="+mn-ea"/>
+                <a:cs typeface="+mn-cs"/>
+              </a:defRPr>
+            </a:lvl2pPr>
+            <a:lvl3pPr marL="914400" algn="l" defTabSz="914400" rtl="0" eaLnBrk="1" latinLnBrk="0" hangingPunct="1">
+              <a:defRPr kumimoji="1" sz="1800" kern="1200">
+                <a:solidFill>
+                  <a:schemeClr val="tx1"/>
+                </a:solidFill>
+                <a:latin typeface="+mn-lt"/>
+                <a:ea typeface="+mn-ea"/>
+                <a:cs typeface="+mn-cs"/>
+              </a:defRPr>
+            </a:lvl3pPr>
+            <a:lvl4pPr marL="1371600" algn="l" defTabSz="914400" rtl="0" eaLnBrk="1" latinLnBrk="0" hangingPunct="1">
+              <a:defRPr kumimoji="1" sz="1800" kern="1200">
+                <a:solidFill>
+                  <a:schemeClr val="tx1"/>
+                </a:solidFill>
+                <a:latin typeface="+mn-lt"/>
+                <a:ea typeface="+mn-ea"/>
+                <a:cs typeface="+mn-cs"/>
+              </a:defRPr>
+            </a:lvl4pPr>
+            <a:lvl5pPr marL="1828800" algn="l" defTabSz="914400" rtl="0" eaLnBrk="1" latinLnBrk="0" hangingPunct="1">
+              <a:defRPr kumimoji="1" sz="1800" kern="1200">
+                <a:solidFill>
+                  <a:schemeClr val="tx1"/>
+                </a:solidFill>
+                <a:latin typeface="+mn-lt"/>
+                <a:ea typeface="+mn-ea"/>
+                <a:cs typeface="+mn-cs"/>
+              </a:defRPr>
+            </a:lvl5pPr>
+            <a:lvl6pPr marL="2286000" algn="l" defTabSz="914400" rtl="0" eaLnBrk="1" latinLnBrk="0" hangingPunct="1">
+              <a:defRPr kumimoji="1" sz="1800" kern="1200">
+                <a:solidFill>
+                  <a:schemeClr val="tx1"/>
+                </a:solidFill>
+                <a:latin typeface="+mn-lt"/>
+                <a:ea typeface="+mn-ea"/>
+                <a:cs typeface="+mn-cs"/>
+              </a:defRPr>
+            </a:lvl6pPr>
+            <a:lvl7pPr marL="2743200" algn="l" defTabSz="914400" rtl="0" eaLnBrk="1" latinLnBrk="0" hangingPunct="1">
+              <a:defRPr kumimoji="1" sz="1800" kern="1200">
+                <a:solidFill>
+                  <a:schemeClr val="tx1"/>
+                </a:solidFill>
+                <a:latin typeface="+mn-lt"/>
+                <a:ea typeface="+mn-ea"/>
+                <a:cs typeface="+mn-cs"/>
+              </a:defRPr>
+            </a:lvl7pPr>
+            <a:lvl8pPr marL="3200400" algn="l" defTabSz="914400" rtl="0" eaLnBrk="1" latinLnBrk="0" hangingPunct="1">
+              <a:defRPr kumimoji="1" sz="1800" kern="1200">
+                <a:solidFill>
+                  <a:schemeClr val="tx1"/>
+                </a:solidFill>
+                <a:latin typeface="+mn-lt"/>
+                <a:ea typeface="+mn-ea"/>
+                <a:cs typeface="+mn-cs"/>
+              </a:defRPr>
+            </a:lvl8pPr>
+            <a:lvl9pPr marL="3657600" algn="l" defTabSz="914400" rtl="0" eaLnBrk="1" latinLnBrk="0" hangingPunct="1">
+              <a:defRPr kumimoji="1" sz="1800" kern="1200">
+                <a:solidFill>
+                  <a:schemeClr val="tx1"/>
+                </a:solidFill>
+                <a:latin typeface="+mn-lt"/>
+                <a:ea typeface="+mn-ea"/>
+                <a:cs typeface="+mn-cs"/>
+              </a:defRPr>
+            </a:lvl9pPr>
+          </a:lstStyle>
+          <a:p>
+            <a:pPr algn="l"/>
+            <a:r>
+              <a:rPr lang="en-US" altLang="ja-JP" sz="1400" dirty="0">
+                <a:solidFill>
+                  <a:schemeClr val="bg1"/>
+                </a:solidFill>
+                <a:latin typeface="HGPｺﾞｼｯｸE" panose="020B0900000000000000" pitchFamily="50" charset="-128"/>
+                <a:ea typeface="HGPｺﾞｼｯｸE" panose="020B0900000000000000" pitchFamily="50" charset="-128"/>
+              </a:rPr>
+              <a:t>Tool</a:t>
+            </a:r>
+            <a:r>
+              <a:rPr lang="ja-JP" altLang="en-US" sz="1400" dirty="0">
+                <a:solidFill>
+                  <a:schemeClr val="bg1"/>
+                </a:solidFill>
+                <a:latin typeface="HGPｺﾞｼｯｸE" panose="020B0900000000000000" pitchFamily="50" charset="-128"/>
+                <a:ea typeface="HGPｺﾞｼｯｸE" panose="020B0900000000000000" pitchFamily="50" charset="-128"/>
+              </a:rPr>
+              <a:t>：</a:t>
+            </a:r>
+            <a:r>
+              <a:rPr lang="en-US" altLang="ja-JP" sz="1400" dirty="0">
+                <a:solidFill>
+                  <a:schemeClr val="bg1"/>
+                </a:solidFill>
+                <a:latin typeface="HGPｺﾞｼｯｸE" panose="020B0900000000000000" pitchFamily="50" charset="-128"/>
+                <a:ea typeface="HGPｺﾞｼｯｸE" panose="020B0900000000000000" pitchFamily="50" charset="-128"/>
+              </a:rPr>
+              <a:t>ExpAnalyzer</a:t>
             </a:r>
             <a:r>
               <a:rPr lang="ja-JP" altLang="en-US" sz="1400" dirty="0">
@@ -5817,7 +6825,7 @@
         <p:spPr>
           <a:xfrm>
             <a:off x="108857" y="736984"/>
-            <a:ext cx="2242751" cy="276999"/>
+            <a:ext cx="3032235" cy="276999"/>
           </a:xfrm>
           <a:prstGeom prst="rect">
             <a:avLst/>
@@ -5832,7 +6840,11 @@
           <a:p>
             <a:r>
               <a:rPr kumimoji="1" lang="ja-JP" altLang="en-US" sz="1200" b="1" dirty="0"/>
-              <a:t>■ツリー構成</a:t>
+              <a:t>■入力</a:t>
+            </a:r>
+            <a:r>
+              <a:rPr lang="ja-JP" altLang="en-US" sz="1200" b="1" dirty="0"/>
+              <a:t>データ構成</a:t>
             </a:r>
             <a:endParaRPr kumimoji="1" lang="ja-JP" altLang="en-US" sz="1200" dirty="0"/>
           </a:p>

--- a/ExpAnalyzer/DataSheets/ExpAnalyzer_仕様書.pptx
+++ b/ExpAnalyzer/DataSheets/ExpAnalyzer_仕様書.pptx
@@ -211,7 +211,7 @@
           <a:p>
             <a:fld id="{EC3ECA90-77F6-4BB8-838E-193460CA105B}" type="datetimeFigureOut">
               <a:rPr kumimoji="1" lang="ja-JP" altLang="en-US" smtClean="0"/>
-              <a:t>2023/9/18</a:t>
+              <a:t>2023/10/7</a:t>
             </a:fld>
             <a:endParaRPr kumimoji="1" lang="ja-JP" altLang="en-US"/>
           </a:p>
@@ -952,7 +952,7 @@
           <a:p>
             <a:fld id="{907C6EF5-DE51-4EDB-A1DF-9C3BABF24F6A}" type="datetimeFigureOut">
               <a:rPr kumimoji="1" lang="ja-JP" altLang="en-US" smtClean="0"/>
-              <a:t>2023/9/18</a:t>
+              <a:t>2023/10/7</a:t>
             </a:fld>
             <a:endParaRPr kumimoji="1" lang="ja-JP" altLang="en-US"/>
           </a:p>
@@ -1240,7 +1240,7 @@
           <a:p>
             <a:fld id="{907C6EF5-DE51-4EDB-A1DF-9C3BABF24F6A}" type="datetimeFigureOut">
               <a:rPr kumimoji="1" lang="ja-JP" altLang="en-US" smtClean="0"/>
-              <a:t>2023/9/18</a:t>
+              <a:t>2023/10/7</a:t>
             </a:fld>
             <a:endParaRPr kumimoji="1" lang="ja-JP" altLang="en-US"/>
           </a:p>
@@ -1470,7 +1470,7 @@
           <a:p>
             <a:fld id="{907C6EF5-DE51-4EDB-A1DF-9C3BABF24F6A}" type="datetimeFigureOut">
               <a:rPr kumimoji="1" lang="ja-JP" altLang="en-US" smtClean="0"/>
-              <a:t>2023/9/18</a:t>
+              <a:t>2023/10/7</a:t>
             </a:fld>
             <a:endParaRPr kumimoji="1" lang="ja-JP" altLang="en-US"/>
           </a:p>
@@ -1710,7 +1710,7 @@
           <a:p>
             <a:fld id="{907C6EF5-DE51-4EDB-A1DF-9C3BABF24F6A}" type="datetimeFigureOut">
               <a:rPr kumimoji="1" lang="ja-JP" altLang="en-US" smtClean="0"/>
-              <a:t>2023/9/18</a:t>
+              <a:t>2023/10/7</a:t>
             </a:fld>
             <a:endParaRPr kumimoji="1" lang="ja-JP" altLang="en-US"/>
           </a:p>
@@ -2042,7 +2042,7 @@
           <a:p>
             <a:fld id="{907C6EF5-DE51-4EDB-A1DF-9C3BABF24F6A}" type="datetimeFigureOut">
               <a:rPr kumimoji="1" lang="ja-JP" altLang="en-US" smtClean="0"/>
-              <a:t>2023/9/18</a:t>
+              <a:t>2023/10/7</a:t>
             </a:fld>
             <a:endParaRPr kumimoji="1" lang="ja-JP" altLang="en-US"/>
           </a:p>
@@ -2272,7 +2272,7 @@
           <a:p>
             <a:fld id="{907C6EF5-DE51-4EDB-A1DF-9C3BABF24F6A}" type="datetimeFigureOut">
               <a:rPr kumimoji="1" lang="ja-JP" altLang="en-US" smtClean="0"/>
-              <a:t>2023/9/18</a:t>
+              <a:t>2023/10/7</a:t>
             </a:fld>
             <a:endParaRPr kumimoji="1" lang="ja-JP" altLang="en-US"/>
           </a:p>
@@ -2547,7 +2547,7 @@
           <a:p>
             <a:fld id="{907C6EF5-DE51-4EDB-A1DF-9C3BABF24F6A}" type="datetimeFigureOut">
               <a:rPr kumimoji="1" lang="ja-JP" altLang="en-US" smtClean="0"/>
-              <a:t>2023/9/18</a:t>
+              <a:t>2023/10/7</a:t>
             </a:fld>
             <a:endParaRPr kumimoji="1" lang="ja-JP" altLang="en-US"/>
           </a:p>
@@ -2876,7 +2876,7 @@
           <a:p>
             <a:fld id="{907C6EF5-DE51-4EDB-A1DF-9C3BABF24F6A}" type="datetimeFigureOut">
               <a:rPr kumimoji="1" lang="ja-JP" altLang="en-US" smtClean="0"/>
-              <a:t>2023/9/18</a:t>
+              <a:t>2023/10/7</a:t>
             </a:fld>
             <a:endParaRPr kumimoji="1" lang="ja-JP" altLang="en-US"/>
           </a:p>
@@ -3352,7 +3352,7 @@
           <a:p>
             <a:fld id="{907C6EF5-DE51-4EDB-A1DF-9C3BABF24F6A}" type="datetimeFigureOut">
               <a:rPr kumimoji="1" lang="ja-JP" altLang="en-US" smtClean="0"/>
-              <a:t>2023/9/18</a:t>
+              <a:t>2023/10/7</a:t>
             </a:fld>
             <a:endParaRPr kumimoji="1" lang="ja-JP" altLang="en-US"/>
           </a:p>
@@ -3493,7 +3493,7 @@
           <a:p>
             <a:fld id="{907C6EF5-DE51-4EDB-A1DF-9C3BABF24F6A}" type="datetimeFigureOut">
               <a:rPr kumimoji="1" lang="ja-JP" altLang="en-US" smtClean="0"/>
-              <a:t>2023/9/18</a:t>
+              <a:t>2023/10/7</a:t>
             </a:fld>
             <a:endParaRPr kumimoji="1" lang="ja-JP" altLang="en-US"/>
           </a:p>
@@ -3606,7 +3606,7 @@
           <a:p>
             <a:fld id="{907C6EF5-DE51-4EDB-A1DF-9C3BABF24F6A}" type="datetimeFigureOut">
               <a:rPr kumimoji="1" lang="ja-JP" altLang="en-US" smtClean="0"/>
-              <a:t>2023/9/18</a:t>
+              <a:t>2023/10/7</a:t>
             </a:fld>
             <a:endParaRPr kumimoji="1" lang="ja-JP" altLang="en-US"/>
           </a:p>
@@ -3879,7 +3879,7 @@
           <a:p>
             <a:fld id="{907C6EF5-DE51-4EDB-A1DF-9C3BABF24F6A}" type="datetimeFigureOut">
               <a:rPr kumimoji="1" lang="ja-JP" altLang="en-US" smtClean="0"/>
-              <a:t>2023/9/18</a:t>
+              <a:t>2023/10/7</a:t>
             </a:fld>
             <a:endParaRPr kumimoji="1" lang="ja-JP" altLang="en-US"/>
           </a:p>
@@ -4882,7 +4882,7 @@
                 <a:latin typeface="HGPｺﾞｼｯｸE" panose="020B0900000000000000" pitchFamily="50" charset="-128"/>
                 <a:ea typeface="HGPｺﾞｼｯｸE" panose="020B0900000000000000" pitchFamily="50" charset="-128"/>
               </a:rPr>
-              <a:t>2023/9/18</a:t>
+              <a:t>2023/10/7</a:t>
             </a:fld>
             <a:endParaRPr kumimoji="1" lang="ja-JP" altLang="en-US" dirty="0">
               <a:solidFill>
@@ -5870,7 +5870,7 @@
                 <a:latin typeface="HGPｺﾞｼｯｸE" panose="020B0900000000000000" pitchFamily="50" charset="-128"/>
                 <a:ea typeface="HGPｺﾞｼｯｸE" panose="020B0900000000000000" pitchFamily="50" charset="-128"/>
               </a:rPr>
-              <a:t>2023/9/18</a:t>
+              <a:t>2023/10/7</a:t>
             </a:fld>
             <a:endParaRPr kumimoji="1" lang="ja-JP" altLang="en-US" dirty="0">
               <a:solidFill>
@@ -6499,7 +6499,7 @@
                 <a:latin typeface="HGPｺﾞｼｯｸE" panose="020B0900000000000000" pitchFamily="50" charset="-128"/>
                 <a:ea typeface="HGPｺﾞｼｯｸE" panose="020B0900000000000000" pitchFamily="50" charset="-128"/>
               </a:rPr>
-              <a:t>2023/9/18</a:t>
+              <a:t>2023/10/7</a:t>
             </a:fld>
             <a:endParaRPr kumimoji="1" lang="ja-JP" altLang="en-US" dirty="0">
               <a:solidFill>

--- a/ExpAnalyzer/DataSheets/ExpAnalyzer_仕様書.pptx
+++ b/ExpAnalyzer/DataSheets/ExpAnalyzer_仕様書.pptx
@@ -5,14 +5,15 @@
     <p:sldMasterId id="2147483651" r:id="rId1"/>
   </p:sldMasterIdLst>
   <p:notesMasterIdLst>
-    <p:notesMasterId r:id="rId7"/>
+    <p:notesMasterId r:id="rId8"/>
   </p:notesMasterIdLst>
   <p:sldIdLst>
     <p:sldId id="256" r:id="rId2"/>
     <p:sldId id="257" r:id="rId3"/>
     <p:sldId id="260" r:id="rId4"/>
     <p:sldId id="261" r:id="rId5"/>
-    <p:sldId id="259" r:id="rId6"/>
+    <p:sldId id="262" r:id="rId6"/>
+    <p:sldId id="259" r:id="rId7"/>
   </p:sldIdLst>
   <p:sldSz cx="12192000" cy="6858000"/>
   <p:notesSz cx="6858000" cy="9144000"/>
@@ -17403,7 +17404,7 @@
           <a:p>
             <a:fld id="{EC3ECA90-77F6-4BB8-838E-193460CA105B}" type="datetimeFigureOut">
               <a:rPr kumimoji="1" lang="ja-JP" altLang="en-US" smtClean="0"/>
-              <a:t>2023/11/20</a:t>
+              <a:t>2023/11/25</a:t>
             </a:fld>
             <a:endParaRPr kumimoji="1" lang="ja-JP" altLang="en-US"/>
           </a:p>
@@ -18144,7 +18145,7 @@
           <a:p>
             <a:fld id="{907C6EF5-DE51-4EDB-A1DF-9C3BABF24F6A}" type="datetimeFigureOut">
               <a:rPr kumimoji="1" lang="ja-JP" altLang="en-US" smtClean="0"/>
-              <a:t>2023/11/20</a:t>
+              <a:t>2023/11/25</a:t>
             </a:fld>
             <a:endParaRPr kumimoji="1" lang="ja-JP" altLang="en-US"/>
           </a:p>
@@ -18432,7 +18433,7 @@
           <a:p>
             <a:fld id="{907C6EF5-DE51-4EDB-A1DF-9C3BABF24F6A}" type="datetimeFigureOut">
               <a:rPr kumimoji="1" lang="ja-JP" altLang="en-US" smtClean="0"/>
-              <a:t>2023/11/20</a:t>
+              <a:t>2023/11/25</a:t>
             </a:fld>
             <a:endParaRPr kumimoji="1" lang="ja-JP" altLang="en-US"/>
           </a:p>
@@ -18662,7 +18663,7 @@
           <a:p>
             <a:fld id="{907C6EF5-DE51-4EDB-A1DF-9C3BABF24F6A}" type="datetimeFigureOut">
               <a:rPr kumimoji="1" lang="ja-JP" altLang="en-US" smtClean="0"/>
-              <a:t>2023/11/20</a:t>
+              <a:t>2023/11/25</a:t>
             </a:fld>
             <a:endParaRPr kumimoji="1" lang="ja-JP" altLang="en-US"/>
           </a:p>
@@ -18902,7 +18903,7 @@
           <a:p>
             <a:fld id="{907C6EF5-DE51-4EDB-A1DF-9C3BABF24F6A}" type="datetimeFigureOut">
               <a:rPr kumimoji="1" lang="ja-JP" altLang="en-US" smtClean="0"/>
-              <a:t>2023/11/20</a:t>
+              <a:t>2023/11/25</a:t>
             </a:fld>
             <a:endParaRPr kumimoji="1" lang="ja-JP" altLang="en-US"/>
           </a:p>
@@ -19234,7 +19235,7 @@
           <a:p>
             <a:fld id="{907C6EF5-DE51-4EDB-A1DF-9C3BABF24F6A}" type="datetimeFigureOut">
               <a:rPr kumimoji="1" lang="ja-JP" altLang="en-US" smtClean="0"/>
-              <a:t>2023/11/20</a:t>
+              <a:t>2023/11/25</a:t>
             </a:fld>
             <a:endParaRPr kumimoji="1" lang="ja-JP" altLang="en-US"/>
           </a:p>
@@ -19464,7 +19465,7 @@
           <a:p>
             <a:fld id="{907C6EF5-DE51-4EDB-A1DF-9C3BABF24F6A}" type="datetimeFigureOut">
               <a:rPr kumimoji="1" lang="ja-JP" altLang="en-US" smtClean="0"/>
-              <a:t>2023/11/20</a:t>
+              <a:t>2023/11/25</a:t>
             </a:fld>
             <a:endParaRPr kumimoji="1" lang="ja-JP" altLang="en-US"/>
           </a:p>
@@ -19739,7 +19740,7 @@
           <a:p>
             <a:fld id="{907C6EF5-DE51-4EDB-A1DF-9C3BABF24F6A}" type="datetimeFigureOut">
               <a:rPr kumimoji="1" lang="ja-JP" altLang="en-US" smtClean="0"/>
-              <a:t>2023/11/20</a:t>
+              <a:t>2023/11/25</a:t>
             </a:fld>
             <a:endParaRPr kumimoji="1" lang="ja-JP" altLang="en-US"/>
           </a:p>
@@ -20068,7 +20069,7 @@
           <a:p>
             <a:fld id="{907C6EF5-DE51-4EDB-A1DF-9C3BABF24F6A}" type="datetimeFigureOut">
               <a:rPr kumimoji="1" lang="ja-JP" altLang="en-US" smtClean="0"/>
-              <a:t>2023/11/20</a:t>
+              <a:t>2023/11/25</a:t>
             </a:fld>
             <a:endParaRPr kumimoji="1" lang="ja-JP" altLang="en-US"/>
           </a:p>
@@ -20544,7 +20545,7 @@
           <a:p>
             <a:fld id="{907C6EF5-DE51-4EDB-A1DF-9C3BABF24F6A}" type="datetimeFigureOut">
               <a:rPr kumimoji="1" lang="ja-JP" altLang="en-US" smtClean="0"/>
-              <a:t>2023/11/20</a:t>
+              <a:t>2023/11/25</a:t>
             </a:fld>
             <a:endParaRPr kumimoji="1" lang="ja-JP" altLang="en-US"/>
           </a:p>
@@ -20685,7 +20686,7 @@
           <a:p>
             <a:fld id="{907C6EF5-DE51-4EDB-A1DF-9C3BABF24F6A}" type="datetimeFigureOut">
               <a:rPr kumimoji="1" lang="ja-JP" altLang="en-US" smtClean="0"/>
-              <a:t>2023/11/20</a:t>
+              <a:t>2023/11/25</a:t>
             </a:fld>
             <a:endParaRPr kumimoji="1" lang="ja-JP" altLang="en-US"/>
           </a:p>
@@ -20798,7 +20799,7 @@
           <a:p>
             <a:fld id="{907C6EF5-DE51-4EDB-A1DF-9C3BABF24F6A}" type="datetimeFigureOut">
               <a:rPr kumimoji="1" lang="ja-JP" altLang="en-US" smtClean="0"/>
-              <a:t>2023/11/20</a:t>
+              <a:t>2023/11/25</a:t>
             </a:fld>
             <a:endParaRPr kumimoji="1" lang="ja-JP" altLang="en-US"/>
           </a:p>
@@ -21071,7 +21072,7 @@
           <a:p>
             <a:fld id="{907C6EF5-DE51-4EDB-A1DF-9C3BABF24F6A}" type="datetimeFigureOut">
               <a:rPr kumimoji="1" lang="ja-JP" altLang="en-US" smtClean="0"/>
-              <a:t>2023/11/20</a:t>
+              <a:t>2023/11/25</a:t>
             </a:fld>
             <a:endParaRPr kumimoji="1" lang="ja-JP" altLang="en-US"/>
           </a:p>
@@ -22074,7 +22075,7 @@
                 <a:latin typeface="HGPｺﾞｼｯｸE" panose="020B0900000000000000" pitchFamily="50" charset="-128"/>
                 <a:ea typeface="HGPｺﾞｼｯｸE" panose="020B0900000000000000" pitchFamily="50" charset="-128"/>
               </a:rPr>
-              <a:t>2023/11/20</a:t>
+              <a:t>2023/11/25</a:t>
             </a:fld>
             <a:endParaRPr kumimoji="1" lang="ja-JP" altLang="en-US" dirty="0">
               <a:solidFill>
@@ -23062,7 +23063,7 @@
                 <a:latin typeface="HGPｺﾞｼｯｸE" panose="020B0900000000000000" pitchFamily="50" charset="-128"/>
                 <a:ea typeface="HGPｺﾞｼｯｸE" panose="020B0900000000000000" pitchFamily="50" charset="-128"/>
               </a:rPr>
-              <a:t>2023/11/20</a:t>
+              <a:t>2023/11/25</a:t>
             </a:fld>
             <a:endParaRPr kumimoji="1" lang="ja-JP" altLang="en-US" dirty="0">
               <a:solidFill>
@@ -24076,7 +24077,7 @@
                 <a:latin typeface="HGPｺﾞｼｯｸE" panose="020B0900000000000000" pitchFamily="50" charset="-128"/>
                 <a:ea typeface="HGPｺﾞｼｯｸE" panose="020B0900000000000000" pitchFamily="50" charset="-128"/>
               </a:rPr>
-              <a:t>2023/11/20</a:t>
+              <a:t>2023/11/25</a:t>
             </a:fld>
             <a:endParaRPr kumimoji="1" lang="ja-JP" altLang="en-US" dirty="0">
               <a:solidFill>
@@ -25025,6 +25026,2001 @@
 <file path=ppt/slides/slide5.xml><?xml version="1.0" encoding="utf-8"?>
 <p:sld xmlns:a="http://schemas.openxmlformats.org/drawingml/2006/main" xmlns:r="http://schemas.openxmlformats.org/officeDocument/2006/relationships" xmlns:p="http://schemas.openxmlformats.org/presentationml/2006/main">
   <p:cSld>
+    <p:bg>
+      <p:bgPr>
+        <a:solidFill>
+          <a:schemeClr val="bg1"/>
+        </a:solidFill>
+        <a:effectLst/>
+      </p:bgPr>
+    </p:bg>
+    <p:spTree>
+      <p:nvGrpSpPr>
+        <p:cNvPr id="1" name=""/>
+        <p:cNvGrpSpPr/>
+        <p:nvPr/>
+      </p:nvGrpSpPr>
+      <p:grpSpPr>
+        <a:xfrm>
+          <a:off x="0" y="0"/>
+          <a:ext cx="0" cy="0"/>
+          <a:chOff x="0" y="0"/>
+          <a:chExt cx="0" cy="0"/>
+        </a:xfrm>
+      </p:grpSpPr>
+      <p:sp>
+        <p:nvSpPr>
+          <p:cNvPr id="2" name="矢印: 五方向 1">
+            <a:extLst>
+              <a:ext uri="{FF2B5EF4-FFF2-40B4-BE49-F238E27FC236}">
+                <a16:creationId xmlns:a16="http://schemas.microsoft.com/office/drawing/2014/main" id="{7A569949-0836-C648-6D8D-7229956038F5}"/>
+              </a:ext>
+            </a:extLst>
+          </p:cNvPr>
+          <p:cNvSpPr/>
+          <p:nvPr/>
+        </p:nvSpPr>
+        <p:spPr>
+          <a:xfrm>
+            <a:off x="1503576" y="79303"/>
+            <a:ext cx="1368263" cy="504000"/>
+          </a:xfrm>
+          <a:prstGeom prst="homePlate">
+            <a:avLst/>
+          </a:prstGeom>
+          <a:solidFill>
+            <a:srgbClr val="002060"/>
+          </a:solidFill>
+          <a:ln w="38100" cap="flat" cmpd="sng">
+            <a:solidFill>
+              <a:schemeClr val="bg2"/>
+            </a:solidFill>
+            <a:miter lim="800000"/>
+          </a:ln>
+          <a:effectLst>
+            <a:outerShdw blurRad="50800" dist="38100" dir="2700000" algn="tl" rotWithShape="0">
+              <a:prstClr val="black">
+                <a:alpha val="40000"/>
+              </a:prstClr>
+            </a:outerShdw>
+          </a:effectLst>
+        </p:spPr>
+        <p:style>
+          <a:lnRef idx="2">
+            <a:schemeClr val="accent1">
+              <a:shade val="50000"/>
+            </a:schemeClr>
+          </a:lnRef>
+          <a:fillRef idx="1">
+            <a:schemeClr val="accent1"/>
+          </a:fillRef>
+          <a:effectRef idx="0">
+            <a:schemeClr val="accent1"/>
+          </a:effectRef>
+          <a:fontRef idx="minor">
+            <a:schemeClr val="lt1"/>
+          </a:fontRef>
+        </p:style>
+        <p:txBody>
+          <a:bodyPr rtlCol="0" anchor="ctr"/>
+          <a:lstStyle/>
+          <a:p>
+            <a:pPr algn="ctr"/>
+            <a:r>
+              <a:rPr lang="ja-JP" altLang="en-US" sz="1400" dirty="0">
+                <a:latin typeface="HGPｺﾞｼｯｸE" panose="020B0900000000000000" pitchFamily="50" charset="-128"/>
+                <a:ea typeface="HGPｺﾞｼｯｸE" panose="020B0900000000000000" pitchFamily="50" charset="-128"/>
+              </a:rPr>
+              <a:t>要件定義</a:t>
+            </a:r>
+            <a:endParaRPr kumimoji="1" lang="ja-JP" altLang="en-US" sz="1400" dirty="0">
+              <a:latin typeface="HGPｺﾞｼｯｸE" panose="020B0900000000000000" pitchFamily="50" charset="-128"/>
+              <a:ea typeface="HGPｺﾞｼｯｸE" panose="020B0900000000000000" pitchFamily="50" charset="-128"/>
+            </a:endParaRPr>
+          </a:p>
+        </p:txBody>
+      </p:sp>
+      <p:sp>
+        <p:nvSpPr>
+          <p:cNvPr id="3" name="矢印: 五方向 2">
+            <a:extLst>
+              <a:ext uri="{FF2B5EF4-FFF2-40B4-BE49-F238E27FC236}">
+                <a16:creationId xmlns:a16="http://schemas.microsoft.com/office/drawing/2014/main" id="{68697A94-ADDD-8BCE-4A36-A680ED0129AE}"/>
+              </a:ext>
+            </a:extLst>
+          </p:cNvPr>
+          <p:cNvSpPr/>
+          <p:nvPr/>
+        </p:nvSpPr>
+        <p:spPr>
+          <a:xfrm>
+            <a:off x="4364496" y="79303"/>
+            <a:ext cx="1368263" cy="504000"/>
+          </a:xfrm>
+          <a:prstGeom prst="homePlate">
+            <a:avLst/>
+          </a:prstGeom>
+          <a:solidFill>
+            <a:srgbClr val="002060"/>
+          </a:solidFill>
+          <a:ln w="38100" cap="flat" cmpd="sng">
+            <a:solidFill>
+              <a:schemeClr val="bg2"/>
+            </a:solidFill>
+            <a:miter lim="800000"/>
+          </a:ln>
+          <a:effectLst>
+            <a:outerShdw blurRad="50800" dist="38100" dir="2700000" algn="tl" rotWithShape="0">
+              <a:prstClr val="black">
+                <a:alpha val="40000"/>
+              </a:prstClr>
+            </a:outerShdw>
+          </a:effectLst>
+        </p:spPr>
+        <p:style>
+          <a:lnRef idx="2">
+            <a:schemeClr val="accent1">
+              <a:shade val="50000"/>
+            </a:schemeClr>
+          </a:lnRef>
+          <a:fillRef idx="1">
+            <a:schemeClr val="accent1"/>
+          </a:fillRef>
+          <a:effectRef idx="0">
+            <a:schemeClr val="accent1"/>
+          </a:effectRef>
+          <a:fontRef idx="minor">
+            <a:schemeClr val="lt1"/>
+          </a:fontRef>
+        </p:style>
+        <p:txBody>
+          <a:bodyPr rtlCol="0" anchor="ctr"/>
+          <a:lstStyle/>
+          <a:p>
+            <a:pPr algn="ctr"/>
+            <a:r>
+              <a:rPr kumimoji="1" lang="ja-JP" altLang="en-US" sz="1400" dirty="0">
+                <a:latin typeface="HGPｺﾞｼｯｸE" panose="020B0900000000000000" pitchFamily="50" charset="-128"/>
+                <a:ea typeface="HGPｺﾞｼｯｸE" panose="020B0900000000000000" pitchFamily="50" charset="-128"/>
+              </a:rPr>
+              <a:t>基本設計</a:t>
+            </a:r>
+          </a:p>
+        </p:txBody>
+      </p:sp>
+      <p:sp>
+        <p:nvSpPr>
+          <p:cNvPr id="4" name="矢印: 五方向 3">
+            <a:extLst>
+              <a:ext uri="{FF2B5EF4-FFF2-40B4-BE49-F238E27FC236}">
+                <a16:creationId xmlns:a16="http://schemas.microsoft.com/office/drawing/2014/main" id="{59FD3A16-09CB-C1F0-43E7-A5CDEDD6598D}"/>
+              </a:ext>
+            </a:extLst>
+          </p:cNvPr>
+          <p:cNvSpPr/>
+          <p:nvPr/>
+        </p:nvSpPr>
+        <p:spPr>
+          <a:xfrm>
+            <a:off x="5794956" y="79303"/>
+            <a:ext cx="1368263" cy="504000"/>
+          </a:xfrm>
+          <a:prstGeom prst="homePlate">
+            <a:avLst/>
+          </a:prstGeom>
+          <a:solidFill>
+            <a:srgbClr val="002060"/>
+          </a:solidFill>
+          <a:ln w="38100" cap="flat" cmpd="sng">
+            <a:solidFill>
+              <a:schemeClr val="bg2"/>
+            </a:solidFill>
+            <a:miter lim="800000"/>
+          </a:ln>
+          <a:effectLst>
+            <a:outerShdw blurRad="50800" dist="38100" dir="2700000" algn="tl" rotWithShape="0">
+              <a:prstClr val="black">
+                <a:alpha val="40000"/>
+              </a:prstClr>
+            </a:outerShdw>
+          </a:effectLst>
+        </p:spPr>
+        <p:style>
+          <a:lnRef idx="2">
+            <a:schemeClr val="accent1">
+              <a:shade val="50000"/>
+            </a:schemeClr>
+          </a:lnRef>
+          <a:fillRef idx="1">
+            <a:schemeClr val="accent1"/>
+          </a:fillRef>
+          <a:effectRef idx="0">
+            <a:schemeClr val="accent1"/>
+          </a:effectRef>
+          <a:fontRef idx="minor">
+            <a:schemeClr val="lt1"/>
+          </a:fontRef>
+        </p:style>
+        <p:txBody>
+          <a:bodyPr rtlCol="0" anchor="ctr"/>
+          <a:lstStyle/>
+          <a:p>
+            <a:pPr algn="ctr"/>
+            <a:r>
+              <a:rPr kumimoji="1" lang="ja-JP" altLang="en-US" sz="1400" dirty="0">
+                <a:latin typeface="HGPｺﾞｼｯｸE" panose="020B0900000000000000" pitchFamily="50" charset="-128"/>
+                <a:ea typeface="HGPｺﾞｼｯｸE" panose="020B0900000000000000" pitchFamily="50" charset="-128"/>
+              </a:rPr>
+              <a:t>詳細設計</a:t>
+            </a:r>
+          </a:p>
+        </p:txBody>
+      </p:sp>
+      <p:sp>
+        <p:nvSpPr>
+          <p:cNvPr id="5" name="矢印: 五方向 4">
+            <a:extLst>
+              <a:ext uri="{FF2B5EF4-FFF2-40B4-BE49-F238E27FC236}">
+                <a16:creationId xmlns:a16="http://schemas.microsoft.com/office/drawing/2014/main" id="{C02A1793-1E33-17CF-5BE2-33ADDF6B7244}"/>
+              </a:ext>
+            </a:extLst>
+          </p:cNvPr>
+          <p:cNvSpPr/>
+          <p:nvPr/>
+        </p:nvSpPr>
+        <p:spPr>
+          <a:xfrm>
+            <a:off x="7225416" y="79303"/>
+            <a:ext cx="1368263" cy="504000"/>
+          </a:xfrm>
+          <a:prstGeom prst="homePlate">
+            <a:avLst/>
+          </a:prstGeom>
+          <a:solidFill>
+            <a:srgbClr val="002060"/>
+          </a:solidFill>
+          <a:ln w="38100" cap="flat" cmpd="sng">
+            <a:solidFill>
+              <a:schemeClr val="bg2"/>
+            </a:solidFill>
+            <a:miter lim="800000"/>
+          </a:ln>
+          <a:effectLst>
+            <a:outerShdw blurRad="50800" dist="38100" dir="2700000" algn="tl" rotWithShape="0">
+              <a:prstClr val="black">
+                <a:alpha val="40000"/>
+              </a:prstClr>
+            </a:outerShdw>
+          </a:effectLst>
+        </p:spPr>
+        <p:style>
+          <a:lnRef idx="2">
+            <a:schemeClr val="accent1">
+              <a:shade val="50000"/>
+            </a:schemeClr>
+          </a:lnRef>
+          <a:fillRef idx="1">
+            <a:schemeClr val="accent1"/>
+          </a:fillRef>
+          <a:effectRef idx="0">
+            <a:schemeClr val="accent1"/>
+          </a:effectRef>
+          <a:fontRef idx="minor">
+            <a:schemeClr val="lt1"/>
+          </a:fontRef>
+        </p:style>
+        <p:txBody>
+          <a:bodyPr rtlCol="0" anchor="ctr"/>
+          <a:lstStyle/>
+          <a:p>
+            <a:pPr algn="ctr"/>
+            <a:r>
+              <a:rPr lang="ja-JP" altLang="en-US" sz="1400" dirty="0">
+                <a:latin typeface="HGPｺﾞｼｯｸE" panose="020B0900000000000000" pitchFamily="50" charset="-128"/>
+                <a:ea typeface="HGPｺﾞｼｯｸE" panose="020B0900000000000000" pitchFamily="50" charset="-128"/>
+              </a:rPr>
+              <a:t>コーディング</a:t>
+            </a:r>
+            <a:endParaRPr lang="en-US" altLang="ja-JP" sz="1400" dirty="0">
+              <a:latin typeface="HGPｺﾞｼｯｸE" panose="020B0900000000000000" pitchFamily="50" charset="-128"/>
+              <a:ea typeface="HGPｺﾞｼｯｸE" panose="020B0900000000000000" pitchFamily="50" charset="-128"/>
+            </a:endParaRPr>
+          </a:p>
+        </p:txBody>
+      </p:sp>
+      <p:sp>
+        <p:nvSpPr>
+          <p:cNvPr id="6" name="矢印: 五方向 5">
+            <a:extLst>
+              <a:ext uri="{FF2B5EF4-FFF2-40B4-BE49-F238E27FC236}">
+                <a16:creationId xmlns:a16="http://schemas.microsoft.com/office/drawing/2014/main" id="{18D771F0-1AA3-A0FC-8098-CD3B04F5B416}"/>
+              </a:ext>
+            </a:extLst>
+          </p:cNvPr>
+          <p:cNvSpPr/>
+          <p:nvPr/>
+        </p:nvSpPr>
+        <p:spPr>
+          <a:xfrm>
+            <a:off x="8655876" y="79303"/>
+            <a:ext cx="1368263" cy="504000"/>
+          </a:xfrm>
+          <a:prstGeom prst="homePlate">
+            <a:avLst/>
+          </a:prstGeom>
+          <a:solidFill>
+            <a:srgbClr val="002060"/>
+          </a:solidFill>
+          <a:ln w="38100" cap="flat" cmpd="sng">
+            <a:solidFill>
+              <a:schemeClr val="bg2"/>
+            </a:solidFill>
+            <a:miter lim="800000"/>
+          </a:ln>
+          <a:effectLst>
+            <a:outerShdw blurRad="50800" dist="38100" dir="2700000" algn="tl" rotWithShape="0">
+              <a:prstClr val="black">
+                <a:alpha val="40000"/>
+              </a:prstClr>
+            </a:outerShdw>
+          </a:effectLst>
+        </p:spPr>
+        <p:style>
+          <a:lnRef idx="2">
+            <a:schemeClr val="accent1">
+              <a:shade val="50000"/>
+            </a:schemeClr>
+          </a:lnRef>
+          <a:fillRef idx="1">
+            <a:schemeClr val="accent1"/>
+          </a:fillRef>
+          <a:effectRef idx="0">
+            <a:schemeClr val="accent1"/>
+          </a:effectRef>
+          <a:fontRef idx="minor">
+            <a:schemeClr val="lt1"/>
+          </a:fontRef>
+        </p:style>
+        <p:txBody>
+          <a:bodyPr rtlCol="0" anchor="ctr"/>
+          <a:lstStyle/>
+          <a:p>
+            <a:pPr algn="ctr"/>
+            <a:r>
+              <a:rPr kumimoji="1" lang="ja-JP" altLang="en-US" sz="1400" dirty="0">
+                <a:latin typeface="HGPｺﾞｼｯｸE" panose="020B0900000000000000" pitchFamily="50" charset="-128"/>
+                <a:ea typeface="HGPｺﾞｼｯｸE" panose="020B0900000000000000" pitchFamily="50" charset="-128"/>
+              </a:rPr>
+              <a:t>動作検証</a:t>
+            </a:r>
+          </a:p>
+        </p:txBody>
+      </p:sp>
+      <p:sp>
+        <p:nvSpPr>
+          <p:cNvPr id="7" name="矢印: 五方向 6">
+            <a:extLst>
+              <a:ext uri="{FF2B5EF4-FFF2-40B4-BE49-F238E27FC236}">
+                <a16:creationId xmlns:a16="http://schemas.microsoft.com/office/drawing/2014/main" id="{8CF697AE-6DDD-5A6E-37E2-F82DB71AD85C}"/>
+              </a:ext>
+            </a:extLst>
+          </p:cNvPr>
+          <p:cNvSpPr/>
+          <p:nvPr/>
+        </p:nvSpPr>
+        <p:spPr>
+          <a:xfrm>
+            <a:off x="2934036" y="79303"/>
+            <a:ext cx="1368263" cy="504000"/>
+          </a:xfrm>
+          <a:prstGeom prst="homePlate">
+            <a:avLst/>
+          </a:prstGeom>
+          <a:solidFill>
+            <a:srgbClr val="C00000"/>
+          </a:solidFill>
+          <a:ln w="38100" cap="flat" cmpd="sng">
+            <a:solidFill>
+              <a:schemeClr val="bg2"/>
+            </a:solidFill>
+            <a:miter lim="800000"/>
+          </a:ln>
+          <a:effectLst>
+            <a:outerShdw blurRad="50800" dist="38100" dir="2700000" algn="tl" rotWithShape="0">
+              <a:prstClr val="black">
+                <a:alpha val="40000"/>
+              </a:prstClr>
+            </a:outerShdw>
+          </a:effectLst>
+        </p:spPr>
+        <p:style>
+          <a:lnRef idx="2">
+            <a:schemeClr val="accent1">
+              <a:shade val="50000"/>
+            </a:schemeClr>
+          </a:lnRef>
+          <a:fillRef idx="1">
+            <a:schemeClr val="accent1"/>
+          </a:fillRef>
+          <a:effectRef idx="0">
+            <a:schemeClr val="accent1"/>
+          </a:effectRef>
+          <a:fontRef idx="minor">
+            <a:schemeClr val="lt1"/>
+          </a:fontRef>
+        </p:style>
+        <p:txBody>
+          <a:bodyPr rtlCol="0" anchor="ctr"/>
+          <a:lstStyle/>
+          <a:p>
+            <a:pPr algn="ctr"/>
+            <a:r>
+              <a:rPr kumimoji="1" lang="ja-JP" altLang="en-US" sz="1400" dirty="0">
+                <a:latin typeface="HGPｺﾞｼｯｸE" panose="020B0900000000000000" pitchFamily="50" charset="-128"/>
+                <a:ea typeface="HGPｺﾞｼｯｸE" panose="020B0900000000000000" pitchFamily="50" charset="-128"/>
+              </a:rPr>
+              <a:t>システム</a:t>
+            </a:r>
+            <a:endParaRPr kumimoji="1" lang="en-US" altLang="ja-JP" sz="1400" dirty="0">
+              <a:latin typeface="HGPｺﾞｼｯｸE" panose="020B0900000000000000" pitchFamily="50" charset="-128"/>
+              <a:ea typeface="HGPｺﾞｼｯｸE" panose="020B0900000000000000" pitchFamily="50" charset="-128"/>
+            </a:endParaRPr>
+          </a:p>
+          <a:p>
+            <a:pPr algn="ctr"/>
+            <a:r>
+              <a:rPr kumimoji="1" lang="ja-JP" altLang="en-US" sz="1400" dirty="0">
+                <a:latin typeface="HGPｺﾞｼｯｸE" panose="020B0900000000000000" pitchFamily="50" charset="-128"/>
+                <a:ea typeface="HGPｺﾞｼｯｸE" panose="020B0900000000000000" pitchFamily="50" charset="-128"/>
+              </a:rPr>
+              <a:t>構造設計</a:t>
+            </a:r>
+          </a:p>
+        </p:txBody>
+      </p:sp>
+      <p:sp>
+        <p:nvSpPr>
+          <p:cNvPr id="16" name="日付プレースホルダー 15">
+            <a:extLst>
+              <a:ext uri="{FF2B5EF4-FFF2-40B4-BE49-F238E27FC236}">
+                <a16:creationId xmlns:a16="http://schemas.microsoft.com/office/drawing/2014/main" id="{9583F4B2-22AF-433F-0231-13589F025E1B}"/>
+              </a:ext>
+            </a:extLst>
+          </p:cNvPr>
+          <p:cNvSpPr>
+            <a:spLocks noGrp="1"/>
+          </p:cNvSpPr>
+          <p:nvPr>
+            <p:ph type="dt" sz="half" idx="4294967295"/>
+          </p:nvPr>
+        </p:nvSpPr>
+        <p:spPr>
+          <a:xfrm>
+            <a:off x="137940" y="6342379"/>
+            <a:ext cx="1368263" cy="365125"/>
+          </a:xfrm>
+        </p:spPr>
+        <p:txBody>
+          <a:bodyPr/>
+          <a:lstStyle/>
+          <a:p>
+            <a:fld id="{60FD98CF-18C6-4C92-8A16-AF221CEED19D}" type="datetime1">
+              <a:rPr kumimoji="1" lang="ja-JP" altLang="en-US" sz="1400" smtClean="0">
+                <a:solidFill>
+                  <a:schemeClr val="bg1"/>
+                </a:solidFill>
+                <a:latin typeface="HGPｺﾞｼｯｸE" panose="020B0900000000000000" pitchFamily="50" charset="-128"/>
+                <a:ea typeface="HGPｺﾞｼｯｸE" panose="020B0900000000000000" pitchFamily="50" charset="-128"/>
+              </a:rPr>
+              <a:t>2023/11/25</a:t>
+            </a:fld>
+            <a:endParaRPr kumimoji="1" lang="ja-JP" altLang="en-US" dirty="0">
+              <a:solidFill>
+                <a:schemeClr val="bg1"/>
+              </a:solidFill>
+              <a:latin typeface="HGPｺﾞｼｯｸE" panose="020B0900000000000000" pitchFamily="50" charset="-128"/>
+              <a:ea typeface="HGPｺﾞｼｯｸE" panose="020B0900000000000000" pitchFamily="50" charset="-128"/>
+            </a:endParaRPr>
+          </a:p>
+        </p:txBody>
+      </p:sp>
+      <p:sp>
+        <p:nvSpPr>
+          <p:cNvPr id="18" name="スライド番号プレースホルダー 17">
+            <a:extLst>
+              <a:ext uri="{FF2B5EF4-FFF2-40B4-BE49-F238E27FC236}">
+                <a16:creationId xmlns:a16="http://schemas.microsoft.com/office/drawing/2014/main" id="{0997EFDE-3DB3-96DB-1116-51929E03588F}"/>
+              </a:ext>
+            </a:extLst>
+          </p:cNvPr>
+          <p:cNvSpPr>
+            <a:spLocks noGrp="1"/>
+          </p:cNvSpPr>
+          <p:nvPr>
+            <p:ph type="sldNum" sz="quarter" idx="4294967295"/>
+          </p:nvPr>
+        </p:nvSpPr>
+        <p:spPr>
+          <a:xfrm>
+            <a:off x="11324557" y="6342378"/>
+            <a:ext cx="731520" cy="365125"/>
+          </a:xfrm>
+        </p:spPr>
+        <p:txBody>
+          <a:bodyPr/>
+          <a:lstStyle/>
+          <a:p>
+            <a:fld id="{CF8B7A00-5918-4660-AF02-51F63786AAF2}" type="slidenum">
+              <a:rPr kumimoji="1" lang="ja-JP" altLang="en-US" smtClean="0">
+                <a:solidFill>
+                  <a:schemeClr val="bg1"/>
+                </a:solidFill>
+                <a:latin typeface="HGPｺﾞｼｯｸE" panose="020B0900000000000000" pitchFamily="50" charset="-128"/>
+                <a:ea typeface="HGPｺﾞｼｯｸE" panose="020B0900000000000000" pitchFamily="50" charset="-128"/>
+              </a:rPr>
+              <a:t>5</a:t>
+            </a:fld>
+            <a:endParaRPr kumimoji="1" lang="ja-JP" altLang="en-US" dirty="0">
+              <a:solidFill>
+                <a:schemeClr val="bg1"/>
+              </a:solidFill>
+              <a:latin typeface="HGPｺﾞｼｯｸE" panose="020B0900000000000000" pitchFamily="50" charset="-128"/>
+              <a:ea typeface="HGPｺﾞｼｯｸE" panose="020B0900000000000000" pitchFamily="50" charset="-128"/>
+            </a:endParaRPr>
+          </a:p>
+        </p:txBody>
+      </p:sp>
+      <p:sp>
+        <p:nvSpPr>
+          <p:cNvPr id="19" name="スライド番号プレースホルダー 17">
+            <a:extLst>
+              <a:ext uri="{FF2B5EF4-FFF2-40B4-BE49-F238E27FC236}">
+                <a16:creationId xmlns:a16="http://schemas.microsoft.com/office/drawing/2014/main" id="{BD6D5BF1-CE81-6324-130C-8C569A2DECEC}"/>
+              </a:ext>
+            </a:extLst>
+          </p:cNvPr>
+          <p:cNvSpPr txBox="1">
+            <a:spLocks/>
+          </p:cNvSpPr>
+          <p:nvPr/>
+        </p:nvSpPr>
+        <p:spPr>
+          <a:xfrm>
+            <a:off x="1568400" y="6342378"/>
+            <a:ext cx="9693960" cy="365125"/>
+          </a:xfrm>
+          <a:prstGeom prst="rect">
+            <a:avLst/>
+          </a:prstGeom>
+        </p:spPr>
+        <p:txBody>
+          <a:bodyPr vert="horz" lIns="91440" tIns="45720" rIns="91440" bIns="45720" rtlCol="0" anchor="ctr"/>
+          <a:lstStyle>
+            <a:defPPr>
+              <a:defRPr lang="ja-JP"/>
+            </a:defPPr>
+            <a:lvl1pPr marL="0" algn="r" defTabSz="914400" rtl="0" eaLnBrk="1" latinLnBrk="0" hangingPunct="1">
+              <a:defRPr kumimoji="1" sz="1200" kern="1200">
+                <a:solidFill>
+                  <a:schemeClr val="tx1">
+                    <a:tint val="75000"/>
+                  </a:schemeClr>
+                </a:solidFill>
+                <a:latin typeface="+mn-lt"/>
+                <a:ea typeface="+mn-ea"/>
+                <a:cs typeface="+mn-cs"/>
+              </a:defRPr>
+            </a:lvl1pPr>
+            <a:lvl2pPr marL="457200" algn="l" defTabSz="914400" rtl="0" eaLnBrk="1" latinLnBrk="0" hangingPunct="1">
+              <a:defRPr kumimoji="1" sz="1800" kern="1200">
+                <a:solidFill>
+                  <a:schemeClr val="tx1"/>
+                </a:solidFill>
+                <a:latin typeface="+mn-lt"/>
+                <a:ea typeface="+mn-ea"/>
+                <a:cs typeface="+mn-cs"/>
+              </a:defRPr>
+            </a:lvl2pPr>
+            <a:lvl3pPr marL="914400" algn="l" defTabSz="914400" rtl="0" eaLnBrk="1" latinLnBrk="0" hangingPunct="1">
+              <a:defRPr kumimoji="1" sz="1800" kern="1200">
+                <a:solidFill>
+                  <a:schemeClr val="tx1"/>
+                </a:solidFill>
+                <a:latin typeface="+mn-lt"/>
+                <a:ea typeface="+mn-ea"/>
+                <a:cs typeface="+mn-cs"/>
+              </a:defRPr>
+            </a:lvl3pPr>
+            <a:lvl4pPr marL="1371600" algn="l" defTabSz="914400" rtl="0" eaLnBrk="1" latinLnBrk="0" hangingPunct="1">
+              <a:defRPr kumimoji="1" sz="1800" kern="1200">
+                <a:solidFill>
+                  <a:schemeClr val="tx1"/>
+                </a:solidFill>
+                <a:latin typeface="+mn-lt"/>
+                <a:ea typeface="+mn-ea"/>
+                <a:cs typeface="+mn-cs"/>
+              </a:defRPr>
+            </a:lvl4pPr>
+            <a:lvl5pPr marL="1828800" algn="l" defTabSz="914400" rtl="0" eaLnBrk="1" latinLnBrk="0" hangingPunct="1">
+              <a:defRPr kumimoji="1" sz="1800" kern="1200">
+                <a:solidFill>
+                  <a:schemeClr val="tx1"/>
+                </a:solidFill>
+                <a:latin typeface="+mn-lt"/>
+                <a:ea typeface="+mn-ea"/>
+                <a:cs typeface="+mn-cs"/>
+              </a:defRPr>
+            </a:lvl5pPr>
+            <a:lvl6pPr marL="2286000" algn="l" defTabSz="914400" rtl="0" eaLnBrk="1" latinLnBrk="0" hangingPunct="1">
+              <a:defRPr kumimoji="1" sz="1800" kern="1200">
+                <a:solidFill>
+                  <a:schemeClr val="tx1"/>
+                </a:solidFill>
+                <a:latin typeface="+mn-lt"/>
+                <a:ea typeface="+mn-ea"/>
+                <a:cs typeface="+mn-cs"/>
+              </a:defRPr>
+            </a:lvl6pPr>
+            <a:lvl7pPr marL="2743200" algn="l" defTabSz="914400" rtl="0" eaLnBrk="1" latinLnBrk="0" hangingPunct="1">
+              <a:defRPr kumimoji="1" sz="1800" kern="1200">
+                <a:solidFill>
+                  <a:schemeClr val="tx1"/>
+                </a:solidFill>
+                <a:latin typeface="+mn-lt"/>
+                <a:ea typeface="+mn-ea"/>
+                <a:cs typeface="+mn-cs"/>
+              </a:defRPr>
+            </a:lvl7pPr>
+            <a:lvl8pPr marL="3200400" algn="l" defTabSz="914400" rtl="0" eaLnBrk="1" latinLnBrk="0" hangingPunct="1">
+              <a:defRPr kumimoji="1" sz="1800" kern="1200">
+                <a:solidFill>
+                  <a:schemeClr val="tx1"/>
+                </a:solidFill>
+                <a:latin typeface="+mn-lt"/>
+                <a:ea typeface="+mn-ea"/>
+                <a:cs typeface="+mn-cs"/>
+              </a:defRPr>
+            </a:lvl8pPr>
+            <a:lvl9pPr marL="3657600" algn="l" defTabSz="914400" rtl="0" eaLnBrk="1" latinLnBrk="0" hangingPunct="1">
+              <a:defRPr kumimoji="1" sz="1800" kern="1200">
+                <a:solidFill>
+                  <a:schemeClr val="tx1"/>
+                </a:solidFill>
+                <a:latin typeface="+mn-lt"/>
+                <a:ea typeface="+mn-ea"/>
+                <a:cs typeface="+mn-cs"/>
+              </a:defRPr>
+            </a:lvl9pPr>
+          </a:lstStyle>
+          <a:p>
+            <a:pPr algn="l"/>
+            <a:r>
+              <a:rPr lang="en-US" altLang="ja-JP" sz="1400" dirty="0">
+                <a:solidFill>
+                  <a:schemeClr val="bg1"/>
+                </a:solidFill>
+                <a:latin typeface="HGPｺﾞｼｯｸE" panose="020B0900000000000000" pitchFamily="50" charset="-128"/>
+                <a:ea typeface="HGPｺﾞｼｯｸE" panose="020B0900000000000000" pitchFamily="50" charset="-128"/>
+              </a:rPr>
+              <a:t>Tool</a:t>
+            </a:r>
+            <a:r>
+              <a:rPr lang="ja-JP" altLang="en-US" sz="1400" dirty="0">
+                <a:solidFill>
+                  <a:schemeClr val="bg1"/>
+                </a:solidFill>
+                <a:latin typeface="HGPｺﾞｼｯｸE" panose="020B0900000000000000" pitchFamily="50" charset="-128"/>
+                <a:ea typeface="HGPｺﾞｼｯｸE" panose="020B0900000000000000" pitchFamily="50" charset="-128"/>
+              </a:rPr>
+              <a:t>：</a:t>
+            </a:r>
+            <a:r>
+              <a:rPr lang="en-US" altLang="ja-JP" sz="1400" dirty="0">
+                <a:solidFill>
+                  <a:schemeClr val="bg1"/>
+                </a:solidFill>
+                <a:latin typeface="HGPｺﾞｼｯｸE" panose="020B0900000000000000" pitchFamily="50" charset="-128"/>
+                <a:ea typeface="HGPｺﾞｼｯｸE" panose="020B0900000000000000" pitchFamily="50" charset="-128"/>
+              </a:rPr>
+              <a:t>ExpAnalyzer</a:t>
+            </a:r>
+            <a:r>
+              <a:rPr lang="ja-JP" altLang="en-US" sz="1400" dirty="0">
+                <a:solidFill>
+                  <a:schemeClr val="bg1"/>
+                </a:solidFill>
+                <a:latin typeface="HGPｺﾞｼｯｸE" panose="020B0900000000000000" pitchFamily="50" charset="-128"/>
+                <a:ea typeface="HGPｺﾞｼｯｸE" panose="020B0900000000000000" pitchFamily="50" charset="-128"/>
+              </a:rPr>
+              <a:t>　　</a:t>
+            </a:r>
+            <a:r>
+              <a:rPr lang="en-US" altLang="ja-JP" sz="1400" dirty="0">
+                <a:solidFill>
+                  <a:schemeClr val="bg1"/>
+                </a:solidFill>
+                <a:latin typeface="HGPｺﾞｼｯｸE" panose="020B0900000000000000" pitchFamily="50" charset="-128"/>
+                <a:ea typeface="HGPｺﾞｼｯｸE" panose="020B0900000000000000" pitchFamily="50" charset="-128"/>
+              </a:rPr>
+              <a:t>Creater</a:t>
+            </a:r>
+            <a:r>
+              <a:rPr lang="ja-JP" altLang="en-US" sz="1400" dirty="0">
+                <a:solidFill>
+                  <a:schemeClr val="bg1"/>
+                </a:solidFill>
+                <a:latin typeface="HGPｺﾞｼｯｸE" panose="020B0900000000000000" pitchFamily="50" charset="-128"/>
+                <a:ea typeface="HGPｺﾞｼｯｸE" panose="020B0900000000000000" pitchFamily="50" charset="-128"/>
+              </a:rPr>
+              <a:t>：</a:t>
+            </a:r>
+            <a:r>
+              <a:rPr lang="en-US" altLang="ja-JP" sz="1400" dirty="0">
+                <a:solidFill>
+                  <a:schemeClr val="bg1"/>
+                </a:solidFill>
+                <a:latin typeface="HGPｺﾞｼｯｸE" panose="020B0900000000000000" pitchFamily="50" charset="-128"/>
+                <a:ea typeface="HGPｺﾞｼｯｸE" panose="020B0900000000000000" pitchFamily="50" charset="-128"/>
+              </a:rPr>
+              <a:t>Takehiro Somekawa</a:t>
+            </a:r>
+            <a:endParaRPr lang="ja-JP" altLang="en-US" sz="1400" dirty="0">
+              <a:solidFill>
+                <a:schemeClr val="bg1"/>
+              </a:solidFill>
+              <a:latin typeface="HGPｺﾞｼｯｸE" panose="020B0900000000000000" pitchFamily="50" charset="-128"/>
+              <a:ea typeface="HGPｺﾞｼｯｸE" panose="020B0900000000000000" pitchFamily="50" charset="-128"/>
+            </a:endParaRPr>
+          </a:p>
+        </p:txBody>
+      </p:sp>
+      <p:sp>
+        <p:nvSpPr>
+          <p:cNvPr id="8" name="矢印: 五方向 7">
+            <a:extLst>
+              <a:ext uri="{FF2B5EF4-FFF2-40B4-BE49-F238E27FC236}">
+                <a16:creationId xmlns:a16="http://schemas.microsoft.com/office/drawing/2014/main" id="{8F554631-7D6F-03A7-303D-39C01365BDD7}"/>
+              </a:ext>
+            </a:extLst>
+          </p:cNvPr>
+          <p:cNvSpPr/>
+          <p:nvPr/>
+        </p:nvSpPr>
+        <p:spPr>
+          <a:xfrm>
+            <a:off x="73116" y="79303"/>
+            <a:ext cx="1368263" cy="504000"/>
+          </a:xfrm>
+          <a:prstGeom prst="homePlate">
+            <a:avLst/>
+          </a:prstGeom>
+          <a:solidFill>
+            <a:srgbClr val="002060"/>
+          </a:solidFill>
+          <a:ln w="38100" cap="flat" cmpd="sng">
+            <a:solidFill>
+              <a:schemeClr val="bg2"/>
+            </a:solidFill>
+            <a:miter lim="800000"/>
+          </a:ln>
+          <a:effectLst>
+            <a:outerShdw blurRad="50800" dist="38100" dir="2700000" algn="tl" rotWithShape="0">
+              <a:prstClr val="black">
+                <a:alpha val="40000"/>
+              </a:prstClr>
+            </a:outerShdw>
+          </a:effectLst>
+        </p:spPr>
+        <p:style>
+          <a:lnRef idx="2">
+            <a:schemeClr val="accent1">
+              <a:shade val="50000"/>
+            </a:schemeClr>
+          </a:lnRef>
+          <a:fillRef idx="1">
+            <a:schemeClr val="accent1"/>
+          </a:fillRef>
+          <a:effectRef idx="0">
+            <a:schemeClr val="accent1"/>
+          </a:effectRef>
+          <a:fontRef idx="minor">
+            <a:schemeClr val="lt1"/>
+          </a:fontRef>
+        </p:style>
+        <p:txBody>
+          <a:bodyPr rtlCol="0" anchor="ctr"/>
+          <a:lstStyle/>
+          <a:p>
+            <a:pPr algn="ctr"/>
+            <a:r>
+              <a:rPr kumimoji="1" lang="ja-JP" altLang="en-US" sz="1400" dirty="0">
+                <a:latin typeface="HGPｺﾞｼｯｸE" panose="020B0900000000000000" pitchFamily="50" charset="-128"/>
+                <a:ea typeface="HGPｺﾞｼｯｸE" panose="020B0900000000000000" pitchFamily="50" charset="-128"/>
+              </a:rPr>
+              <a:t>調査</a:t>
+            </a:r>
+          </a:p>
+        </p:txBody>
+      </p:sp>
+      <p:sp>
+        <p:nvSpPr>
+          <p:cNvPr id="10" name="テキスト ボックス 9">
+            <a:extLst>
+              <a:ext uri="{FF2B5EF4-FFF2-40B4-BE49-F238E27FC236}">
+                <a16:creationId xmlns:a16="http://schemas.microsoft.com/office/drawing/2014/main" id="{7D9F0AA6-7DE1-2A6E-85D5-B64EC04CC725}"/>
+              </a:ext>
+            </a:extLst>
+          </p:cNvPr>
+          <p:cNvSpPr txBox="1"/>
+          <p:nvPr/>
+        </p:nvSpPr>
+        <p:spPr>
+          <a:xfrm>
+            <a:off x="108857" y="736984"/>
+            <a:ext cx="1090599" cy="276999"/>
+          </a:xfrm>
+          <a:prstGeom prst="rect">
+            <a:avLst/>
+          </a:prstGeom>
+          <a:noFill/>
+        </p:spPr>
+        <p:txBody>
+          <a:bodyPr wrap="square" rtlCol="0">
+            <a:spAutoFit/>
+          </a:bodyPr>
+          <a:lstStyle/>
+          <a:p>
+            <a:r>
+              <a:rPr kumimoji="1" lang="ja-JP" altLang="en-US" sz="1200" b="1" dirty="0"/>
+              <a:t>■</a:t>
+            </a:r>
+            <a:r>
+              <a:rPr kumimoji="1" lang="en-US" altLang="ja-JP" sz="1200" b="1" dirty="0"/>
+              <a:t>GUI</a:t>
+            </a:r>
+            <a:r>
+              <a:rPr lang="ja-JP" altLang="en-US" sz="1200" b="1" dirty="0"/>
+              <a:t>構成</a:t>
+            </a:r>
+            <a:endParaRPr kumimoji="1" lang="en-US" altLang="ja-JP" sz="1200" b="1" dirty="0"/>
+          </a:p>
+        </p:txBody>
+      </p:sp>
+      <p:sp>
+        <p:nvSpPr>
+          <p:cNvPr id="13" name="正方形/長方形 12">
+            <a:extLst>
+              <a:ext uri="{FF2B5EF4-FFF2-40B4-BE49-F238E27FC236}">
+                <a16:creationId xmlns:a16="http://schemas.microsoft.com/office/drawing/2014/main" id="{3BAF3650-D84F-1B92-6528-44806E2203B4}"/>
+              </a:ext>
+            </a:extLst>
+          </p:cNvPr>
+          <p:cNvSpPr/>
+          <p:nvPr/>
+        </p:nvSpPr>
+        <p:spPr>
+          <a:xfrm>
+            <a:off x="3137764" y="1345492"/>
+            <a:ext cx="6264696" cy="4565592"/>
+          </a:xfrm>
+          <a:prstGeom prst="rect">
+            <a:avLst/>
+          </a:prstGeom>
+        </p:spPr>
+        <p:style>
+          <a:lnRef idx="2">
+            <a:schemeClr val="dk1"/>
+          </a:lnRef>
+          <a:fillRef idx="1">
+            <a:schemeClr val="lt1"/>
+          </a:fillRef>
+          <a:effectRef idx="0">
+            <a:schemeClr val="dk1"/>
+          </a:effectRef>
+          <a:fontRef idx="minor">
+            <a:schemeClr val="dk1"/>
+          </a:fontRef>
+        </p:style>
+        <p:txBody>
+          <a:bodyPr rtlCol="0" anchor="ctr"/>
+          <a:lstStyle/>
+          <a:p>
+            <a:pPr algn="ctr"/>
+            <a:endParaRPr kumimoji="1" lang="ja-JP" altLang="en-US" dirty="0"/>
+          </a:p>
+        </p:txBody>
+      </p:sp>
+      <p:sp>
+        <p:nvSpPr>
+          <p:cNvPr id="14" name="正方形/長方形 13">
+            <a:extLst>
+              <a:ext uri="{FF2B5EF4-FFF2-40B4-BE49-F238E27FC236}">
+                <a16:creationId xmlns:a16="http://schemas.microsoft.com/office/drawing/2014/main" id="{12FA37FF-3FB0-643A-A120-8AEA1994DB7D}"/>
+              </a:ext>
+            </a:extLst>
+          </p:cNvPr>
+          <p:cNvSpPr/>
+          <p:nvPr/>
+        </p:nvSpPr>
+        <p:spPr>
+          <a:xfrm>
+            <a:off x="3137764" y="1345492"/>
+            <a:ext cx="6264696" cy="173104"/>
+          </a:xfrm>
+          <a:prstGeom prst="rect">
+            <a:avLst/>
+          </a:prstGeom>
+        </p:spPr>
+        <p:style>
+          <a:lnRef idx="2">
+            <a:schemeClr val="dk1"/>
+          </a:lnRef>
+          <a:fillRef idx="1">
+            <a:schemeClr val="lt1"/>
+          </a:fillRef>
+          <a:effectRef idx="0">
+            <a:schemeClr val="dk1"/>
+          </a:effectRef>
+          <a:fontRef idx="minor">
+            <a:schemeClr val="dk1"/>
+          </a:fontRef>
+        </p:style>
+        <p:txBody>
+          <a:bodyPr rtlCol="0" anchor="ctr"/>
+          <a:lstStyle/>
+          <a:p>
+            <a:pPr algn="ctr"/>
+            <a:endParaRPr kumimoji="1" lang="ja-JP" altLang="en-US"/>
+          </a:p>
+        </p:txBody>
+      </p:sp>
+      <p:sp>
+        <p:nvSpPr>
+          <p:cNvPr id="21" name="正方形/長方形 20">
+            <a:extLst>
+              <a:ext uri="{FF2B5EF4-FFF2-40B4-BE49-F238E27FC236}">
+                <a16:creationId xmlns:a16="http://schemas.microsoft.com/office/drawing/2014/main" id="{5EC40FC5-EB59-73B8-6CE1-90F3684C499D}"/>
+              </a:ext>
+            </a:extLst>
+          </p:cNvPr>
+          <p:cNvSpPr/>
+          <p:nvPr/>
+        </p:nvSpPr>
+        <p:spPr>
+          <a:xfrm>
+            <a:off x="3137764" y="1518596"/>
+            <a:ext cx="1008112" cy="4392488"/>
+          </a:xfrm>
+          <a:prstGeom prst="rect">
+            <a:avLst/>
+          </a:prstGeom>
+        </p:spPr>
+        <p:style>
+          <a:lnRef idx="2">
+            <a:schemeClr val="dk1"/>
+          </a:lnRef>
+          <a:fillRef idx="1">
+            <a:schemeClr val="lt1"/>
+          </a:fillRef>
+          <a:effectRef idx="0">
+            <a:schemeClr val="dk1"/>
+          </a:effectRef>
+          <a:fontRef idx="minor">
+            <a:schemeClr val="dk1"/>
+          </a:fontRef>
+        </p:style>
+        <p:txBody>
+          <a:bodyPr rtlCol="0" anchor="ctr"/>
+          <a:lstStyle/>
+          <a:p>
+            <a:pPr algn="ctr"/>
+            <a:endParaRPr kumimoji="1" lang="ja-JP" altLang="en-US"/>
+          </a:p>
+        </p:txBody>
+      </p:sp>
+      <p:sp>
+        <p:nvSpPr>
+          <p:cNvPr id="25" name="正方形/長方形 24">
+            <a:extLst>
+              <a:ext uri="{FF2B5EF4-FFF2-40B4-BE49-F238E27FC236}">
+                <a16:creationId xmlns:a16="http://schemas.microsoft.com/office/drawing/2014/main" id="{821421CB-F4F6-4651-06DF-FF52C33288D7}"/>
+              </a:ext>
+            </a:extLst>
+          </p:cNvPr>
+          <p:cNvSpPr/>
+          <p:nvPr/>
+        </p:nvSpPr>
+        <p:spPr>
+          <a:xfrm>
+            <a:off x="3137764" y="1518596"/>
+            <a:ext cx="1008112" cy="300742"/>
+          </a:xfrm>
+          <a:prstGeom prst="rect">
+            <a:avLst/>
+          </a:prstGeom>
+        </p:spPr>
+        <p:style>
+          <a:lnRef idx="2">
+            <a:schemeClr val="dk1"/>
+          </a:lnRef>
+          <a:fillRef idx="1">
+            <a:schemeClr val="lt1"/>
+          </a:fillRef>
+          <a:effectRef idx="0">
+            <a:schemeClr val="dk1"/>
+          </a:effectRef>
+          <a:fontRef idx="minor">
+            <a:schemeClr val="dk1"/>
+          </a:fontRef>
+        </p:style>
+        <p:txBody>
+          <a:bodyPr rtlCol="0" anchor="ctr"/>
+          <a:lstStyle/>
+          <a:p>
+            <a:pPr algn="ctr"/>
+            <a:r>
+              <a:rPr kumimoji="1" lang="ja-JP" altLang="en-US" sz="900" dirty="0"/>
+              <a:t>データ入力</a:t>
+            </a:r>
+          </a:p>
+        </p:txBody>
+      </p:sp>
+      <p:sp>
+        <p:nvSpPr>
+          <p:cNvPr id="26" name="正方形/長方形 25">
+            <a:extLst>
+              <a:ext uri="{FF2B5EF4-FFF2-40B4-BE49-F238E27FC236}">
+                <a16:creationId xmlns:a16="http://schemas.microsoft.com/office/drawing/2014/main" id="{E1FDBF7A-B474-8403-E458-E19E6663970B}"/>
+              </a:ext>
+            </a:extLst>
+          </p:cNvPr>
+          <p:cNvSpPr/>
+          <p:nvPr/>
+        </p:nvSpPr>
+        <p:spPr>
+          <a:xfrm>
+            <a:off x="3137259" y="1819338"/>
+            <a:ext cx="1008112" cy="300742"/>
+          </a:xfrm>
+          <a:prstGeom prst="rect">
+            <a:avLst/>
+          </a:prstGeom>
+        </p:spPr>
+        <p:style>
+          <a:lnRef idx="2">
+            <a:schemeClr val="dk1"/>
+          </a:lnRef>
+          <a:fillRef idx="1">
+            <a:schemeClr val="lt1"/>
+          </a:fillRef>
+          <a:effectRef idx="0">
+            <a:schemeClr val="dk1"/>
+          </a:effectRef>
+          <a:fontRef idx="minor">
+            <a:schemeClr val="dk1"/>
+          </a:fontRef>
+        </p:style>
+        <p:txBody>
+          <a:bodyPr rtlCol="0" anchor="ctr"/>
+          <a:lstStyle/>
+          <a:p>
+            <a:pPr algn="ctr"/>
+            <a:r>
+              <a:rPr kumimoji="1" lang="ja-JP" altLang="en-US" sz="900" dirty="0"/>
+              <a:t>データ分析</a:t>
+            </a:r>
+          </a:p>
+        </p:txBody>
+      </p:sp>
+      <p:sp>
+        <p:nvSpPr>
+          <p:cNvPr id="32" name="正方形/長方形 31">
+            <a:extLst>
+              <a:ext uri="{FF2B5EF4-FFF2-40B4-BE49-F238E27FC236}">
+                <a16:creationId xmlns:a16="http://schemas.microsoft.com/office/drawing/2014/main" id="{CDD35892-9AB2-04EF-DD17-4EBD1752FE12}"/>
+              </a:ext>
+            </a:extLst>
+          </p:cNvPr>
+          <p:cNvSpPr/>
+          <p:nvPr/>
+        </p:nvSpPr>
+        <p:spPr>
+          <a:xfrm>
+            <a:off x="3137970" y="2120080"/>
+            <a:ext cx="1008112" cy="300742"/>
+          </a:xfrm>
+          <a:prstGeom prst="rect">
+            <a:avLst/>
+          </a:prstGeom>
+        </p:spPr>
+        <p:style>
+          <a:lnRef idx="2">
+            <a:schemeClr val="dk1"/>
+          </a:lnRef>
+          <a:fillRef idx="1">
+            <a:schemeClr val="lt1"/>
+          </a:fillRef>
+          <a:effectRef idx="0">
+            <a:schemeClr val="dk1"/>
+          </a:effectRef>
+          <a:fontRef idx="minor">
+            <a:schemeClr val="dk1"/>
+          </a:fontRef>
+        </p:style>
+        <p:txBody>
+          <a:bodyPr rtlCol="0" anchor="ctr"/>
+          <a:lstStyle/>
+          <a:p>
+            <a:pPr algn="ctr"/>
+            <a:r>
+              <a:rPr kumimoji="1" lang="ja-JP" altLang="en-US" sz="900" dirty="0"/>
+              <a:t>レポート出力</a:t>
+            </a:r>
+          </a:p>
+        </p:txBody>
+      </p:sp>
+      <p:sp>
+        <p:nvSpPr>
+          <p:cNvPr id="33" name="正方形/長方形 32">
+            <a:extLst>
+              <a:ext uri="{FF2B5EF4-FFF2-40B4-BE49-F238E27FC236}">
+                <a16:creationId xmlns:a16="http://schemas.microsoft.com/office/drawing/2014/main" id="{3505907E-A951-B557-153B-6E2EF0B208F2}"/>
+              </a:ext>
+            </a:extLst>
+          </p:cNvPr>
+          <p:cNvSpPr/>
+          <p:nvPr/>
+        </p:nvSpPr>
+        <p:spPr>
+          <a:xfrm>
+            <a:off x="3137259" y="5610342"/>
+            <a:ext cx="1008112" cy="300742"/>
+          </a:xfrm>
+          <a:prstGeom prst="rect">
+            <a:avLst/>
+          </a:prstGeom>
+        </p:spPr>
+        <p:style>
+          <a:lnRef idx="2">
+            <a:schemeClr val="dk1"/>
+          </a:lnRef>
+          <a:fillRef idx="1">
+            <a:schemeClr val="lt1"/>
+          </a:fillRef>
+          <a:effectRef idx="0">
+            <a:schemeClr val="dk1"/>
+          </a:effectRef>
+          <a:fontRef idx="minor">
+            <a:schemeClr val="dk1"/>
+          </a:fontRef>
+        </p:style>
+        <p:txBody>
+          <a:bodyPr rtlCol="0" anchor="ctr"/>
+          <a:lstStyle/>
+          <a:p>
+            <a:pPr algn="ctr"/>
+            <a:r>
+              <a:rPr kumimoji="1" lang="ja-JP" altLang="en-US" sz="900" dirty="0"/>
+              <a:t>設定</a:t>
+            </a:r>
+          </a:p>
+        </p:txBody>
+      </p:sp>
+      <p:sp>
+        <p:nvSpPr>
+          <p:cNvPr id="35" name="正方形/長方形 34">
+            <a:extLst>
+              <a:ext uri="{FF2B5EF4-FFF2-40B4-BE49-F238E27FC236}">
+                <a16:creationId xmlns:a16="http://schemas.microsoft.com/office/drawing/2014/main" id="{5BC6A5C2-83B4-3B6F-944E-E2EA258A57C2}"/>
+              </a:ext>
+            </a:extLst>
+          </p:cNvPr>
+          <p:cNvSpPr/>
+          <p:nvPr/>
+        </p:nvSpPr>
+        <p:spPr>
+          <a:xfrm>
+            <a:off x="4148015" y="5737980"/>
+            <a:ext cx="5254445" cy="173104"/>
+          </a:xfrm>
+          <a:prstGeom prst="rect">
+            <a:avLst/>
+          </a:prstGeom>
+        </p:spPr>
+        <p:style>
+          <a:lnRef idx="2">
+            <a:schemeClr val="dk1"/>
+          </a:lnRef>
+          <a:fillRef idx="1">
+            <a:schemeClr val="lt1"/>
+          </a:fillRef>
+          <a:effectRef idx="0">
+            <a:schemeClr val="dk1"/>
+          </a:effectRef>
+          <a:fontRef idx="minor">
+            <a:schemeClr val="dk1"/>
+          </a:fontRef>
+        </p:style>
+        <p:txBody>
+          <a:bodyPr rtlCol="0" anchor="ctr"/>
+          <a:lstStyle/>
+          <a:p>
+            <a:pPr algn="ctr"/>
+            <a:endParaRPr kumimoji="1" lang="ja-JP" altLang="en-US"/>
+          </a:p>
+        </p:txBody>
+      </p:sp>
+      <p:sp>
+        <p:nvSpPr>
+          <p:cNvPr id="36" name="正方形/長方形 35">
+            <a:extLst>
+              <a:ext uri="{FF2B5EF4-FFF2-40B4-BE49-F238E27FC236}">
+                <a16:creationId xmlns:a16="http://schemas.microsoft.com/office/drawing/2014/main" id="{3D453C07-B4FA-0A83-1FDA-AC6BE6E44BAB}"/>
+              </a:ext>
+            </a:extLst>
+          </p:cNvPr>
+          <p:cNvSpPr/>
+          <p:nvPr/>
+        </p:nvSpPr>
+        <p:spPr>
+          <a:xfrm>
+            <a:off x="3137259" y="1516982"/>
+            <a:ext cx="1008112" cy="4392488"/>
+          </a:xfrm>
+          <a:prstGeom prst="rect">
+            <a:avLst/>
+          </a:prstGeom>
+          <a:noFill/>
+          <a:ln>
+            <a:solidFill>
+              <a:srgbClr val="FF0000"/>
+            </a:solidFill>
+          </a:ln>
+        </p:spPr>
+        <p:style>
+          <a:lnRef idx="2">
+            <a:schemeClr val="accent1">
+              <a:shade val="15000"/>
+            </a:schemeClr>
+          </a:lnRef>
+          <a:fillRef idx="1">
+            <a:schemeClr val="accent1"/>
+          </a:fillRef>
+          <a:effectRef idx="0">
+            <a:schemeClr val="accent1"/>
+          </a:effectRef>
+          <a:fontRef idx="minor">
+            <a:schemeClr val="lt1"/>
+          </a:fontRef>
+        </p:style>
+        <p:txBody>
+          <a:bodyPr rtlCol="0" anchor="ctr"/>
+          <a:lstStyle/>
+          <a:p>
+            <a:pPr algn="ctr"/>
+            <a:endParaRPr kumimoji="1" lang="ja-JP" altLang="en-US"/>
+          </a:p>
+        </p:txBody>
+      </p:sp>
+      <p:sp>
+        <p:nvSpPr>
+          <p:cNvPr id="40" name="吹き出し: 四角形 39">
+            <a:extLst>
+              <a:ext uri="{FF2B5EF4-FFF2-40B4-BE49-F238E27FC236}">
+                <a16:creationId xmlns:a16="http://schemas.microsoft.com/office/drawing/2014/main" id="{3D76C8E7-9842-68C4-BEE9-5AA613B8E4A1}"/>
+              </a:ext>
+            </a:extLst>
+          </p:cNvPr>
+          <p:cNvSpPr/>
+          <p:nvPr/>
+        </p:nvSpPr>
+        <p:spPr>
+          <a:xfrm>
+            <a:off x="482012" y="1345492"/>
+            <a:ext cx="2285652" cy="1873822"/>
+          </a:xfrm>
+          <a:prstGeom prst="wedgeRectCallout">
+            <a:avLst>
+              <a:gd name="adj1" fmla="val 65922"/>
+              <a:gd name="adj2" fmla="val -20704"/>
+            </a:avLst>
+          </a:prstGeom>
+          <a:solidFill>
+            <a:schemeClr val="bg1"/>
+          </a:solidFill>
+          <a:ln>
+            <a:solidFill>
+              <a:srgbClr val="FF0000"/>
+            </a:solidFill>
+          </a:ln>
+        </p:spPr>
+        <p:style>
+          <a:lnRef idx="2">
+            <a:schemeClr val="accent1">
+              <a:shade val="15000"/>
+            </a:schemeClr>
+          </a:lnRef>
+          <a:fillRef idx="1">
+            <a:schemeClr val="accent1"/>
+          </a:fillRef>
+          <a:effectRef idx="0">
+            <a:schemeClr val="accent1"/>
+          </a:effectRef>
+          <a:fontRef idx="minor">
+            <a:schemeClr val="lt1"/>
+          </a:fontRef>
+        </p:style>
+        <p:txBody>
+          <a:bodyPr rtlCol="0" anchor="ctr"/>
+          <a:lstStyle/>
+          <a:p>
+            <a:endParaRPr lang="en-US" altLang="ja-JP" sz="1000" dirty="0">
+              <a:solidFill>
+                <a:schemeClr val="tx1"/>
+              </a:solidFill>
+            </a:endParaRPr>
+          </a:p>
+          <a:p>
+            <a:r>
+              <a:rPr lang="ja-JP" altLang="en-US" sz="1000" dirty="0">
+                <a:solidFill>
+                  <a:schemeClr val="tx1"/>
+                </a:solidFill>
+              </a:rPr>
+              <a:t>●サイドパネル</a:t>
+            </a:r>
+            <a:endParaRPr lang="en-US" altLang="ja-JP" sz="1000" dirty="0">
+              <a:solidFill>
+                <a:schemeClr val="tx1"/>
+              </a:solidFill>
+            </a:endParaRPr>
+          </a:p>
+          <a:p>
+            <a:r>
+              <a:rPr lang="en-US" altLang="ja-JP" sz="1000" dirty="0">
+                <a:solidFill>
+                  <a:srgbClr val="FF0000"/>
+                </a:solidFill>
+              </a:rPr>
+              <a:t>※</a:t>
+            </a:r>
+            <a:r>
+              <a:rPr lang="ja-JP" altLang="en-US" sz="1000" dirty="0">
+                <a:solidFill>
+                  <a:srgbClr val="FF0000"/>
+                </a:solidFill>
+              </a:rPr>
+              <a:t>パネルは使用せずボタンのみ配置</a:t>
+            </a:r>
+            <a:endParaRPr lang="en-US" altLang="ja-JP" sz="1000" dirty="0">
+              <a:solidFill>
+                <a:srgbClr val="FF0000"/>
+              </a:solidFill>
+            </a:endParaRPr>
+          </a:p>
+          <a:p>
+            <a:endParaRPr lang="en-US" altLang="ja-JP" sz="1000" dirty="0">
+              <a:solidFill>
+                <a:schemeClr val="tx1"/>
+              </a:solidFill>
+            </a:endParaRPr>
+          </a:p>
+          <a:p>
+            <a:r>
+              <a:rPr lang="ja-JP" altLang="en-US" sz="1000" dirty="0">
+                <a:solidFill>
+                  <a:schemeClr val="tx1"/>
+                </a:solidFill>
+              </a:rPr>
+              <a:t>・データ入力パネル表示ボタン　　   　　</a:t>
+            </a:r>
+            <a:endParaRPr lang="en-US" altLang="ja-JP" sz="1000" dirty="0">
+              <a:solidFill>
+                <a:schemeClr val="tx1"/>
+              </a:solidFill>
+            </a:endParaRPr>
+          </a:p>
+          <a:p>
+            <a:r>
+              <a:rPr lang="ja-JP" altLang="en-US" sz="1000" dirty="0">
+                <a:solidFill>
+                  <a:schemeClr val="tx1"/>
+                </a:solidFill>
+              </a:rPr>
+              <a:t>　→</a:t>
+            </a:r>
+            <a:r>
+              <a:rPr lang="en-US" altLang="ja-JP" sz="1000" dirty="0" err="1">
+                <a:solidFill>
+                  <a:schemeClr val="tx1"/>
+                </a:solidFill>
+              </a:rPr>
+              <a:t>ButtonDispInportDataPanel</a:t>
+            </a:r>
+            <a:endParaRPr lang="en-US" altLang="ja-JP" sz="1000" dirty="0">
+              <a:solidFill>
+                <a:schemeClr val="tx1"/>
+              </a:solidFill>
+            </a:endParaRPr>
+          </a:p>
+          <a:p>
+            <a:r>
+              <a:rPr lang="ja-JP" altLang="en-US" sz="1000" dirty="0">
+                <a:solidFill>
+                  <a:schemeClr val="tx1"/>
+                </a:solidFill>
+              </a:rPr>
+              <a:t>・データ分析パネル表示ボタン</a:t>
+            </a:r>
+            <a:endParaRPr lang="en-US" altLang="ja-JP" sz="1000" dirty="0">
+              <a:solidFill>
+                <a:schemeClr val="tx1"/>
+              </a:solidFill>
+            </a:endParaRPr>
+          </a:p>
+          <a:p>
+            <a:r>
+              <a:rPr lang="ja-JP" altLang="en-US" sz="1000" dirty="0">
+                <a:solidFill>
+                  <a:schemeClr val="tx1"/>
+                </a:solidFill>
+              </a:rPr>
+              <a:t>　→</a:t>
+            </a:r>
+            <a:r>
+              <a:rPr lang="en-US" altLang="ja-JP" sz="1000" dirty="0" err="1">
+                <a:solidFill>
+                  <a:schemeClr val="tx1"/>
+                </a:solidFill>
+              </a:rPr>
+              <a:t>ButtonDispAnalyzeDataPanel</a:t>
+            </a:r>
+            <a:endParaRPr lang="en-US" altLang="ja-JP" sz="1000" dirty="0">
+              <a:solidFill>
+                <a:schemeClr val="tx1"/>
+              </a:solidFill>
+            </a:endParaRPr>
+          </a:p>
+          <a:p>
+            <a:r>
+              <a:rPr lang="ja-JP" altLang="en-US" sz="1000" dirty="0">
+                <a:solidFill>
+                  <a:schemeClr val="tx1"/>
+                </a:solidFill>
+              </a:rPr>
+              <a:t>・レポート出力パネル表示ボタン</a:t>
+            </a:r>
+            <a:endParaRPr lang="en-US" altLang="ja-JP" sz="1000" dirty="0">
+              <a:solidFill>
+                <a:schemeClr val="tx1"/>
+              </a:solidFill>
+            </a:endParaRPr>
+          </a:p>
+          <a:p>
+            <a:r>
+              <a:rPr lang="ja-JP" altLang="en-US" sz="1000" dirty="0">
+                <a:solidFill>
+                  <a:schemeClr val="tx1"/>
+                </a:solidFill>
+              </a:rPr>
+              <a:t>　→</a:t>
+            </a:r>
+            <a:r>
+              <a:rPr lang="en-US" altLang="ja-JP" sz="1000" dirty="0" err="1">
+                <a:solidFill>
+                  <a:schemeClr val="tx1"/>
+                </a:solidFill>
+              </a:rPr>
+              <a:t>ButtonDispExportReportPanel</a:t>
+            </a:r>
+            <a:endParaRPr lang="en-US" altLang="ja-JP" sz="1000" dirty="0">
+              <a:solidFill>
+                <a:schemeClr val="tx1"/>
+              </a:solidFill>
+            </a:endParaRPr>
+          </a:p>
+          <a:p>
+            <a:r>
+              <a:rPr lang="ja-JP" altLang="en-US" sz="1000" dirty="0">
+                <a:solidFill>
+                  <a:schemeClr val="tx1"/>
+                </a:solidFill>
+              </a:rPr>
+              <a:t>・設定パネル表示ボタン</a:t>
+            </a:r>
+            <a:endParaRPr lang="en-US" altLang="ja-JP" sz="1000" dirty="0">
+              <a:solidFill>
+                <a:schemeClr val="tx1"/>
+              </a:solidFill>
+            </a:endParaRPr>
+          </a:p>
+          <a:p>
+            <a:r>
+              <a:rPr lang="ja-JP" altLang="en-US" sz="1000" dirty="0">
+                <a:solidFill>
+                  <a:schemeClr val="tx1"/>
+                </a:solidFill>
+              </a:rPr>
+              <a:t>　→</a:t>
+            </a:r>
+            <a:r>
+              <a:rPr lang="en-US" altLang="ja-JP" sz="1000" dirty="0" err="1">
+                <a:solidFill>
+                  <a:schemeClr val="tx1"/>
+                </a:solidFill>
+              </a:rPr>
+              <a:t>ButtonDispUserSettingsPanel</a:t>
+            </a:r>
+            <a:endParaRPr lang="en-US" altLang="ja-JP" sz="1000" dirty="0">
+              <a:solidFill>
+                <a:schemeClr val="tx1"/>
+              </a:solidFill>
+            </a:endParaRPr>
+          </a:p>
+          <a:p>
+            <a:pPr algn="ctr"/>
+            <a:endParaRPr lang="en-US" altLang="ja-JP" sz="1000" dirty="0">
+              <a:solidFill>
+                <a:schemeClr val="tx1"/>
+              </a:solidFill>
+            </a:endParaRPr>
+          </a:p>
+        </p:txBody>
+      </p:sp>
+      <p:sp>
+        <p:nvSpPr>
+          <p:cNvPr id="41" name="正方形/長方形 40">
+            <a:extLst>
+              <a:ext uri="{FF2B5EF4-FFF2-40B4-BE49-F238E27FC236}">
+                <a16:creationId xmlns:a16="http://schemas.microsoft.com/office/drawing/2014/main" id="{F1464597-A0BC-0F38-9D68-4071ED03F633}"/>
+              </a:ext>
+            </a:extLst>
+          </p:cNvPr>
+          <p:cNvSpPr/>
+          <p:nvPr/>
+        </p:nvSpPr>
+        <p:spPr>
+          <a:xfrm>
+            <a:off x="4289284" y="1644836"/>
+            <a:ext cx="4968552" cy="3949013"/>
+          </a:xfrm>
+          <a:prstGeom prst="rect">
+            <a:avLst/>
+          </a:prstGeom>
+          <a:noFill/>
+          <a:ln>
+            <a:solidFill>
+              <a:srgbClr val="0000FF"/>
+            </a:solidFill>
+          </a:ln>
+        </p:spPr>
+        <p:style>
+          <a:lnRef idx="2">
+            <a:schemeClr val="accent1">
+              <a:shade val="15000"/>
+            </a:schemeClr>
+          </a:lnRef>
+          <a:fillRef idx="1">
+            <a:schemeClr val="accent1"/>
+          </a:fillRef>
+          <a:effectRef idx="0">
+            <a:schemeClr val="accent1"/>
+          </a:effectRef>
+          <a:fontRef idx="minor">
+            <a:schemeClr val="lt1"/>
+          </a:fontRef>
+        </p:style>
+        <p:txBody>
+          <a:bodyPr rtlCol="0" anchor="ctr"/>
+          <a:lstStyle/>
+          <a:p>
+            <a:pPr algn="ctr"/>
+            <a:endParaRPr kumimoji="1" lang="ja-JP" altLang="en-US"/>
+          </a:p>
+        </p:txBody>
+      </p:sp>
+      <p:sp>
+        <p:nvSpPr>
+          <p:cNvPr id="43" name="吹き出し: 四角形 42">
+            <a:extLst>
+              <a:ext uri="{FF2B5EF4-FFF2-40B4-BE49-F238E27FC236}">
+                <a16:creationId xmlns:a16="http://schemas.microsoft.com/office/drawing/2014/main" id="{6E5ED9EC-EAC1-A1DF-DDBA-4FA3A762C68E}"/>
+              </a:ext>
+            </a:extLst>
+          </p:cNvPr>
+          <p:cNvSpPr/>
+          <p:nvPr/>
+        </p:nvSpPr>
+        <p:spPr>
+          <a:xfrm>
+            <a:off x="9772560" y="1644836"/>
+            <a:ext cx="1652537" cy="1648464"/>
+          </a:xfrm>
+          <a:prstGeom prst="wedgeRectCallout">
+            <a:avLst>
+              <a:gd name="adj1" fmla="val -80561"/>
+              <a:gd name="adj2" fmla="val -21690"/>
+            </a:avLst>
+          </a:prstGeom>
+          <a:solidFill>
+            <a:schemeClr val="bg1"/>
+          </a:solidFill>
+          <a:ln>
+            <a:solidFill>
+              <a:srgbClr val="0000FF"/>
+            </a:solidFill>
+          </a:ln>
+        </p:spPr>
+        <p:style>
+          <a:lnRef idx="2">
+            <a:schemeClr val="accent1">
+              <a:shade val="15000"/>
+            </a:schemeClr>
+          </a:lnRef>
+          <a:fillRef idx="1">
+            <a:schemeClr val="accent1"/>
+          </a:fillRef>
+          <a:effectRef idx="0">
+            <a:schemeClr val="accent1"/>
+          </a:effectRef>
+          <a:fontRef idx="minor">
+            <a:schemeClr val="lt1"/>
+          </a:fontRef>
+        </p:style>
+        <p:txBody>
+          <a:bodyPr rtlCol="0" anchor="ctr"/>
+          <a:lstStyle/>
+          <a:p>
+            <a:r>
+              <a:rPr lang="ja-JP" altLang="en-US" sz="1000" b="1" dirty="0">
+                <a:solidFill>
+                  <a:schemeClr val="tx1"/>
+                </a:solidFill>
+              </a:rPr>
+              <a:t>●メインパネル</a:t>
+            </a:r>
+            <a:endParaRPr lang="en-US" altLang="ja-JP" sz="1000" b="1" dirty="0">
+              <a:solidFill>
+                <a:schemeClr val="tx1"/>
+              </a:solidFill>
+            </a:endParaRPr>
+          </a:p>
+          <a:p>
+            <a:endParaRPr lang="en-US" altLang="ja-JP" sz="1000" b="1" dirty="0">
+              <a:solidFill>
+                <a:schemeClr val="tx1"/>
+              </a:solidFill>
+            </a:endParaRPr>
+          </a:p>
+          <a:p>
+            <a:r>
+              <a:rPr lang="ja-JP" altLang="en-US" sz="1000" dirty="0">
+                <a:solidFill>
+                  <a:schemeClr val="tx1"/>
+                </a:solidFill>
+              </a:rPr>
+              <a:t>・データ入力パネル　　   　　</a:t>
+            </a:r>
+            <a:endParaRPr lang="en-US" altLang="ja-JP" sz="1000" dirty="0">
+              <a:solidFill>
+                <a:schemeClr val="tx1"/>
+              </a:solidFill>
+            </a:endParaRPr>
+          </a:p>
+          <a:p>
+            <a:r>
+              <a:rPr lang="ja-JP" altLang="en-US" sz="1000" dirty="0">
+                <a:solidFill>
+                  <a:schemeClr val="tx1"/>
+                </a:solidFill>
+              </a:rPr>
+              <a:t>　→</a:t>
+            </a:r>
+            <a:r>
+              <a:rPr lang="en-US" altLang="ja-JP" sz="1000" dirty="0" err="1">
+                <a:solidFill>
+                  <a:schemeClr val="tx1"/>
+                </a:solidFill>
+              </a:rPr>
+              <a:t>PanelInportData</a:t>
+            </a:r>
+            <a:endParaRPr lang="en-US" altLang="ja-JP" sz="1000" dirty="0">
+              <a:solidFill>
+                <a:schemeClr val="tx1"/>
+              </a:solidFill>
+            </a:endParaRPr>
+          </a:p>
+          <a:p>
+            <a:r>
+              <a:rPr lang="ja-JP" altLang="en-US" sz="1000" dirty="0">
+                <a:solidFill>
+                  <a:schemeClr val="tx1"/>
+                </a:solidFill>
+              </a:rPr>
+              <a:t>・データ分析パネル</a:t>
+            </a:r>
+            <a:endParaRPr lang="en-US" altLang="ja-JP" sz="1000" dirty="0">
+              <a:solidFill>
+                <a:schemeClr val="tx1"/>
+              </a:solidFill>
+            </a:endParaRPr>
+          </a:p>
+          <a:p>
+            <a:r>
+              <a:rPr lang="ja-JP" altLang="en-US" sz="1000" dirty="0">
+                <a:solidFill>
+                  <a:schemeClr val="tx1"/>
+                </a:solidFill>
+              </a:rPr>
+              <a:t>　→</a:t>
+            </a:r>
+            <a:r>
+              <a:rPr lang="en-US" altLang="ja-JP" sz="1000" dirty="0" err="1">
+                <a:solidFill>
+                  <a:schemeClr val="tx1"/>
+                </a:solidFill>
+              </a:rPr>
+              <a:t>PanelAnalyzeData</a:t>
+            </a:r>
+            <a:endParaRPr lang="en-US" altLang="ja-JP" sz="1000" dirty="0">
+              <a:solidFill>
+                <a:schemeClr val="tx1"/>
+              </a:solidFill>
+            </a:endParaRPr>
+          </a:p>
+          <a:p>
+            <a:r>
+              <a:rPr lang="ja-JP" altLang="en-US" sz="1000" dirty="0">
+                <a:solidFill>
+                  <a:schemeClr val="tx1"/>
+                </a:solidFill>
+              </a:rPr>
+              <a:t>・レポート出力パネル</a:t>
+            </a:r>
+            <a:endParaRPr lang="en-US" altLang="ja-JP" sz="1000" dirty="0">
+              <a:solidFill>
+                <a:schemeClr val="tx1"/>
+              </a:solidFill>
+            </a:endParaRPr>
+          </a:p>
+          <a:p>
+            <a:r>
+              <a:rPr lang="ja-JP" altLang="en-US" sz="1000" dirty="0">
+                <a:solidFill>
+                  <a:schemeClr val="tx1"/>
+                </a:solidFill>
+              </a:rPr>
+              <a:t>　→</a:t>
+            </a:r>
+            <a:r>
+              <a:rPr lang="en-US" altLang="ja-JP" sz="1000" dirty="0" err="1">
+                <a:solidFill>
+                  <a:schemeClr val="tx1"/>
+                </a:solidFill>
+              </a:rPr>
+              <a:t>PanelExportReport</a:t>
+            </a:r>
+            <a:endParaRPr lang="en-US" altLang="ja-JP" sz="1000" dirty="0">
+              <a:solidFill>
+                <a:schemeClr val="tx1"/>
+              </a:solidFill>
+            </a:endParaRPr>
+          </a:p>
+          <a:p>
+            <a:r>
+              <a:rPr lang="ja-JP" altLang="en-US" sz="1000" dirty="0">
+                <a:solidFill>
+                  <a:schemeClr val="tx1"/>
+                </a:solidFill>
+              </a:rPr>
+              <a:t>・設定パネル</a:t>
+            </a:r>
+            <a:endParaRPr lang="en-US" altLang="ja-JP" sz="1000" dirty="0">
+              <a:solidFill>
+                <a:schemeClr val="tx1"/>
+              </a:solidFill>
+            </a:endParaRPr>
+          </a:p>
+          <a:p>
+            <a:r>
+              <a:rPr lang="ja-JP" altLang="en-US" sz="1000" dirty="0">
+                <a:solidFill>
+                  <a:schemeClr val="tx1"/>
+                </a:solidFill>
+              </a:rPr>
+              <a:t>　→</a:t>
+            </a:r>
+            <a:r>
+              <a:rPr lang="en-US" altLang="ja-JP" sz="1000" dirty="0" err="1">
+                <a:solidFill>
+                  <a:schemeClr val="tx1"/>
+                </a:solidFill>
+              </a:rPr>
+              <a:t>PanelUserSettings</a:t>
+            </a:r>
+            <a:endParaRPr lang="en-US" altLang="ja-JP" sz="1000" dirty="0">
+              <a:solidFill>
+                <a:schemeClr val="tx1"/>
+              </a:solidFill>
+            </a:endParaRPr>
+          </a:p>
+        </p:txBody>
+      </p:sp>
+      <p:sp>
+        <p:nvSpPr>
+          <p:cNvPr id="45" name="正方形/長方形 44">
+            <a:extLst>
+              <a:ext uri="{FF2B5EF4-FFF2-40B4-BE49-F238E27FC236}">
+                <a16:creationId xmlns:a16="http://schemas.microsoft.com/office/drawing/2014/main" id="{92805660-DB46-4004-7618-09E51605CC33}"/>
+              </a:ext>
+            </a:extLst>
+          </p:cNvPr>
+          <p:cNvSpPr/>
+          <p:nvPr/>
+        </p:nvSpPr>
+        <p:spPr>
+          <a:xfrm>
+            <a:off x="4289284" y="5775468"/>
+            <a:ext cx="4968552" cy="101804"/>
+          </a:xfrm>
+          <a:prstGeom prst="rect">
+            <a:avLst/>
+          </a:prstGeom>
+          <a:noFill/>
+          <a:ln>
+            <a:solidFill>
+              <a:srgbClr val="00B050"/>
+            </a:solidFill>
+          </a:ln>
+        </p:spPr>
+        <p:style>
+          <a:lnRef idx="2">
+            <a:schemeClr val="accent1">
+              <a:shade val="15000"/>
+            </a:schemeClr>
+          </a:lnRef>
+          <a:fillRef idx="1">
+            <a:schemeClr val="accent1"/>
+          </a:fillRef>
+          <a:effectRef idx="0">
+            <a:schemeClr val="accent1"/>
+          </a:effectRef>
+          <a:fontRef idx="minor">
+            <a:schemeClr val="lt1"/>
+          </a:fontRef>
+        </p:style>
+        <p:txBody>
+          <a:bodyPr rtlCol="0" anchor="ctr"/>
+          <a:lstStyle/>
+          <a:p>
+            <a:pPr algn="ctr"/>
+            <a:endParaRPr kumimoji="1" lang="ja-JP" altLang="en-US"/>
+          </a:p>
+        </p:txBody>
+      </p:sp>
+      <p:sp>
+        <p:nvSpPr>
+          <p:cNvPr id="46" name="吹き出し: 四角形 45">
+            <a:extLst>
+              <a:ext uri="{FF2B5EF4-FFF2-40B4-BE49-F238E27FC236}">
+                <a16:creationId xmlns:a16="http://schemas.microsoft.com/office/drawing/2014/main" id="{A0C80CC6-7C80-FE38-82DE-ACB201AF0EED}"/>
+              </a:ext>
+            </a:extLst>
+          </p:cNvPr>
+          <p:cNvSpPr/>
+          <p:nvPr/>
+        </p:nvSpPr>
+        <p:spPr>
+          <a:xfrm>
+            <a:off x="9775138" y="5424540"/>
+            <a:ext cx="2141712" cy="548586"/>
+          </a:xfrm>
+          <a:prstGeom prst="wedgeRectCallout">
+            <a:avLst>
+              <a:gd name="adj1" fmla="val -72602"/>
+              <a:gd name="adj2" fmla="val 22729"/>
+            </a:avLst>
+          </a:prstGeom>
+          <a:solidFill>
+            <a:schemeClr val="bg1"/>
+          </a:solidFill>
+          <a:ln>
+            <a:solidFill>
+              <a:srgbClr val="00B050"/>
+            </a:solidFill>
+          </a:ln>
+        </p:spPr>
+        <p:style>
+          <a:lnRef idx="2">
+            <a:schemeClr val="accent1">
+              <a:shade val="15000"/>
+            </a:schemeClr>
+          </a:lnRef>
+          <a:fillRef idx="1">
+            <a:schemeClr val="accent1"/>
+          </a:fillRef>
+          <a:effectRef idx="0">
+            <a:schemeClr val="accent1"/>
+          </a:effectRef>
+          <a:fontRef idx="minor">
+            <a:schemeClr val="lt1"/>
+          </a:fontRef>
+        </p:style>
+        <p:txBody>
+          <a:bodyPr rtlCol="0" anchor="ctr"/>
+          <a:lstStyle/>
+          <a:p>
+            <a:r>
+              <a:rPr lang="ja-JP" altLang="en-US" sz="1000" b="1" dirty="0">
+                <a:solidFill>
+                  <a:schemeClr val="tx1"/>
+                </a:solidFill>
+              </a:rPr>
+              <a:t>●プログレスバー</a:t>
+            </a:r>
+            <a:r>
+              <a:rPr lang="en-US" altLang="ja-JP" sz="1000" b="1" dirty="0">
+                <a:solidFill>
+                  <a:schemeClr val="tx1"/>
+                </a:solidFill>
+              </a:rPr>
+              <a:t>/</a:t>
+            </a:r>
+            <a:r>
+              <a:rPr lang="ja-JP" altLang="en-US" sz="1000" b="1" dirty="0">
+                <a:solidFill>
+                  <a:schemeClr val="tx1"/>
+                </a:solidFill>
+              </a:rPr>
+              <a:t>ログバー</a:t>
+            </a:r>
+            <a:endParaRPr lang="en-US" altLang="ja-JP" sz="1000" b="1" dirty="0">
+              <a:solidFill>
+                <a:schemeClr val="tx1"/>
+              </a:solidFill>
+            </a:endParaRPr>
+          </a:p>
+          <a:p>
+            <a:r>
+              <a:rPr lang="en-US" altLang="ja-JP" sz="1000" dirty="0">
+                <a:solidFill>
+                  <a:schemeClr val="tx1"/>
+                </a:solidFill>
+              </a:rPr>
+              <a:t>※</a:t>
+            </a:r>
+            <a:r>
+              <a:rPr lang="ja-JP" altLang="en-US" sz="1000" dirty="0">
+                <a:solidFill>
+                  <a:schemeClr val="tx1"/>
+                </a:solidFill>
+              </a:rPr>
+              <a:t>必要に応じてパネルに埋め込む</a:t>
+            </a:r>
+            <a:endParaRPr lang="en-US" altLang="ja-JP" sz="1000" dirty="0">
+              <a:solidFill>
+                <a:schemeClr val="tx1"/>
+              </a:solidFill>
+            </a:endParaRPr>
+          </a:p>
+        </p:txBody>
+      </p:sp>
+    </p:spTree>
+    <p:extLst>
+      <p:ext uri="{BB962C8B-B14F-4D97-AF65-F5344CB8AC3E}">
+        <p14:creationId xmlns:p14="http://schemas.microsoft.com/office/powerpoint/2010/main" val="2447832986"/>
+      </p:ext>
+    </p:extLst>
+  </p:cSld>
+  <p:clrMapOvr>
+    <a:masterClrMapping/>
+  </p:clrMapOvr>
+</p:sld>
+</file>
+
+<file path=ppt/slides/slide6.xml><?xml version="1.0" encoding="utf-8"?>
+<p:sld xmlns:a="http://schemas.openxmlformats.org/drawingml/2006/main" xmlns:r="http://schemas.openxmlformats.org/officeDocument/2006/relationships" xmlns:p="http://schemas.openxmlformats.org/presentationml/2006/main">
+  <p:cSld>
     <p:spTree>
       <p:nvGrpSpPr>
         <p:cNvPr id="1" name=""/>
@@ -25126,7 +27122,7 @@
                 <a:latin typeface="HGPｺﾞｼｯｸE" panose="020B0900000000000000" pitchFamily="50" charset="-128"/>
                 <a:ea typeface="HGPｺﾞｼｯｸE" panose="020B0900000000000000" pitchFamily="50" charset="-128"/>
               </a:rPr>
-              <a:t>2023/11/20</a:t>
+              <a:t>2023/11/25</a:t>
             </a:fld>
             <a:endParaRPr kumimoji="1" lang="ja-JP" altLang="en-US" dirty="0">
               <a:solidFill>
@@ -25172,7 +27168,7 @@
                 <a:latin typeface="HGPｺﾞｼｯｸE" panose="020B0900000000000000" pitchFamily="50" charset="-128"/>
                 <a:ea typeface="HGPｺﾞｼｯｸE" panose="020B0900000000000000" pitchFamily="50" charset="-128"/>
               </a:rPr>
-              <a:t>5</a:t>
+              <a:t>6</a:t>
             </a:fld>
             <a:endParaRPr kumimoji="1" lang="ja-JP" altLang="en-US" dirty="0">
               <a:solidFill>

--- a/ExpAnalyzer/DataSheets/ExpAnalyzer_仕様書.pptx
+++ b/ExpAnalyzer/DataSheets/ExpAnalyzer_仕様書.pptx
@@ -5390,7 +5390,7 @@
           <a:pPr algn="ctr"/>
           <a:r>
             <a:rPr kumimoji="1" lang="ja-JP" altLang="en-US" sz="1050" dirty="0"/>
-            <a:t>パチンコ履歴データ読込み機能</a:t>
+            <a:t>ホールデータ読込み機能</a:t>
           </a:r>
         </a:p>
       </dgm:t>
@@ -5433,12 +5433,8 @@
         <a:lstStyle/>
         <a:p>
           <a:r>
-            <a:rPr kumimoji="1" lang="en-US" altLang="ja-JP" sz="1050" dirty="0"/>
-            <a:t>Excel</a:t>
-          </a:r>
-          <a:r>
             <a:rPr kumimoji="1" lang="ja-JP" altLang="en-US" sz="1050" dirty="0"/>
-            <a:t>データ読込み</a:t>
+            <a:t>ホールデータ読込み</a:t>
           </a:r>
         </a:p>
       </dgm:t>
@@ -5524,7 +5520,7 @@
       <dgm:spPr/>
     </dgm:pt>
     <dgm:pt modelId="{F7C3F435-5964-4A7F-8DB8-963C5A7E66CE}" type="pres">
-      <dgm:prSet presAssocID="{59DD162F-0443-4840-9DA6-419D1F33F66C}" presName="parTx" presStyleLbl="alignNode1" presStyleIdx="0" presStyleCnt="1" custLinFactY="-5867" custLinFactNeighborY="-100000">
+      <dgm:prSet presAssocID="{59DD162F-0443-4840-9DA6-419D1F33F66C}" presName="parTx" presStyleLbl="alignNode1" presStyleIdx="0" presStyleCnt="1" custLinFactNeighborX="4052" custLinFactNeighborY="-2134">
         <dgm:presLayoutVars>
           <dgm:chMax val="0"/>
           <dgm:chPref val="0"/>
@@ -5609,7 +5605,7 @@
           </a:pPr>
           <a:r>
             <a:rPr kumimoji="1" lang="ja-JP" altLang="en-US" sz="1050" dirty="0"/>
-            <a:t>パチンコ機種スペックデータ</a:t>
+            <a:t>機種スペックデータ</a:t>
           </a:r>
           <a:endParaRPr kumimoji="1" lang="en-US" altLang="ja-JP" sz="1050" dirty="0"/>
         </a:p>
@@ -5668,7 +5664,7 @@
         <a:p>
           <a:r>
             <a:rPr kumimoji="1" lang="ja-JP" altLang="en-US" sz="1050" dirty="0"/>
-            <a:t>テキストデータ読込み</a:t>
+            <a:t>機種スペックデータ読込み</a:t>
           </a:r>
         </a:p>
       </dgm:t>
@@ -7180,7 +7176,7 @@
       </dsp:nvSpPr>
       <dsp:spPr>
         <a:xfrm>
-          <a:off x="1054" y="-15823"/>
+          <a:off x="2109" y="-15823"/>
           <a:ext cx="2158130" cy="301521"/>
         </a:xfrm>
         <a:prstGeom prst="rect">
@@ -7237,12 +7233,12 @@
           </a:pPr>
           <a:r>
             <a:rPr kumimoji="1" lang="ja-JP" altLang="en-US" sz="1050" kern="1200" dirty="0"/>
-            <a:t>パチンコ履歴データ読込み機能</a:t>
+            <a:t>ホールデータ読込み機能</a:t>
           </a:r>
         </a:p>
       </dsp:txBody>
       <dsp:txXfrm>
-        <a:off x="1054" y="-15823"/>
+        <a:off x="2109" y="-15823"/>
         <a:ext cx="2158130" cy="301521"/>
       </dsp:txXfrm>
     </dsp:sp>
@@ -7311,12 +7307,8 @@
             <a:buChar char="•"/>
           </a:pPr>
           <a:r>
-            <a:rPr kumimoji="1" lang="en-US" altLang="ja-JP" sz="1050" kern="1200" dirty="0"/>
-            <a:t>Excel</a:t>
-          </a:r>
-          <a:r>
             <a:rPr kumimoji="1" lang="ja-JP" altLang="en-US" sz="1050" kern="1200" dirty="0"/>
-            <a:t>データ読込み</a:t>
+            <a:t>ホールデータ読込み</a:t>
           </a:r>
         </a:p>
         <a:p>
@@ -7419,7 +7411,7 @@
           </a:pPr>
           <a:r>
             <a:rPr kumimoji="1" lang="ja-JP" altLang="en-US" sz="1050" kern="1200" dirty="0"/>
-            <a:t>パチンコ機種スペックデータ</a:t>
+            <a:t>機種スペックデータ</a:t>
           </a:r>
           <a:endParaRPr kumimoji="1" lang="en-US" altLang="ja-JP" sz="1050" kern="1200" dirty="0"/>
         </a:p>
@@ -7513,7 +7505,7 @@
           </a:pPr>
           <a:r>
             <a:rPr kumimoji="1" lang="ja-JP" altLang="en-US" sz="1050" kern="1200" dirty="0"/>
-            <a:t>テキストデータ読込み</a:t>
+            <a:t>機種スペックデータ読込み</a:t>
           </a:r>
         </a:p>
       </dsp:txBody>
@@ -22431,11 +22423,11 @@
           <a:p>
             <a:r>
               <a:rPr lang="ja-JP" altLang="en-US" sz="1200" dirty="0"/>
-              <a:t>　→大当りステータス：</a:t>
+              <a:t>　→大当り種別：</a:t>
             </a:r>
             <a:r>
               <a:rPr lang="en-US" altLang="ja-JP" sz="1200" dirty="0" err="1"/>
-              <a:t>HitStatus</a:t>
+              <a:t>HitType</a:t>
             </a:r>
             <a:endParaRPr lang="en-US" altLang="ja-JP" sz="1200" dirty="0"/>
           </a:p>
@@ -24647,18 +24639,10 @@
           <a:p>
             <a:pPr algn="ctr"/>
             <a:r>
-              <a:rPr lang="ja-JP" altLang="en-US" sz="1050" dirty="0"/>
-              <a:t>パチンコ履歴</a:t>
-            </a:r>
-            <a:endParaRPr lang="en-US" altLang="ja-JP" sz="1050" dirty="0"/>
-          </a:p>
-          <a:p>
-            <a:pPr algn="ctr"/>
-            <a:r>
-              <a:rPr lang="ja-JP" altLang="en-US" sz="1050" dirty="0"/>
-              <a:t>データ</a:t>
-            </a:r>
-            <a:endParaRPr lang="en-US" altLang="ja-JP" sz="1050" dirty="0"/>
+              <a:rPr kumimoji="1" lang="ja-JP" altLang="en-US" sz="1050" dirty="0"/>
+              <a:t>ホールデータファイル</a:t>
+            </a:r>
+            <a:endParaRPr kumimoji="1" lang="en-US" altLang="ja-JP" sz="1050" dirty="0"/>
           </a:p>
           <a:p>
             <a:pPr algn="ctr"/>
@@ -24720,15 +24704,7 @@
             <a:pPr algn="ctr"/>
             <a:r>
               <a:rPr lang="ja-JP" altLang="en-US" sz="1050" dirty="0"/>
-              <a:t>パチンコ機種</a:t>
-            </a:r>
-            <a:endParaRPr lang="en-US" altLang="ja-JP" sz="1050" dirty="0"/>
-          </a:p>
-          <a:p>
-            <a:pPr algn="ctr"/>
-            <a:r>
-              <a:rPr lang="ja-JP" altLang="en-US" sz="1050" dirty="0"/>
-              <a:t>スペックデータ</a:t>
+              <a:t>機種スペックデータファイル</a:t>
             </a:r>
             <a:endParaRPr kumimoji="1" lang="en-US" altLang="ja-JP" sz="1050" dirty="0"/>
           </a:p>
@@ -24827,7 +24803,7 @@
           <p:nvPr>
             <p:extLst>
               <p:ext uri="{D42A27DB-BD31-4B8C-83A1-F6EECF244321}">
-                <p14:modId xmlns:p14="http://schemas.microsoft.com/office/powerpoint/2010/main" val="3843877729"/>
+                <p14:modId xmlns:p14="http://schemas.microsoft.com/office/powerpoint/2010/main" val="1475286885"/>
               </p:ext>
             </p:extLst>
           </p:nvPr>
@@ -24855,7 +24831,7 @@
           <p:nvPr>
             <p:extLst>
               <p:ext uri="{D42A27DB-BD31-4B8C-83A1-F6EECF244321}">
-                <p14:modId xmlns:p14="http://schemas.microsoft.com/office/powerpoint/2010/main" val="4209140330"/>
+                <p14:modId xmlns:p14="http://schemas.microsoft.com/office/powerpoint/2010/main" val="590686351"/>
               </p:ext>
             </p:extLst>
           </p:nvPr>
@@ -28356,7 +28332,7 @@
         <p:spPr>
           <a:xfrm>
             <a:off x="4536974" y="5844643"/>
-            <a:ext cx="1404414" cy="254505"/>
+            <a:ext cx="1079990" cy="254505"/>
           </a:xfrm>
           <a:prstGeom prst="rect">
             <a:avLst/>
@@ -28394,7 +28370,7 @@
                   <a:schemeClr val="tx1"/>
                 </a:solidFill>
               </a:rPr>
-              <a:t>大当りステータス</a:t>
+              <a:t>大当り種別</a:t>
             </a:r>
             <a:endParaRPr kumimoji="1" lang="ja-JP" altLang="en-US" sz="1200" dirty="0">
               <a:solidFill>
@@ -28888,7 +28864,7 @@
         </p:nvSpPr>
         <p:spPr>
           <a:xfrm>
-            <a:off x="5941389" y="5853953"/>
+            <a:off x="5616964" y="5854988"/>
             <a:ext cx="718584" cy="230832"/>
           </a:xfrm>
           <a:prstGeom prst="rect">

--- a/ExpAnalyzer/DataSheets/ExpAnalyzer_仕様書.pptx
+++ b/ExpAnalyzer/DataSheets/ExpAnalyzer_仕様書.pptx
@@ -5,7 +5,7 @@
     <p:sldMasterId id="2147483651" r:id="rId1"/>
   </p:sldMasterIdLst>
   <p:notesMasterIdLst>
-    <p:notesMasterId r:id="rId8"/>
+    <p:notesMasterId r:id="rId9"/>
   </p:notesMasterIdLst>
   <p:sldIdLst>
     <p:sldId id="256" r:id="rId2"/>
@@ -14,6 +14,7 @@
     <p:sldId id="261" r:id="rId5"/>
     <p:sldId id="262" r:id="rId6"/>
     <p:sldId id="259" r:id="rId7"/>
+    <p:sldId id="263" r:id="rId8"/>
   </p:sldIdLst>
   <p:sldSz cx="12192000" cy="6858000"/>
   <p:notesSz cx="6858000" cy="9144000"/>
@@ -5478,7 +5479,7 @@
         <a:p>
           <a:r>
             <a:rPr kumimoji="1" lang="ja-JP" altLang="en-US" sz="1050" dirty="0"/>
-            <a:t>履歴データ整形</a:t>
+            <a:t>ホールデータ整形</a:t>
           </a:r>
         </a:p>
       </dgm:t>
@@ -7326,7 +7327,7 @@
           </a:pPr>
           <a:r>
             <a:rPr kumimoji="1" lang="ja-JP" altLang="en-US" sz="1050" kern="1200" dirty="0"/>
-            <a:t>履歴データ整形</a:t>
+            <a:t>ホールデータ整形</a:t>
           </a:r>
         </a:p>
       </dsp:txBody>
@@ -17396,7 +17397,7 @@
           <a:p>
             <a:fld id="{EC3ECA90-77F6-4BB8-838E-193460CA105B}" type="datetimeFigureOut">
               <a:rPr kumimoji="1" lang="ja-JP" altLang="en-US" smtClean="0"/>
-              <a:t>2023/11/25</a:t>
+              <a:t>2023/12/13</a:t>
             </a:fld>
             <a:endParaRPr kumimoji="1" lang="ja-JP" altLang="en-US"/>
           </a:p>
@@ -18137,7 +18138,7 @@
           <a:p>
             <a:fld id="{907C6EF5-DE51-4EDB-A1DF-9C3BABF24F6A}" type="datetimeFigureOut">
               <a:rPr kumimoji="1" lang="ja-JP" altLang="en-US" smtClean="0"/>
-              <a:t>2023/11/25</a:t>
+              <a:t>2023/12/13</a:t>
             </a:fld>
             <a:endParaRPr kumimoji="1" lang="ja-JP" altLang="en-US"/>
           </a:p>
@@ -18425,7 +18426,7 @@
           <a:p>
             <a:fld id="{907C6EF5-DE51-4EDB-A1DF-9C3BABF24F6A}" type="datetimeFigureOut">
               <a:rPr kumimoji="1" lang="ja-JP" altLang="en-US" smtClean="0"/>
-              <a:t>2023/11/25</a:t>
+              <a:t>2023/12/13</a:t>
             </a:fld>
             <a:endParaRPr kumimoji="1" lang="ja-JP" altLang="en-US"/>
           </a:p>
@@ -18655,7 +18656,7 @@
           <a:p>
             <a:fld id="{907C6EF5-DE51-4EDB-A1DF-9C3BABF24F6A}" type="datetimeFigureOut">
               <a:rPr kumimoji="1" lang="ja-JP" altLang="en-US" smtClean="0"/>
-              <a:t>2023/11/25</a:t>
+              <a:t>2023/12/13</a:t>
             </a:fld>
             <a:endParaRPr kumimoji="1" lang="ja-JP" altLang="en-US"/>
           </a:p>
@@ -18895,7 +18896,7 @@
           <a:p>
             <a:fld id="{907C6EF5-DE51-4EDB-A1DF-9C3BABF24F6A}" type="datetimeFigureOut">
               <a:rPr kumimoji="1" lang="ja-JP" altLang="en-US" smtClean="0"/>
-              <a:t>2023/11/25</a:t>
+              <a:t>2023/12/13</a:t>
             </a:fld>
             <a:endParaRPr kumimoji="1" lang="ja-JP" altLang="en-US"/>
           </a:p>
@@ -19227,7 +19228,7 @@
           <a:p>
             <a:fld id="{907C6EF5-DE51-4EDB-A1DF-9C3BABF24F6A}" type="datetimeFigureOut">
               <a:rPr kumimoji="1" lang="ja-JP" altLang="en-US" smtClean="0"/>
-              <a:t>2023/11/25</a:t>
+              <a:t>2023/12/13</a:t>
             </a:fld>
             <a:endParaRPr kumimoji="1" lang="ja-JP" altLang="en-US"/>
           </a:p>
@@ -19457,7 +19458,7 @@
           <a:p>
             <a:fld id="{907C6EF5-DE51-4EDB-A1DF-9C3BABF24F6A}" type="datetimeFigureOut">
               <a:rPr kumimoji="1" lang="ja-JP" altLang="en-US" smtClean="0"/>
-              <a:t>2023/11/25</a:t>
+              <a:t>2023/12/13</a:t>
             </a:fld>
             <a:endParaRPr kumimoji="1" lang="ja-JP" altLang="en-US"/>
           </a:p>
@@ -19732,7 +19733,7 @@
           <a:p>
             <a:fld id="{907C6EF5-DE51-4EDB-A1DF-9C3BABF24F6A}" type="datetimeFigureOut">
               <a:rPr kumimoji="1" lang="ja-JP" altLang="en-US" smtClean="0"/>
-              <a:t>2023/11/25</a:t>
+              <a:t>2023/12/13</a:t>
             </a:fld>
             <a:endParaRPr kumimoji="1" lang="ja-JP" altLang="en-US"/>
           </a:p>
@@ -20061,7 +20062,7 @@
           <a:p>
             <a:fld id="{907C6EF5-DE51-4EDB-A1DF-9C3BABF24F6A}" type="datetimeFigureOut">
               <a:rPr kumimoji="1" lang="ja-JP" altLang="en-US" smtClean="0"/>
-              <a:t>2023/11/25</a:t>
+              <a:t>2023/12/13</a:t>
             </a:fld>
             <a:endParaRPr kumimoji="1" lang="ja-JP" altLang="en-US"/>
           </a:p>
@@ -20537,7 +20538,7 @@
           <a:p>
             <a:fld id="{907C6EF5-DE51-4EDB-A1DF-9C3BABF24F6A}" type="datetimeFigureOut">
               <a:rPr kumimoji="1" lang="ja-JP" altLang="en-US" smtClean="0"/>
-              <a:t>2023/11/25</a:t>
+              <a:t>2023/12/13</a:t>
             </a:fld>
             <a:endParaRPr kumimoji="1" lang="ja-JP" altLang="en-US"/>
           </a:p>
@@ -20678,7 +20679,7 @@
           <a:p>
             <a:fld id="{907C6EF5-DE51-4EDB-A1DF-9C3BABF24F6A}" type="datetimeFigureOut">
               <a:rPr kumimoji="1" lang="ja-JP" altLang="en-US" smtClean="0"/>
-              <a:t>2023/11/25</a:t>
+              <a:t>2023/12/13</a:t>
             </a:fld>
             <a:endParaRPr kumimoji="1" lang="ja-JP" altLang="en-US"/>
           </a:p>
@@ -20791,7 +20792,7 @@
           <a:p>
             <a:fld id="{907C6EF5-DE51-4EDB-A1DF-9C3BABF24F6A}" type="datetimeFigureOut">
               <a:rPr kumimoji="1" lang="ja-JP" altLang="en-US" smtClean="0"/>
-              <a:t>2023/11/25</a:t>
+              <a:t>2023/12/13</a:t>
             </a:fld>
             <a:endParaRPr kumimoji="1" lang="ja-JP" altLang="en-US"/>
           </a:p>
@@ -21064,7 +21065,7 @@
           <a:p>
             <a:fld id="{907C6EF5-DE51-4EDB-A1DF-9C3BABF24F6A}" type="datetimeFigureOut">
               <a:rPr kumimoji="1" lang="ja-JP" altLang="en-US" smtClean="0"/>
-              <a:t>2023/11/25</a:t>
+              <a:t>2023/12/13</a:t>
             </a:fld>
             <a:endParaRPr kumimoji="1" lang="ja-JP" altLang="en-US"/>
           </a:p>
@@ -22067,7 +22068,7 @@
                 <a:latin typeface="HGPｺﾞｼｯｸE" panose="020B0900000000000000" pitchFamily="50" charset="-128"/>
                 <a:ea typeface="HGPｺﾞｼｯｸE" panose="020B0900000000000000" pitchFamily="50" charset="-128"/>
               </a:rPr>
-              <a:t>2023/11/25</a:t>
+              <a:t>2023/12/13</a:t>
             </a:fld>
             <a:endParaRPr kumimoji="1" lang="ja-JP" altLang="en-US" dirty="0">
               <a:solidFill>
@@ -23055,7 +23056,7 @@
                 <a:latin typeface="HGPｺﾞｼｯｸE" panose="020B0900000000000000" pitchFamily="50" charset="-128"/>
                 <a:ea typeface="HGPｺﾞｼｯｸE" panose="020B0900000000000000" pitchFamily="50" charset="-128"/>
               </a:rPr>
-              <a:t>2023/11/25</a:t>
+              <a:t>2023/12/13</a:t>
             </a:fld>
             <a:endParaRPr kumimoji="1" lang="ja-JP" altLang="en-US" dirty="0">
               <a:solidFill>
@@ -24069,7 +24070,7 @@
                 <a:latin typeface="HGPｺﾞｼｯｸE" panose="020B0900000000000000" pitchFamily="50" charset="-128"/>
                 <a:ea typeface="HGPｺﾞｼｯｸE" panose="020B0900000000000000" pitchFamily="50" charset="-128"/>
               </a:rPr>
-              <a:t>2023/11/25</a:t>
+              <a:t>2023/12/13</a:t>
             </a:fld>
             <a:endParaRPr kumimoji="1" lang="ja-JP" altLang="en-US" dirty="0">
               <a:solidFill>
@@ -24803,7 +24804,7 @@
           <p:nvPr>
             <p:extLst>
               <p:ext uri="{D42A27DB-BD31-4B8C-83A1-F6EECF244321}">
-                <p14:modId xmlns:p14="http://schemas.microsoft.com/office/powerpoint/2010/main" val="1475286885"/>
+                <p14:modId xmlns:p14="http://schemas.microsoft.com/office/powerpoint/2010/main" val="1658640470"/>
               </p:ext>
             </p:extLst>
           </p:nvPr>
@@ -25488,7 +25489,7 @@
                 <a:latin typeface="HGPｺﾞｼｯｸE" panose="020B0900000000000000" pitchFamily="50" charset="-128"/>
                 <a:ea typeface="HGPｺﾞｼｯｸE" panose="020B0900000000000000" pitchFamily="50" charset="-128"/>
               </a:rPr>
-              <a:t>2023/11/25</a:t>
+              <a:t>2023/12/13</a:t>
             </a:fld>
             <a:endParaRPr kumimoji="1" lang="ja-JP" altLang="en-US" dirty="0">
               <a:solidFill>
@@ -27098,7 +27099,7 @@
                 <a:latin typeface="HGPｺﾞｼｯｸE" panose="020B0900000000000000" pitchFamily="50" charset="-128"/>
                 <a:ea typeface="HGPｺﾞｼｯｸE" panose="020B0900000000000000" pitchFamily="50" charset="-128"/>
               </a:rPr>
-              <a:t>2023/11/25</a:t>
+              <a:t>2023/12/13</a:t>
             </a:fld>
             <a:endParaRPr kumimoji="1" lang="ja-JP" altLang="en-US" dirty="0">
               <a:solidFill>
@@ -30123,6 +30124,4032 @@
     <p:extLst>
       <p:ext uri="{BB962C8B-B14F-4D97-AF65-F5344CB8AC3E}">
         <p14:creationId xmlns:p14="http://schemas.microsoft.com/office/powerpoint/2010/main" val="2976829595"/>
+      </p:ext>
+    </p:extLst>
+  </p:cSld>
+  <p:clrMapOvr>
+    <a:masterClrMapping/>
+  </p:clrMapOvr>
+</p:sld>
+</file>
+
+<file path=ppt/slides/slide7.xml><?xml version="1.0" encoding="utf-8"?>
+<p:sld xmlns:a="http://schemas.openxmlformats.org/drawingml/2006/main" xmlns:r="http://schemas.openxmlformats.org/officeDocument/2006/relationships" xmlns:p="http://schemas.openxmlformats.org/presentationml/2006/main">
+  <p:cSld>
+    <p:spTree>
+      <p:nvGrpSpPr>
+        <p:cNvPr id="1" name=""/>
+        <p:cNvGrpSpPr/>
+        <p:nvPr/>
+      </p:nvGrpSpPr>
+      <p:grpSpPr>
+        <a:xfrm>
+          <a:off x="0" y="0"/>
+          <a:ext cx="0" cy="0"/>
+          <a:chOff x="0" y="0"/>
+          <a:chExt cx="0" cy="0"/>
+        </a:xfrm>
+      </p:grpSpPr>
+      <p:sp>
+        <p:nvSpPr>
+          <p:cNvPr id="2" name="矢印: 五方向 1">
+            <a:extLst>
+              <a:ext uri="{FF2B5EF4-FFF2-40B4-BE49-F238E27FC236}">
+                <a16:creationId xmlns:a16="http://schemas.microsoft.com/office/drawing/2014/main" id="{7A569949-0836-C648-6D8D-7229956038F5}"/>
+              </a:ext>
+            </a:extLst>
+          </p:cNvPr>
+          <p:cNvSpPr/>
+          <p:nvPr/>
+        </p:nvSpPr>
+        <p:spPr>
+          <a:xfrm>
+            <a:off x="1503576" y="79303"/>
+            <a:ext cx="1368263" cy="504000"/>
+          </a:xfrm>
+          <a:prstGeom prst="homePlate">
+            <a:avLst/>
+          </a:prstGeom>
+          <a:solidFill>
+            <a:srgbClr val="002060"/>
+          </a:solidFill>
+          <a:ln w="38100" cap="flat" cmpd="sng">
+            <a:solidFill>
+              <a:schemeClr val="bg2"/>
+            </a:solidFill>
+            <a:miter lim="800000"/>
+          </a:ln>
+          <a:effectLst>
+            <a:outerShdw blurRad="50800" dist="38100" dir="2700000" algn="tl" rotWithShape="0">
+              <a:prstClr val="black">
+                <a:alpha val="40000"/>
+              </a:prstClr>
+            </a:outerShdw>
+          </a:effectLst>
+        </p:spPr>
+        <p:style>
+          <a:lnRef idx="2">
+            <a:schemeClr val="accent1">
+              <a:shade val="50000"/>
+            </a:schemeClr>
+          </a:lnRef>
+          <a:fillRef idx="1">
+            <a:schemeClr val="accent1"/>
+          </a:fillRef>
+          <a:effectRef idx="0">
+            <a:schemeClr val="accent1"/>
+          </a:effectRef>
+          <a:fontRef idx="minor">
+            <a:schemeClr val="lt1"/>
+          </a:fontRef>
+        </p:style>
+        <p:txBody>
+          <a:bodyPr rtlCol="0" anchor="ctr"/>
+          <a:lstStyle/>
+          <a:p>
+            <a:pPr algn="ctr"/>
+            <a:r>
+              <a:rPr lang="ja-JP" altLang="en-US" sz="1400" dirty="0">
+                <a:latin typeface="HGPｺﾞｼｯｸE" panose="020B0900000000000000" pitchFamily="50" charset="-128"/>
+                <a:ea typeface="HGPｺﾞｼｯｸE" panose="020B0900000000000000" pitchFamily="50" charset="-128"/>
+              </a:rPr>
+              <a:t>要件定義</a:t>
+            </a:r>
+            <a:endParaRPr kumimoji="1" lang="ja-JP" altLang="en-US" sz="1400" dirty="0">
+              <a:latin typeface="HGPｺﾞｼｯｸE" panose="020B0900000000000000" pitchFamily="50" charset="-128"/>
+              <a:ea typeface="HGPｺﾞｼｯｸE" panose="020B0900000000000000" pitchFamily="50" charset="-128"/>
+            </a:endParaRPr>
+          </a:p>
+        </p:txBody>
+      </p:sp>
+      <p:sp>
+        <p:nvSpPr>
+          <p:cNvPr id="3" name="矢印: 五方向 2">
+            <a:extLst>
+              <a:ext uri="{FF2B5EF4-FFF2-40B4-BE49-F238E27FC236}">
+                <a16:creationId xmlns:a16="http://schemas.microsoft.com/office/drawing/2014/main" id="{68697A94-ADDD-8BCE-4A36-A680ED0129AE}"/>
+              </a:ext>
+            </a:extLst>
+          </p:cNvPr>
+          <p:cNvSpPr/>
+          <p:nvPr/>
+        </p:nvSpPr>
+        <p:spPr>
+          <a:xfrm>
+            <a:off x="4364496" y="79303"/>
+            <a:ext cx="1368263" cy="504000"/>
+          </a:xfrm>
+          <a:prstGeom prst="homePlate">
+            <a:avLst/>
+          </a:prstGeom>
+          <a:solidFill>
+            <a:srgbClr val="002060"/>
+          </a:solidFill>
+          <a:ln w="38100" cap="flat" cmpd="sng">
+            <a:solidFill>
+              <a:schemeClr val="bg2"/>
+            </a:solidFill>
+            <a:miter lim="800000"/>
+          </a:ln>
+          <a:effectLst>
+            <a:outerShdw blurRad="50800" dist="38100" dir="2700000" algn="tl" rotWithShape="0">
+              <a:prstClr val="black">
+                <a:alpha val="40000"/>
+              </a:prstClr>
+            </a:outerShdw>
+          </a:effectLst>
+        </p:spPr>
+        <p:style>
+          <a:lnRef idx="2">
+            <a:schemeClr val="accent1">
+              <a:shade val="50000"/>
+            </a:schemeClr>
+          </a:lnRef>
+          <a:fillRef idx="1">
+            <a:schemeClr val="accent1"/>
+          </a:fillRef>
+          <a:effectRef idx="0">
+            <a:schemeClr val="accent1"/>
+          </a:effectRef>
+          <a:fontRef idx="minor">
+            <a:schemeClr val="lt1"/>
+          </a:fontRef>
+        </p:style>
+        <p:txBody>
+          <a:bodyPr rtlCol="0" anchor="ctr"/>
+          <a:lstStyle/>
+          <a:p>
+            <a:pPr algn="ctr"/>
+            <a:r>
+              <a:rPr kumimoji="1" lang="ja-JP" altLang="en-US" sz="1400" dirty="0">
+                <a:latin typeface="HGPｺﾞｼｯｸE" panose="020B0900000000000000" pitchFamily="50" charset="-128"/>
+                <a:ea typeface="HGPｺﾞｼｯｸE" panose="020B0900000000000000" pitchFamily="50" charset="-128"/>
+              </a:rPr>
+              <a:t>基本設計</a:t>
+            </a:r>
+          </a:p>
+        </p:txBody>
+      </p:sp>
+      <p:sp>
+        <p:nvSpPr>
+          <p:cNvPr id="4" name="矢印: 五方向 3">
+            <a:extLst>
+              <a:ext uri="{FF2B5EF4-FFF2-40B4-BE49-F238E27FC236}">
+                <a16:creationId xmlns:a16="http://schemas.microsoft.com/office/drawing/2014/main" id="{59FD3A16-09CB-C1F0-43E7-A5CDEDD6598D}"/>
+              </a:ext>
+            </a:extLst>
+          </p:cNvPr>
+          <p:cNvSpPr/>
+          <p:nvPr/>
+        </p:nvSpPr>
+        <p:spPr>
+          <a:xfrm>
+            <a:off x="5794956" y="79303"/>
+            <a:ext cx="1368263" cy="504000"/>
+          </a:xfrm>
+          <a:prstGeom prst="homePlate">
+            <a:avLst/>
+          </a:prstGeom>
+          <a:solidFill>
+            <a:srgbClr val="C00000"/>
+          </a:solidFill>
+          <a:ln w="38100" cap="flat" cmpd="sng">
+            <a:solidFill>
+              <a:schemeClr val="bg2"/>
+            </a:solidFill>
+            <a:miter lim="800000"/>
+          </a:ln>
+          <a:effectLst>
+            <a:outerShdw blurRad="50800" dist="38100" dir="2700000" algn="tl" rotWithShape="0">
+              <a:prstClr val="black">
+                <a:alpha val="40000"/>
+              </a:prstClr>
+            </a:outerShdw>
+          </a:effectLst>
+        </p:spPr>
+        <p:style>
+          <a:lnRef idx="2">
+            <a:schemeClr val="accent1">
+              <a:shade val="50000"/>
+            </a:schemeClr>
+          </a:lnRef>
+          <a:fillRef idx="1">
+            <a:schemeClr val="accent1"/>
+          </a:fillRef>
+          <a:effectRef idx="0">
+            <a:schemeClr val="accent1"/>
+          </a:effectRef>
+          <a:fontRef idx="minor">
+            <a:schemeClr val="lt1"/>
+          </a:fontRef>
+        </p:style>
+        <p:txBody>
+          <a:bodyPr rtlCol="0" anchor="ctr"/>
+          <a:lstStyle/>
+          <a:p>
+            <a:pPr algn="ctr"/>
+            <a:r>
+              <a:rPr kumimoji="1" lang="ja-JP" altLang="en-US" sz="1400" dirty="0">
+                <a:latin typeface="HGPｺﾞｼｯｸE" panose="020B0900000000000000" pitchFamily="50" charset="-128"/>
+                <a:ea typeface="HGPｺﾞｼｯｸE" panose="020B0900000000000000" pitchFamily="50" charset="-128"/>
+              </a:rPr>
+              <a:t>詳細設計</a:t>
+            </a:r>
+          </a:p>
+        </p:txBody>
+      </p:sp>
+      <p:sp>
+        <p:nvSpPr>
+          <p:cNvPr id="5" name="矢印: 五方向 4">
+            <a:extLst>
+              <a:ext uri="{FF2B5EF4-FFF2-40B4-BE49-F238E27FC236}">
+                <a16:creationId xmlns:a16="http://schemas.microsoft.com/office/drawing/2014/main" id="{C02A1793-1E33-17CF-5BE2-33ADDF6B7244}"/>
+              </a:ext>
+            </a:extLst>
+          </p:cNvPr>
+          <p:cNvSpPr/>
+          <p:nvPr/>
+        </p:nvSpPr>
+        <p:spPr>
+          <a:xfrm>
+            <a:off x="7225416" y="79303"/>
+            <a:ext cx="1368263" cy="504000"/>
+          </a:xfrm>
+          <a:prstGeom prst="homePlate">
+            <a:avLst/>
+          </a:prstGeom>
+          <a:solidFill>
+            <a:srgbClr val="002060"/>
+          </a:solidFill>
+          <a:ln w="38100" cap="flat" cmpd="sng">
+            <a:solidFill>
+              <a:schemeClr val="bg2"/>
+            </a:solidFill>
+            <a:miter lim="800000"/>
+          </a:ln>
+          <a:effectLst>
+            <a:outerShdw blurRad="50800" dist="38100" dir="2700000" algn="tl" rotWithShape="0">
+              <a:prstClr val="black">
+                <a:alpha val="40000"/>
+              </a:prstClr>
+            </a:outerShdw>
+          </a:effectLst>
+        </p:spPr>
+        <p:style>
+          <a:lnRef idx="2">
+            <a:schemeClr val="accent1">
+              <a:shade val="50000"/>
+            </a:schemeClr>
+          </a:lnRef>
+          <a:fillRef idx="1">
+            <a:schemeClr val="accent1"/>
+          </a:fillRef>
+          <a:effectRef idx="0">
+            <a:schemeClr val="accent1"/>
+          </a:effectRef>
+          <a:fontRef idx="minor">
+            <a:schemeClr val="lt1"/>
+          </a:fontRef>
+        </p:style>
+        <p:txBody>
+          <a:bodyPr rtlCol="0" anchor="ctr"/>
+          <a:lstStyle/>
+          <a:p>
+            <a:pPr algn="ctr"/>
+            <a:r>
+              <a:rPr lang="ja-JP" altLang="en-US" sz="1400" dirty="0">
+                <a:latin typeface="HGPｺﾞｼｯｸE" panose="020B0900000000000000" pitchFamily="50" charset="-128"/>
+                <a:ea typeface="HGPｺﾞｼｯｸE" panose="020B0900000000000000" pitchFamily="50" charset="-128"/>
+              </a:rPr>
+              <a:t>コーディング</a:t>
+            </a:r>
+            <a:endParaRPr lang="en-US" altLang="ja-JP" sz="1400" dirty="0">
+              <a:latin typeface="HGPｺﾞｼｯｸE" panose="020B0900000000000000" pitchFamily="50" charset="-128"/>
+              <a:ea typeface="HGPｺﾞｼｯｸE" panose="020B0900000000000000" pitchFamily="50" charset="-128"/>
+            </a:endParaRPr>
+          </a:p>
+        </p:txBody>
+      </p:sp>
+      <p:sp>
+        <p:nvSpPr>
+          <p:cNvPr id="6" name="矢印: 五方向 5">
+            <a:extLst>
+              <a:ext uri="{FF2B5EF4-FFF2-40B4-BE49-F238E27FC236}">
+                <a16:creationId xmlns:a16="http://schemas.microsoft.com/office/drawing/2014/main" id="{18D771F0-1AA3-A0FC-8098-CD3B04F5B416}"/>
+              </a:ext>
+            </a:extLst>
+          </p:cNvPr>
+          <p:cNvSpPr/>
+          <p:nvPr/>
+        </p:nvSpPr>
+        <p:spPr>
+          <a:xfrm>
+            <a:off x="8655876" y="79303"/>
+            <a:ext cx="1368263" cy="504000"/>
+          </a:xfrm>
+          <a:prstGeom prst="homePlate">
+            <a:avLst/>
+          </a:prstGeom>
+          <a:solidFill>
+            <a:srgbClr val="002060"/>
+          </a:solidFill>
+          <a:ln w="38100" cap="flat" cmpd="sng">
+            <a:solidFill>
+              <a:schemeClr val="bg2"/>
+            </a:solidFill>
+            <a:miter lim="800000"/>
+          </a:ln>
+          <a:effectLst>
+            <a:outerShdw blurRad="50800" dist="38100" dir="2700000" algn="tl" rotWithShape="0">
+              <a:prstClr val="black">
+                <a:alpha val="40000"/>
+              </a:prstClr>
+            </a:outerShdw>
+          </a:effectLst>
+        </p:spPr>
+        <p:style>
+          <a:lnRef idx="2">
+            <a:schemeClr val="accent1">
+              <a:shade val="50000"/>
+            </a:schemeClr>
+          </a:lnRef>
+          <a:fillRef idx="1">
+            <a:schemeClr val="accent1"/>
+          </a:fillRef>
+          <a:effectRef idx="0">
+            <a:schemeClr val="accent1"/>
+          </a:effectRef>
+          <a:fontRef idx="minor">
+            <a:schemeClr val="lt1"/>
+          </a:fontRef>
+        </p:style>
+        <p:txBody>
+          <a:bodyPr rtlCol="0" anchor="ctr"/>
+          <a:lstStyle/>
+          <a:p>
+            <a:pPr algn="ctr"/>
+            <a:r>
+              <a:rPr kumimoji="1" lang="ja-JP" altLang="en-US" sz="1400" dirty="0">
+                <a:latin typeface="HGPｺﾞｼｯｸE" panose="020B0900000000000000" pitchFamily="50" charset="-128"/>
+                <a:ea typeface="HGPｺﾞｼｯｸE" panose="020B0900000000000000" pitchFamily="50" charset="-128"/>
+              </a:rPr>
+              <a:t>動作検証</a:t>
+            </a:r>
+          </a:p>
+        </p:txBody>
+      </p:sp>
+      <p:sp>
+        <p:nvSpPr>
+          <p:cNvPr id="7" name="矢印: 五方向 6">
+            <a:extLst>
+              <a:ext uri="{FF2B5EF4-FFF2-40B4-BE49-F238E27FC236}">
+                <a16:creationId xmlns:a16="http://schemas.microsoft.com/office/drawing/2014/main" id="{8CF697AE-6DDD-5A6E-37E2-F82DB71AD85C}"/>
+              </a:ext>
+            </a:extLst>
+          </p:cNvPr>
+          <p:cNvSpPr/>
+          <p:nvPr/>
+        </p:nvSpPr>
+        <p:spPr>
+          <a:xfrm>
+            <a:off x="2934036" y="79303"/>
+            <a:ext cx="1368263" cy="504000"/>
+          </a:xfrm>
+          <a:prstGeom prst="homePlate">
+            <a:avLst/>
+          </a:prstGeom>
+          <a:solidFill>
+            <a:srgbClr val="002060"/>
+          </a:solidFill>
+          <a:ln w="38100" cap="flat" cmpd="sng">
+            <a:solidFill>
+              <a:schemeClr val="bg2"/>
+            </a:solidFill>
+            <a:miter lim="800000"/>
+          </a:ln>
+          <a:effectLst>
+            <a:outerShdw blurRad="50800" dist="38100" dir="2700000" algn="tl" rotWithShape="0">
+              <a:prstClr val="black">
+                <a:alpha val="40000"/>
+              </a:prstClr>
+            </a:outerShdw>
+          </a:effectLst>
+        </p:spPr>
+        <p:style>
+          <a:lnRef idx="2">
+            <a:schemeClr val="accent1">
+              <a:shade val="50000"/>
+            </a:schemeClr>
+          </a:lnRef>
+          <a:fillRef idx="1">
+            <a:schemeClr val="accent1"/>
+          </a:fillRef>
+          <a:effectRef idx="0">
+            <a:schemeClr val="accent1"/>
+          </a:effectRef>
+          <a:fontRef idx="minor">
+            <a:schemeClr val="lt1"/>
+          </a:fontRef>
+        </p:style>
+        <p:txBody>
+          <a:bodyPr rtlCol="0" anchor="ctr"/>
+          <a:lstStyle/>
+          <a:p>
+            <a:pPr algn="ctr"/>
+            <a:r>
+              <a:rPr kumimoji="1" lang="ja-JP" altLang="en-US" sz="1400" dirty="0">
+                <a:latin typeface="HGPｺﾞｼｯｸE" panose="020B0900000000000000" pitchFamily="50" charset="-128"/>
+                <a:ea typeface="HGPｺﾞｼｯｸE" panose="020B0900000000000000" pitchFamily="50" charset="-128"/>
+              </a:rPr>
+              <a:t>システム</a:t>
+            </a:r>
+            <a:endParaRPr kumimoji="1" lang="en-US" altLang="ja-JP" sz="1400" dirty="0">
+              <a:latin typeface="HGPｺﾞｼｯｸE" panose="020B0900000000000000" pitchFamily="50" charset="-128"/>
+              <a:ea typeface="HGPｺﾞｼｯｸE" panose="020B0900000000000000" pitchFamily="50" charset="-128"/>
+            </a:endParaRPr>
+          </a:p>
+          <a:p>
+            <a:pPr algn="ctr"/>
+            <a:r>
+              <a:rPr kumimoji="1" lang="ja-JP" altLang="en-US" sz="1400" dirty="0">
+                <a:latin typeface="HGPｺﾞｼｯｸE" panose="020B0900000000000000" pitchFamily="50" charset="-128"/>
+                <a:ea typeface="HGPｺﾞｼｯｸE" panose="020B0900000000000000" pitchFamily="50" charset="-128"/>
+              </a:rPr>
+              <a:t>構造設計</a:t>
+            </a:r>
+          </a:p>
+        </p:txBody>
+      </p:sp>
+      <p:sp>
+        <p:nvSpPr>
+          <p:cNvPr id="16" name="日付プレースホルダー 15">
+            <a:extLst>
+              <a:ext uri="{FF2B5EF4-FFF2-40B4-BE49-F238E27FC236}">
+                <a16:creationId xmlns:a16="http://schemas.microsoft.com/office/drawing/2014/main" id="{9583F4B2-22AF-433F-0231-13589F025E1B}"/>
+              </a:ext>
+            </a:extLst>
+          </p:cNvPr>
+          <p:cNvSpPr>
+            <a:spLocks noGrp="1"/>
+          </p:cNvSpPr>
+          <p:nvPr>
+            <p:ph type="dt" sz="half" idx="4294967295"/>
+          </p:nvPr>
+        </p:nvSpPr>
+        <p:spPr>
+          <a:xfrm>
+            <a:off x="137940" y="6342379"/>
+            <a:ext cx="1368263" cy="365125"/>
+          </a:xfrm>
+        </p:spPr>
+        <p:txBody>
+          <a:bodyPr/>
+          <a:lstStyle/>
+          <a:p>
+            <a:fld id="{60FD98CF-18C6-4C92-8A16-AF221CEED19D}" type="datetime1">
+              <a:rPr kumimoji="1" lang="ja-JP" altLang="en-US" sz="1400" smtClean="0">
+                <a:solidFill>
+                  <a:schemeClr val="bg1"/>
+                </a:solidFill>
+                <a:latin typeface="HGPｺﾞｼｯｸE" panose="020B0900000000000000" pitchFamily="50" charset="-128"/>
+                <a:ea typeface="HGPｺﾞｼｯｸE" panose="020B0900000000000000" pitchFamily="50" charset="-128"/>
+              </a:rPr>
+              <a:t>2023/12/14</a:t>
+            </a:fld>
+            <a:endParaRPr kumimoji="1" lang="ja-JP" altLang="en-US" dirty="0">
+              <a:solidFill>
+                <a:schemeClr val="bg1"/>
+              </a:solidFill>
+              <a:latin typeface="HGPｺﾞｼｯｸE" panose="020B0900000000000000" pitchFamily="50" charset="-128"/>
+              <a:ea typeface="HGPｺﾞｼｯｸE" panose="020B0900000000000000" pitchFamily="50" charset="-128"/>
+            </a:endParaRPr>
+          </a:p>
+        </p:txBody>
+      </p:sp>
+      <p:sp>
+        <p:nvSpPr>
+          <p:cNvPr id="18" name="スライド番号プレースホルダー 17">
+            <a:extLst>
+              <a:ext uri="{FF2B5EF4-FFF2-40B4-BE49-F238E27FC236}">
+                <a16:creationId xmlns:a16="http://schemas.microsoft.com/office/drawing/2014/main" id="{0997EFDE-3DB3-96DB-1116-51929E03588F}"/>
+              </a:ext>
+            </a:extLst>
+          </p:cNvPr>
+          <p:cNvSpPr>
+            <a:spLocks noGrp="1"/>
+          </p:cNvSpPr>
+          <p:nvPr>
+            <p:ph type="sldNum" sz="quarter" idx="4294967295"/>
+          </p:nvPr>
+        </p:nvSpPr>
+        <p:spPr>
+          <a:xfrm>
+            <a:off x="11324557" y="6342378"/>
+            <a:ext cx="731520" cy="365125"/>
+          </a:xfrm>
+        </p:spPr>
+        <p:txBody>
+          <a:bodyPr/>
+          <a:lstStyle/>
+          <a:p>
+            <a:fld id="{CF8B7A00-5918-4660-AF02-51F63786AAF2}" type="slidenum">
+              <a:rPr kumimoji="1" lang="ja-JP" altLang="en-US" smtClean="0">
+                <a:solidFill>
+                  <a:schemeClr val="bg1"/>
+                </a:solidFill>
+                <a:latin typeface="HGPｺﾞｼｯｸE" panose="020B0900000000000000" pitchFamily="50" charset="-128"/>
+                <a:ea typeface="HGPｺﾞｼｯｸE" panose="020B0900000000000000" pitchFamily="50" charset="-128"/>
+              </a:rPr>
+              <a:t>7</a:t>
+            </a:fld>
+            <a:endParaRPr kumimoji="1" lang="ja-JP" altLang="en-US" dirty="0">
+              <a:solidFill>
+                <a:schemeClr val="bg1"/>
+              </a:solidFill>
+              <a:latin typeface="HGPｺﾞｼｯｸE" panose="020B0900000000000000" pitchFamily="50" charset="-128"/>
+              <a:ea typeface="HGPｺﾞｼｯｸE" panose="020B0900000000000000" pitchFamily="50" charset="-128"/>
+            </a:endParaRPr>
+          </a:p>
+        </p:txBody>
+      </p:sp>
+      <p:sp>
+        <p:nvSpPr>
+          <p:cNvPr id="19" name="スライド番号プレースホルダー 17">
+            <a:extLst>
+              <a:ext uri="{FF2B5EF4-FFF2-40B4-BE49-F238E27FC236}">
+                <a16:creationId xmlns:a16="http://schemas.microsoft.com/office/drawing/2014/main" id="{BD6D5BF1-CE81-6324-130C-8C569A2DECEC}"/>
+              </a:ext>
+            </a:extLst>
+          </p:cNvPr>
+          <p:cNvSpPr txBox="1">
+            <a:spLocks/>
+          </p:cNvSpPr>
+          <p:nvPr/>
+        </p:nvSpPr>
+        <p:spPr>
+          <a:xfrm>
+            <a:off x="1568400" y="6342378"/>
+            <a:ext cx="9693960" cy="365125"/>
+          </a:xfrm>
+          <a:prstGeom prst="rect">
+            <a:avLst/>
+          </a:prstGeom>
+        </p:spPr>
+        <p:txBody>
+          <a:bodyPr vert="horz" lIns="91440" tIns="45720" rIns="91440" bIns="45720" rtlCol="0" anchor="ctr"/>
+          <a:lstStyle>
+            <a:defPPr>
+              <a:defRPr lang="ja-JP"/>
+            </a:defPPr>
+            <a:lvl1pPr marL="0" algn="r" defTabSz="914400" rtl="0" eaLnBrk="1" latinLnBrk="0" hangingPunct="1">
+              <a:defRPr kumimoji="1" sz="1200" kern="1200">
+                <a:solidFill>
+                  <a:schemeClr val="tx1">
+                    <a:tint val="75000"/>
+                  </a:schemeClr>
+                </a:solidFill>
+                <a:latin typeface="+mn-lt"/>
+                <a:ea typeface="+mn-ea"/>
+                <a:cs typeface="+mn-cs"/>
+              </a:defRPr>
+            </a:lvl1pPr>
+            <a:lvl2pPr marL="457200" algn="l" defTabSz="914400" rtl="0" eaLnBrk="1" latinLnBrk="0" hangingPunct="1">
+              <a:defRPr kumimoji="1" sz="1800" kern="1200">
+                <a:solidFill>
+                  <a:schemeClr val="tx1"/>
+                </a:solidFill>
+                <a:latin typeface="+mn-lt"/>
+                <a:ea typeface="+mn-ea"/>
+                <a:cs typeface="+mn-cs"/>
+              </a:defRPr>
+            </a:lvl2pPr>
+            <a:lvl3pPr marL="914400" algn="l" defTabSz="914400" rtl="0" eaLnBrk="1" latinLnBrk="0" hangingPunct="1">
+              <a:defRPr kumimoji="1" sz="1800" kern="1200">
+                <a:solidFill>
+                  <a:schemeClr val="tx1"/>
+                </a:solidFill>
+                <a:latin typeface="+mn-lt"/>
+                <a:ea typeface="+mn-ea"/>
+                <a:cs typeface="+mn-cs"/>
+              </a:defRPr>
+            </a:lvl3pPr>
+            <a:lvl4pPr marL="1371600" algn="l" defTabSz="914400" rtl="0" eaLnBrk="1" latinLnBrk="0" hangingPunct="1">
+              <a:defRPr kumimoji="1" sz="1800" kern="1200">
+                <a:solidFill>
+                  <a:schemeClr val="tx1"/>
+                </a:solidFill>
+                <a:latin typeface="+mn-lt"/>
+                <a:ea typeface="+mn-ea"/>
+                <a:cs typeface="+mn-cs"/>
+              </a:defRPr>
+            </a:lvl4pPr>
+            <a:lvl5pPr marL="1828800" algn="l" defTabSz="914400" rtl="0" eaLnBrk="1" latinLnBrk="0" hangingPunct="1">
+              <a:defRPr kumimoji="1" sz="1800" kern="1200">
+                <a:solidFill>
+                  <a:schemeClr val="tx1"/>
+                </a:solidFill>
+                <a:latin typeface="+mn-lt"/>
+                <a:ea typeface="+mn-ea"/>
+                <a:cs typeface="+mn-cs"/>
+              </a:defRPr>
+            </a:lvl5pPr>
+            <a:lvl6pPr marL="2286000" algn="l" defTabSz="914400" rtl="0" eaLnBrk="1" latinLnBrk="0" hangingPunct="1">
+              <a:defRPr kumimoji="1" sz="1800" kern="1200">
+                <a:solidFill>
+                  <a:schemeClr val="tx1"/>
+                </a:solidFill>
+                <a:latin typeface="+mn-lt"/>
+                <a:ea typeface="+mn-ea"/>
+                <a:cs typeface="+mn-cs"/>
+              </a:defRPr>
+            </a:lvl6pPr>
+            <a:lvl7pPr marL="2743200" algn="l" defTabSz="914400" rtl="0" eaLnBrk="1" latinLnBrk="0" hangingPunct="1">
+              <a:defRPr kumimoji="1" sz="1800" kern="1200">
+                <a:solidFill>
+                  <a:schemeClr val="tx1"/>
+                </a:solidFill>
+                <a:latin typeface="+mn-lt"/>
+                <a:ea typeface="+mn-ea"/>
+                <a:cs typeface="+mn-cs"/>
+              </a:defRPr>
+            </a:lvl7pPr>
+            <a:lvl8pPr marL="3200400" algn="l" defTabSz="914400" rtl="0" eaLnBrk="1" latinLnBrk="0" hangingPunct="1">
+              <a:defRPr kumimoji="1" sz="1800" kern="1200">
+                <a:solidFill>
+                  <a:schemeClr val="tx1"/>
+                </a:solidFill>
+                <a:latin typeface="+mn-lt"/>
+                <a:ea typeface="+mn-ea"/>
+                <a:cs typeface="+mn-cs"/>
+              </a:defRPr>
+            </a:lvl8pPr>
+            <a:lvl9pPr marL="3657600" algn="l" defTabSz="914400" rtl="0" eaLnBrk="1" latinLnBrk="0" hangingPunct="1">
+              <a:defRPr kumimoji="1" sz="1800" kern="1200">
+                <a:solidFill>
+                  <a:schemeClr val="tx1"/>
+                </a:solidFill>
+                <a:latin typeface="+mn-lt"/>
+                <a:ea typeface="+mn-ea"/>
+                <a:cs typeface="+mn-cs"/>
+              </a:defRPr>
+            </a:lvl9pPr>
+          </a:lstStyle>
+          <a:p>
+            <a:pPr algn="l"/>
+            <a:r>
+              <a:rPr lang="en-US" altLang="ja-JP" sz="1400" dirty="0">
+                <a:solidFill>
+                  <a:schemeClr val="bg1"/>
+                </a:solidFill>
+                <a:latin typeface="HGPｺﾞｼｯｸE" panose="020B0900000000000000" pitchFamily="50" charset="-128"/>
+                <a:ea typeface="HGPｺﾞｼｯｸE" panose="020B0900000000000000" pitchFamily="50" charset="-128"/>
+              </a:rPr>
+              <a:t>Tool</a:t>
+            </a:r>
+            <a:r>
+              <a:rPr lang="ja-JP" altLang="en-US" sz="1400" dirty="0">
+                <a:solidFill>
+                  <a:schemeClr val="bg1"/>
+                </a:solidFill>
+                <a:latin typeface="HGPｺﾞｼｯｸE" panose="020B0900000000000000" pitchFamily="50" charset="-128"/>
+                <a:ea typeface="HGPｺﾞｼｯｸE" panose="020B0900000000000000" pitchFamily="50" charset="-128"/>
+              </a:rPr>
+              <a:t>：</a:t>
+            </a:r>
+            <a:r>
+              <a:rPr lang="en-US" altLang="ja-JP" sz="1400" dirty="0">
+                <a:solidFill>
+                  <a:schemeClr val="bg1"/>
+                </a:solidFill>
+                <a:latin typeface="HGPｺﾞｼｯｸE" panose="020B0900000000000000" pitchFamily="50" charset="-128"/>
+                <a:ea typeface="HGPｺﾞｼｯｸE" panose="020B0900000000000000" pitchFamily="50" charset="-128"/>
+              </a:rPr>
+              <a:t>ExpAnalyzer</a:t>
+            </a:r>
+            <a:r>
+              <a:rPr lang="ja-JP" altLang="en-US" sz="1400" dirty="0">
+                <a:solidFill>
+                  <a:schemeClr val="bg1"/>
+                </a:solidFill>
+                <a:latin typeface="HGPｺﾞｼｯｸE" panose="020B0900000000000000" pitchFamily="50" charset="-128"/>
+                <a:ea typeface="HGPｺﾞｼｯｸE" panose="020B0900000000000000" pitchFamily="50" charset="-128"/>
+              </a:rPr>
+              <a:t>　　</a:t>
+            </a:r>
+            <a:r>
+              <a:rPr lang="en-US" altLang="ja-JP" sz="1400" dirty="0">
+                <a:solidFill>
+                  <a:schemeClr val="bg1"/>
+                </a:solidFill>
+                <a:latin typeface="HGPｺﾞｼｯｸE" panose="020B0900000000000000" pitchFamily="50" charset="-128"/>
+                <a:ea typeface="HGPｺﾞｼｯｸE" panose="020B0900000000000000" pitchFamily="50" charset="-128"/>
+              </a:rPr>
+              <a:t>Creater</a:t>
+            </a:r>
+            <a:r>
+              <a:rPr lang="ja-JP" altLang="en-US" sz="1400" dirty="0">
+                <a:solidFill>
+                  <a:schemeClr val="bg1"/>
+                </a:solidFill>
+                <a:latin typeface="HGPｺﾞｼｯｸE" panose="020B0900000000000000" pitchFamily="50" charset="-128"/>
+                <a:ea typeface="HGPｺﾞｼｯｸE" panose="020B0900000000000000" pitchFamily="50" charset="-128"/>
+              </a:rPr>
+              <a:t>：</a:t>
+            </a:r>
+            <a:r>
+              <a:rPr lang="en-US" altLang="ja-JP" sz="1400" dirty="0">
+                <a:solidFill>
+                  <a:schemeClr val="bg1"/>
+                </a:solidFill>
+                <a:latin typeface="HGPｺﾞｼｯｸE" panose="020B0900000000000000" pitchFamily="50" charset="-128"/>
+                <a:ea typeface="HGPｺﾞｼｯｸE" panose="020B0900000000000000" pitchFamily="50" charset="-128"/>
+              </a:rPr>
+              <a:t>Takehiro Somekawa</a:t>
+            </a:r>
+            <a:endParaRPr lang="ja-JP" altLang="en-US" sz="1400" dirty="0">
+              <a:solidFill>
+                <a:schemeClr val="bg1"/>
+              </a:solidFill>
+              <a:latin typeface="HGPｺﾞｼｯｸE" panose="020B0900000000000000" pitchFamily="50" charset="-128"/>
+              <a:ea typeface="HGPｺﾞｼｯｸE" panose="020B0900000000000000" pitchFamily="50" charset="-128"/>
+            </a:endParaRPr>
+          </a:p>
+        </p:txBody>
+      </p:sp>
+      <p:sp>
+        <p:nvSpPr>
+          <p:cNvPr id="8" name="矢印: 五方向 7">
+            <a:extLst>
+              <a:ext uri="{FF2B5EF4-FFF2-40B4-BE49-F238E27FC236}">
+                <a16:creationId xmlns:a16="http://schemas.microsoft.com/office/drawing/2014/main" id="{8F554631-7D6F-03A7-303D-39C01365BDD7}"/>
+              </a:ext>
+            </a:extLst>
+          </p:cNvPr>
+          <p:cNvSpPr/>
+          <p:nvPr/>
+        </p:nvSpPr>
+        <p:spPr>
+          <a:xfrm>
+            <a:off x="73116" y="79303"/>
+            <a:ext cx="1368263" cy="504000"/>
+          </a:xfrm>
+          <a:prstGeom prst="homePlate">
+            <a:avLst/>
+          </a:prstGeom>
+          <a:solidFill>
+            <a:srgbClr val="002060"/>
+          </a:solidFill>
+          <a:ln w="38100" cap="flat" cmpd="sng">
+            <a:solidFill>
+              <a:schemeClr val="bg2"/>
+            </a:solidFill>
+            <a:miter lim="800000"/>
+          </a:ln>
+          <a:effectLst>
+            <a:outerShdw blurRad="50800" dist="38100" dir="2700000" algn="tl" rotWithShape="0">
+              <a:prstClr val="black">
+                <a:alpha val="40000"/>
+              </a:prstClr>
+            </a:outerShdw>
+          </a:effectLst>
+        </p:spPr>
+        <p:style>
+          <a:lnRef idx="2">
+            <a:schemeClr val="accent1">
+              <a:shade val="50000"/>
+            </a:schemeClr>
+          </a:lnRef>
+          <a:fillRef idx="1">
+            <a:schemeClr val="accent1"/>
+          </a:fillRef>
+          <a:effectRef idx="0">
+            <a:schemeClr val="accent1"/>
+          </a:effectRef>
+          <a:fontRef idx="minor">
+            <a:schemeClr val="lt1"/>
+          </a:fontRef>
+        </p:style>
+        <p:txBody>
+          <a:bodyPr rtlCol="0" anchor="ctr"/>
+          <a:lstStyle/>
+          <a:p>
+            <a:pPr algn="ctr"/>
+            <a:r>
+              <a:rPr kumimoji="1" lang="ja-JP" altLang="en-US" sz="1400" dirty="0">
+                <a:latin typeface="HGPｺﾞｼｯｸE" panose="020B0900000000000000" pitchFamily="50" charset="-128"/>
+                <a:ea typeface="HGPｺﾞｼｯｸE" panose="020B0900000000000000" pitchFamily="50" charset="-128"/>
+              </a:rPr>
+              <a:t>調査</a:t>
+            </a:r>
+          </a:p>
+        </p:txBody>
+      </p:sp>
+      <p:sp>
+        <p:nvSpPr>
+          <p:cNvPr id="10" name="テキスト ボックス 9">
+            <a:extLst>
+              <a:ext uri="{FF2B5EF4-FFF2-40B4-BE49-F238E27FC236}">
+                <a16:creationId xmlns:a16="http://schemas.microsoft.com/office/drawing/2014/main" id="{7D9F0AA6-7DE1-2A6E-85D5-B64EC04CC725}"/>
+              </a:ext>
+            </a:extLst>
+          </p:cNvPr>
+          <p:cNvSpPr txBox="1"/>
+          <p:nvPr/>
+        </p:nvSpPr>
+        <p:spPr>
+          <a:xfrm>
+            <a:off x="137940" y="764704"/>
+            <a:ext cx="2069628" cy="276999"/>
+          </a:xfrm>
+          <a:prstGeom prst="rect">
+            <a:avLst/>
+          </a:prstGeom>
+          <a:noFill/>
+        </p:spPr>
+        <p:txBody>
+          <a:bodyPr wrap="square" rtlCol="0">
+            <a:spAutoFit/>
+          </a:bodyPr>
+          <a:lstStyle/>
+          <a:p>
+            <a:r>
+              <a:rPr kumimoji="1" lang="ja-JP" altLang="en-US" sz="1200" b="1" dirty="0"/>
+              <a:t>■</a:t>
+            </a:r>
+            <a:r>
+              <a:rPr kumimoji="1" lang="ja-JP" altLang="en-US" sz="1200" dirty="0"/>
+              <a:t>ホールデータ読込み機能</a:t>
+            </a:r>
+          </a:p>
+        </p:txBody>
+      </p:sp>
+      <p:sp>
+        <p:nvSpPr>
+          <p:cNvPr id="11" name="テキスト ボックス 10">
+            <a:extLst>
+              <a:ext uri="{FF2B5EF4-FFF2-40B4-BE49-F238E27FC236}">
+                <a16:creationId xmlns:a16="http://schemas.microsoft.com/office/drawing/2014/main" id="{A68194CB-3BF3-C21D-1B65-D484B5B063DC}"/>
+              </a:ext>
+            </a:extLst>
+          </p:cNvPr>
+          <p:cNvSpPr txBox="1"/>
+          <p:nvPr/>
+        </p:nvSpPr>
+        <p:spPr>
+          <a:xfrm>
+            <a:off x="193021" y="963463"/>
+            <a:ext cx="4414456" cy="5355312"/>
+          </a:xfrm>
+          <a:prstGeom prst="rect">
+            <a:avLst/>
+          </a:prstGeom>
+          <a:noFill/>
+        </p:spPr>
+        <p:txBody>
+          <a:bodyPr wrap="square" rtlCol="0">
+            <a:spAutoFit/>
+          </a:bodyPr>
+          <a:lstStyle/>
+          <a:p>
+            <a:r>
+              <a:rPr lang="ja-JP" altLang="en-US" sz="900" dirty="0"/>
+              <a:t>・ホール</a:t>
+            </a:r>
+            <a:r>
+              <a:rPr kumimoji="1" lang="ja-JP" altLang="en-US" sz="900" dirty="0"/>
+              <a:t>データ整形</a:t>
+            </a:r>
+            <a:endParaRPr kumimoji="1" lang="en-US" altLang="ja-JP" sz="900" dirty="0"/>
+          </a:p>
+          <a:p>
+            <a:r>
+              <a:rPr lang="ja-JP" altLang="en-US" sz="900" dirty="0"/>
+              <a:t>　＜通常機種＞</a:t>
+            </a:r>
+            <a:endParaRPr kumimoji="1" lang="en-US" altLang="ja-JP" sz="900" dirty="0"/>
+          </a:p>
+          <a:p>
+            <a:r>
+              <a:rPr lang="ja-JP" altLang="en-US" sz="900" dirty="0"/>
+              <a:t>　①前日の残り回転数を先頭の初当り回転数に加算する</a:t>
+            </a:r>
+            <a:endParaRPr lang="en-US" altLang="ja-JP" sz="900" dirty="0"/>
+          </a:p>
+          <a:p>
+            <a:r>
+              <a:rPr lang="ja-JP" altLang="en-US" sz="900" dirty="0"/>
+              <a:t>　　→定休日または故障台の場合</a:t>
+            </a:r>
+            <a:r>
+              <a:rPr lang="en-US" altLang="ja-JP" sz="900" dirty="0"/>
+              <a:t>(</a:t>
+            </a:r>
+            <a:r>
+              <a:rPr lang="ja-JP" altLang="en-US" sz="900" dirty="0"/>
+              <a:t>回転数：</a:t>
+            </a:r>
+            <a:r>
+              <a:rPr lang="en-US" altLang="ja-JP" sz="900" dirty="0"/>
+              <a:t>-1, </a:t>
+            </a:r>
+            <a:r>
+              <a:rPr lang="ja-JP" altLang="en-US" sz="900" dirty="0"/>
+              <a:t>大当り種別：</a:t>
+            </a:r>
+            <a:r>
+              <a:rPr lang="en-US" altLang="ja-JP" sz="900" dirty="0"/>
+              <a:t>-1)</a:t>
+            </a:r>
+            <a:r>
+              <a:rPr lang="ja-JP" altLang="en-US" sz="900" dirty="0"/>
+              <a:t>は</a:t>
+            </a:r>
+            <a:endParaRPr lang="en-US" altLang="ja-JP" sz="900" dirty="0"/>
+          </a:p>
+          <a:p>
+            <a:r>
+              <a:rPr lang="ja-JP" altLang="en-US" sz="900" dirty="0"/>
+              <a:t>　　　加算せずにスキップ</a:t>
+            </a:r>
+            <a:endParaRPr lang="en-US" altLang="ja-JP" sz="900" dirty="0"/>
+          </a:p>
+          <a:p>
+            <a:r>
+              <a:rPr lang="ja-JP" altLang="en-US" sz="900" dirty="0"/>
+              <a:t>　②確変終了後の初当り回転数から</a:t>
+            </a:r>
+            <a:r>
+              <a:rPr lang="en-US" altLang="ja-JP" sz="900" dirty="0"/>
+              <a:t>ST</a:t>
+            </a:r>
+            <a:r>
+              <a:rPr lang="ja-JP" altLang="en-US" sz="900" dirty="0"/>
+              <a:t>回転数を減算する </a:t>
+            </a:r>
+            <a:r>
+              <a:rPr lang="en-US" altLang="ja-JP" sz="900" dirty="0"/>
+              <a:t>※1</a:t>
+            </a:r>
+          </a:p>
+          <a:p>
+            <a:r>
+              <a:rPr lang="ja-JP" altLang="en-US" sz="900" dirty="0"/>
+              <a:t>　　→機種スペックデータから</a:t>
+            </a:r>
+            <a:r>
+              <a:rPr lang="en-US" altLang="ja-JP" sz="900" dirty="0"/>
+              <a:t>ST</a:t>
+            </a:r>
+            <a:r>
+              <a:rPr lang="ja-JP" altLang="en-US" sz="900" dirty="0"/>
+              <a:t>回転数を取得する</a:t>
+            </a:r>
+            <a:endParaRPr lang="en-US" altLang="ja-JP" sz="900" dirty="0"/>
+          </a:p>
+          <a:p>
+            <a:r>
+              <a:rPr lang="ja-JP" altLang="en-US" sz="900" dirty="0"/>
+              <a:t>　　→確変終了後に初当りしていない場合は、</a:t>
+            </a:r>
+            <a:endParaRPr lang="en-US" altLang="ja-JP" sz="900" dirty="0"/>
+          </a:p>
+          <a:p>
+            <a:r>
+              <a:rPr lang="ja-JP" altLang="en-US" sz="900" dirty="0"/>
+              <a:t>　　　残り回転数から</a:t>
+            </a:r>
+            <a:r>
+              <a:rPr lang="en-US" altLang="ja-JP" sz="900" dirty="0"/>
+              <a:t>ST</a:t>
+            </a:r>
+            <a:r>
+              <a:rPr lang="ja-JP" altLang="en-US" sz="900" dirty="0"/>
+              <a:t>回転数を減算する </a:t>
+            </a:r>
+            <a:r>
+              <a:rPr lang="en-US" altLang="ja-JP" sz="900" dirty="0"/>
+              <a:t>※2</a:t>
+            </a:r>
+          </a:p>
+          <a:p>
+            <a:r>
+              <a:rPr lang="ja-JP" altLang="en-US" sz="900" dirty="0"/>
+              <a:t>　</a:t>
+            </a:r>
+            <a:r>
+              <a:rPr lang="en-US" altLang="ja-JP" sz="900" dirty="0">
+                <a:solidFill>
+                  <a:srgbClr val="FF0000"/>
+                </a:solidFill>
+              </a:rPr>
+              <a:t>※1 </a:t>
+            </a:r>
+            <a:r>
+              <a:rPr lang="ja-JP" altLang="en-US" sz="900" dirty="0">
+                <a:solidFill>
+                  <a:srgbClr val="FF0000"/>
+                </a:solidFill>
+              </a:rPr>
+              <a:t>データソースが台データオンラインの場合は②は実行しない</a:t>
+            </a:r>
+            <a:endParaRPr lang="en-US" altLang="ja-JP" sz="900" dirty="0">
+              <a:solidFill>
+                <a:srgbClr val="FF0000"/>
+              </a:solidFill>
+            </a:endParaRPr>
+          </a:p>
+          <a:p>
+            <a:r>
+              <a:rPr lang="ja-JP" altLang="en-US" sz="900" dirty="0">
+                <a:solidFill>
+                  <a:srgbClr val="FF0000"/>
+                </a:solidFill>
+              </a:rPr>
+              <a:t>　</a:t>
+            </a:r>
+            <a:r>
+              <a:rPr lang="en-US" altLang="ja-JP" sz="900" dirty="0">
+                <a:solidFill>
+                  <a:srgbClr val="FF0000"/>
+                </a:solidFill>
+              </a:rPr>
+              <a:t>※2 </a:t>
+            </a:r>
+            <a:r>
+              <a:rPr lang="ja-JP" altLang="en-US" sz="900" dirty="0">
+                <a:solidFill>
+                  <a:srgbClr val="FF0000"/>
+                </a:solidFill>
+              </a:rPr>
+              <a:t>残り回転数が</a:t>
+            </a:r>
+            <a:r>
+              <a:rPr lang="en-US" altLang="ja-JP" sz="900" dirty="0">
+                <a:solidFill>
+                  <a:srgbClr val="FF0000"/>
+                </a:solidFill>
+              </a:rPr>
+              <a:t>ST</a:t>
+            </a:r>
+            <a:r>
+              <a:rPr lang="ja-JP" altLang="en-US" sz="900" dirty="0">
+                <a:solidFill>
+                  <a:srgbClr val="FF0000"/>
+                </a:solidFill>
+              </a:rPr>
+              <a:t>回転数に満たない場合は減算しない</a:t>
+            </a:r>
+            <a:endParaRPr lang="en-US" altLang="ja-JP" sz="900" dirty="0">
+              <a:solidFill>
+                <a:srgbClr val="FF0000"/>
+              </a:solidFill>
+            </a:endParaRPr>
+          </a:p>
+          <a:p>
+            <a:r>
+              <a:rPr lang="ja-JP" altLang="en-US" sz="900" dirty="0">
+                <a:solidFill>
+                  <a:srgbClr val="FF0000"/>
+                </a:solidFill>
+              </a:rPr>
+              <a:t>　　   閉店時に確変が終了しなかった場合（強制退店 </a:t>
+            </a:r>
+            <a:r>
+              <a:rPr lang="en-US" altLang="ja-JP" sz="900" dirty="0">
+                <a:solidFill>
+                  <a:srgbClr val="FF0000"/>
+                </a:solidFill>
+              </a:rPr>
+              <a:t>etc. </a:t>
+            </a:r>
+            <a:r>
+              <a:rPr lang="ja-JP" altLang="en-US" sz="900" dirty="0">
+                <a:solidFill>
+                  <a:srgbClr val="FF0000"/>
+                </a:solidFill>
+              </a:rPr>
+              <a:t>）→ </a:t>
+            </a:r>
+            <a:r>
+              <a:rPr lang="en-US" altLang="ja-JP" sz="900" dirty="0">
+                <a:solidFill>
+                  <a:srgbClr val="FF0000"/>
+                </a:solidFill>
+              </a:rPr>
+              <a:t>RAM</a:t>
+            </a:r>
+            <a:r>
+              <a:rPr lang="ja-JP" altLang="en-US" sz="900" dirty="0">
+                <a:solidFill>
+                  <a:srgbClr val="FF0000"/>
+                </a:solidFill>
+              </a:rPr>
+              <a:t>クリア警告</a:t>
+            </a:r>
+            <a:endParaRPr lang="en-US" altLang="ja-JP" sz="900" dirty="0">
+              <a:solidFill>
+                <a:srgbClr val="FF0000"/>
+              </a:solidFill>
+            </a:endParaRPr>
+          </a:p>
+          <a:p>
+            <a:endParaRPr lang="en-US" altLang="ja-JP" sz="900" dirty="0"/>
+          </a:p>
+          <a:p>
+            <a:r>
+              <a:rPr lang="ja-JP" altLang="en-US" sz="900" dirty="0"/>
+              <a:t>　＜</a:t>
+            </a:r>
+            <a:r>
+              <a:rPr lang="en-US" altLang="ja-JP" sz="900" dirty="0"/>
+              <a:t>C</a:t>
+            </a:r>
+            <a:r>
+              <a:rPr lang="ja-JP" altLang="en-US" sz="900" dirty="0"/>
+              <a:t>タイム搭載機種＞</a:t>
+            </a:r>
+            <a:endParaRPr lang="en-US" altLang="ja-JP" sz="900" dirty="0"/>
+          </a:p>
+          <a:p>
+            <a:r>
+              <a:rPr lang="ja-JP" altLang="en-US" sz="900" dirty="0">
+                <a:solidFill>
+                  <a:srgbClr val="FF0000"/>
+                </a:solidFill>
+              </a:rPr>
+              <a:t>　ルール：</a:t>
+            </a:r>
+            <a:r>
+              <a:rPr lang="en-US" altLang="ja-JP" sz="900" dirty="0">
+                <a:solidFill>
+                  <a:srgbClr val="FF0000"/>
+                </a:solidFill>
+              </a:rPr>
+              <a:t>C</a:t>
+            </a:r>
+            <a:r>
+              <a:rPr lang="ja-JP" altLang="en-US" sz="900" dirty="0">
+                <a:solidFill>
+                  <a:srgbClr val="FF0000"/>
+                </a:solidFill>
+              </a:rPr>
+              <a:t>タイム突入時の回転数は通常時の初当り回転数とする</a:t>
+            </a:r>
+            <a:endParaRPr lang="en-US" altLang="ja-JP" sz="900" dirty="0">
+              <a:solidFill>
+                <a:srgbClr val="FF0000"/>
+              </a:solidFill>
+            </a:endParaRPr>
+          </a:p>
+          <a:p>
+            <a:r>
+              <a:rPr lang="ja-JP" altLang="en-US" sz="900" dirty="0">
+                <a:solidFill>
+                  <a:srgbClr val="FF0000"/>
+                </a:solidFill>
+              </a:rPr>
+              <a:t>　→</a:t>
+            </a:r>
+            <a:r>
+              <a:rPr lang="en-US" altLang="ja-JP" sz="900" dirty="0">
+                <a:solidFill>
+                  <a:srgbClr val="FF0000"/>
+                </a:solidFill>
+              </a:rPr>
+              <a:t>C</a:t>
+            </a:r>
+            <a:r>
+              <a:rPr lang="ja-JP" altLang="en-US" sz="900" dirty="0">
+                <a:solidFill>
+                  <a:srgbClr val="FF0000"/>
+                </a:solidFill>
+              </a:rPr>
+              <a:t>タイム内で当選した場合は、当選までの回転数を</a:t>
+            </a:r>
+            <a:endParaRPr lang="en-US" altLang="ja-JP" sz="900" dirty="0">
+              <a:solidFill>
+                <a:srgbClr val="FF0000"/>
+              </a:solidFill>
+            </a:endParaRPr>
+          </a:p>
+          <a:p>
+            <a:r>
+              <a:rPr lang="ja-JP" altLang="en-US" sz="900" dirty="0">
+                <a:solidFill>
+                  <a:srgbClr val="FF0000"/>
+                </a:solidFill>
+              </a:rPr>
+              <a:t>　　初当り回転数とする</a:t>
+            </a:r>
+            <a:endParaRPr lang="en-US" altLang="ja-JP" sz="900" dirty="0">
+              <a:solidFill>
+                <a:srgbClr val="FF0000"/>
+              </a:solidFill>
+            </a:endParaRPr>
+          </a:p>
+          <a:p>
+            <a:r>
+              <a:rPr lang="ja-JP" altLang="en-US" sz="900" dirty="0">
+                <a:solidFill>
+                  <a:srgbClr val="FF0000"/>
+                </a:solidFill>
+              </a:rPr>
+              <a:t>　→</a:t>
+            </a:r>
+            <a:r>
+              <a:rPr lang="en-US" altLang="ja-JP" sz="900" dirty="0">
+                <a:solidFill>
+                  <a:srgbClr val="FF0000"/>
+                </a:solidFill>
+              </a:rPr>
+              <a:t>C</a:t>
+            </a:r>
+            <a:r>
+              <a:rPr lang="ja-JP" altLang="en-US" sz="900" dirty="0">
+                <a:solidFill>
+                  <a:srgbClr val="FF0000"/>
+                </a:solidFill>
+              </a:rPr>
+              <a:t>タイム内で当選しなかった場合は、</a:t>
+            </a:r>
+            <a:r>
+              <a:rPr lang="en-US" altLang="ja-JP" sz="900" dirty="0">
+                <a:solidFill>
+                  <a:srgbClr val="FF0000"/>
+                </a:solidFill>
+              </a:rPr>
+              <a:t>C</a:t>
+            </a:r>
+            <a:r>
+              <a:rPr lang="ja-JP" altLang="en-US" sz="900" dirty="0">
+                <a:solidFill>
+                  <a:srgbClr val="FF0000"/>
+                </a:solidFill>
+              </a:rPr>
+              <a:t>タイム回転数を</a:t>
+            </a:r>
+            <a:endParaRPr lang="en-US" altLang="ja-JP" sz="900" dirty="0">
+              <a:solidFill>
+                <a:srgbClr val="FF0000"/>
+              </a:solidFill>
+            </a:endParaRPr>
+          </a:p>
+          <a:p>
+            <a:r>
+              <a:rPr lang="ja-JP" altLang="en-US" sz="900" dirty="0">
+                <a:solidFill>
+                  <a:srgbClr val="FF0000"/>
+                </a:solidFill>
+              </a:rPr>
+              <a:t>　　次の初当り回転数または残り回転数に加算する</a:t>
+            </a:r>
+            <a:endParaRPr lang="en-US" altLang="ja-JP" sz="900" dirty="0">
+              <a:solidFill>
+                <a:srgbClr val="FF0000"/>
+              </a:solidFill>
+            </a:endParaRPr>
+          </a:p>
+          <a:p>
+            <a:endParaRPr lang="en-US" altLang="ja-JP" sz="900" dirty="0">
+              <a:solidFill>
+                <a:srgbClr val="FF0000"/>
+              </a:solidFill>
+            </a:endParaRPr>
+          </a:p>
+          <a:p>
+            <a:r>
+              <a:rPr lang="ja-JP" altLang="en-US" sz="900" dirty="0"/>
+              <a:t>　①通常機種の①</a:t>
+            </a:r>
+            <a:r>
+              <a:rPr lang="en-US" altLang="ja-JP" sz="900" dirty="0"/>
+              <a:t>, </a:t>
+            </a:r>
+            <a:r>
+              <a:rPr lang="ja-JP" altLang="en-US" sz="900" dirty="0"/>
+              <a:t>②と同様</a:t>
+            </a:r>
+            <a:endParaRPr lang="en-US" altLang="ja-JP" sz="900" dirty="0"/>
+          </a:p>
+          <a:p>
+            <a:r>
+              <a:rPr lang="ja-JP" altLang="en-US" sz="900" dirty="0"/>
+              <a:t>　　→データソースが台データオンラインの場合は②は実行しない</a:t>
+            </a:r>
+            <a:endParaRPr lang="en-US" altLang="ja-JP" sz="900" dirty="0"/>
+          </a:p>
+          <a:p>
+            <a:r>
+              <a:rPr lang="ja-JP" altLang="en-US" sz="900" dirty="0"/>
+              <a:t>　②</a:t>
+            </a:r>
+            <a:r>
+              <a:rPr lang="en-US" altLang="ja-JP" sz="900" dirty="0"/>
+              <a:t>C</a:t>
+            </a:r>
+            <a:r>
+              <a:rPr lang="ja-JP" altLang="en-US" sz="900" dirty="0"/>
+              <a:t>タイム突入時の各種データソースのホールデータ整形処理</a:t>
+            </a:r>
+            <a:endParaRPr lang="en-US" altLang="ja-JP" sz="900" dirty="0"/>
+          </a:p>
+          <a:p>
+            <a:r>
+              <a:rPr lang="en-US" altLang="ja-JP" sz="900" dirty="0"/>
+              <a:t>       &lt;</a:t>
+            </a:r>
+            <a:r>
+              <a:rPr lang="ja-JP" altLang="en-US" sz="900" dirty="0"/>
+              <a:t>マルハンアプリの場合</a:t>
+            </a:r>
+            <a:r>
+              <a:rPr lang="en-US" altLang="ja-JP" sz="900" dirty="0"/>
+              <a:t>&gt;</a:t>
+            </a:r>
+          </a:p>
+          <a:p>
+            <a:r>
+              <a:rPr lang="ja-JP" altLang="en-US" sz="900" dirty="0"/>
+              <a:t>　　→確変当り回転数が</a:t>
+            </a:r>
+            <a:r>
+              <a:rPr lang="en-US" altLang="ja-JP" sz="900" dirty="0"/>
+              <a:t>ST</a:t>
+            </a:r>
+            <a:r>
+              <a:rPr lang="ja-JP" altLang="en-US" sz="900" dirty="0"/>
+              <a:t>回転数を超過する場合は、</a:t>
+            </a:r>
+            <a:endParaRPr lang="en-US" altLang="ja-JP" sz="900" dirty="0"/>
+          </a:p>
+          <a:p>
+            <a:r>
+              <a:rPr lang="ja-JP" altLang="en-US" sz="900" dirty="0"/>
+              <a:t>　　    </a:t>
+            </a:r>
+            <a:r>
+              <a:rPr lang="en-US" altLang="ja-JP" sz="900" dirty="0"/>
+              <a:t>C</a:t>
+            </a:r>
+            <a:r>
+              <a:rPr lang="ja-JP" altLang="en-US" sz="900" dirty="0"/>
+              <a:t>タイム突入とみなし、回転数から</a:t>
+            </a:r>
+            <a:r>
+              <a:rPr lang="en-US" altLang="ja-JP" sz="900" dirty="0"/>
+              <a:t>ST</a:t>
+            </a:r>
+            <a:r>
+              <a:rPr lang="ja-JP" altLang="en-US" sz="900" dirty="0"/>
+              <a:t>回転数を減算し、</a:t>
+            </a:r>
+            <a:endParaRPr lang="en-US" altLang="ja-JP" sz="900" dirty="0"/>
+          </a:p>
+          <a:p>
+            <a:r>
+              <a:rPr lang="ja-JP" altLang="en-US" sz="900" dirty="0"/>
+              <a:t>　　　大当り種別を</a:t>
+            </a:r>
+            <a:r>
+              <a:rPr lang="en-US" altLang="ja-JP" sz="900" dirty="0"/>
+              <a:t>3</a:t>
+            </a:r>
+            <a:r>
+              <a:rPr lang="ja-JP" altLang="en-US" sz="900" dirty="0"/>
+              <a:t>へ変更する</a:t>
+            </a:r>
+            <a:r>
+              <a:rPr lang="en-US" altLang="ja-JP" sz="900" dirty="0"/>
+              <a:t>(</a:t>
+            </a:r>
+            <a:r>
+              <a:rPr lang="ja-JP" altLang="en-US" sz="900" dirty="0"/>
+              <a:t>確変突入回数</a:t>
+            </a:r>
+            <a:r>
+              <a:rPr lang="en-US" altLang="ja-JP" sz="900" dirty="0"/>
+              <a:t>+1)</a:t>
+            </a:r>
+          </a:p>
+          <a:p>
+            <a:r>
+              <a:rPr lang="ja-JP" altLang="en-US" sz="900" dirty="0"/>
+              <a:t>　　→大当り種別が</a:t>
+            </a:r>
+            <a:r>
+              <a:rPr lang="en-US" altLang="ja-JP" sz="900" dirty="0"/>
+              <a:t>3</a:t>
+            </a:r>
+            <a:r>
+              <a:rPr lang="ja-JP" altLang="en-US" sz="900" dirty="0"/>
+              <a:t>の場合、次の当りの大当り種別が</a:t>
+            </a:r>
+            <a:r>
+              <a:rPr lang="en-US" altLang="ja-JP" sz="900" dirty="0"/>
+              <a:t>0</a:t>
+            </a:r>
+            <a:r>
+              <a:rPr lang="ja-JP" altLang="en-US" sz="900" dirty="0"/>
+              <a:t>または</a:t>
+            </a:r>
+            <a:r>
+              <a:rPr lang="en-US" altLang="ja-JP" sz="900" dirty="0"/>
+              <a:t>1</a:t>
+            </a:r>
+            <a:r>
+              <a:rPr lang="ja-JP" altLang="en-US" sz="900" dirty="0"/>
+              <a:t>の場合、</a:t>
+            </a:r>
+            <a:endParaRPr lang="en-US" altLang="ja-JP" sz="900" dirty="0"/>
+          </a:p>
+          <a:p>
+            <a:r>
+              <a:rPr lang="en-US" altLang="ja-JP" sz="900" dirty="0"/>
+              <a:t>          </a:t>
+            </a:r>
+            <a:r>
+              <a:rPr lang="ja-JP" altLang="en-US" sz="900" dirty="0"/>
+              <a:t>初当り回転数または残り回転数から</a:t>
+            </a:r>
+            <a:r>
+              <a:rPr lang="en-US" altLang="ja-JP" sz="900" dirty="0"/>
+              <a:t>ST</a:t>
+            </a:r>
+            <a:r>
+              <a:rPr lang="ja-JP" altLang="en-US" sz="900" dirty="0"/>
+              <a:t>回転数を減算する</a:t>
+            </a:r>
+            <a:endParaRPr lang="en-US" altLang="ja-JP" sz="900" dirty="0"/>
+          </a:p>
+          <a:p>
+            <a:r>
+              <a:rPr lang="ja-JP" altLang="en-US" sz="900" dirty="0"/>
+              <a:t>       </a:t>
+            </a:r>
+            <a:r>
+              <a:rPr lang="en-US" altLang="ja-JP" sz="900" dirty="0"/>
+              <a:t>&lt;</a:t>
+            </a:r>
+            <a:r>
+              <a:rPr lang="ja-JP" altLang="en-US" sz="900" dirty="0"/>
+              <a:t>データロボサイトセブンの場合</a:t>
+            </a:r>
+            <a:r>
+              <a:rPr lang="en-US" altLang="ja-JP" sz="900" dirty="0"/>
+              <a:t>&gt;</a:t>
+            </a:r>
+          </a:p>
+          <a:p>
+            <a:r>
+              <a:rPr lang="ja-JP" altLang="en-US" sz="900" dirty="0"/>
+              <a:t>      →</a:t>
+            </a:r>
+            <a:r>
+              <a:rPr lang="ja-JP" altLang="en-US" sz="900" dirty="0">
+                <a:solidFill>
+                  <a:srgbClr val="0000FF"/>
+                </a:solidFill>
+              </a:rPr>
+              <a:t>大当り回数が突時となっている場合は、ホールデータ</a:t>
+            </a:r>
+            <a:r>
+              <a:rPr lang="en-US" altLang="ja-JP" sz="900" dirty="0">
+                <a:solidFill>
+                  <a:srgbClr val="0000FF"/>
+                </a:solidFill>
+              </a:rPr>
+              <a:t>(Excel)</a:t>
+            </a:r>
+            <a:r>
+              <a:rPr lang="ja-JP" altLang="en-US" sz="900" dirty="0">
+                <a:solidFill>
+                  <a:srgbClr val="0000FF"/>
+                </a:solidFill>
+              </a:rPr>
+              <a:t>の回転数に</a:t>
+            </a:r>
+            <a:endParaRPr lang="en-US" altLang="ja-JP" sz="900" dirty="0">
+              <a:solidFill>
+                <a:srgbClr val="0000FF"/>
+              </a:solidFill>
+            </a:endParaRPr>
+          </a:p>
+          <a:p>
+            <a:r>
+              <a:rPr lang="ja-JP" altLang="en-US" sz="900" dirty="0">
+                <a:solidFill>
+                  <a:srgbClr val="0000FF"/>
+                </a:solidFill>
+              </a:rPr>
+              <a:t>         カッコ内の回転数を記載し、大当り種別を</a:t>
+            </a:r>
+            <a:r>
+              <a:rPr lang="en-US" altLang="ja-JP" sz="900" dirty="0">
+                <a:solidFill>
+                  <a:srgbClr val="0000FF"/>
+                </a:solidFill>
+              </a:rPr>
+              <a:t>3</a:t>
+            </a:r>
+            <a:r>
+              <a:rPr lang="ja-JP" altLang="en-US" sz="900" dirty="0">
+                <a:solidFill>
+                  <a:srgbClr val="0000FF"/>
+                </a:solidFill>
+              </a:rPr>
+              <a:t>へ変更する</a:t>
+            </a:r>
+            <a:r>
+              <a:rPr lang="en-US" altLang="ja-JP" sz="900" dirty="0">
+                <a:solidFill>
+                  <a:srgbClr val="0000FF"/>
+                </a:solidFill>
+              </a:rPr>
+              <a:t>(</a:t>
+            </a:r>
+            <a:r>
+              <a:rPr lang="ja-JP" altLang="en-US" sz="900" dirty="0">
+                <a:solidFill>
+                  <a:srgbClr val="0000FF"/>
+                </a:solidFill>
+              </a:rPr>
+              <a:t>確変突入回数</a:t>
+            </a:r>
+            <a:r>
+              <a:rPr lang="en-US" altLang="ja-JP" sz="900" dirty="0">
+                <a:solidFill>
+                  <a:srgbClr val="0000FF"/>
+                </a:solidFill>
+              </a:rPr>
+              <a:t>+1)</a:t>
+            </a:r>
+          </a:p>
+          <a:p>
+            <a:r>
+              <a:rPr lang="en-US" altLang="ja-JP" sz="900" dirty="0">
+                <a:solidFill>
+                  <a:srgbClr val="0000FF"/>
+                </a:solidFill>
+              </a:rPr>
+              <a:t>      </a:t>
+            </a:r>
+            <a:r>
+              <a:rPr lang="ja-JP" altLang="en-US" sz="900" dirty="0"/>
+              <a:t>→大当り種別が</a:t>
+            </a:r>
+            <a:r>
+              <a:rPr lang="en-US" altLang="ja-JP" sz="900" dirty="0"/>
+              <a:t>3</a:t>
+            </a:r>
+            <a:r>
+              <a:rPr lang="ja-JP" altLang="en-US" sz="900" dirty="0"/>
+              <a:t>の場合、次の当りの大当り種別が</a:t>
+            </a:r>
+            <a:r>
+              <a:rPr lang="en-US" altLang="ja-JP" sz="900" dirty="0"/>
+              <a:t>0</a:t>
+            </a:r>
+            <a:r>
+              <a:rPr lang="ja-JP" altLang="en-US" sz="900" dirty="0"/>
+              <a:t>または</a:t>
+            </a:r>
+            <a:r>
+              <a:rPr lang="en-US" altLang="ja-JP" sz="900" dirty="0"/>
+              <a:t>1</a:t>
+            </a:r>
+            <a:r>
+              <a:rPr lang="ja-JP" altLang="en-US" sz="900" dirty="0"/>
+              <a:t>の場合、</a:t>
+            </a:r>
+            <a:endParaRPr lang="en-US" altLang="ja-JP" sz="900" dirty="0"/>
+          </a:p>
+          <a:p>
+            <a:r>
+              <a:rPr lang="en-US" altLang="ja-JP" sz="900" dirty="0"/>
+              <a:t>         </a:t>
+            </a:r>
+            <a:r>
+              <a:rPr lang="ja-JP" altLang="en-US" sz="900" dirty="0"/>
+              <a:t>初当り回転数または残り回転数からカッコ内の回転数を減算する</a:t>
+            </a:r>
+            <a:endParaRPr lang="en-US" altLang="ja-JP" sz="900" dirty="0"/>
+          </a:p>
+          <a:p>
+            <a:r>
+              <a:rPr lang="ja-JP" altLang="en-US" sz="900" dirty="0">
+                <a:solidFill>
+                  <a:srgbClr val="C00000"/>
+                </a:solidFill>
+              </a:rPr>
+              <a:t>         </a:t>
+            </a:r>
+            <a:r>
+              <a:rPr lang="en-US" altLang="ja-JP" sz="900" dirty="0">
+                <a:solidFill>
+                  <a:srgbClr val="FF0000"/>
+                </a:solidFill>
+              </a:rPr>
+              <a:t>※2</a:t>
+            </a:r>
+            <a:r>
+              <a:rPr lang="ja-JP" altLang="en-US" sz="900" dirty="0">
+                <a:solidFill>
+                  <a:srgbClr val="FF0000"/>
+                </a:solidFill>
+              </a:rPr>
+              <a:t>連続以上</a:t>
+            </a:r>
+            <a:r>
+              <a:rPr lang="en-US" altLang="ja-JP" sz="900" dirty="0">
+                <a:solidFill>
+                  <a:srgbClr val="FF0000"/>
+                </a:solidFill>
+              </a:rPr>
+              <a:t>C</a:t>
+            </a:r>
+            <a:r>
+              <a:rPr lang="ja-JP" altLang="en-US" sz="900" dirty="0">
+                <a:solidFill>
+                  <a:srgbClr val="FF0000"/>
+                </a:solidFill>
+              </a:rPr>
+              <a:t>タイムに突入している場合は、最後のカッコ内の回転数を減算</a:t>
+            </a:r>
+            <a:endParaRPr lang="en-US" altLang="ja-JP" sz="900" dirty="0">
+              <a:solidFill>
+                <a:srgbClr val="FF0000"/>
+              </a:solidFill>
+            </a:endParaRPr>
+          </a:p>
+          <a:p>
+            <a:r>
+              <a:rPr lang="ja-JP" altLang="en-US" sz="900" dirty="0"/>
+              <a:t>　　</a:t>
+            </a:r>
+            <a:r>
+              <a:rPr lang="en-US" altLang="ja-JP" sz="900" dirty="0"/>
+              <a:t>&lt;</a:t>
+            </a:r>
+            <a:r>
+              <a:rPr lang="ja-JP" altLang="en-US" sz="900" dirty="0"/>
+              <a:t>台データオンラインの場合</a:t>
+            </a:r>
+            <a:r>
+              <a:rPr lang="en-US" altLang="ja-JP" sz="900" dirty="0"/>
+              <a:t>&gt;</a:t>
+            </a:r>
+          </a:p>
+          <a:p>
+            <a:r>
+              <a:rPr lang="en-US" altLang="ja-JP" sz="900" dirty="0"/>
+              <a:t>      </a:t>
+            </a:r>
+            <a:r>
+              <a:rPr lang="ja-JP" altLang="en-US" sz="900" dirty="0"/>
+              <a:t>→何もしない</a:t>
+            </a:r>
+            <a:endParaRPr lang="en-US" altLang="ja-JP" sz="900" dirty="0"/>
+          </a:p>
+        </p:txBody>
+      </p:sp>
+      <p:pic>
+        <p:nvPicPr>
+          <p:cNvPr id="15" name="図 14">
+            <a:extLst>
+              <a:ext uri="{FF2B5EF4-FFF2-40B4-BE49-F238E27FC236}">
+                <a16:creationId xmlns:a16="http://schemas.microsoft.com/office/drawing/2014/main" id="{1FD2C5D1-0831-879A-D466-E28F8E602985}"/>
+              </a:ext>
+            </a:extLst>
+          </p:cNvPr>
+          <p:cNvPicPr>
+            <a:picLocks noChangeAspect="1"/>
+          </p:cNvPicPr>
+          <p:nvPr/>
+        </p:nvPicPr>
+        <p:blipFill rotWithShape="1">
+          <a:blip r:embed="rId2"/>
+          <a:srcRect r="20068"/>
+          <a:stretch/>
+        </p:blipFill>
+        <p:spPr>
+          <a:xfrm>
+            <a:off x="4871864" y="976522"/>
+            <a:ext cx="7076442" cy="2736304"/>
+          </a:xfrm>
+          <a:prstGeom prst="rect">
+            <a:avLst/>
+          </a:prstGeom>
+          <a:ln>
+            <a:solidFill>
+              <a:schemeClr val="tx1"/>
+            </a:solidFill>
+          </a:ln>
+        </p:spPr>
+      </p:pic>
+      <p:sp>
+        <p:nvSpPr>
+          <p:cNvPr id="17" name="正方形/長方形 16">
+            <a:extLst>
+              <a:ext uri="{FF2B5EF4-FFF2-40B4-BE49-F238E27FC236}">
+                <a16:creationId xmlns:a16="http://schemas.microsoft.com/office/drawing/2014/main" id="{E47FEECD-A9C5-0255-0EB9-149BF8262A30}"/>
+              </a:ext>
+            </a:extLst>
+          </p:cNvPr>
+          <p:cNvSpPr/>
+          <p:nvPr/>
+        </p:nvSpPr>
+        <p:spPr>
+          <a:xfrm>
+            <a:off x="5745972" y="2713703"/>
+            <a:ext cx="442451" cy="123886"/>
+          </a:xfrm>
+          <a:prstGeom prst="rect">
+            <a:avLst/>
+          </a:prstGeom>
+          <a:noFill/>
+          <a:ln w="19050">
+            <a:solidFill>
+              <a:srgbClr val="0000FF"/>
+            </a:solidFill>
+          </a:ln>
+        </p:spPr>
+        <p:style>
+          <a:lnRef idx="2">
+            <a:schemeClr val="accent1">
+              <a:shade val="15000"/>
+            </a:schemeClr>
+          </a:lnRef>
+          <a:fillRef idx="1">
+            <a:schemeClr val="accent1"/>
+          </a:fillRef>
+          <a:effectRef idx="0">
+            <a:schemeClr val="accent1"/>
+          </a:effectRef>
+          <a:fontRef idx="minor">
+            <a:schemeClr val="lt1"/>
+          </a:fontRef>
+        </p:style>
+        <p:txBody>
+          <a:bodyPr rtlCol="0" anchor="ctr"/>
+          <a:lstStyle/>
+          <a:p>
+            <a:pPr algn="ctr"/>
+            <a:endParaRPr kumimoji="1" lang="ja-JP" altLang="en-US"/>
+          </a:p>
+        </p:txBody>
+      </p:sp>
+      <p:sp>
+        <p:nvSpPr>
+          <p:cNvPr id="20" name="正方形/長方形 19">
+            <a:extLst>
+              <a:ext uri="{FF2B5EF4-FFF2-40B4-BE49-F238E27FC236}">
+                <a16:creationId xmlns:a16="http://schemas.microsoft.com/office/drawing/2014/main" id="{FE0FFC05-A42A-4AF3-A504-56618EB827F6}"/>
+              </a:ext>
+            </a:extLst>
+          </p:cNvPr>
+          <p:cNvSpPr/>
+          <p:nvPr/>
+        </p:nvSpPr>
+        <p:spPr>
+          <a:xfrm>
+            <a:off x="6629553" y="1356624"/>
+            <a:ext cx="442451" cy="123886"/>
+          </a:xfrm>
+          <a:prstGeom prst="rect">
+            <a:avLst/>
+          </a:prstGeom>
+          <a:noFill/>
+          <a:ln w="19050">
+            <a:solidFill>
+              <a:srgbClr val="0000FF"/>
+            </a:solidFill>
+          </a:ln>
+        </p:spPr>
+        <p:style>
+          <a:lnRef idx="2">
+            <a:schemeClr val="accent1">
+              <a:shade val="15000"/>
+            </a:schemeClr>
+          </a:lnRef>
+          <a:fillRef idx="1">
+            <a:schemeClr val="accent1"/>
+          </a:fillRef>
+          <a:effectRef idx="0">
+            <a:schemeClr val="accent1"/>
+          </a:effectRef>
+          <a:fontRef idx="minor">
+            <a:schemeClr val="lt1"/>
+          </a:fontRef>
+        </p:style>
+        <p:txBody>
+          <a:bodyPr rtlCol="0" anchor="ctr"/>
+          <a:lstStyle/>
+          <a:p>
+            <a:pPr algn="ctr"/>
+            <a:endParaRPr kumimoji="1" lang="ja-JP" altLang="en-US"/>
+          </a:p>
+        </p:txBody>
+      </p:sp>
+      <p:cxnSp>
+        <p:nvCxnSpPr>
+          <p:cNvPr id="23" name="コネクタ: カギ線 22">
+            <a:extLst>
+              <a:ext uri="{FF2B5EF4-FFF2-40B4-BE49-F238E27FC236}">
+                <a16:creationId xmlns:a16="http://schemas.microsoft.com/office/drawing/2014/main" id="{4DAB9D4A-4661-CC32-E4FA-916F68AC7636}"/>
+              </a:ext>
+            </a:extLst>
+          </p:cNvPr>
+          <p:cNvCxnSpPr>
+            <a:stCxn id="17" idx="3"/>
+            <a:endCxn id="20" idx="2"/>
+          </p:cNvCxnSpPr>
+          <p:nvPr/>
+        </p:nvCxnSpPr>
+        <p:spPr>
+          <a:xfrm flipV="1">
+            <a:off x="6188423" y="1480510"/>
+            <a:ext cx="662356" cy="1295136"/>
+          </a:xfrm>
+          <a:prstGeom prst="bentConnector2">
+            <a:avLst/>
+          </a:prstGeom>
+          <a:ln w="12700">
+            <a:solidFill>
+              <a:srgbClr val="0000FF"/>
+            </a:solidFill>
+            <a:tailEnd type="triangle"/>
+          </a:ln>
+        </p:spPr>
+        <p:style>
+          <a:lnRef idx="1">
+            <a:schemeClr val="accent1"/>
+          </a:lnRef>
+          <a:fillRef idx="0">
+            <a:schemeClr val="accent1"/>
+          </a:fillRef>
+          <a:effectRef idx="0">
+            <a:schemeClr val="accent1"/>
+          </a:effectRef>
+          <a:fontRef idx="minor">
+            <a:schemeClr val="tx1"/>
+          </a:fontRef>
+        </p:style>
+      </p:cxnSp>
+      <p:sp>
+        <p:nvSpPr>
+          <p:cNvPr id="27" name="正方形/長方形 26">
+            <a:extLst>
+              <a:ext uri="{FF2B5EF4-FFF2-40B4-BE49-F238E27FC236}">
+                <a16:creationId xmlns:a16="http://schemas.microsoft.com/office/drawing/2014/main" id="{13CD914F-D628-CFAB-5B90-2923D7E361DE}"/>
+              </a:ext>
+            </a:extLst>
+          </p:cNvPr>
+          <p:cNvSpPr/>
+          <p:nvPr/>
+        </p:nvSpPr>
+        <p:spPr>
+          <a:xfrm>
+            <a:off x="9283210" y="1715764"/>
+            <a:ext cx="442451" cy="123886"/>
+          </a:xfrm>
+          <a:prstGeom prst="rect">
+            <a:avLst/>
+          </a:prstGeom>
+          <a:noFill/>
+          <a:ln w="19050">
+            <a:solidFill>
+              <a:srgbClr val="0000FF"/>
+            </a:solidFill>
+          </a:ln>
+        </p:spPr>
+        <p:style>
+          <a:lnRef idx="2">
+            <a:schemeClr val="accent1">
+              <a:shade val="15000"/>
+            </a:schemeClr>
+          </a:lnRef>
+          <a:fillRef idx="1">
+            <a:schemeClr val="accent1"/>
+          </a:fillRef>
+          <a:effectRef idx="0">
+            <a:schemeClr val="accent1"/>
+          </a:effectRef>
+          <a:fontRef idx="minor">
+            <a:schemeClr val="lt1"/>
+          </a:fontRef>
+        </p:style>
+        <p:txBody>
+          <a:bodyPr rtlCol="0" anchor="ctr"/>
+          <a:lstStyle/>
+          <a:p>
+            <a:pPr algn="ctr"/>
+            <a:endParaRPr kumimoji="1" lang="ja-JP" altLang="en-US"/>
+          </a:p>
+        </p:txBody>
+      </p:sp>
+      <p:sp>
+        <p:nvSpPr>
+          <p:cNvPr id="28" name="正方形/長方形 27">
+            <a:extLst>
+              <a:ext uri="{FF2B5EF4-FFF2-40B4-BE49-F238E27FC236}">
+                <a16:creationId xmlns:a16="http://schemas.microsoft.com/office/drawing/2014/main" id="{185A0523-4D60-0280-4572-9919671D7C29}"/>
+              </a:ext>
+            </a:extLst>
+          </p:cNvPr>
+          <p:cNvSpPr/>
+          <p:nvPr/>
+        </p:nvSpPr>
+        <p:spPr>
+          <a:xfrm>
+            <a:off x="11063493" y="1349777"/>
+            <a:ext cx="442451" cy="123886"/>
+          </a:xfrm>
+          <a:prstGeom prst="rect">
+            <a:avLst/>
+          </a:prstGeom>
+          <a:noFill/>
+          <a:ln w="19050">
+            <a:solidFill>
+              <a:srgbClr val="0000FF"/>
+            </a:solidFill>
+          </a:ln>
+        </p:spPr>
+        <p:style>
+          <a:lnRef idx="2">
+            <a:schemeClr val="accent1">
+              <a:shade val="15000"/>
+            </a:schemeClr>
+          </a:lnRef>
+          <a:fillRef idx="1">
+            <a:schemeClr val="accent1"/>
+          </a:fillRef>
+          <a:effectRef idx="0">
+            <a:schemeClr val="accent1"/>
+          </a:effectRef>
+          <a:fontRef idx="minor">
+            <a:schemeClr val="lt1"/>
+          </a:fontRef>
+        </p:style>
+        <p:txBody>
+          <a:bodyPr rtlCol="0" anchor="ctr"/>
+          <a:lstStyle/>
+          <a:p>
+            <a:pPr algn="ctr"/>
+            <a:endParaRPr kumimoji="1" lang="ja-JP" altLang="en-US"/>
+          </a:p>
+        </p:txBody>
+      </p:sp>
+      <p:sp>
+        <p:nvSpPr>
+          <p:cNvPr id="38" name="正方形/長方形 37">
+            <a:extLst>
+              <a:ext uri="{FF2B5EF4-FFF2-40B4-BE49-F238E27FC236}">
+                <a16:creationId xmlns:a16="http://schemas.microsoft.com/office/drawing/2014/main" id="{CB69ACB2-1B34-4498-168E-B39F82BE7690}"/>
+              </a:ext>
+            </a:extLst>
+          </p:cNvPr>
+          <p:cNvSpPr/>
+          <p:nvPr/>
+        </p:nvSpPr>
+        <p:spPr>
+          <a:xfrm>
+            <a:off x="10173352" y="1356624"/>
+            <a:ext cx="442451" cy="123886"/>
+          </a:xfrm>
+          <a:prstGeom prst="rect">
+            <a:avLst/>
+          </a:prstGeom>
+          <a:noFill/>
+          <a:ln w="19050">
+            <a:solidFill>
+              <a:srgbClr val="FF0000"/>
+            </a:solidFill>
+          </a:ln>
+        </p:spPr>
+        <p:style>
+          <a:lnRef idx="2">
+            <a:schemeClr val="accent1">
+              <a:shade val="15000"/>
+            </a:schemeClr>
+          </a:lnRef>
+          <a:fillRef idx="1">
+            <a:schemeClr val="accent1"/>
+          </a:fillRef>
+          <a:effectRef idx="0">
+            <a:schemeClr val="accent1"/>
+          </a:effectRef>
+          <a:fontRef idx="minor">
+            <a:schemeClr val="lt1"/>
+          </a:fontRef>
+        </p:style>
+        <p:txBody>
+          <a:bodyPr rtlCol="0" anchor="ctr"/>
+          <a:lstStyle/>
+          <a:p>
+            <a:pPr algn="ctr"/>
+            <a:endParaRPr kumimoji="1" lang="ja-JP" altLang="en-US"/>
+          </a:p>
+        </p:txBody>
+      </p:sp>
+      <p:cxnSp>
+        <p:nvCxnSpPr>
+          <p:cNvPr id="29" name="コネクタ: カギ線 28">
+            <a:extLst>
+              <a:ext uri="{FF2B5EF4-FFF2-40B4-BE49-F238E27FC236}">
+                <a16:creationId xmlns:a16="http://schemas.microsoft.com/office/drawing/2014/main" id="{FDA1978A-93C2-44F4-A352-03288B090B0F}"/>
+              </a:ext>
+            </a:extLst>
+          </p:cNvPr>
+          <p:cNvCxnSpPr>
+            <a:cxnSpLocks/>
+            <a:stCxn id="27" idx="3"/>
+            <a:endCxn id="28" idx="2"/>
+          </p:cNvCxnSpPr>
+          <p:nvPr/>
+        </p:nvCxnSpPr>
+        <p:spPr>
+          <a:xfrm flipV="1">
+            <a:off x="9725661" y="1473663"/>
+            <a:ext cx="1559058" cy="304044"/>
+          </a:xfrm>
+          <a:prstGeom prst="bentConnector2">
+            <a:avLst/>
+          </a:prstGeom>
+          <a:ln w="12700">
+            <a:solidFill>
+              <a:srgbClr val="0000FF"/>
+            </a:solidFill>
+            <a:tailEnd type="triangle"/>
+          </a:ln>
+        </p:spPr>
+        <p:style>
+          <a:lnRef idx="1">
+            <a:schemeClr val="accent1"/>
+          </a:lnRef>
+          <a:fillRef idx="0">
+            <a:schemeClr val="accent1"/>
+          </a:fillRef>
+          <a:effectRef idx="0">
+            <a:schemeClr val="accent1"/>
+          </a:effectRef>
+          <a:fontRef idx="minor">
+            <a:schemeClr val="tx1"/>
+          </a:fontRef>
+        </p:style>
+      </p:cxnSp>
+      <p:sp>
+        <p:nvSpPr>
+          <p:cNvPr id="48" name="正方形/長方形 47">
+            <a:extLst>
+              <a:ext uri="{FF2B5EF4-FFF2-40B4-BE49-F238E27FC236}">
+                <a16:creationId xmlns:a16="http://schemas.microsoft.com/office/drawing/2014/main" id="{CE426F34-E6EC-599F-41BF-906DD37087DA}"/>
+              </a:ext>
+            </a:extLst>
+          </p:cNvPr>
+          <p:cNvSpPr/>
+          <p:nvPr/>
+        </p:nvSpPr>
+        <p:spPr>
+          <a:xfrm>
+            <a:off x="5745971" y="1973220"/>
+            <a:ext cx="442451" cy="123887"/>
+          </a:xfrm>
+          <a:prstGeom prst="rect">
+            <a:avLst/>
+          </a:prstGeom>
+          <a:noFill/>
+          <a:ln w="19050">
+            <a:solidFill>
+              <a:srgbClr val="009900"/>
+            </a:solidFill>
+          </a:ln>
+        </p:spPr>
+        <p:style>
+          <a:lnRef idx="2">
+            <a:schemeClr val="accent1">
+              <a:shade val="15000"/>
+            </a:schemeClr>
+          </a:lnRef>
+          <a:fillRef idx="1">
+            <a:schemeClr val="accent1"/>
+          </a:fillRef>
+          <a:effectRef idx="0">
+            <a:schemeClr val="accent1"/>
+          </a:effectRef>
+          <a:fontRef idx="minor">
+            <a:schemeClr val="lt1"/>
+          </a:fontRef>
+        </p:style>
+        <p:txBody>
+          <a:bodyPr rtlCol="0" anchor="ctr"/>
+          <a:lstStyle/>
+          <a:p>
+            <a:pPr algn="ctr"/>
+            <a:endParaRPr kumimoji="1" lang="ja-JP" altLang="en-US"/>
+          </a:p>
+        </p:txBody>
+      </p:sp>
+      <p:sp>
+        <p:nvSpPr>
+          <p:cNvPr id="50" name="正方形/長方形 49">
+            <a:extLst>
+              <a:ext uri="{FF2B5EF4-FFF2-40B4-BE49-F238E27FC236}">
+                <a16:creationId xmlns:a16="http://schemas.microsoft.com/office/drawing/2014/main" id="{4105EDB5-44C7-79FF-E2D5-67CD2B2C6BDF}"/>
+              </a:ext>
+            </a:extLst>
+          </p:cNvPr>
+          <p:cNvSpPr/>
+          <p:nvPr/>
+        </p:nvSpPr>
+        <p:spPr>
+          <a:xfrm>
+            <a:off x="7514795" y="3340887"/>
+            <a:ext cx="442451" cy="123887"/>
+          </a:xfrm>
+          <a:prstGeom prst="rect">
+            <a:avLst/>
+          </a:prstGeom>
+          <a:noFill/>
+          <a:ln w="19050">
+            <a:solidFill>
+              <a:srgbClr val="009900"/>
+            </a:solidFill>
+          </a:ln>
+        </p:spPr>
+        <p:style>
+          <a:lnRef idx="2">
+            <a:schemeClr val="accent1">
+              <a:shade val="15000"/>
+            </a:schemeClr>
+          </a:lnRef>
+          <a:fillRef idx="1">
+            <a:schemeClr val="accent1"/>
+          </a:fillRef>
+          <a:effectRef idx="0">
+            <a:schemeClr val="accent1"/>
+          </a:effectRef>
+          <a:fontRef idx="minor">
+            <a:schemeClr val="lt1"/>
+          </a:fontRef>
+        </p:style>
+        <p:txBody>
+          <a:bodyPr rtlCol="0" anchor="ctr"/>
+          <a:lstStyle/>
+          <a:p>
+            <a:pPr algn="ctr"/>
+            <a:endParaRPr kumimoji="1" lang="ja-JP" altLang="en-US"/>
+          </a:p>
+        </p:txBody>
+      </p:sp>
+      <p:pic>
+        <p:nvPicPr>
+          <p:cNvPr id="53" name="図 52">
+            <a:extLst>
+              <a:ext uri="{FF2B5EF4-FFF2-40B4-BE49-F238E27FC236}">
+                <a16:creationId xmlns:a16="http://schemas.microsoft.com/office/drawing/2014/main" id="{A830F38C-7966-7E08-2BFC-757A6211A403}"/>
+              </a:ext>
+            </a:extLst>
+          </p:cNvPr>
+          <p:cNvPicPr>
+            <a:picLocks noChangeAspect="1"/>
+          </p:cNvPicPr>
+          <p:nvPr/>
+        </p:nvPicPr>
+        <p:blipFill rotWithShape="1">
+          <a:blip r:embed="rId3"/>
+          <a:srcRect t="54265"/>
+          <a:stretch/>
+        </p:blipFill>
+        <p:spPr>
+          <a:xfrm>
+            <a:off x="4871864" y="4058318"/>
+            <a:ext cx="2571710" cy="2023776"/>
+          </a:xfrm>
+          <a:prstGeom prst="rect">
+            <a:avLst/>
+          </a:prstGeom>
+          <a:ln>
+            <a:solidFill>
+              <a:schemeClr val="tx1"/>
+            </a:solidFill>
+          </a:ln>
+        </p:spPr>
+      </p:pic>
+      <p:sp>
+        <p:nvSpPr>
+          <p:cNvPr id="54" name="テキスト ボックス 53">
+            <a:extLst>
+              <a:ext uri="{FF2B5EF4-FFF2-40B4-BE49-F238E27FC236}">
+                <a16:creationId xmlns:a16="http://schemas.microsoft.com/office/drawing/2014/main" id="{8AA9C01A-77C2-08C3-C2E7-BD6AC980DC5D}"/>
+              </a:ext>
+            </a:extLst>
+          </p:cNvPr>
+          <p:cNvSpPr txBox="1"/>
+          <p:nvPr/>
+        </p:nvSpPr>
+        <p:spPr>
+          <a:xfrm>
+            <a:off x="4841982" y="3821369"/>
+            <a:ext cx="985268" cy="230832"/>
+          </a:xfrm>
+          <a:prstGeom prst="rect">
+            <a:avLst/>
+          </a:prstGeom>
+          <a:noFill/>
+        </p:spPr>
+        <p:txBody>
+          <a:bodyPr wrap="square" rtlCol="0">
+            <a:spAutoFit/>
+          </a:bodyPr>
+          <a:lstStyle/>
+          <a:p>
+            <a:r>
+              <a:rPr lang="ja-JP" altLang="en-US" sz="900" b="1" dirty="0"/>
+              <a:t>マルハンアプリ</a:t>
+            </a:r>
+            <a:endParaRPr lang="en-US" altLang="ja-JP" sz="900" b="1" dirty="0"/>
+          </a:p>
+        </p:txBody>
+      </p:sp>
+      <p:sp>
+        <p:nvSpPr>
+          <p:cNvPr id="55" name="正方形/長方形 54">
+            <a:extLst>
+              <a:ext uri="{FF2B5EF4-FFF2-40B4-BE49-F238E27FC236}">
+                <a16:creationId xmlns:a16="http://schemas.microsoft.com/office/drawing/2014/main" id="{D7F821BB-6635-654D-0F8F-86A3CD453A54}"/>
+              </a:ext>
+            </a:extLst>
+          </p:cNvPr>
+          <p:cNvSpPr/>
+          <p:nvPr/>
+        </p:nvSpPr>
+        <p:spPr>
+          <a:xfrm>
+            <a:off x="5732671" y="5256706"/>
+            <a:ext cx="426255" cy="105808"/>
+          </a:xfrm>
+          <a:prstGeom prst="rect">
+            <a:avLst/>
+          </a:prstGeom>
+          <a:noFill/>
+          <a:ln w="19050">
+            <a:solidFill>
+              <a:srgbClr val="0000FF"/>
+            </a:solidFill>
+          </a:ln>
+        </p:spPr>
+        <p:style>
+          <a:lnRef idx="2">
+            <a:schemeClr val="accent1">
+              <a:shade val="15000"/>
+            </a:schemeClr>
+          </a:lnRef>
+          <a:fillRef idx="1">
+            <a:schemeClr val="accent1"/>
+          </a:fillRef>
+          <a:effectRef idx="0">
+            <a:schemeClr val="accent1"/>
+          </a:effectRef>
+          <a:fontRef idx="minor">
+            <a:schemeClr val="lt1"/>
+          </a:fontRef>
+        </p:style>
+        <p:txBody>
+          <a:bodyPr rtlCol="0" anchor="ctr"/>
+          <a:lstStyle/>
+          <a:p>
+            <a:pPr algn="ctr"/>
+            <a:endParaRPr kumimoji="1" lang="ja-JP" altLang="en-US"/>
+          </a:p>
+        </p:txBody>
+      </p:sp>
+      <p:sp>
+        <p:nvSpPr>
+          <p:cNvPr id="56" name="正方形/長方形 55">
+            <a:extLst>
+              <a:ext uri="{FF2B5EF4-FFF2-40B4-BE49-F238E27FC236}">
+                <a16:creationId xmlns:a16="http://schemas.microsoft.com/office/drawing/2014/main" id="{869FDAD2-BD64-0D5A-A297-79A458CC084E}"/>
+              </a:ext>
+            </a:extLst>
+          </p:cNvPr>
+          <p:cNvSpPr/>
+          <p:nvPr/>
+        </p:nvSpPr>
+        <p:spPr>
+          <a:xfrm>
+            <a:off x="5732670" y="5851377"/>
+            <a:ext cx="426255" cy="112870"/>
+          </a:xfrm>
+          <a:prstGeom prst="rect">
+            <a:avLst/>
+          </a:prstGeom>
+          <a:noFill/>
+          <a:ln w="19050">
+            <a:solidFill>
+              <a:srgbClr val="0000FF"/>
+            </a:solidFill>
+          </a:ln>
+        </p:spPr>
+        <p:style>
+          <a:lnRef idx="2">
+            <a:schemeClr val="accent1">
+              <a:shade val="15000"/>
+            </a:schemeClr>
+          </a:lnRef>
+          <a:fillRef idx="1">
+            <a:schemeClr val="accent1"/>
+          </a:fillRef>
+          <a:effectRef idx="0">
+            <a:schemeClr val="accent1"/>
+          </a:effectRef>
+          <a:fontRef idx="minor">
+            <a:schemeClr val="lt1"/>
+          </a:fontRef>
+        </p:style>
+        <p:txBody>
+          <a:bodyPr rtlCol="0" anchor="ctr"/>
+          <a:lstStyle/>
+          <a:p>
+            <a:pPr algn="ctr"/>
+            <a:endParaRPr kumimoji="1" lang="ja-JP" altLang="en-US"/>
+          </a:p>
+        </p:txBody>
+      </p:sp>
+      <p:pic>
+        <p:nvPicPr>
+          <p:cNvPr id="58" name="図 57">
+            <a:extLst>
+              <a:ext uri="{FF2B5EF4-FFF2-40B4-BE49-F238E27FC236}">
+                <a16:creationId xmlns:a16="http://schemas.microsoft.com/office/drawing/2014/main" id="{D9B97C63-4705-1182-ED71-4372CDA41620}"/>
+              </a:ext>
+            </a:extLst>
+          </p:cNvPr>
+          <p:cNvPicPr>
+            <a:picLocks noChangeAspect="1"/>
+          </p:cNvPicPr>
+          <p:nvPr/>
+        </p:nvPicPr>
+        <p:blipFill rotWithShape="1">
+          <a:blip r:embed="rId4"/>
+          <a:srcRect t="38021" b="16415"/>
+          <a:stretch/>
+        </p:blipFill>
+        <p:spPr>
+          <a:xfrm>
+            <a:off x="7756879" y="4052202"/>
+            <a:ext cx="2431678" cy="2036008"/>
+          </a:xfrm>
+          <a:prstGeom prst="rect">
+            <a:avLst/>
+          </a:prstGeom>
+          <a:ln>
+            <a:solidFill>
+              <a:schemeClr val="tx1"/>
+            </a:solidFill>
+          </a:ln>
+        </p:spPr>
+      </p:pic>
+      <p:pic>
+        <p:nvPicPr>
+          <p:cNvPr id="60" name="図 59">
+            <a:extLst>
+              <a:ext uri="{FF2B5EF4-FFF2-40B4-BE49-F238E27FC236}">
+                <a16:creationId xmlns:a16="http://schemas.microsoft.com/office/drawing/2014/main" id="{511B020E-D714-131F-58A6-4C9F76E21FCE}"/>
+              </a:ext>
+            </a:extLst>
+          </p:cNvPr>
+          <p:cNvPicPr>
+            <a:picLocks noChangeAspect="1"/>
+          </p:cNvPicPr>
+          <p:nvPr/>
+        </p:nvPicPr>
+        <p:blipFill rotWithShape="1">
+          <a:blip r:embed="rId5"/>
+          <a:srcRect t="9548" b="11314"/>
+          <a:stretch/>
+        </p:blipFill>
+        <p:spPr>
+          <a:xfrm>
+            <a:off x="10501863" y="4052202"/>
+            <a:ext cx="1446443" cy="2036008"/>
+          </a:xfrm>
+          <a:prstGeom prst="rect">
+            <a:avLst/>
+          </a:prstGeom>
+          <a:ln>
+            <a:solidFill>
+              <a:schemeClr val="tx1"/>
+            </a:solidFill>
+          </a:ln>
+        </p:spPr>
+      </p:pic>
+      <p:sp>
+        <p:nvSpPr>
+          <p:cNvPr id="61" name="テキスト ボックス 60">
+            <a:extLst>
+              <a:ext uri="{FF2B5EF4-FFF2-40B4-BE49-F238E27FC236}">
+                <a16:creationId xmlns:a16="http://schemas.microsoft.com/office/drawing/2014/main" id="{C7D5C762-0F28-452A-2385-E44F82CC9E94}"/>
+              </a:ext>
+            </a:extLst>
+          </p:cNvPr>
+          <p:cNvSpPr txBox="1"/>
+          <p:nvPr/>
+        </p:nvSpPr>
+        <p:spPr>
+          <a:xfrm>
+            <a:off x="7686864" y="3821369"/>
+            <a:ext cx="1446442" cy="230832"/>
+          </a:xfrm>
+          <a:prstGeom prst="rect">
+            <a:avLst/>
+          </a:prstGeom>
+          <a:noFill/>
+        </p:spPr>
+        <p:txBody>
+          <a:bodyPr wrap="square" rtlCol="0">
+            <a:spAutoFit/>
+          </a:bodyPr>
+          <a:lstStyle/>
+          <a:p>
+            <a:r>
+              <a:rPr lang="ja-JP" altLang="en-US" sz="900" b="1" dirty="0"/>
+              <a:t>データロボサイトセブン</a:t>
+            </a:r>
+            <a:endParaRPr lang="en-US" altLang="ja-JP" sz="900" b="1" dirty="0"/>
+          </a:p>
+        </p:txBody>
+      </p:sp>
+      <p:sp>
+        <p:nvSpPr>
+          <p:cNvPr id="62" name="テキスト ボックス 61">
+            <a:extLst>
+              <a:ext uri="{FF2B5EF4-FFF2-40B4-BE49-F238E27FC236}">
+                <a16:creationId xmlns:a16="http://schemas.microsoft.com/office/drawing/2014/main" id="{4CD4FFE6-DE38-F103-8E36-9F75835EC258}"/>
+              </a:ext>
+            </a:extLst>
+          </p:cNvPr>
+          <p:cNvSpPr txBox="1"/>
+          <p:nvPr/>
+        </p:nvSpPr>
+        <p:spPr>
+          <a:xfrm>
+            <a:off x="10453945" y="3801028"/>
+            <a:ext cx="1446442" cy="230832"/>
+          </a:xfrm>
+          <a:prstGeom prst="rect">
+            <a:avLst/>
+          </a:prstGeom>
+          <a:noFill/>
+        </p:spPr>
+        <p:txBody>
+          <a:bodyPr wrap="square" rtlCol="0">
+            <a:spAutoFit/>
+          </a:bodyPr>
+          <a:lstStyle/>
+          <a:p>
+            <a:r>
+              <a:rPr lang="ja-JP" altLang="en-US" sz="900" b="1" dirty="0"/>
+              <a:t>台データオンライン</a:t>
+            </a:r>
+            <a:endParaRPr lang="en-US" altLang="ja-JP" sz="900" b="1" dirty="0"/>
+          </a:p>
+        </p:txBody>
+      </p:sp>
+      <p:cxnSp>
+        <p:nvCxnSpPr>
+          <p:cNvPr id="65" name="コネクタ: カギ線 64">
+            <a:extLst>
+              <a:ext uri="{FF2B5EF4-FFF2-40B4-BE49-F238E27FC236}">
+                <a16:creationId xmlns:a16="http://schemas.microsoft.com/office/drawing/2014/main" id="{51450AA0-6A2C-1A5A-EDF1-2B43B510E866}"/>
+              </a:ext>
+            </a:extLst>
+          </p:cNvPr>
+          <p:cNvCxnSpPr>
+            <a:cxnSpLocks/>
+            <a:stCxn id="94" idx="1"/>
+          </p:cNvCxnSpPr>
+          <p:nvPr/>
+        </p:nvCxnSpPr>
+        <p:spPr>
+          <a:xfrm rot="10800000">
+            <a:off x="6578093" y="5315046"/>
+            <a:ext cx="441639" cy="285812"/>
+          </a:xfrm>
+          <a:prstGeom prst="bentConnector3">
+            <a:avLst>
+              <a:gd name="adj1" fmla="val 50000"/>
+            </a:avLst>
+          </a:prstGeom>
+          <a:ln w="12700">
+            <a:solidFill>
+              <a:srgbClr val="009900"/>
+            </a:solidFill>
+            <a:tailEnd type="triangle"/>
+          </a:ln>
+        </p:spPr>
+        <p:style>
+          <a:lnRef idx="1">
+            <a:schemeClr val="accent1"/>
+          </a:lnRef>
+          <a:fillRef idx="0">
+            <a:schemeClr val="accent1"/>
+          </a:fillRef>
+          <a:effectRef idx="0">
+            <a:schemeClr val="accent1"/>
+          </a:effectRef>
+          <a:fontRef idx="minor">
+            <a:schemeClr val="tx1"/>
+          </a:fontRef>
+        </p:style>
+      </p:cxnSp>
+      <p:cxnSp>
+        <p:nvCxnSpPr>
+          <p:cNvPr id="74" name="コネクタ: カギ線 73">
+            <a:extLst>
+              <a:ext uri="{FF2B5EF4-FFF2-40B4-BE49-F238E27FC236}">
+                <a16:creationId xmlns:a16="http://schemas.microsoft.com/office/drawing/2014/main" id="{CA68D145-C3BF-271C-8748-A900690B1BD1}"/>
+              </a:ext>
+            </a:extLst>
+          </p:cNvPr>
+          <p:cNvCxnSpPr>
+            <a:cxnSpLocks/>
+            <a:stCxn id="94" idx="1"/>
+          </p:cNvCxnSpPr>
+          <p:nvPr/>
+        </p:nvCxnSpPr>
+        <p:spPr>
+          <a:xfrm rot="10800000" flipV="1">
+            <a:off x="6578093" y="5600858"/>
+            <a:ext cx="441639" cy="314342"/>
+          </a:xfrm>
+          <a:prstGeom prst="bentConnector3">
+            <a:avLst>
+              <a:gd name="adj1" fmla="val 50000"/>
+            </a:avLst>
+          </a:prstGeom>
+          <a:ln w="12700">
+            <a:solidFill>
+              <a:srgbClr val="009900"/>
+            </a:solidFill>
+            <a:tailEnd type="triangle"/>
+          </a:ln>
+        </p:spPr>
+        <p:style>
+          <a:lnRef idx="1">
+            <a:schemeClr val="accent1"/>
+          </a:lnRef>
+          <a:fillRef idx="0">
+            <a:schemeClr val="accent1"/>
+          </a:fillRef>
+          <a:effectRef idx="0">
+            <a:schemeClr val="accent1"/>
+          </a:effectRef>
+          <a:fontRef idx="minor">
+            <a:schemeClr val="tx1"/>
+          </a:fontRef>
+        </p:style>
+      </p:cxnSp>
+      <p:sp>
+        <p:nvSpPr>
+          <p:cNvPr id="83" name="正方形/長方形 82">
+            <a:extLst>
+              <a:ext uri="{FF2B5EF4-FFF2-40B4-BE49-F238E27FC236}">
+                <a16:creationId xmlns:a16="http://schemas.microsoft.com/office/drawing/2014/main" id="{6835E57F-C060-A94D-4917-B0AE7D19E2F3}"/>
+              </a:ext>
+            </a:extLst>
+          </p:cNvPr>
+          <p:cNvSpPr/>
+          <p:nvPr/>
+        </p:nvSpPr>
+        <p:spPr>
+          <a:xfrm>
+            <a:off x="7796223" y="4434485"/>
+            <a:ext cx="2352990" cy="131730"/>
+          </a:xfrm>
+          <a:prstGeom prst="rect">
+            <a:avLst/>
+          </a:prstGeom>
+          <a:noFill/>
+          <a:ln w="19050">
+            <a:solidFill>
+              <a:srgbClr val="0000FF"/>
+            </a:solidFill>
+          </a:ln>
+        </p:spPr>
+        <p:style>
+          <a:lnRef idx="2">
+            <a:schemeClr val="accent1">
+              <a:shade val="15000"/>
+            </a:schemeClr>
+          </a:lnRef>
+          <a:fillRef idx="1">
+            <a:schemeClr val="accent1"/>
+          </a:fillRef>
+          <a:effectRef idx="0">
+            <a:schemeClr val="accent1"/>
+          </a:effectRef>
+          <a:fontRef idx="minor">
+            <a:schemeClr val="lt1"/>
+          </a:fontRef>
+        </p:style>
+        <p:txBody>
+          <a:bodyPr rtlCol="0" anchor="ctr"/>
+          <a:lstStyle/>
+          <a:p>
+            <a:pPr algn="ctr"/>
+            <a:endParaRPr kumimoji="1" lang="ja-JP" altLang="en-US"/>
+          </a:p>
+        </p:txBody>
+      </p:sp>
+      <p:sp>
+        <p:nvSpPr>
+          <p:cNvPr id="85" name="吹き出し: 四角形 84">
+            <a:extLst>
+              <a:ext uri="{FF2B5EF4-FFF2-40B4-BE49-F238E27FC236}">
+                <a16:creationId xmlns:a16="http://schemas.microsoft.com/office/drawing/2014/main" id="{608E4651-F913-4C0B-8984-BE8DDB86B55B}"/>
+              </a:ext>
+            </a:extLst>
+          </p:cNvPr>
+          <p:cNvSpPr/>
+          <p:nvPr/>
+        </p:nvSpPr>
+        <p:spPr>
+          <a:xfrm>
+            <a:off x="5082895" y="1633844"/>
+            <a:ext cx="942475" cy="230833"/>
+          </a:xfrm>
+          <a:prstGeom prst="wedgeRectCallout">
+            <a:avLst>
+              <a:gd name="adj1" fmla="val 43197"/>
+              <a:gd name="adj2" fmla="val 96844"/>
+            </a:avLst>
+          </a:prstGeom>
+          <a:solidFill>
+            <a:schemeClr val="bg1"/>
+          </a:solidFill>
+          <a:ln>
+            <a:solidFill>
+              <a:srgbClr val="00B050"/>
+            </a:solidFill>
+          </a:ln>
+        </p:spPr>
+        <p:style>
+          <a:lnRef idx="2">
+            <a:schemeClr val="accent1">
+              <a:shade val="15000"/>
+            </a:schemeClr>
+          </a:lnRef>
+          <a:fillRef idx="1">
+            <a:schemeClr val="accent1"/>
+          </a:fillRef>
+          <a:effectRef idx="0">
+            <a:schemeClr val="accent1"/>
+          </a:effectRef>
+          <a:fontRef idx="minor">
+            <a:schemeClr val="lt1"/>
+          </a:fontRef>
+        </p:style>
+        <p:txBody>
+          <a:bodyPr rtlCol="0" anchor="ctr"/>
+          <a:lstStyle/>
+          <a:p>
+            <a:r>
+              <a:rPr lang="en-US" altLang="ja-JP" sz="800" dirty="0">
+                <a:solidFill>
+                  <a:schemeClr val="tx1"/>
+                </a:solidFill>
+              </a:rPr>
+              <a:t>ST</a:t>
+            </a:r>
+            <a:r>
+              <a:rPr lang="ja-JP" altLang="en-US" sz="800" dirty="0">
+                <a:solidFill>
+                  <a:schemeClr val="tx1"/>
+                </a:solidFill>
+              </a:rPr>
+              <a:t>回転数を減算</a:t>
+            </a:r>
+            <a:endParaRPr lang="en-US" altLang="ja-JP" sz="800" dirty="0">
+              <a:solidFill>
+                <a:schemeClr val="tx1"/>
+              </a:solidFill>
+            </a:endParaRPr>
+          </a:p>
+        </p:txBody>
+      </p:sp>
+      <p:sp>
+        <p:nvSpPr>
+          <p:cNvPr id="86" name="吹き出し: 四角形 85">
+            <a:extLst>
+              <a:ext uri="{FF2B5EF4-FFF2-40B4-BE49-F238E27FC236}">
+                <a16:creationId xmlns:a16="http://schemas.microsoft.com/office/drawing/2014/main" id="{BF556F04-89FB-5CBE-7D28-49DFD813BEBE}"/>
+              </a:ext>
+            </a:extLst>
+          </p:cNvPr>
+          <p:cNvSpPr/>
+          <p:nvPr/>
+        </p:nvSpPr>
+        <p:spPr>
+          <a:xfrm>
+            <a:off x="5022675" y="2364396"/>
+            <a:ext cx="1014938" cy="230833"/>
+          </a:xfrm>
+          <a:prstGeom prst="wedgeRectCallout">
+            <a:avLst>
+              <a:gd name="adj1" fmla="val 43197"/>
+              <a:gd name="adj2" fmla="val 96844"/>
+            </a:avLst>
+          </a:prstGeom>
+          <a:solidFill>
+            <a:schemeClr val="bg1"/>
+          </a:solidFill>
+          <a:ln>
+            <a:solidFill>
+              <a:srgbClr val="0000FF"/>
+            </a:solidFill>
+          </a:ln>
+        </p:spPr>
+        <p:style>
+          <a:lnRef idx="2">
+            <a:schemeClr val="accent1">
+              <a:shade val="15000"/>
+            </a:schemeClr>
+          </a:lnRef>
+          <a:fillRef idx="1">
+            <a:schemeClr val="accent1"/>
+          </a:fillRef>
+          <a:effectRef idx="0">
+            <a:schemeClr val="accent1"/>
+          </a:effectRef>
+          <a:fontRef idx="minor">
+            <a:schemeClr val="lt1"/>
+          </a:fontRef>
+        </p:style>
+        <p:txBody>
+          <a:bodyPr rtlCol="0" anchor="ctr"/>
+          <a:lstStyle/>
+          <a:p>
+            <a:r>
+              <a:rPr lang="ja-JP" altLang="en-US" sz="800" dirty="0">
+                <a:solidFill>
+                  <a:schemeClr val="tx1"/>
+                </a:solidFill>
+              </a:rPr>
+              <a:t>残り回転数を加算</a:t>
+            </a:r>
+            <a:endParaRPr lang="en-US" altLang="ja-JP" sz="800" dirty="0">
+              <a:solidFill>
+                <a:schemeClr val="tx1"/>
+              </a:solidFill>
+            </a:endParaRPr>
+          </a:p>
+        </p:txBody>
+      </p:sp>
+      <p:sp>
+        <p:nvSpPr>
+          <p:cNvPr id="87" name="吹き出し: 四角形 86">
+            <a:extLst>
+              <a:ext uri="{FF2B5EF4-FFF2-40B4-BE49-F238E27FC236}">
+                <a16:creationId xmlns:a16="http://schemas.microsoft.com/office/drawing/2014/main" id="{151582BB-115C-F304-8A54-C2C9BC96FA0B}"/>
+              </a:ext>
+            </a:extLst>
+          </p:cNvPr>
+          <p:cNvSpPr/>
+          <p:nvPr/>
+        </p:nvSpPr>
+        <p:spPr>
+          <a:xfrm>
+            <a:off x="8534630" y="1378789"/>
+            <a:ext cx="1014938" cy="230833"/>
+          </a:xfrm>
+          <a:prstGeom prst="wedgeRectCallout">
+            <a:avLst>
+              <a:gd name="adj1" fmla="val 43197"/>
+              <a:gd name="adj2" fmla="val 96844"/>
+            </a:avLst>
+          </a:prstGeom>
+          <a:solidFill>
+            <a:schemeClr val="bg1"/>
+          </a:solidFill>
+          <a:ln>
+            <a:solidFill>
+              <a:srgbClr val="0000FF"/>
+            </a:solidFill>
+          </a:ln>
+        </p:spPr>
+        <p:style>
+          <a:lnRef idx="2">
+            <a:schemeClr val="accent1">
+              <a:shade val="15000"/>
+            </a:schemeClr>
+          </a:lnRef>
+          <a:fillRef idx="1">
+            <a:schemeClr val="accent1"/>
+          </a:fillRef>
+          <a:effectRef idx="0">
+            <a:schemeClr val="accent1"/>
+          </a:effectRef>
+          <a:fontRef idx="minor">
+            <a:schemeClr val="lt1"/>
+          </a:fontRef>
+        </p:style>
+        <p:txBody>
+          <a:bodyPr rtlCol="0" anchor="ctr"/>
+          <a:lstStyle/>
+          <a:p>
+            <a:r>
+              <a:rPr lang="ja-JP" altLang="en-US" sz="800" dirty="0">
+                <a:solidFill>
+                  <a:schemeClr val="tx1"/>
+                </a:solidFill>
+              </a:rPr>
+              <a:t>残り回転数を加算</a:t>
+            </a:r>
+            <a:endParaRPr lang="en-US" altLang="ja-JP" sz="800" dirty="0">
+              <a:solidFill>
+                <a:schemeClr val="tx1"/>
+              </a:solidFill>
+            </a:endParaRPr>
+          </a:p>
+        </p:txBody>
+      </p:sp>
+      <p:sp>
+        <p:nvSpPr>
+          <p:cNvPr id="88" name="吹き出し: 四角形 87">
+            <a:extLst>
+              <a:ext uri="{FF2B5EF4-FFF2-40B4-BE49-F238E27FC236}">
+                <a16:creationId xmlns:a16="http://schemas.microsoft.com/office/drawing/2014/main" id="{13696943-C4CB-C57A-D3DD-2C02F48B7CB2}"/>
+              </a:ext>
+            </a:extLst>
+          </p:cNvPr>
+          <p:cNvSpPr/>
+          <p:nvPr/>
+        </p:nvSpPr>
+        <p:spPr>
+          <a:xfrm>
+            <a:off x="6831349" y="3001510"/>
+            <a:ext cx="942475" cy="230833"/>
+          </a:xfrm>
+          <a:prstGeom prst="wedgeRectCallout">
+            <a:avLst>
+              <a:gd name="adj1" fmla="val 43197"/>
+              <a:gd name="adj2" fmla="val 96844"/>
+            </a:avLst>
+          </a:prstGeom>
+          <a:solidFill>
+            <a:schemeClr val="bg1"/>
+          </a:solidFill>
+          <a:ln>
+            <a:solidFill>
+              <a:srgbClr val="00B050"/>
+            </a:solidFill>
+          </a:ln>
+        </p:spPr>
+        <p:style>
+          <a:lnRef idx="2">
+            <a:schemeClr val="accent1">
+              <a:shade val="15000"/>
+            </a:schemeClr>
+          </a:lnRef>
+          <a:fillRef idx="1">
+            <a:schemeClr val="accent1"/>
+          </a:fillRef>
+          <a:effectRef idx="0">
+            <a:schemeClr val="accent1"/>
+          </a:effectRef>
+          <a:fontRef idx="minor">
+            <a:schemeClr val="lt1"/>
+          </a:fontRef>
+        </p:style>
+        <p:txBody>
+          <a:bodyPr rtlCol="0" anchor="ctr"/>
+          <a:lstStyle/>
+          <a:p>
+            <a:r>
+              <a:rPr lang="en-US" altLang="ja-JP" sz="800" dirty="0">
+                <a:solidFill>
+                  <a:schemeClr val="tx1"/>
+                </a:solidFill>
+              </a:rPr>
+              <a:t>ST</a:t>
+            </a:r>
+            <a:r>
+              <a:rPr lang="ja-JP" altLang="en-US" sz="800" dirty="0">
+                <a:solidFill>
+                  <a:schemeClr val="tx1"/>
+                </a:solidFill>
+              </a:rPr>
+              <a:t>回転数を減算</a:t>
+            </a:r>
+            <a:endParaRPr lang="en-US" altLang="ja-JP" sz="800" dirty="0">
+              <a:solidFill>
+                <a:schemeClr val="tx1"/>
+              </a:solidFill>
+            </a:endParaRPr>
+          </a:p>
+        </p:txBody>
+      </p:sp>
+      <p:cxnSp>
+        <p:nvCxnSpPr>
+          <p:cNvPr id="90" name="直線矢印コネクタ 89">
+            <a:extLst>
+              <a:ext uri="{FF2B5EF4-FFF2-40B4-BE49-F238E27FC236}">
+                <a16:creationId xmlns:a16="http://schemas.microsoft.com/office/drawing/2014/main" id="{A370E309-CB2F-98DA-48B8-6B801550C1D6}"/>
+              </a:ext>
+            </a:extLst>
+          </p:cNvPr>
+          <p:cNvCxnSpPr>
+            <a:endCxn id="38" idx="2"/>
+          </p:cNvCxnSpPr>
+          <p:nvPr/>
+        </p:nvCxnSpPr>
+        <p:spPr>
+          <a:xfrm flipV="1">
+            <a:off x="10394577" y="1480510"/>
+            <a:ext cx="1" cy="297197"/>
+          </a:xfrm>
+          <a:prstGeom prst="straightConnector1">
+            <a:avLst/>
+          </a:prstGeom>
+          <a:ln w="25400">
+            <a:solidFill>
+              <a:srgbClr val="FF0000"/>
+            </a:solidFill>
+            <a:prstDash val="sysDot"/>
+            <a:tailEnd type="triangle"/>
+          </a:ln>
+        </p:spPr>
+        <p:style>
+          <a:lnRef idx="1">
+            <a:schemeClr val="accent1"/>
+          </a:lnRef>
+          <a:fillRef idx="0">
+            <a:schemeClr val="accent1"/>
+          </a:fillRef>
+          <a:effectRef idx="0">
+            <a:schemeClr val="accent1"/>
+          </a:effectRef>
+          <a:fontRef idx="minor">
+            <a:schemeClr val="tx1"/>
+          </a:fontRef>
+        </p:style>
+      </p:cxnSp>
+      <p:sp>
+        <p:nvSpPr>
+          <p:cNvPr id="91" name="吹き出し: 四角形 90">
+            <a:extLst>
+              <a:ext uri="{FF2B5EF4-FFF2-40B4-BE49-F238E27FC236}">
+                <a16:creationId xmlns:a16="http://schemas.microsoft.com/office/drawing/2014/main" id="{23FE6896-8C98-EDD8-C5F0-B62C06F08536}"/>
+              </a:ext>
+            </a:extLst>
+          </p:cNvPr>
+          <p:cNvSpPr/>
+          <p:nvPr/>
+        </p:nvSpPr>
+        <p:spPr>
+          <a:xfrm>
+            <a:off x="9340007" y="1906130"/>
+            <a:ext cx="1128226" cy="304044"/>
+          </a:xfrm>
+          <a:prstGeom prst="wedgeRectCallout">
+            <a:avLst>
+              <a:gd name="adj1" fmla="val 42852"/>
+              <a:gd name="adj2" fmla="val -88818"/>
+            </a:avLst>
+          </a:prstGeom>
+          <a:solidFill>
+            <a:schemeClr val="bg1"/>
+          </a:solidFill>
+          <a:ln>
+            <a:solidFill>
+              <a:srgbClr val="FF0000"/>
+            </a:solidFill>
+          </a:ln>
+        </p:spPr>
+        <p:style>
+          <a:lnRef idx="2">
+            <a:schemeClr val="accent1">
+              <a:shade val="15000"/>
+            </a:schemeClr>
+          </a:lnRef>
+          <a:fillRef idx="1">
+            <a:schemeClr val="accent1"/>
+          </a:fillRef>
+          <a:effectRef idx="0">
+            <a:schemeClr val="accent1"/>
+          </a:effectRef>
+          <a:fontRef idx="minor">
+            <a:schemeClr val="lt1"/>
+          </a:fontRef>
+        </p:style>
+        <p:txBody>
+          <a:bodyPr rtlCol="0" anchor="ctr"/>
+          <a:lstStyle/>
+          <a:p>
+            <a:r>
+              <a:rPr lang="ja-JP" altLang="en-US" sz="800" dirty="0">
+                <a:solidFill>
+                  <a:schemeClr val="tx1"/>
+                </a:solidFill>
+              </a:rPr>
+              <a:t>残り回転数は</a:t>
+            </a:r>
+            <a:endParaRPr lang="en-US" altLang="ja-JP" sz="800" dirty="0">
+              <a:solidFill>
+                <a:schemeClr val="tx1"/>
+              </a:solidFill>
+            </a:endParaRPr>
+          </a:p>
+          <a:p>
+            <a:r>
+              <a:rPr lang="ja-JP" altLang="en-US" sz="800" dirty="0">
+                <a:solidFill>
+                  <a:schemeClr val="tx1"/>
+                </a:solidFill>
+              </a:rPr>
+              <a:t>加算せずにスキップ</a:t>
+            </a:r>
+            <a:endParaRPr lang="en-US" altLang="ja-JP" sz="800" dirty="0">
+              <a:solidFill>
+                <a:schemeClr val="tx1"/>
+              </a:solidFill>
+            </a:endParaRPr>
+          </a:p>
+        </p:txBody>
+      </p:sp>
+      <p:sp>
+        <p:nvSpPr>
+          <p:cNvPr id="92" name="吹き出し: 四角形 91">
+            <a:extLst>
+              <a:ext uri="{FF2B5EF4-FFF2-40B4-BE49-F238E27FC236}">
+                <a16:creationId xmlns:a16="http://schemas.microsoft.com/office/drawing/2014/main" id="{605D22BA-25BF-39D9-B625-F9F9692A52DB}"/>
+              </a:ext>
+            </a:extLst>
+          </p:cNvPr>
+          <p:cNvSpPr/>
+          <p:nvPr/>
+        </p:nvSpPr>
+        <p:spPr>
+          <a:xfrm>
+            <a:off x="4979151" y="4996422"/>
+            <a:ext cx="926273" cy="174738"/>
+          </a:xfrm>
+          <a:prstGeom prst="wedgeRectCallout">
+            <a:avLst>
+              <a:gd name="adj1" fmla="val 43197"/>
+              <a:gd name="adj2" fmla="val 96844"/>
+            </a:avLst>
+          </a:prstGeom>
+          <a:solidFill>
+            <a:schemeClr val="bg1"/>
+          </a:solidFill>
+          <a:ln>
+            <a:solidFill>
+              <a:srgbClr val="0000FF"/>
+            </a:solidFill>
+          </a:ln>
+        </p:spPr>
+        <p:style>
+          <a:lnRef idx="2">
+            <a:schemeClr val="accent1">
+              <a:shade val="15000"/>
+            </a:schemeClr>
+          </a:lnRef>
+          <a:fillRef idx="1">
+            <a:schemeClr val="accent1"/>
+          </a:fillRef>
+          <a:effectRef idx="0">
+            <a:schemeClr val="accent1"/>
+          </a:effectRef>
+          <a:fontRef idx="minor">
+            <a:schemeClr val="lt1"/>
+          </a:fontRef>
+        </p:style>
+        <p:txBody>
+          <a:bodyPr rtlCol="0" anchor="ctr"/>
+          <a:lstStyle/>
+          <a:p>
+            <a:r>
+              <a:rPr kumimoji="1" lang="en-US" altLang="ja-JP" sz="800" dirty="0">
+                <a:solidFill>
+                  <a:schemeClr val="tx1"/>
+                </a:solidFill>
+              </a:rPr>
+              <a:t>ST</a:t>
+            </a:r>
+            <a:r>
+              <a:rPr kumimoji="1" lang="ja-JP" altLang="en-US" sz="800" dirty="0">
+                <a:solidFill>
+                  <a:schemeClr val="tx1"/>
+                </a:solidFill>
+              </a:rPr>
+              <a:t>回転数</a:t>
+            </a:r>
+            <a:r>
+              <a:rPr lang="ja-JP" altLang="en-US" sz="800" dirty="0">
+                <a:solidFill>
+                  <a:schemeClr val="tx1"/>
+                </a:solidFill>
+              </a:rPr>
+              <a:t>を減算</a:t>
+            </a:r>
+            <a:endParaRPr kumimoji="1" lang="ja-JP" altLang="en-US" sz="800" dirty="0">
+              <a:solidFill>
+                <a:schemeClr val="tx1"/>
+              </a:solidFill>
+            </a:endParaRPr>
+          </a:p>
+        </p:txBody>
+      </p:sp>
+      <p:sp>
+        <p:nvSpPr>
+          <p:cNvPr id="94" name="テキスト ボックス 93">
+            <a:extLst>
+              <a:ext uri="{FF2B5EF4-FFF2-40B4-BE49-F238E27FC236}">
+                <a16:creationId xmlns:a16="http://schemas.microsoft.com/office/drawing/2014/main" id="{29B3A78D-3D90-1064-55C4-5B79A028CBC7}"/>
+              </a:ext>
+            </a:extLst>
+          </p:cNvPr>
+          <p:cNvSpPr txBox="1"/>
+          <p:nvPr/>
+        </p:nvSpPr>
+        <p:spPr>
+          <a:xfrm>
+            <a:off x="7019731" y="5493136"/>
+            <a:ext cx="1182221" cy="215444"/>
+          </a:xfrm>
+          <a:prstGeom prst="rect">
+            <a:avLst/>
+          </a:prstGeom>
+          <a:solidFill>
+            <a:schemeClr val="bg1"/>
+          </a:solidFill>
+          <a:ln w="12700">
+            <a:solidFill>
+              <a:srgbClr val="009900"/>
+            </a:solidFill>
+          </a:ln>
+        </p:spPr>
+        <p:txBody>
+          <a:bodyPr wrap="square" rtlCol="0">
+            <a:spAutoFit/>
+          </a:bodyPr>
+          <a:lstStyle/>
+          <a:p>
+            <a:r>
+              <a:rPr lang="ja-JP" altLang="en-US" sz="800" dirty="0"/>
+              <a:t>大当り種別を</a:t>
+            </a:r>
+            <a:r>
+              <a:rPr lang="en-US" altLang="ja-JP" sz="800" dirty="0"/>
+              <a:t>3</a:t>
+            </a:r>
+            <a:r>
+              <a:rPr lang="ja-JP" altLang="en-US" sz="800" dirty="0"/>
+              <a:t>へ変更</a:t>
+            </a:r>
+            <a:endParaRPr lang="en-US" altLang="ja-JP" sz="800" dirty="0"/>
+          </a:p>
+        </p:txBody>
+      </p:sp>
+      <p:sp>
+        <p:nvSpPr>
+          <p:cNvPr id="95" name="吹き出し: 四角形 94">
+            <a:extLst>
+              <a:ext uri="{FF2B5EF4-FFF2-40B4-BE49-F238E27FC236}">
+                <a16:creationId xmlns:a16="http://schemas.microsoft.com/office/drawing/2014/main" id="{B37E62AB-219E-7CA0-0994-DA2FD115A982}"/>
+              </a:ext>
+            </a:extLst>
+          </p:cNvPr>
+          <p:cNvSpPr/>
+          <p:nvPr/>
+        </p:nvSpPr>
+        <p:spPr>
+          <a:xfrm>
+            <a:off x="8400256" y="4053574"/>
+            <a:ext cx="1312463" cy="187613"/>
+          </a:xfrm>
+          <a:prstGeom prst="wedgeRectCallout">
+            <a:avLst>
+              <a:gd name="adj1" fmla="val 38765"/>
+              <a:gd name="adj2" fmla="val 76845"/>
+            </a:avLst>
+          </a:prstGeom>
+          <a:solidFill>
+            <a:schemeClr val="bg1"/>
+          </a:solidFill>
+          <a:ln>
+            <a:solidFill>
+              <a:srgbClr val="0000FF"/>
+            </a:solidFill>
+          </a:ln>
+        </p:spPr>
+        <p:style>
+          <a:lnRef idx="2">
+            <a:schemeClr val="accent1">
+              <a:shade val="15000"/>
+            </a:schemeClr>
+          </a:lnRef>
+          <a:fillRef idx="1">
+            <a:schemeClr val="accent1"/>
+          </a:fillRef>
+          <a:effectRef idx="0">
+            <a:schemeClr val="accent1"/>
+          </a:effectRef>
+          <a:fontRef idx="minor">
+            <a:schemeClr val="lt1"/>
+          </a:fontRef>
+        </p:style>
+        <p:txBody>
+          <a:bodyPr rtlCol="0" anchor="ctr"/>
+          <a:lstStyle/>
+          <a:p>
+            <a:r>
+              <a:rPr lang="ja-JP" altLang="en-US" sz="800" dirty="0">
+                <a:solidFill>
+                  <a:schemeClr val="tx1"/>
+                </a:solidFill>
+              </a:rPr>
+              <a:t>カッコ内の回転数</a:t>
+            </a:r>
+            <a:r>
+              <a:rPr kumimoji="1" lang="ja-JP" altLang="en-US" sz="800" dirty="0">
+                <a:solidFill>
+                  <a:schemeClr val="tx1"/>
+                </a:solidFill>
+              </a:rPr>
+              <a:t>を減算</a:t>
+            </a:r>
+          </a:p>
+        </p:txBody>
+      </p:sp>
+      <p:sp>
+        <p:nvSpPr>
+          <p:cNvPr id="96" name="正方形/長方形 95">
+            <a:extLst>
+              <a:ext uri="{FF2B5EF4-FFF2-40B4-BE49-F238E27FC236}">
+                <a16:creationId xmlns:a16="http://schemas.microsoft.com/office/drawing/2014/main" id="{241EAD7B-9834-78A6-59B2-49F2848A75F6}"/>
+              </a:ext>
+            </a:extLst>
+          </p:cNvPr>
+          <p:cNvSpPr/>
+          <p:nvPr/>
+        </p:nvSpPr>
+        <p:spPr>
+          <a:xfrm>
+            <a:off x="9373203" y="4301382"/>
+            <a:ext cx="776010" cy="131730"/>
+          </a:xfrm>
+          <a:prstGeom prst="rect">
+            <a:avLst/>
+          </a:prstGeom>
+          <a:noFill/>
+          <a:ln w="19050">
+            <a:solidFill>
+              <a:srgbClr val="0000FF"/>
+            </a:solidFill>
+          </a:ln>
+        </p:spPr>
+        <p:style>
+          <a:lnRef idx="2">
+            <a:schemeClr val="accent1">
+              <a:shade val="15000"/>
+            </a:schemeClr>
+          </a:lnRef>
+          <a:fillRef idx="1">
+            <a:schemeClr val="accent1"/>
+          </a:fillRef>
+          <a:effectRef idx="0">
+            <a:schemeClr val="accent1"/>
+          </a:effectRef>
+          <a:fontRef idx="minor">
+            <a:schemeClr val="lt1"/>
+          </a:fontRef>
+        </p:style>
+        <p:txBody>
+          <a:bodyPr rtlCol="0" anchor="ctr"/>
+          <a:lstStyle/>
+          <a:p>
+            <a:pPr algn="ctr"/>
+            <a:endParaRPr kumimoji="1" lang="ja-JP" altLang="en-US"/>
+          </a:p>
+        </p:txBody>
+      </p:sp>
+      <p:cxnSp>
+        <p:nvCxnSpPr>
+          <p:cNvPr id="97" name="コネクタ: カギ線 96">
+            <a:extLst>
+              <a:ext uri="{FF2B5EF4-FFF2-40B4-BE49-F238E27FC236}">
+                <a16:creationId xmlns:a16="http://schemas.microsoft.com/office/drawing/2014/main" id="{E8724443-41C0-BD05-16E4-9A83C19ADC1C}"/>
+              </a:ext>
+            </a:extLst>
+          </p:cNvPr>
+          <p:cNvCxnSpPr>
+            <a:cxnSpLocks/>
+            <a:stCxn id="83" idx="0"/>
+            <a:endCxn id="96" idx="1"/>
+          </p:cNvCxnSpPr>
+          <p:nvPr/>
+        </p:nvCxnSpPr>
+        <p:spPr>
+          <a:xfrm rot="5400000" flipH="1" flipV="1">
+            <a:off x="9139341" y="4200624"/>
+            <a:ext cx="67238" cy="400485"/>
+          </a:xfrm>
+          <a:prstGeom prst="bentConnector2">
+            <a:avLst/>
+          </a:prstGeom>
+          <a:ln w="12700">
+            <a:solidFill>
+              <a:srgbClr val="0000FF"/>
+            </a:solidFill>
+            <a:tailEnd type="triangle"/>
+          </a:ln>
+        </p:spPr>
+        <p:style>
+          <a:lnRef idx="1">
+            <a:schemeClr val="accent1"/>
+          </a:lnRef>
+          <a:fillRef idx="0">
+            <a:schemeClr val="accent1"/>
+          </a:fillRef>
+          <a:effectRef idx="0">
+            <a:schemeClr val="accent1"/>
+          </a:effectRef>
+          <a:fontRef idx="minor">
+            <a:schemeClr val="tx1"/>
+          </a:fontRef>
+        </p:style>
+      </p:cxnSp>
+      <p:sp>
+        <p:nvSpPr>
+          <p:cNvPr id="100" name="正方形/長方形 99">
+            <a:extLst>
+              <a:ext uri="{FF2B5EF4-FFF2-40B4-BE49-F238E27FC236}">
+                <a16:creationId xmlns:a16="http://schemas.microsoft.com/office/drawing/2014/main" id="{2F7BE85D-2BE1-CD84-A220-08DB9E3841E4}"/>
+              </a:ext>
+            </a:extLst>
+          </p:cNvPr>
+          <p:cNvSpPr/>
+          <p:nvPr/>
+        </p:nvSpPr>
+        <p:spPr>
+          <a:xfrm>
+            <a:off x="10572750" y="4343400"/>
+            <a:ext cx="1301214" cy="136608"/>
+          </a:xfrm>
+          <a:prstGeom prst="rect">
+            <a:avLst/>
+          </a:prstGeom>
+          <a:noFill/>
+          <a:ln w="19050">
+            <a:solidFill>
+              <a:srgbClr val="FF0000"/>
+            </a:solidFill>
+          </a:ln>
+        </p:spPr>
+        <p:style>
+          <a:lnRef idx="2">
+            <a:schemeClr val="accent1">
+              <a:shade val="15000"/>
+            </a:schemeClr>
+          </a:lnRef>
+          <a:fillRef idx="1">
+            <a:schemeClr val="accent1"/>
+          </a:fillRef>
+          <a:effectRef idx="0">
+            <a:schemeClr val="accent1"/>
+          </a:effectRef>
+          <a:fontRef idx="minor">
+            <a:schemeClr val="lt1"/>
+          </a:fontRef>
+        </p:style>
+        <p:txBody>
+          <a:bodyPr rtlCol="0" anchor="ctr"/>
+          <a:lstStyle/>
+          <a:p>
+            <a:pPr algn="ctr"/>
+            <a:endParaRPr kumimoji="1" lang="ja-JP" altLang="en-US"/>
+          </a:p>
+        </p:txBody>
+      </p:sp>
+      <p:sp>
+        <p:nvSpPr>
+          <p:cNvPr id="101" name="正方形/長方形 100">
+            <a:extLst>
+              <a:ext uri="{FF2B5EF4-FFF2-40B4-BE49-F238E27FC236}">
+                <a16:creationId xmlns:a16="http://schemas.microsoft.com/office/drawing/2014/main" id="{3031AB66-F916-B98A-E13D-077D7D1D37E2}"/>
+              </a:ext>
+            </a:extLst>
+          </p:cNvPr>
+          <p:cNvSpPr/>
+          <p:nvPr/>
+        </p:nvSpPr>
+        <p:spPr>
+          <a:xfrm>
+            <a:off x="10572750" y="4634598"/>
+            <a:ext cx="1301214" cy="136608"/>
+          </a:xfrm>
+          <a:prstGeom prst="rect">
+            <a:avLst/>
+          </a:prstGeom>
+          <a:noFill/>
+          <a:ln w="19050">
+            <a:solidFill>
+              <a:srgbClr val="FF0000"/>
+            </a:solidFill>
+          </a:ln>
+        </p:spPr>
+        <p:style>
+          <a:lnRef idx="2">
+            <a:schemeClr val="accent1">
+              <a:shade val="15000"/>
+            </a:schemeClr>
+          </a:lnRef>
+          <a:fillRef idx="1">
+            <a:schemeClr val="accent1"/>
+          </a:fillRef>
+          <a:effectRef idx="0">
+            <a:schemeClr val="accent1"/>
+          </a:effectRef>
+          <a:fontRef idx="minor">
+            <a:schemeClr val="lt1"/>
+          </a:fontRef>
+        </p:style>
+        <p:txBody>
+          <a:bodyPr rtlCol="0" anchor="ctr"/>
+          <a:lstStyle/>
+          <a:p>
+            <a:pPr algn="ctr"/>
+            <a:endParaRPr kumimoji="1" lang="ja-JP" altLang="en-US"/>
+          </a:p>
+        </p:txBody>
+      </p:sp>
+      <p:sp>
+        <p:nvSpPr>
+          <p:cNvPr id="102" name="正方形/長方形 101">
+            <a:extLst>
+              <a:ext uri="{FF2B5EF4-FFF2-40B4-BE49-F238E27FC236}">
+                <a16:creationId xmlns:a16="http://schemas.microsoft.com/office/drawing/2014/main" id="{0A8851DF-85A1-D23C-5553-7A4813B66E56}"/>
+              </a:ext>
+            </a:extLst>
+          </p:cNvPr>
+          <p:cNvSpPr/>
+          <p:nvPr/>
+        </p:nvSpPr>
+        <p:spPr>
+          <a:xfrm>
+            <a:off x="9373532" y="4707276"/>
+            <a:ext cx="775681" cy="127075"/>
+          </a:xfrm>
+          <a:prstGeom prst="rect">
+            <a:avLst/>
+          </a:prstGeom>
+          <a:noFill/>
+          <a:ln w="19050">
+            <a:solidFill>
+              <a:srgbClr val="FF0000"/>
+            </a:solidFill>
+          </a:ln>
+        </p:spPr>
+        <p:style>
+          <a:lnRef idx="2">
+            <a:schemeClr val="accent1">
+              <a:shade val="15000"/>
+            </a:schemeClr>
+          </a:lnRef>
+          <a:fillRef idx="1">
+            <a:schemeClr val="accent1"/>
+          </a:fillRef>
+          <a:effectRef idx="0">
+            <a:schemeClr val="accent1"/>
+          </a:effectRef>
+          <a:fontRef idx="minor">
+            <a:schemeClr val="lt1"/>
+          </a:fontRef>
+        </p:style>
+        <p:txBody>
+          <a:bodyPr rtlCol="0" anchor="ctr"/>
+          <a:lstStyle/>
+          <a:p>
+            <a:pPr algn="ctr"/>
+            <a:endParaRPr kumimoji="1" lang="ja-JP" altLang="en-US"/>
+          </a:p>
+        </p:txBody>
+      </p:sp>
+      <p:cxnSp>
+        <p:nvCxnSpPr>
+          <p:cNvPr id="103" name="コネクタ: カギ線 102">
+            <a:extLst>
+              <a:ext uri="{FF2B5EF4-FFF2-40B4-BE49-F238E27FC236}">
+                <a16:creationId xmlns:a16="http://schemas.microsoft.com/office/drawing/2014/main" id="{478F8E05-F8E9-47B8-23BB-51683860FFD9}"/>
+              </a:ext>
+            </a:extLst>
+          </p:cNvPr>
+          <p:cNvCxnSpPr>
+            <a:cxnSpLocks/>
+            <a:stCxn id="101" idx="1"/>
+            <a:endCxn id="102" idx="3"/>
+          </p:cNvCxnSpPr>
+          <p:nvPr/>
+        </p:nvCxnSpPr>
+        <p:spPr>
+          <a:xfrm rot="10800000" flipV="1">
+            <a:off x="10149214" y="4702902"/>
+            <a:ext cx="423537" cy="67912"/>
+          </a:xfrm>
+          <a:prstGeom prst="bentConnector3">
+            <a:avLst>
+              <a:gd name="adj1" fmla="val 50000"/>
+            </a:avLst>
+          </a:prstGeom>
+          <a:ln w="12700">
+            <a:solidFill>
+              <a:srgbClr val="FF0000"/>
+            </a:solidFill>
+            <a:tailEnd type="triangle"/>
+          </a:ln>
+        </p:spPr>
+        <p:style>
+          <a:lnRef idx="1">
+            <a:schemeClr val="accent1"/>
+          </a:lnRef>
+          <a:fillRef idx="0">
+            <a:schemeClr val="accent1"/>
+          </a:fillRef>
+          <a:effectRef idx="0">
+            <a:schemeClr val="accent1"/>
+          </a:effectRef>
+          <a:fontRef idx="minor">
+            <a:schemeClr val="tx1"/>
+          </a:fontRef>
+        </p:style>
+      </p:cxnSp>
+      <p:cxnSp>
+        <p:nvCxnSpPr>
+          <p:cNvPr id="106" name="コネクタ: カギ線 105">
+            <a:extLst>
+              <a:ext uri="{FF2B5EF4-FFF2-40B4-BE49-F238E27FC236}">
+                <a16:creationId xmlns:a16="http://schemas.microsoft.com/office/drawing/2014/main" id="{A8B4329E-8296-EB63-4D72-B25A3763EC9B}"/>
+              </a:ext>
+            </a:extLst>
+          </p:cNvPr>
+          <p:cNvCxnSpPr>
+            <a:cxnSpLocks/>
+            <a:stCxn id="100" idx="1"/>
+            <a:endCxn id="96" idx="3"/>
+          </p:cNvCxnSpPr>
+          <p:nvPr/>
+        </p:nvCxnSpPr>
+        <p:spPr>
+          <a:xfrm rot="10800000">
+            <a:off x="10149214" y="4367248"/>
+            <a:ext cx="423537" cy="44457"/>
+          </a:xfrm>
+          <a:prstGeom prst="bentConnector3">
+            <a:avLst>
+              <a:gd name="adj1" fmla="val 50000"/>
+            </a:avLst>
+          </a:prstGeom>
+          <a:ln w="12700">
+            <a:solidFill>
+              <a:srgbClr val="FF0000"/>
+            </a:solidFill>
+            <a:tailEnd type="triangle"/>
+          </a:ln>
+        </p:spPr>
+        <p:style>
+          <a:lnRef idx="1">
+            <a:schemeClr val="accent1"/>
+          </a:lnRef>
+          <a:fillRef idx="0">
+            <a:schemeClr val="accent1"/>
+          </a:fillRef>
+          <a:effectRef idx="0">
+            <a:schemeClr val="accent1"/>
+          </a:effectRef>
+          <a:fontRef idx="minor">
+            <a:schemeClr val="tx1"/>
+          </a:fontRef>
+        </p:style>
+      </p:cxnSp>
+      <p:sp>
+        <p:nvSpPr>
+          <p:cNvPr id="109" name="吹き出し: 四角形 108">
+            <a:extLst>
+              <a:ext uri="{FF2B5EF4-FFF2-40B4-BE49-F238E27FC236}">
+                <a16:creationId xmlns:a16="http://schemas.microsoft.com/office/drawing/2014/main" id="{6D8C0358-C523-08B5-12CB-896492395609}"/>
+              </a:ext>
+            </a:extLst>
+          </p:cNvPr>
+          <p:cNvSpPr/>
+          <p:nvPr/>
+        </p:nvSpPr>
+        <p:spPr>
+          <a:xfrm>
+            <a:off x="10254950" y="4911070"/>
+            <a:ext cx="1526060" cy="458919"/>
+          </a:xfrm>
+          <a:prstGeom prst="wedgeRectCallout">
+            <a:avLst>
+              <a:gd name="adj1" fmla="val 38860"/>
+              <a:gd name="adj2" fmla="val -79335"/>
+            </a:avLst>
+          </a:prstGeom>
+          <a:solidFill>
+            <a:schemeClr val="bg1"/>
+          </a:solidFill>
+          <a:ln>
+            <a:solidFill>
+              <a:srgbClr val="FF0000"/>
+            </a:solidFill>
+          </a:ln>
+        </p:spPr>
+        <p:style>
+          <a:lnRef idx="2">
+            <a:schemeClr val="accent1">
+              <a:shade val="15000"/>
+            </a:schemeClr>
+          </a:lnRef>
+          <a:fillRef idx="1">
+            <a:schemeClr val="accent1"/>
+          </a:fillRef>
+          <a:effectRef idx="0">
+            <a:schemeClr val="accent1"/>
+          </a:effectRef>
+          <a:fontRef idx="minor">
+            <a:schemeClr val="lt1"/>
+          </a:fontRef>
+        </p:style>
+        <p:txBody>
+          <a:bodyPr rtlCol="0" anchor="ctr"/>
+          <a:lstStyle/>
+          <a:p>
+            <a:r>
+              <a:rPr kumimoji="1" lang="en-US" altLang="ja-JP" sz="800" dirty="0">
+                <a:solidFill>
+                  <a:schemeClr val="tx1"/>
+                </a:solidFill>
+              </a:rPr>
+              <a:t>ST</a:t>
+            </a:r>
+            <a:r>
+              <a:rPr kumimoji="1" lang="ja-JP" altLang="en-US" sz="800" dirty="0">
+                <a:solidFill>
+                  <a:schemeClr val="tx1"/>
+                </a:solidFill>
+              </a:rPr>
+              <a:t>回転数・</a:t>
+            </a:r>
+            <a:r>
+              <a:rPr kumimoji="1" lang="en-US" altLang="ja-JP" sz="800" dirty="0">
+                <a:solidFill>
+                  <a:schemeClr val="tx1"/>
+                </a:solidFill>
+              </a:rPr>
+              <a:t>CT</a:t>
+            </a:r>
+            <a:r>
+              <a:rPr kumimoji="1" lang="ja-JP" altLang="en-US" sz="800" dirty="0">
+                <a:solidFill>
+                  <a:schemeClr val="tx1"/>
+                </a:solidFill>
+              </a:rPr>
+              <a:t>回転数は</a:t>
+            </a:r>
+            <a:endParaRPr kumimoji="1" lang="en-US" altLang="ja-JP" sz="800" dirty="0">
+              <a:solidFill>
+                <a:schemeClr val="tx1"/>
+              </a:solidFill>
+            </a:endParaRPr>
+          </a:p>
+          <a:p>
+            <a:r>
+              <a:rPr kumimoji="1" lang="ja-JP" altLang="en-US" sz="800" dirty="0">
+                <a:solidFill>
+                  <a:schemeClr val="tx1"/>
+                </a:solidFill>
+              </a:rPr>
+              <a:t>減算しない</a:t>
+            </a:r>
+            <a:endParaRPr kumimoji="1" lang="en-US" altLang="ja-JP" sz="800" dirty="0">
+              <a:solidFill>
+                <a:schemeClr val="tx1"/>
+              </a:solidFill>
+            </a:endParaRPr>
+          </a:p>
+          <a:p>
+            <a:r>
+              <a:rPr lang="en-US" altLang="ja-JP" sz="800" dirty="0">
+                <a:solidFill>
+                  <a:srgbClr val="FF0000"/>
+                </a:solidFill>
+              </a:rPr>
+              <a:t>※</a:t>
+            </a:r>
+            <a:r>
+              <a:rPr lang="ja-JP" altLang="en-US" sz="800" dirty="0">
+                <a:solidFill>
+                  <a:srgbClr val="FF0000"/>
+                </a:solidFill>
+              </a:rPr>
+              <a:t>すでに減算されているため</a:t>
+            </a:r>
+            <a:endParaRPr kumimoji="1" lang="ja-JP" altLang="en-US" sz="800" dirty="0">
+              <a:solidFill>
+                <a:srgbClr val="FF0000"/>
+              </a:solidFill>
+            </a:endParaRPr>
+          </a:p>
+        </p:txBody>
+      </p:sp>
+      <p:sp>
+        <p:nvSpPr>
+          <p:cNvPr id="9" name="吹き出し: 四角形 8">
+            <a:extLst>
+              <a:ext uri="{FF2B5EF4-FFF2-40B4-BE49-F238E27FC236}">
+                <a16:creationId xmlns:a16="http://schemas.microsoft.com/office/drawing/2014/main" id="{C8A198E6-D286-3A20-0B57-9C703D1F05C5}"/>
+              </a:ext>
+            </a:extLst>
+          </p:cNvPr>
+          <p:cNvSpPr/>
+          <p:nvPr/>
+        </p:nvSpPr>
+        <p:spPr>
+          <a:xfrm>
+            <a:off x="4979152" y="5580157"/>
+            <a:ext cx="926273" cy="174738"/>
+          </a:xfrm>
+          <a:prstGeom prst="wedgeRectCallout">
+            <a:avLst>
+              <a:gd name="adj1" fmla="val 43197"/>
+              <a:gd name="adj2" fmla="val 96844"/>
+            </a:avLst>
+          </a:prstGeom>
+          <a:solidFill>
+            <a:schemeClr val="bg1"/>
+          </a:solidFill>
+          <a:ln>
+            <a:solidFill>
+              <a:srgbClr val="0000FF"/>
+            </a:solidFill>
+          </a:ln>
+        </p:spPr>
+        <p:style>
+          <a:lnRef idx="2">
+            <a:schemeClr val="accent1">
+              <a:shade val="15000"/>
+            </a:schemeClr>
+          </a:lnRef>
+          <a:fillRef idx="1">
+            <a:schemeClr val="accent1"/>
+          </a:fillRef>
+          <a:effectRef idx="0">
+            <a:schemeClr val="accent1"/>
+          </a:effectRef>
+          <a:fontRef idx="minor">
+            <a:schemeClr val="lt1"/>
+          </a:fontRef>
+        </p:style>
+        <p:txBody>
+          <a:bodyPr rtlCol="0" anchor="ctr"/>
+          <a:lstStyle/>
+          <a:p>
+            <a:r>
+              <a:rPr lang="en-US" altLang="ja-JP" sz="800" dirty="0">
+                <a:solidFill>
+                  <a:schemeClr val="tx1"/>
+                </a:solidFill>
+              </a:rPr>
+              <a:t>ST</a:t>
+            </a:r>
+            <a:r>
+              <a:rPr lang="ja-JP" altLang="en-US" sz="800" dirty="0">
+                <a:solidFill>
+                  <a:schemeClr val="tx1"/>
+                </a:solidFill>
+              </a:rPr>
+              <a:t>回転数を減算</a:t>
+            </a:r>
+            <a:endParaRPr kumimoji="1" lang="ja-JP" altLang="en-US" sz="800" dirty="0">
+              <a:solidFill>
+                <a:schemeClr val="tx1"/>
+              </a:solidFill>
+            </a:endParaRPr>
+          </a:p>
+        </p:txBody>
+      </p:sp>
+      <p:sp>
+        <p:nvSpPr>
+          <p:cNvPr id="42" name="正方形/長方形 41">
+            <a:extLst>
+              <a:ext uri="{FF2B5EF4-FFF2-40B4-BE49-F238E27FC236}">
+                <a16:creationId xmlns:a16="http://schemas.microsoft.com/office/drawing/2014/main" id="{C2D80F4C-80FA-571B-4F3F-334B0877D44B}"/>
+              </a:ext>
+            </a:extLst>
+          </p:cNvPr>
+          <p:cNvSpPr/>
+          <p:nvPr/>
+        </p:nvSpPr>
+        <p:spPr>
+          <a:xfrm>
+            <a:off x="5734878" y="5962785"/>
+            <a:ext cx="426255" cy="112870"/>
+          </a:xfrm>
+          <a:prstGeom prst="rect">
+            <a:avLst/>
+          </a:prstGeom>
+          <a:noFill/>
+          <a:ln w="19050">
+            <a:solidFill>
+              <a:srgbClr val="0000FF"/>
+            </a:solidFill>
+          </a:ln>
+        </p:spPr>
+        <p:style>
+          <a:lnRef idx="2">
+            <a:schemeClr val="accent1">
+              <a:shade val="15000"/>
+            </a:schemeClr>
+          </a:lnRef>
+          <a:fillRef idx="1">
+            <a:schemeClr val="accent1"/>
+          </a:fillRef>
+          <a:effectRef idx="0">
+            <a:schemeClr val="accent1"/>
+          </a:effectRef>
+          <a:fontRef idx="minor">
+            <a:schemeClr val="lt1"/>
+          </a:fontRef>
+        </p:style>
+        <p:txBody>
+          <a:bodyPr rtlCol="0" anchor="ctr"/>
+          <a:lstStyle/>
+          <a:p>
+            <a:pPr algn="ctr"/>
+            <a:endParaRPr kumimoji="1" lang="ja-JP" altLang="en-US"/>
+          </a:p>
+        </p:txBody>
+      </p:sp>
+      <p:sp>
+        <p:nvSpPr>
+          <p:cNvPr id="43" name="吹き出し: 四角形 42">
+            <a:extLst>
+              <a:ext uri="{FF2B5EF4-FFF2-40B4-BE49-F238E27FC236}">
+                <a16:creationId xmlns:a16="http://schemas.microsoft.com/office/drawing/2014/main" id="{4CAE5579-5F4B-6125-2615-667F76EE160D}"/>
+              </a:ext>
+            </a:extLst>
+          </p:cNvPr>
+          <p:cNvSpPr/>
+          <p:nvPr/>
+        </p:nvSpPr>
+        <p:spPr>
+          <a:xfrm>
+            <a:off x="4612855" y="5900917"/>
+            <a:ext cx="926273" cy="174738"/>
+          </a:xfrm>
+          <a:prstGeom prst="wedgeRectCallout">
+            <a:avLst>
+              <a:gd name="adj1" fmla="val 70583"/>
+              <a:gd name="adj2" fmla="val 29322"/>
+            </a:avLst>
+          </a:prstGeom>
+          <a:solidFill>
+            <a:schemeClr val="bg1"/>
+          </a:solidFill>
+          <a:ln>
+            <a:solidFill>
+              <a:srgbClr val="0000FF"/>
+            </a:solidFill>
+          </a:ln>
+        </p:spPr>
+        <p:style>
+          <a:lnRef idx="2">
+            <a:schemeClr val="accent1">
+              <a:shade val="15000"/>
+            </a:schemeClr>
+          </a:lnRef>
+          <a:fillRef idx="1">
+            <a:schemeClr val="accent1"/>
+          </a:fillRef>
+          <a:effectRef idx="0">
+            <a:schemeClr val="accent1"/>
+          </a:effectRef>
+          <a:fontRef idx="minor">
+            <a:schemeClr val="lt1"/>
+          </a:fontRef>
+        </p:style>
+        <p:txBody>
+          <a:bodyPr rtlCol="0" anchor="ctr"/>
+          <a:lstStyle/>
+          <a:p>
+            <a:r>
+              <a:rPr lang="en-US" altLang="ja-JP" sz="800" dirty="0">
+                <a:solidFill>
+                  <a:schemeClr val="tx1"/>
+                </a:solidFill>
+              </a:rPr>
+              <a:t>ST</a:t>
+            </a:r>
+            <a:r>
+              <a:rPr lang="ja-JP" altLang="en-US" sz="800" dirty="0">
+                <a:solidFill>
+                  <a:schemeClr val="tx1"/>
+                </a:solidFill>
+              </a:rPr>
+              <a:t>回転数を減算</a:t>
+            </a:r>
+            <a:endParaRPr kumimoji="1" lang="ja-JP" altLang="en-US" sz="800" dirty="0">
+              <a:solidFill>
+                <a:schemeClr val="tx1"/>
+              </a:solidFill>
+            </a:endParaRPr>
+          </a:p>
+        </p:txBody>
+      </p:sp>
+      <p:sp>
+        <p:nvSpPr>
+          <p:cNvPr id="44" name="吹き出し: 四角形 43">
+            <a:extLst>
+              <a:ext uri="{FF2B5EF4-FFF2-40B4-BE49-F238E27FC236}">
+                <a16:creationId xmlns:a16="http://schemas.microsoft.com/office/drawing/2014/main" id="{D2D974B0-F094-AC0A-5CEE-28FAC949400B}"/>
+              </a:ext>
+            </a:extLst>
+          </p:cNvPr>
+          <p:cNvSpPr/>
+          <p:nvPr/>
+        </p:nvSpPr>
+        <p:spPr>
+          <a:xfrm>
+            <a:off x="7796737" y="4714255"/>
+            <a:ext cx="1182221" cy="187613"/>
+          </a:xfrm>
+          <a:prstGeom prst="wedgeRectCallout">
+            <a:avLst>
+              <a:gd name="adj1" fmla="val 38765"/>
+              <a:gd name="adj2" fmla="val -125072"/>
+            </a:avLst>
+          </a:prstGeom>
+          <a:solidFill>
+            <a:schemeClr val="bg1"/>
+          </a:solidFill>
+          <a:ln>
+            <a:solidFill>
+              <a:srgbClr val="009900"/>
+            </a:solidFill>
+          </a:ln>
+        </p:spPr>
+        <p:style>
+          <a:lnRef idx="2">
+            <a:schemeClr val="accent1">
+              <a:shade val="15000"/>
+            </a:schemeClr>
+          </a:lnRef>
+          <a:fillRef idx="1">
+            <a:schemeClr val="accent1"/>
+          </a:fillRef>
+          <a:effectRef idx="0">
+            <a:schemeClr val="accent1"/>
+          </a:effectRef>
+          <a:fontRef idx="minor">
+            <a:schemeClr val="lt1"/>
+          </a:fontRef>
+        </p:style>
+        <p:txBody>
+          <a:bodyPr rtlCol="0" anchor="ctr"/>
+          <a:lstStyle/>
+          <a:p>
+            <a:r>
+              <a:rPr kumimoji="1" lang="ja-JP" altLang="en-US" sz="800" dirty="0">
+                <a:solidFill>
+                  <a:schemeClr val="tx1"/>
+                </a:solidFill>
+              </a:rPr>
+              <a:t>大当り種別を</a:t>
+            </a:r>
+            <a:r>
+              <a:rPr kumimoji="1" lang="en-US" altLang="ja-JP" sz="800" dirty="0">
+                <a:solidFill>
+                  <a:schemeClr val="tx1"/>
+                </a:solidFill>
+              </a:rPr>
+              <a:t>3</a:t>
+            </a:r>
+            <a:r>
+              <a:rPr kumimoji="1" lang="ja-JP" altLang="en-US" sz="800" dirty="0">
+                <a:solidFill>
+                  <a:schemeClr val="tx1"/>
+                </a:solidFill>
+              </a:rPr>
+              <a:t>へ変更</a:t>
+            </a:r>
+          </a:p>
+        </p:txBody>
+      </p:sp>
+    </p:spTree>
+    <p:extLst>
+      <p:ext uri="{BB962C8B-B14F-4D97-AF65-F5344CB8AC3E}">
+        <p14:creationId xmlns:p14="http://schemas.microsoft.com/office/powerpoint/2010/main" val="1307309309"/>
       </p:ext>
     </p:extLst>
   </p:cSld>

--- a/ExpAnalyzer/DataSheets/ExpAnalyzer_仕様書.pptx
+++ b/ExpAnalyzer/DataSheets/ExpAnalyzer_仕様書.pptx
@@ -17397,7 +17397,7 @@
           <a:p>
             <a:fld id="{EC3ECA90-77F6-4BB8-838E-193460CA105B}" type="datetimeFigureOut">
               <a:rPr kumimoji="1" lang="ja-JP" altLang="en-US" smtClean="0"/>
-              <a:t>2023/12/13</a:t>
+              <a:t>2023/12/20</a:t>
             </a:fld>
             <a:endParaRPr kumimoji="1" lang="ja-JP" altLang="en-US"/>
           </a:p>
@@ -18138,7 +18138,7 @@
           <a:p>
             <a:fld id="{907C6EF5-DE51-4EDB-A1DF-9C3BABF24F6A}" type="datetimeFigureOut">
               <a:rPr kumimoji="1" lang="ja-JP" altLang="en-US" smtClean="0"/>
-              <a:t>2023/12/13</a:t>
+              <a:t>2023/12/20</a:t>
             </a:fld>
             <a:endParaRPr kumimoji="1" lang="ja-JP" altLang="en-US"/>
           </a:p>
@@ -18426,7 +18426,7 @@
           <a:p>
             <a:fld id="{907C6EF5-DE51-4EDB-A1DF-9C3BABF24F6A}" type="datetimeFigureOut">
               <a:rPr kumimoji="1" lang="ja-JP" altLang="en-US" smtClean="0"/>
-              <a:t>2023/12/13</a:t>
+              <a:t>2023/12/20</a:t>
             </a:fld>
             <a:endParaRPr kumimoji="1" lang="ja-JP" altLang="en-US"/>
           </a:p>
@@ -18656,7 +18656,7 @@
           <a:p>
             <a:fld id="{907C6EF5-DE51-4EDB-A1DF-9C3BABF24F6A}" type="datetimeFigureOut">
               <a:rPr kumimoji="1" lang="ja-JP" altLang="en-US" smtClean="0"/>
-              <a:t>2023/12/13</a:t>
+              <a:t>2023/12/20</a:t>
             </a:fld>
             <a:endParaRPr kumimoji="1" lang="ja-JP" altLang="en-US"/>
           </a:p>
@@ -18896,7 +18896,7 @@
           <a:p>
             <a:fld id="{907C6EF5-DE51-4EDB-A1DF-9C3BABF24F6A}" type="datetimeFigureOut">
               <a:rPr kumimoji="1" lang="ja-JP" altLang="en-US" smtClean="0"/>
-              <a:t>2023/12/13</a:t>
+              <a:t>2023/12/20</a:t>
             </a:fld>
             <a:endParaRPr kumimoji="1" lang="ja-JP" altLang="en-US"/>
           </a:p>
@@ -19228,7 +19228,7 @@
           <a:p>
             <a:fld id="{907C6EF5-DE51-4EDB-A1DF-9C3BABF24F6A}" type="datetimeFigureOut">
               <a:rPr kumimoji="1" lang="ja-JP" altLang="en-US" smtClean="0"/>
-              <a:t>2023/12/13</a:t>
+              <a:t>2023/12/20</a:t>
             </a:fld>
             <a:endParaRPr kumimoji="1" lang="ja-JP" altLang="en-US"/>
           </a:p>
@@ -19458,7 +19458,7 @@
           <a:p>
             <a:fld id="{907C6EF5-DE51-4EDB-A1DF-9C3BABF24F6A}" type="datetimeFigureOut">
               <a:rPr kumimoji="1" lang="ja-JP" altLang="en-US" smtClean="0"/>
-              <a:t>2023/12/13</a:t>
+              <a:t>2023/12/20</a:t>
             </a:fld>
             <a:endParaRPr kumimoji="1" lang="ja-JP" altLang="en-US"/>
           </a:p>
@@ -19733,7 +19733,7 @@
           <a:p>
             <a:fld id="{907C6EF5-DE51-4EDB-A1DF-9C3BABF24F6A}" type="datetimeFigureOut">
               <a:rPr kumimoji="1" lang="ja-JP" altLang="en-US" smtClean="0"/>
-              <a:t>2023/12/13</a:t>
+              <a:t>2023/12/20</a:t>
             </a:fld>
             <a:endParaRPr kumimoji="1" lang="ja-JP" altLang="en-US"/>
           </a:p>
@@ -20062,7 +20062,7 @@
           <a:p>
             <a:fld id="{907C6EF5-DE51-4EDB-A1DF-9C3BABF24F6A}" type="datetimeFigureOut">
               <a:rPr kumimoji="1" lang="ja-JP" altLang="en-US" smtClean="0"/>
-              <a:t>2023/12/13</a:t>
+              <a:t>2023/12/20</a:t>
             </a:fld>
             <a:endParaRPr kumimoji="1" lang="ja-JP" altLang="en-US"/>
           </a:p>
@@ -20538,7 +20538,7 @@
           <a:p>
             <a:fld id="{907C6EF5-DE51-4EDB-A1DF-9C3BABF24F6A}" type="datetimeFigureOut">
               <a:rPr kumimoji="1" lang="ja-JP" altLang="en-US" smtClean="0"/>
-              <a:t>2023/12/13</a:t>
+              <a:t>2023/12/20</a:t>
             </a:fld>
             <a:endParaRPr kumimoji="1" lang="ja-JP" altLang="en-US"/>
           </a:p>
@@ -20679,7 +20679,7 @@
           <a:p>
             <a:fld id="{907C6EF5-DE51-4EDB-A1DF-9C3BABF24F6A}" type="datetimeFigureOut">
               <a:rPr kumimoji="1" lang="ja-JP" altLang="en-US" smtClean="0"/>
-              <a:t>2023/12/13</a:t>
+              <a:t>2023/12/20</a:t>
             </a:fld>
             <a:endParaRPr kumimoji="1" lang="ja-JP" altLang="en-US"/>
           </a:p>
@@ -20792,7 +20792,7 @@
           <a:p>
             <a:fld id="{907C6EF5-DE51-4EDB-A1DF-9C3BABF24F6A}" type="datetimeFigureOut">
               <a:rPr kumimoji="1" lang="ja-JP" altLang="en-US" smtClean="0"/>
-              <a:t>2023/12/13</a:t>
+              <a:t>2023/12/20</a:t>
             </a:fld>
             <a:endParaRPr kumimoji="1" lang="ja-JP" altLang="en-US"/>
           </a:p>
@@ -21065,7 +21065,7 @@
           <a:p>
             <a:fld id="{907C6EF5-DE51-4EDB-A1DF-9C3BABF24F6A}" type="datetimeFigureOut">
               <a:rPr kumimoji="1" lang="ja-JP" altLang="en-US" smtClean="0"/>
-              <a:t>2023/12/13</a:t>
+              <a:t>2023/12/20</a:t>
             </a:fld>
             <a:endParaRPr kumimoji="1" lang="ja-JP" altLang="en-US"/>
           </a:p>
@@ -22068,7 +22068,7 @@
                 <a:latin typeface="HGPｺﾞｼｯｸE" panose="020B0900000000000000" pitchFamily="50" charset="-128"/>
                 <a:ea typeface="HGPｺﾞｼｯｸE" panose="020B0900000000000000" pitchFamily="50" charset="-128"/>
               </a:rPr>
-              <a:t>2023/12/13</a:t>
+              <a:t>2023/12/20</a:t>
             </a:fld>
             <a:endParaRPr kumimoji="1" lang="ja-JP" altLang="en-US" dirty="0">
               <a:solidFill>
@@ -23056,7 +23056,7 @@
                 <a:latin typeface="HGPｺﾞｼｯｸE" panose="020B0900000000000000" pitchFamily="50" charset="-128"/>
                 <a:ea typeface="HGPｺﾞｼｯｸE" panose="020B0900000000000000" pitchFamily="50" charset="-128"/>
               </a:rPr>
-              <a:t>2023/12/13</a:t>
+              <a:t>2023/12/20</a:t>
             </a:fld>
             <a:endParaRPr kumimoji="1" lang="ja-JP" altLang="en-US" dirty="0">
               <a:solidFill>
@@ -24070,7 +24070,7 @@
                 <a:latin typeface="HGPｺﾞｼｯｸE" panose="020B0900000000000000" pitchFamily="50" charset="-128"/>
                 <a:ea typeface="HGPｺﾞｼｯｸE" panose="020B0900000000000000" pitchFamily="50" charset="-128"/>
               </a:rPr>
-              <a:t>2023/12/13</a:t>
+              <a:t>2023/12/20</a:t>
             </a:fld>
             <a:endParaRPr kumimoji="1" lang="ja-JP" altLang="en-US" dirty="0">
               <a:solidFill>
@@ -25489,7 +25489,7 @@
                 <a:latin typeface="HGPｺﾞｼｯｸE" panose="020B0900000000000000" pitchFamily="50" charset="-128"/>
                 <a:ea typeface="HGPｺﾞｼｯｸE" panose="020B0900000000000000" pitchFamily="50" charset="-128"/>
               </a:rPr>
-              <a:t>2023/12/13</a:t>
+              <a:t>2023/12/20</a:t>
             </a:fld>
             <a:endParaRPr kumimoji="1" lang="ja-JP" altLang="en-US" dirty="0">
               <a:solidFill>
@@ -27099,7 +27099,7 @@
                 <a:latin typeface="HGPｺﾞｼｯｸE" panose="020B0900000000000000" pitchFamily="50" charset="-128"/>
                 <a:ea typeface="HGPｺﾞｼｯｸE" panose="020B0900000000000000" pitchFamily="50" charset="-128"/>
               </a:rPr>
-              <a:t>2023/12/13</a:t>
+              <a:t>2023/12/20</a:t>
             </a:fld>
             <a:endParaRPr kumimoji="1" lang="ja-JP" altLang="en-US" dirty="0">
               <a:solidFill>
@@ -30614,7 +30614,7 @@
                 <a:latin typeface="HGPｺﾞｼｯｸE" panose="020B0900000000000000" pitchFamily="50" charset="-128"/>
                 <a:ea typeface="HGPｺﾞｼｯｸE" panose="020B0900000000000000" pitchFamily="50" charset="-128"/>
               </a:rPr>
-              <a:t>2023/12/14</a:t>
+              <a:t>2023/12/20</a:t>
             </a:fld>
             <a:endParaRPr kumimoji="1" lang="ja-JP" altLang="en-US" dirty="0">
               <a:solidFill>
@@ -31017,7 +31017,11 @@
             </a:r>
             <a:r>
               <a:rPr kumimoji="1" lang="ja-JP" altLang="en-US" sz="900" dirty="0"/>
-              <a:t>データ整形</a:t>
+              <a:t>データ整形 </a:t>
+            </a:r>
+            <a:r>
+              <a:rPr lang="en-US" altLang="ja-JP" sz="900" dirty="0"/>
+              <a:t>(FormattingHallData)</a:t>
             </a:r>
             <a:endParaRPr kumimoji="1" lang="en-US" altLang="ja-JP" sz="900" dirty="0"/>
           </a:p>
